--- a/RVTutorial/P-tutorial-Part-1.pptx
+++ b/RVTutorial/P-tutorial-Part-1.pptx
@@ -5,7 +5,7 @@
     <p:sldMasterId id="2147483648" r:id="rId1"/>
   </p:sldMasterIdLst>
   <p:notesMasterIdLst>
-    <p:notesMasterId r:id="rId34"/>
+    <p:notesMasterId r:id="rId30"/>
   </p:notesMasterIdLst>
   <p:sldIdLst>
     <p:sldId id="256" r:id="rId2"/>
@@ -34,12 +34,8 @@
     <p:sldId id="298" r:id="rId25"/>
     <p:sldId id="272" r:id="rId26"/>
     <p:sldId id="273" r:id="rId27"/>
-    <p:sldId id="274" r:id="rId28"/>
-    <p:sldId id="276" r:id="rId29"/>
-    <p:sldId id="277" r:id="rId30"/>
-    <p:sldId id="278" r:id="rId31"/>
-    <p:sldId id="279" r:id="rId32"/>
-    <p:sldId id="302" r:id="rId33"/>
+    <p:sldId id="276" r:id="rId28"/>
+    <p:sldId id="302" r:id="rId29"/>
   </p:sldIdLst>
   <p:sldSz cx="12192000" cy="6858000"/>
   <p:notesSz cx="6858000" cy="9144000"/>
@@ -232,7 +228,7 @@
           <a:p>
             <a:fld id="{4D6C1395-F38E-4BBC-A387-C9D21622F6E5}" type="datetimeFigureOut">
               <a:rPr lang="en-US" smtClean="0"/>
-              <a:t>6/15/2017</a:t>
+              <a:t>9/11/2017</a:t>
             </a:fld>
             <a:endParaRPr lang="en-US"/>
           </a:p>
@@ -543,6 +539,2106 @@
           <a:bodyPr/>
           <a:lstStyle/>
           <a:p>
+            <a:endParaRPr lang="en-US"/>
+          </a:p>
+        </p:txBody>
+      </p:sp>
+      <p:sp>
+        <p:nvSpPr>
+          <p:cNvPr id="4" name="Slide Number Placeholder 3"/>
+          <p:cNvSpPr>
+            <a:spLocks noGrp="1"/>
+          </p:cNvSpPr>
+          <p:nvPr>
+            <p:ph type="sldNum" sz="quarter" idx="10"/>
+          </p:nvPr>
+        </p:nvSpPr>
+        <p:spPr/>
+        <p:txBody>
+          <a:bodyPr/>
+          <a:lstStyle/>
+          <a:p>
+            <a:fld id="{856E82CD-9B34-4DD7-A33E-65C9022BAB57}" type="slidenum">
+              <a:rPr lang="en-US" smtClean="0"/>
+              <a:t>1</a:t>
+            </a:fld>
+            <a:endParaRPr lang="en-US"/>
+          </a:p>
+        </p:txBody>
+      </p:sp>
+    </p:spTree>
+    <p:extLst>
+      <p:ext uri="{BB962C8B-B14F-4D97-AF65-F5344CB8AC3E}">
+        <p14:creationId xmlns:p14="http://schemas.microsoft.com/office/powerpoint/2010/main" val="3700347574"/>
+      </p:ext>
+    </p:extLst>
+  </p:cSld>
+  <p:clrMapOvr>
+    <a:masterClrMapping/>
+  </p:clrMapOvr>
+</p:notes>
+</file>
+
+<file path=ppt/notesSlides/notesSlide10.xml><?xml version="1.0" encoding="utf-8"?>
+<p:notes xmlns:a="http://schemas.openxmlformats.org/drawingml/2006/main" xmlns:r="http://schemas.openxmlformats.org/officeDocument/2006/relationships" xmlns:p="http://schemas.openxmlformats.org/presentationml/2006/main">
+  <p:cSld>
+    <p:spTree>
+      <p:nvGrpSpPr>
+        <p:cNvPr id="1" name=""/>
+        <p:cNvGrpSpPr/>
+        <p:nvPr/>
+      </p:nvGrpSpPr>
+      <p:grpSpPr>
+        <a:xfrm>
+          <a:off x="0" y="0"/>
+          <a:ext cx="0" cy="0"/>
+          <a:chOff x="0" y="0"/>
+          <a:chExt cx="0" cy="0"/>
+        </a:xfrm>
+      </p:grpSpPr>
+      <p:sp>
+        <p:nvSpPr>
+          <p:cNvPr id="2" name="Slide Image Placeholder 1"/>
+          <p:cNvSpPr>
+            <a:spLocks noGrp="1" noRot="1" noChangeAspect="1"/>
+          </p:cNvSpPr>
+          <p:nvPr>
+            <p:ph type="sldImg"/>
+          </p:nvPr>
+        </p:nvSpPr>
+        <p:spPr/>
+      </p:sp>
+      <p:sp>
+        <p:nvSpPr>
+          <p:cNvPr id="3" name="Notes Placeholder 2"/>
+          <p:cNvSpPr>
+            <a:spLocks noGrp="1"/>
+          </p:cNvSpPr>
+          <p:nvPr>
+            <p:ph type="body" idx="1"/>
+          </p:nvPr>
+        </p:nvSpPr>
+        <p:spPr/>
+        <p:txBody>
+          <a:bodyPr/>
+          <a:lstStyle/>
+          <a:p>
+            <a:endParaRPr lang="en-US"/>
+          </a:p>
+        </p:txBody>
+      </p:sp>
+      <p:sp>
+        <p:nvSpPr>
+          <p:cNvPr id="4" name="Slide Number Placeholder 3"/>
+          <p:cNvSpPr>
+            <a:spLocks noGrp="1"/>
+          </p:cNvSpPr>
+          <p:nvPr>
+            <p:ph type="sldNum" sz="quarter" idx="10"/>
+          </p:nvPr>
+        </p:nvSpPr>
+        <p:spPr/>
+        <p:txBody>
+          <a:bodyPr/>
+          <a:lstStyle/>
+          <a:p>
+            <a:fld id="{856E82CD-9B34-4DD7-A33E-65C9022BAB57}" type="slidenum">
+              <a:rPr lang="en-US" smtClean="0"/>
+              <a:t>10</a:t>
+            </a:fld>
+            <a:endParaRPr lang="en-US"/>
+          </a:p>
+        </p:txBody>
+      </p:sp>
+    </p:spTree>
+    <p:extLst>
+      <p:ext uri="{BB962C8B-B14F-4D97-AF65-F5344CB8AC3E}">
+        <p14:creationId xmlns:p14="http://schemas.microsoft.com/office/powerpoint/2010/main" val="3177033305"/>
+      </p:ext>
+    </p:extLst>
+  </p:cSld>
+  <p:clrMapOvr>
+    <a:masterClrMapping/>
+  </p:clrMapOvr>
+</p:notes>
+</file>
+
+<file path=ppt/notesSlides/notesSlide11.xml><?xml version="1.0" encoding="utf-8"?>
+<p:notes xmlns:a="http://schemas.openxmlformats.org/drawingml/2006/main" xmlns:r="http://schemas.openxmlformats.org/officeDocument/2006/relationships" xmlns:p="http://schemas.openxmlformats.org/presentationml/2006/main">
+  <p:cSld>
+    <p:spTree>
+      <p:nvGrpSpPr>
+        <p:cNvPr id="1" name=""/>
+        <p:cNvGrpSpPr/>
+        <p:nvPr/>
+      </p:nvGrpSpPr>
+      <p:grpSpPr>
+        <a:xfrm>
+          <a:off x="0" y="0"/>
+          <a:ext cx="0" cy="0"/>
+          <a:chOff x="0" y="0"/>
+          <a:chExt cx="0" cy="0"/>
+        </a:xfrm>
+      </p:grpSpPr>
+      <p:sp>
+        <p:nvSpPr>
+          <p:cNvPr id="2" name="Slide Image Placeholder 1"/>
+          <p:cNvSpPr>
+            <a:spLocks noGrp="1" noRot="1" noChangeAspect="1"/>
+          </p:cNvSpPr>
+          <p:nvPr>
+            <p:ph type="sldImg"/>
+          </p:nvPr>
+        </p:nvSpPr>
+        <p:spPr/>
+      </p:sp>
+      <p:sp>
+        <p:nvSpPr>
+          <p:cNvPr id="3" name="Notes Placeholder 2"/>
+          <p:cNvSpPr>
+            <a:spLocks noGrp="1"/>
+          </p:cNvSpPr>
+          <p:nvPr>
+            <p:ph type="body" idx="1"/>
+          </p:nvPr>
+        </p:nvSpPr>
+        <p:spPr/>
+        <p:txBody>
+          <a:bodyPr/>
+          <a:lstStyle/>
+          <a:p>
+            <a:endParaRPr lang="en-US"/>
+          </a:p>
+        </p:txBody>
+      </p:sp>
+      <p:sp>
+        <p:nvSpPr>
+          <p:cNvPr id="4" name="Slide Number Placeholder 3"/>
+          <p:cNvSpPr>
+            <a:spLocks noGrp="1"/>
+          </p:cNvSpPr>
+          <p:nvPr>
+            <p:ph type="sldNum" sz="quarter" idx="10"/>
+          </p:nvPr>
+        </p:nvSpPr>
+        <p:spPr/>
+        <p:txBody>
+          <a:bodyPr/>
+          <a:lstStyle/>
+          <a:p>
+            <a:fld id="{856E82CD-9B34-4DD7-A33E-65C9022BAB57}" type="slidenum">
+              <a:rPr lang="en-US" smtClean="0"/>
+              <a:t>11</a:t>
+            </a:fld>
+            <a:endParaRPr lang="en-US"/>
+          </a:p>
+        </p:txBody>
+      </p:sp>
+    </p:spTree>
+    <p:extLst>
+      <p:ext uri="{BB962C8B-B14F-4D97-AF65-F5344CB8AC3E}">
+        <p14:creationId xmlns:p14="http://schemas.microsoft.com/office/powerpoint/2010/main" val="3631456369"/>
+      </p:ext>
+    </p:extLst>
+  </p:cSld>
+  <p:clrMapOvr>
+    <a:masterClrMapping/>
+  </p:clrMapOvr>
+</p:notes>
+</file>
+
+<file path=ppt/notesSlides/notesSlide12.xml><?xml version="1.0" encoding="utf-8"?>
+<p:notes xmlns:a="http://schemas.openxmlformats.org/drawingml/2006/main" xmlns:r="http://schemas.openxmlformats.org/officeDocument/2006/relationships" xmlns:p="http://schemas.openxmlformats.org/presentationml/2006/main">
+  <p:cSld>
+    <p:spTree>
+      <p:nvGrpSpPr>
+        <p:cNvPr id="1" name=""/>
+        <p:cNvGrpSpPr/>
+        <p:nvPr/>
+      </p:nvGrpSpPr>
+      <p:grpSpPr>
+        <a:xfrm>
+          <a:off x="0" y="0"/>
+          <a:ext cx="0" cy="0"/>
+          <a:chOff x="0" y="0"/>
+          <a:chExt cx="0" cy="0"/>
+        </a:xfrm>
+      </p:grpSpPr>
+      <p:sp>
+        <p:nvSpPr>
+          <p:cNvPr id="2" name="Slide Image Placeholder 1"/>
+          <p:cNvSpPr>
+            <a:spLocks noGrp="1" noRot="1" noChangeAspect="1"/>
+          </p:cNvSpPr>
+          <p:nvPr>
+            <p:ph type="sldImg"/>
+          </p:nvPr>
+        </p:nvSpPr>
+        <p:spPr/>
+      </p:sp>
+      <p:sp>
+        <p:nvSpPr>
+          <p:cNvPr id="3" name="Notes Placeholder 2"/>
+          <p:cNvSpPr>
+            <a:spLocks noGrp="1"/>
+          </p:cNvSpPr>
+          <p:nvPr>
+            <p:ph type="body" idx="1"/>
+          </p:nvPr>
+        </p:nvSpPr>
+        <p:spPr/>
+        <p:txBody>
+          <a:bodyPr/>
+          <a:lstStyle/>
+          <a:p>
+            <a:endParaRPr lang="en-US"/>
+          </a:p>
+        </p:txBody>
+      </p:sp>
+      <p:sp>
+        <p:nvSpPr>
+          <p:cNvPr id="4" name="Slide Number Placeholder 3"/>
+          <p:cNvSpPr>
+            <a:spLocks noGrp="1"/>
+          </p:cNvSpPr>
+          <p:nvPr>
+            <p:ph type="sldNum" sz="quarter" idx="10"/>
+          </p:nvPr>
+        </p:nvSpPr>
+        <p:spPr/>
+        <p:txBody>
+          <a:bodyPr/>
+          <a:lstStyle/>
+          <a:p>
+            <a:fld id="{856E82CD-9B34-4DD7-A33E-65C9022BAB57}" type="slidenum">
+              <a:rPr lang="en-US" smtClean="0"/>
+              <a:t>12</a:t>
+            </a:fld>
+            <a:endParaRPr lang="en-US"/>
+          </a:p>
+        </p:txBody>
+      </p:sp>
+    </p:spTree>
+    <p:extLst>
+      <p:ext uri="{BB962C8B-B14F-4D97-AF65-F5344CB8AC3E}">
+        <p14:creationId xmlns:p14="http://schemas.microsoft.com/office/powerpoint/2010/main" val="3054032040"/>
+      </p:ext>
+    </p:extLst>
+  </p:cSld>
+  <p:clrMapOvr>
+    <a:masterClrMapping/>
+  </p:clrMapOvr>
+</p:notes>
+</file>
+
+<file path=ppt/notesSlides/notesSlide13.xml><?xml version="1.0" encoding="utf-8"?>
+<p:notes xmlns:a="http://schemas.openxmlformats.org/drawingml/2006/main" xmlns:r="http://schemas.openxmlformats.org/officeDocument/2006/relationships" xmlns:p="http://schemas.openxmlformats.org/presentationml/2006/main">
+  <p:cSld>
+    <p:spTree>
+      <p:nvGrpSpPr>
+        <p:cNvPr id="1" name=""/>
+        <p:cNvGrpSpPr/>
+        <p:nvPr/>
+      </p:nvGrpSpPr>
+      <p:grpSpPr>
+        <a:xfrm>
+          <a:off x="0" y="0"/>
+          <a:ext cx="0" cy="0"/>
+          <a:chOff x="0" y="0"/>
+          <a:chExt cx="0" cy="0"/>
+        </a:xfrm>
+      </p:grpSpPr>
+      <p:sp>
+        <p:nvSpPr>
+          <p:cNvPr id="2" name="Slide Image Placeholder 1"/>
+          <p:cNvSpPr>
+            <a:spLocks noGrp="1" noRot="1" noChangeAspect="1"/>
+          </p:cNvSpPr>
+          <p:nvPr>
+            <p:ph type="sldImg"/>
+          </p:nvPr>
+        </p:nvSpPr>
+        <p:spPr/>
+      </p:sp>
+      <p:sp>
+        <p:nvSpPr>
+          <p:cNvPr id="3" name="Notes Placeholder 2"/>
+          <p:cNvSpPr>
+            <a:spLocks noGrp="1"/>
+          </p:cNvSpPr>
+          <p:nvPr>
+            <p:ph type="body" idx="1"/>
+          </p:nvPr>
+        </p:nvSpPr>
+        <p:spPr/>
+        <p:txBody>
+          <a:bodyPr/>
+          <a:lstStyle/>
+          <a:p>
+            <a:endParaRPr lang="en-US"/>
+          </a:p>
+        </p:txBody>
+      </p:sp>
+      <p:sp>
+        <p:nvSpPr>
+          <p:cNvPr id="4" name="Slide Number Placeholder 3"/>
+          <p:cNvSpPr>
+            <a:spLocks noGrp="1"/>
+          </p:cNvSpPr>
+          <p:nvPr>
+            <p:ph type="sldNum" sz="quarter" idx="10"/>
+          </p:nvPr>
+        </p:nvSpPr>
+        <p:spPr/>
+        <p:txBody>
+          <a:bodyPr/>
+          <a:lstStyle/>
+          <a:p>
+            <a:fld id="{856E82CD-9B34-4DD7-A33E-65C9022BAB57}" type="slidenum">
+              <a:rPr lang="en-US" smtClean="0"/>
+              <a:t>13</a:t>
+            </a:fld>
+            <a:endParaRPr lang="en-US"/>
+          </a:p>
+        </p:txBody>
+      </p:sp>
+    </p:spTree>
+    <p:extLst>
+      <p:ext uri="{BB962C8B-B14F-4D97-AF65-F5344CB8AC3E}">
+        <p14:creationId xmlns:p14="http://schemas.microsoft.com/office/powerpoint/2010/main" val="1015782372"/>
+      </p:ext>
+    </p:extLst>
+  </p:cSld>
+  <p:clrMapOvr>
+    <a:masterClrMapping/>
+  </p:clrMapOvr>
+</p:notes>
+</file>
+
+<file path=ppt/notesSlides/notesSlide14.xml><?xml version="1.0" encoding="utf-8"?>
+<p:notes xmlns:a="http://schemas.openxmlformats.org/drawingml/2006/main" xmlns:r="http://schemas.openxmlformats.org/officeDocument/2006/relationships" xmlns:p="http://schemas.openxmlformats.org/presentationml/2006/main">
+  <p:cSld>
+    <p:spTree>
+      <p:nvGrpSpPr>
+        <p:cNvPr id="1" name=""/>
+        <p:cNvGrpSpPr/>
+        <p:nvPr/>
+      </p:nvGrpSpPr>
+      <p:grpSpPr>
+        <a:xfrm>
+          <a:off x="0" y="0"/>
+          <a:ext cx="0" cy="0"/>
+          <a:chOff x="0" y="0"/>
+          <a:chExt cx="0" cy="0"/>
+        </a:xfrm>
+      </p:grpSpPr>
+      <p:sp>
+        <p:nvSpPr>
+          <p:cNvPr id="2" name="Slide Image Placeholder 1"/>
+          <p:cNvSpPr>
+            <a:spLocks noGrp="1" noRot="1" noChangeAspect="1"/>
+          </p:cNvSpPr>
+          <p:nvPr>
+            <p:ph type="sldImg"/>
+          </p:nvPr>
+        </p:nvSpPr>
+        <p:spPr/>
+      </p:sp>
+      <p:sp>
+        <p:nvSpPr>
+          <p:cNvPr id="3" name="Notes Placeholder 2"/>
+          <p:cNvSpPr>
+            <a:spLocks noGrp="1"/>
+          </p:cNvSpPr>
+          <p:nvPr>
+            <p:ph type="body" idx="1"/>
+          </p:nvPr>
+        </p:nvSpPr>
+        <p:spPr/>
+        <p:txBody>
+          <a:bodyPr/>
+          <a:lstStyle/>
+          <a:p>
+            <a:endParaRPr lang="en-US"/>
+          </a:p>
+        </p:txBody>
+      </p:sp>
+      <p:sp>
+        <p:nvSpPr>
+          <p:cNvPr id="4" name="Slide Number Placeholder 3"/>
+          <p:cNvSpPr>
+            <a:spLocks noGrp="1"/>
+          </p:cNvSpPr>
+          <p:nvPr>
+            <p:ph type="sldNum" sz="quarter" idx="10"/>
+          </p:nvPr>
+        </p:nvSpPr>
+        <p:spPr/>
+        <p:txBody>
+          <a:bodyPr/>
+          <a:lstStyle/>
+          <a:p>
+            <a:fld id="{856E82CD-9B34-4DD7-A33E-65C9022BAB57}" type="slidenum">
+              <a:rPr lang="en-US" smtClean="0"/>
+              <a:t>14</a:t>
+            </a:fld>
+            <a:endParaRPr lang="en-US"/>
+          </a:p>
+        </p:txBody>
+      </p:sp>
+    </p:spTree>
+    <p:extLst>
+      <p:ext uri="{BB962C8B-B14F-4D97-AF65-F5344CB8AC3E}">
+        <p14:creationId xmlns:p14="http://schemas.microsoft.com/office/powerpoint/2010/main" val="1121126908"/>
+      </p:ext>
+    </p:extLst>
+  </p:cSld>
+  <p:clrMapOvr>
+    <a:masterClrMapping/>
+  </p:clrMapOvr>
+</p:notes>
+</file>
+
+<file path=ppt/notesSlides/notesSlide15.xml><?xml version="1.0" encoding="utf-8"?>
+<p:notes xmlns:a="http://schemas.openxmlformats.org/drawingml/2006/main" xmlns:r="http://schemas.openxmlformats.org/officeDocument/2006/relationships" xmlns:p="http://schemas.openxmlformats.org/presentationml/2006/main">
+  <p:cSld>
+    <p:spTree>
+      <p:nvGrpSpPr>
+        <p:cNvPr id="1" name=""/>
+        <p:cNvGrpSpPr/>
+        <p:nvPr/>
+      </p:nvGrpSpPr>
+      <p:grpSpPr>
+        <a:xfrm>
+          <a:off x="0" y="0"/>
+          <a:ext cx="0" cy="0"/>
+          <a:chOff x="0" y="0"/>
+          <a:chExt cx="0" cy="0"/>
+        </a:xfrm>
+      </p:grpSpPr>
+      <p:sp>
+        <p:nvSpPr>
+          <p:cNvPr id="2" name="Slide Image Placeholder 1"/>
+          <p:cNvSpPr>
+            <a:spLocks noGrp="1" noRot="1" noChangeAspect="1"/>
+          </p:cNvSpPr>
+          <p:nvPr>
+            <p:ph type="sldImg"/>
+          </p:nvPr>
+        </p:nvSpPr>
+        <p:spPr/>
+      </p:sp>
+      <p:sp>
+        <p:nvSpPr>
+          <p:cNvPr id="3" name="Notes Placeholder 2"/>
+          <p:cNvSpPr>
+            <a:spLocks noGrp="1"/>
+          </p:cNvSpPr>
+          <p:nvPr>
+            <p:ph type="body" idx="1"/>
+          </p:nvPr>
+        </p:nvSpPr>
+        <p:spPr/>
+        <p:txBody>
+          <a:bodyPr/>
+          <a:lstStyle/>
+          <a:p>
+            <a:endParaRPr lang="en-US"/>
+          </a:p>
+        </p:txBody>
+      </p:sp>
+      <p:sp>
+        <p:nvSpPr>
+          <p:cNvPr id="4" name="Slide Number Placeholder 3"/>
+          <p:cNvSpPr>
+            <a:spLocks noGrp="1"/>
+          </p:cNvSpPr>
+          <p:nvPr>
+            <p:ph type="sldNum" sz="quarter" idx="10"/>
+          </p:nvPr>
+        </p:nvSpPr>
+        <p:spPr/>
+        <p:txBody>
+          <a:bodyPr/>
+          <a:lstStyle/>
+          <a:p>
+            <a:fld id="{856E82CD-9B34-4DD7-A33E-65C9022BAB57}" type="slidenum">
+              <a:rPr lang="en-US" smtClean="0"/>
+              <a:t>15</a:t>
+            </a:fld>
+            <a:endParaRPr lang="en-US"/>
+          </a:p>
+        </p:txBody>
+      </p:sp>
+    </p:spTree>
+    <p:extLst>
+      <p:ext uri="{BB962C8B-B14F-4D97-AF65-F5344CB8AC3E}">
+        <p14:creationId xmlns:p14="http://schemas.microsoft.com/office/powerpoint/2010/main" val="3281592474"/>
+      </p:ext>
+    </p:extLst>
+  </p:cSld>
+  <p:clrMapOvr>
+    <a:masterClrMapping/>
+  </p:clrMapOvr>
+</p:notes>
+</file>
+
+<file path=ppt/notesSlides/notesSlide16.xml><?xml version="1.0" encoding="utf-8"?>
+<p:notes xmlns:a="http://schemas.openxmlformats.org/drawingml/2006/main" xmlns:r="http://schemas.openxmlformats.org/officeDocument/2006/relationships" xmlns:p="http://schemas.openxmlformats.org/presentationml/2006/main">
+  <p:cSld>
+    <p:spTree>
+      <p:nvGrpSpPr>
+        <p:cNvPr id="1" name=""/>
+        <p:cNvGrpSpPr/>
+        <p:nvPr/>
+      </p:nvGrpSpPr>
+      <p:grpSpPr>
+        <a:xfrm>
+          <a:off x="0" y="0"/>
+          <a:ext cx="0" cy="0"/>
+          <a:chOff x="0" y="0"/>
+          <a:chExt cx="0" cy="0"/>
+        </a:xfrm>
+      </p:grpSpPr>
+      <p:sp>
+        <p:nvSpPr>
+          <p:cNvPr id="2" name="Slide Image Placeholder 1"/>
+          <p:cNvSpPr>
+            <a:spLocks noGrp="1" noRot="1" noChangeAspect="1"/>
+          </p:cNvSpPr>
+          <p:nvPr>
+            <p:ph type="sldImg"/>
+          </p:nvPr>
+        </p:nvSpPr>
+        <p:spPr/>
+      </p:sp>
+      <p:sp>
+        <p:nvSpPr>
+          <p:cNvPr id="3" name="Notes Placeholder 2"/>
+          <p:cNvSpPr>
+            <a:spLocks noGrp="1"/>
+          </p:cNvSpPr>
+          <p:nvPr>
+            <p:ph type="body" idx="1"/>
+          </p:nvPr>
+        </p:nvSpPr>
+        <p:spPr/>
+        <p:txBody>
+          <a:bodyPr/>
+          <a:lstStyle/>
+          <a:p>
+            <a:endParaRPr lang="en-US"/>
+          </a:p>
+        </p:txBody>
+      </p:sp>
+      <p:sp>
+        <p:nvSpPr>
+          <p:cNvPr id="4" name="Slide Number Placeholder 3"/>
+          <p:cNvSpPr>
+            <a:spLocks noGrp="1"/>
+          </p:cNvSpPr>
+          <p:nvPr>
+            <p:ph type="sldNum" sz="quarter" idx="10"/>
+          </p:nvPr>
+        </p:nvSpPr>
+        <p:spPr/>
+        <p:txBody>
+          <a:bodyPr/>
+          <a:lstStyle/>
+          <a:p>
+            <a:fld id="{856E82CD-9B34-4DD7-A33E-65C9022BAB57}" type="slidenum">
+              <a:rPr lang="en-US" smtClean="0"/>
+              <a:t>16</a:t>
+            </a:fld>
+            <a:endParaRPr lang="en-US"/>
+          </a:p>
+        </p:txBody>
+      </p:sp>
+    </p:spTree>
+    <p:extLst>
+      <p:ext uri="{BB962C8B-B14F-4D97-AF65-F5344CB8AC3E}">
+        <p14:creationId xmlns:p14="http://schemas.microsoft.com/office/powerpoint/2010/main" val="3092797101"/>
+      </p:ext>
+    </p:extLst>
+  </p:cSld>
+  <p:clrMapOvr>
+    <a:masterClrMapping/>
+  </p:clrMapOvr>
+</p:notes>
+</file>
+
+<file path=ppt/notesSlides/notesSlide17.xml><?xml version="1.0" encoding="utf-8"?>
+<p:notes xmlns:a="http://schemas.openxmlformats.org/drawingml/2006/main" xmlns:r="http://schemas.openxmlformats.org/officeDocument/2006/relationships" xmlns:p="http://schemas.openxmlformats.org/presentationml/2006/main">
+  <p:cSld>
+    <p:spTree>
+      <p:nvGrpSpPr>
+        <p:cNvPr id="1" name=""/>
+        <p:cNvGrpSpPr/>
+        <p:nvPr/>
+      </p:nvGrpSpPr>
+      <p:grpSpPr>
+        <a:xfrm>
+          <a:off x="0" y="0"/>
+          <a:ext cx="0" cy="0"/>
+          <a:chOff x="0" y="0"/>
+          <a:chExt cx="0" cy="0"/>
+        </a:xfrm>
+      </p:grpSpPr>
+      <p:sp>
+        <p:nvSpPr>
+          <p:cNvPr id="2" name="Slide Image Placeholder 1"/>
+          <p:cNvSpPr>
+            <a:spLocks noGrp="1" noRot="1" noChangeAspect="1"/>
+          </p:cNvSpPr>
+          <p:nvPr>
+            <p:ph type="sldImg"/>
+          </p:nvPr>
+        </p:nvSpPr>
+        <p:spPr/>
+      </p:sp>
+      <p:sp>
+        <p:nvSpPr>
+          <p:cNvPr id="3" name="Notes Placeholder 2"/>
+          <p:cNvSpPr>
+            <a:spLocks noGrp="1"/>
+          </p:cNvSpPr>
+          <p:nvPr>
+            <p:ph type="body" idx="1"/>
+          </p:nvPr>
+        </p:nvSpPr>
+        <p:spPr/>
+        <p:txBody>
+          <a:bodyPr/>
+          <a:lstStyle/>
+          <a:p>
+            <a:endParaRPr lang="en-US"/>
+          </a:p>
+        </p:txBody>
+      </p:sp>
+      <p:sp>
+        <p:nvSpPr>
+          <p:cNvPr id="4" name="Slide Number Placeholder 3"/>
+          <p:cNvSpPr>
+            <a:spLocks noGrp="1"/>
+          </p:cNvSpPr>
+          <p:nvPr>
+            <p:ph type="sldNum" sz="quarter" idx="10"/>
+          </p:nvPr>
+        </p:nvSpPr>
+        <p:spPr/>
+        <p:txBody>
+          <a:bodyPr/>
+          <a:lstStyle/>
+          <a:p>
+            <a:fld id="{856E82CD-9B34-4DD7-A33E-65C9022BAB57}" type="slidenum">
+              <a:rPr lang="en-US" smtClean="0"/>
+              <a:t>17</a:t>
+            </a:fld>
+            <a:endParaRPr lang="en-US"/>
+          </a:p>
+        </p:txBody>
+      </p:sp>
+    </p:spTree>
+    <p:extLst>
+      <p:ext uri="{BB962C8B-B14F-4D97-AF65-F5344CB8AC3E}">
+        <p14:creationId xmlns:p14="http://schemas.microsoft.com/office/powerpoint/2010/main" val="3122260014"/>
+      </p:ext>
+    </p:extLst>
+  </p:cSld>
+  <p:clrMapOvr>
+    <a:masterClrMapping/>
+  </p:clrMapOvr>
+</p:notes>
+</file>
+
+<file path=ppt/notesSlides/notesSlide18.xml><?xml version="1.0" encoding="utf-8"?>
+<p:notes xmlns:a="http://schemas.openxmlformats.org/drawingml/2006/main" xmlns:r="http://schemas.openxmlformats.org/officeDocument/2006/relationships" xmlns:p="http://schemas.openxmlformats.org/presentationml/2006/main">
+  <p:cSld>
+    <p:spTree>
+      <p:nvGrpSpPr>
+        <p:cNvPr id="1" name=""/>
+        <p:cNvGrpSpPr/>
+        <p:nvPr/>
+      </p:nvGrpSpPr>
+      <p:grpSpPr>
+        <a:xfrm>
+          <a:off x="0" y="0"/>
+          <a:ext cx="0" cy="0"/>
+          <a:chOff x="0" y="0"/>
+          <a:chExt cx="0" cy="0"/>
+        </a:xfrm>
+      </p:grpSpPr>
+      <p:sp>
+        <p:nvSpPr>
+          <p:cNvPr id="2" name="Slide Image Placeholder 1"/>
+          <p:cNvSpPr>
+            <a:spLocks noGrp="1" noRot="1" noChangeAspect="1"/>
+          </p:cNvSpPr>
+          <p:nvPr>
+            <p:ph type="sldImg"/>
+          </p:nvPr>
+        </p:nvSpPr>
+        <p:spPr/>
+      </p:sp>
+      <p:sp>
+        <p:nvSpPr>
+          <p:cNvPr id="3" name="Notes Placeholder 2"/>
+          <p:cNvSpPr>
+            <a:spLocks noGrp="1"/>
+          </p:cNvSpPr>
+          <p:nvPr>
+            <p:ph type="body" idx="1"/>
+          </p:nvPr>
+        </p:nvSpPr>
+        <p:spPr/>
+        <p:txBody>
+          <a:bodyPr/>
+          <a:lstStyle/>
+          <a:p>
+            <a:endParaRPr lang="en-US"/>
+          </a:p>
+        </p:txBody>
+      </p:sp>
+      <p:sp>
+        <p:nvSpPr>
+          <p:cNvPr id="4" name="Slide Number Placeholder 3"/>
+          <p:cNvSpPr>
+            <a:spLocks noGrp="1"/>
+          </p:cNvSpPr>
+          <p:nvPr>
+            <p:ph type="sldNum" sz="quarter" idx="10"/>
+          </p:nvPr>
+        </p:nvSpPr>
+        <p:spPr/>
+        <p:txBody>
+          <a:bodyPr/>
+          <a:lstStyle/>
+          <a:p>
+            <a:fld id="{856E82CD-9B34-4DD7-A33E-65C9022BAB57}" type="slidenum">
+              <a:rPr lang="en-US" smtClean="0"/>
+              <a:t>18</a:t>
+            </a:fld>
+            <a:endParaRPr lang="en-US"/>
+          </a:p>
+        </p:txBody>
+      </p:sp>
+    </p:spTree>
+    <p:extLst>
+      <p:ext uri="{BB962C8B-B14F-4D97-AF65-F5344CB8AC3E}">
+        <p14:creationId xmlns:p14="http://schemas.microsoft.com/office/powerpoint/2010/main" val="1258956523"/>
+      </p:ext>
+    </p:extLst>
+  </p:cSld>
+  <p:clrMapOvr>
+    <a:masterClrMapping/>
+  </p:clrMapOvr>
+</p:notes>
+</file>
+
+<file path=ppt/notesSlides/notesSlide19.xml><?xml version="1.0" encoding="utf-8"?>
+<p:notes xmlns:a="http://schemas.openxmlformats.org/drawingml/2006/main" xmlns:r="http://schemas.openxmlformats.org/officeDocument/2006/relationships" xmlns:p="http://schemas.openxmlformats.org/presentationml/2006/main">
+  <p:cSld>
+    <p:spTree>
+      <p:nvGrpSpPr>
+        <p:cNvPr id="1" name=""/>
+        <p:cNvGrpSpPr/>
+        <p:nvPr/>
+      </p:nvGrpSpPr>
+      <p:grpSpPr>
+        <a:xfrm>
+          <a:off x="0" y="0"/>
+          <a:ext cx="0" cy="0"/>
+          <a:chOff x="0" y="0"/>
+          <a:chExt cx="0" cy="0"/>
+        </a:xfrm>
+      </p:grpSpPr>
+      <p:sp>
+        <p:nvSpPr>
+          <p:cNvPr id="2" name="Slide Image Placeholder 1"/>
+          <p:cNvSpPr>
+            <a:spLocks noGrp="1" noRot="1" noChangeAspect="1"/>
+          </p:cNvSpPr>
+          <p:nvPr>
+            <p:ph type="sldImg"/>
+          </p:nvPr>
+        </p:nvSpPr>
+        <p:spPr/>
+      </p:sp>
+      <p:sp>
+        <p:nvSpPr>
+          <p:cNvPr id="3" name="Notes Placeholder 2"/>
+          <p:cNvSpPr>
+            <a:spLocks noGrp="1"/>
+          </p:cNvSpPr>
+          <p:nvPr>
+            <p:ph type="body" idx="1"/>
+          </p:nvPr>
+        </p:nvSpPr>
+        <p:spPr/>
+        <p:txBody>
+          <a:bodyPr/>
+          <a:lstStyle/>
+          <a:p>
+            <a:endParaRPr lang="en-US"/>
+          </a:p>
+        </p:txBody>
+      </p:sp>
+      <p:sp>
+        <p:nvSpPr>
+          <p:cNvPr id="4" name="Slide Number Placeholder 3"/>
+          <p:cNvSpPr>
+            <a:spLocks noGrp="1"/>
+          </p:cNvSpPr>
+          <p:nvPr>
+            <p:ph type="sldNum" sz="quarter" idx="10"/>
+          </p:nvPr>
+        </p:nvSpPr>
+        <p:spPr/>
+        <p:txBody>
+          <a:bodyPr/>
+          <a:lstStyle/>
+          <a:p>
+            <a:fld id="{856E82CD-9B34-4DD7-A33E-65C9022BAB57}" type="slidenum">
+              <a:rPr lang="en-US" smtClean="0"/>
+              <a:t>19</a:t>
+            </a:fld>
+            <a:endParaRPr lang="en-US"/>
+          </a:p>
+        </p:txBody>
+      </p:sp>
+    </p:spTree>
+    <p:extLst>
+      <p:ext uri="{BB962C8B-B14F-4D97-AF65-F5344CB8AC3E}">
+        <p14:creationId xmlns:p14="http://schemas.microsoft.com/office/powerpoint/2010/main" val="1690977359"/>
+      </p:ext>
+    </p:extLst>
+  </p:cSld>
+  <p:clrMapOvr>
+    <a:masterClrMapping/>
+  </p:clrMapOvr>
+</p:notes>
+</file>
+
+<file path=ppt/notesSlides/notesSlide2.xml><?xml version="1.0" encoding="utf-8"?>
+<p:notes xmlns:a="http://schemas.openxmlformats.org/drawingml/2006/main" xmlns:r="http://schemas.openxmlformats.org/officeDocument/2006/relationships" xmlns:p="http://schemas.openxmlformats.org/presentationml/2006/main">
+  <p:cSld>
+    <p:spTree>
+      <p:nvGrpSpPr>
+        <p:cNvPr id="1" name=""/>
+        <p:cNvGrpSpPr/>
+        <p:nvPr/>
+      </p:nvGrpSpPr>
+      <p:grpSpPr>
+        <a:xfrm>
+          <a:off x="0" y="0"/>
+          <a:ext cx="0" cy="0"/>
+          <a:chOff x="0" y="0"/>
+          <a:chExt cx="0" cy="0"/>
+        </a:xfrm>
+      </p:grpSpPr>
+      <p:sp>
+        <p:nvSpPr>
+          <p:cNvPr id="2" name="Slide Image Placeholder 1"/>
+          <p:cNvSpPr>
+            <a:spLocks noGrp="1" noRot="1" noChangeAspect="1"/>
+          </p:cNvSpPr>
+          <p:nvPr>
+            <p:ph type="sldImg"/>
+          </p:nvPr>
+        </p:nvSpPr>
+        <p:spPr/>
+      </p:sp>
+      <p:sp>
+        <p:nvSpPr>
+          <p:cNvPr id="3" name="Notes Placeholder 2"/>
+          <p:cNvSpPr>
+            <a:spLocks noGrp="1"/>
+          </p:cNvSpPr>
+          <p:nvPr>
+            <p:ph type="body" idx="1"/>
+          </p:nvPr>
+        </p:nvSpPr>
+        <p:spPr/>
+        <p:txBody>
+          <a:bodyPr/>
+          <a:lstStyle/>
+          <a:p>
+            <a:endParaRPr lang="en-US"/>
+          </a:p>
+        </p:txBody>
+      </p:sp>
+      <p:sp>
+        <p:nvSpPr>
+          <p:cNvPr id="4" name="Slide Number Placeholder 3"/>
+          <p:cNvSpPr>
+            <a:spLocks noGrp="1"/>
+          </p:cNvSpPr>
+          <p:nvPr>
+            <p:ph type="sldNum" sz="quarter" idx="10"/>
+          </p:nvPr>
+        </p:nvSpPr>
+        <p:spPr/>
+        <p:txBody>
+          <a:bodyPr/>
+          <a:lstStyle/>
+          <a:p>
+            <a:fld id="{856E82CD-9B34-4DD7-A33E-65C9022BAB57}" type="slidenum">
+              <a:rPr lang="en-US" smtClean="0"/>
+              <a:t>2</a:t>
+            </a:fld>
+            <a:endParaRPr lang="en-US"/>
+          </a:p>
+        </p:txBody>
+      </p:sp>
+    </p:spTree>
+    <p:extLst>
+      <p:ext uri="{BB962C8B-B14F-4D97-AF65-F5344CB8AC3E}">
+        <p14:creationId xmlns:p14="http://schemas.microsoft.com/office/powerpoint/2010/main" val="2278371257"/>
+      </p:ext>
+    </p:extLst>
+  </p:cSld>
+  <p:clrMapOvr>
+    <a:masterClrMapping/>
+  </p:clrMapOvr>
+</p:notes>
+</file>
+
+<file path=ppt/notesSlides/notesSlide20.xml><?xml version="1.0" encoding="utf-8"?>
+<p:notes xmlns:a="http://schemas.openxmlformats.org/drawingml/2006/main" xmlns:r="http://schemas.openxmlformats.org/officeDocument/2006/relationships" xmlns:p="http://schemas.openxmlformats.org/presentationml/2006/main">
+  <p:cSld>
+    <p:spTree>
+      <p:nvGrpSpPr>
+        <p:cNvPr id="1" name=""/>
+        <p:cNvGrpSpPr/>
+        <p:nvPr/>
+      </p:nvGrpSpPr>
+      <p:grpSpPr>
+        <a:xfrm>
+          <a:off x="0" y="0"/>
+          <a:ext cx="0" cy="0"/>
+          <a:chOff x="0" y="0"/>
+          <a:chExt cx="0" cy="0"/>
+        </a:xfrm>
+      </p:grpSpPr>
+      <p:sp>
+        <p:nvSpPr>
+          <p:cNvPr id="2" name="Slide Image Placeholder 1"/>
+          <p:cNvSpPr>
+            <a:spLocks noGrp="1" noRot="1" noChangeAspect="1"/>
+          </p:cNvSpPr>
+          <p:nvPr>
+            <p:ph type="sldImg"/>
+          </p:nvPr>
+        </p:nvSpPr>
+        <p:spPr/>
+      </p:sp>
+      <p:sp>
+        <p:nvSpPr>
+          <p:cNvPr id="3" name="Notes Placeholder 2"/>
+          <p:cNvSpPr>
+            <a:spLocks noGrp="1"/>
+          </p:cNvSpPr>
+          <p:nvPr>
+            <p:ph type="body" idx="1"/>
+          </p:nvPr>
+        </p:nvSpPr>
+        <p:spPr/>
+        <p:txBody>
+          <a:bodyPr/>
+          <a:lstStyle/>
+          <a:p>
+            <a:endParaRPr lang="en-US"/>
+          </a:p>
+        </p:txBody>
+      </p:sp>
+      <p:sp>
+        <p:nvSpPr>
+          <p:cNvPr id="4" name="Slide Number Placeholder 3"/>
+          <p:cNvSpPr>
+            <a:spLocks noGrp="1"/>
+          </p:cNvSpPr>
+          <p:nvPr>
+            <p:ph type="sldNum" sz="quarter" idx="10"/>
+          </p:nvPr>
+        </p:nvSpPr>
+        <p:spPr/>
+        <p:txBody>
+          <a:bodyPr/>
+          <a:lstStyle/>
+          <a:p>
+            <a:fld id="{856E82CD-9B34-4DD7-A33E-65C9022BAB57}" type="slidenum">
+              <a:rPr lang="en-US" smtClean="0"/>
+              <a:t>20</a:t>
+            </a:fld>
+            <a:endParaRPr lang="en-US"/>
+          </a:p>
+        </p:txBody>
+      </p:sp>
+    </p:spTree>
+    <p:extLst>
+      <p:ext uri="{BB962C8B-B14F-4D97-AF65-F5344CB8AC3E}">
+        <p14:creationId xmlns:p14="http://schemas.microsoft.com/office/powerpoint/2010/main" val="823557455"/>
+      </p:ext>
+    </p:extLst>
+  </p:cSld>
+  <p:clrMapOvr>
+    <a:masterClrMapping/>
+  </p:clrMapOvr>
+</p:notes>
+</file>
+
+<file path=ppt/notesSlides/notesSlide21.xml><?xml version="1.0" encoding="utf-8"?>
+<p:notes xmlns:a="http://schemas.openxmlformats.org/drawingml/2006/main" xmlns:r="http://schemas.openxmlformats.org/officeDocument/2006/relationships" xmlns:p="http://schemas.openxmlformats.org/presentationml/2006/main">
+  <p:cSld>
+    <p:spTree>
+      <p:nvGrpSpPr>
+        <p:cNvPr id="1" name=""/>
+        <p:cNvGrpSpPr/>
+        <p:nvPr/>
+      </p:nvGrpSpPr>
+      <p:grpSpPr>
+        <a:xfrm>
+          <a:off x="0" y="0"/>
+          <a:ext cx="0" cy="0"/>
+          <a:chOff x="0" y="0"/>
+          <a:chExt cx="0" cy="0"/>
+        </a:xfrm>
+      </p:grpSpPr>
+      <p:sp>
+        <p:nvSpPr>
+          <p:cNvPr id="2" name="Slide Image Placeholder 1"/>
+          <p:cNvSpPr>
+            <a:spLocks noGrp="1" noRot="1" noChangeAspect="1"/>
+          </p:cNvSpPr>
+          <p:nvPr>
+            <p:ph type="sldImg"/>
+          </p:nvPr>
+        </p:nvSpPr>
+        <p:spPr/>
+      </p:sp>
+      <p:sp>
+        <p:nvSpPr>
+          <p:cNvPr id="3" name="Notes Placeholder 2"/>
+          <p:cNvSpPr>
+            <a:spLocks noGrp="1"/>
+          </p:cNvSpPr>
+          <p:nvPr>
+            <p:ph type="body" idx="1"/>
+          </p:nvPr>
+        </p:nvSpPr>
+        <p:spPr/>
+        <p:txBody>
+          <a:bodyPr/>
+          <a:lstStyle/>
+          <a:p>
+            <a:endParaRPr lang="en-US"/>
+          </a:p>
+        </p:txBody>
+      </p:sp>
+      <p:sp>
+        <p:nvSpPr>
+          <p:cNvPr id="4" name="Slide Number Placeholder 3"/>
+          <p:cNvSpPr>
+            <a:spLocks noGrp="1"/>
+          </p:cNvSpPr>
+          <p:nvPr>
+            <p:ph type="sldNum" sz="quarter" idx="10"/>
+          </p:nvPr>
+        </p:nvSpPr>
+        <p:spPr/>
+        <p:txBody>
+          <a:bodyPr/>
+          <a:lstStyle/>
+          <a:p>
+            <a:fld id="{856E82CD-9B34-4DD7-A33E-65C9022BAB57}" type="slidenum">
+              <a:rPr lang="en-US" smtClean="0"/>
+              <a:t>21</a:t>
+            </a:fld>
+            <a:endParaRPr lang="en-US"/>
+          </a:p>
+        </p:txBody>
+      </p:sp>
+    </p:spTree>
+    <p:extLst>
+      <p:ext uri="{BB962C8B-B14F-4D97-AF65-F5344CB8AC3E}">
+        <p14:creationId xmlns:p14="http://schemas.microsoft.com/office/powerpoint/2010/main" val="1934032943"/>
+      </p:ext>
+    </p:extLst>
+  </p:cSld>
+  <p:clrMapOvr>
+    <a:masterClrMapping/>
+  </p:clrMapOvr>
+</p:notes>
+</file>
+
+<file path=ppt/notesSlides/notesSlide22.xml><?xml version="1.0" encoding="utf-8"?>
+<p:notes xmlns:a="http://schemas.openxmlformats.org/drawingml/2006/main" xmlns:r="http://schemas.openxmlformats.org/officeDocument/2006/relationships" xmlns:p="http://schemas.openxmlformats.org/presentationml/2006/main">
+  <p:cSld>
+    <p:spTree>
+      <p:nvGrpSpPr>
+        <p:cNvPr id="1" name=""/>
+        <p:cNvGrpSpPr/>
+        <p:nvPr/>
+      </p:nvGrpSpPr>
+      <p:grpSpPr>
+        <a:xfrm>
+          <a:off x="0" y="0"/>
+          <a:ext cx="0" cy="0"/>
+          <a:chOff x="0" y="0"/>
+          <a:chExt cx="0" cy="0"/>
+        </a:xfrm>
+      </p:grpSpPr>
+      <p:sp>
+        <p:nvSpPr>
+          <p:cNvPr id="2" name="Slide Image Placeholder 1"/>
+          <p:cNvSpPr>
+            <a:spLocks noGrp="1" noRot="1" noChangeAspect="1"/>
+          </p:cNvSpPr>
+          <p:nvPr>
+            <p:ph type="sldImg"/>
+          </p:nvPr>
+        </p:nvSpPr>
+        <p:spPr/>
+      </p:sp>
+      <p:sp>
+        <p:nvSpPr>
+          <p:cNvPr id="3" name="Notes Placeholder 2"/>
+          <p:cNvSpPr>
+            <a:spLocks noGrp="1"/>
+          </p:cNvSpPr>
+          <p:nvPr>
+            <p:ph type="body" idx="1"/>
+          </p:nvPr>
+        </p:nvSpPr>
+        <p:spPr/>
+        <p:txBody>
+          <a:bodyPr/>
+          <a:lstStyle/>
+          <a:p>
+            <a:endParaRPr lang="en-US"/>
+          </a:p>
+        </p:txBody>
+      </p:sp>
+      <p:sp>
+        <p:nvSpPr>
+          <p:cNvPr id="4" name="Slide Number Placeholder 3"/>
+          <p:cNvSpPr>
+            <a:spLocks noGrp="1"/>
+          </p:cNvSpPr>
+          <p:nvPr>
+            <p:ph type="sldNum" sz="quarter" idx="10"/>
+          </p:nvPr>
+        </p:nvSpPr>
+        <p:spPr/>
+        <p:txBody>
+          <a:bodyPr/>
+          <a:lstStyle/>
+          <a:p>
+            <a:fld id="{856E82CD-9B34-4DD7-A33E-65C9022BAB57}" type="slidenum">
+              <a:rPr lang="en-US" smtClean="0"/>
+              <a:t>22</a:t>
+            </a:fld>
+            <a:endParaRPr lang="en-US"/>
+          </a:p>
+        </p:txBody>
+      </p:sp>
+    </p:spTree>
+    <p:extLst>
+      <p:ext uri="{BB962C8B-B14F-4D97-AF65-F5344CB8AC3E}">
+        <p14:creationId xmlns:p14="http://schemas.microsoft.com/office/powerpoint/2010/main" val="3919952447"/>
+      </p:ext>
+    </p:extLst>
+  </p:cSld>
+  <p:clrMapOvr>
+    <a:masterClrMapping/>
+  </p:clrMapOvr>
+</p:notes>
+</file>
+
+<file path=ppt/notesSlides/notesSlide23.xml><?xml version="1.0" encoding="utf-8"?>
+<p:notes xmlns:a="http://schemas.openxmlformats.org/drawingml/2006/main" xmlns:r="http://schemas.openxmlformats.org/officeDocument/2006/relationships" xmlns:p="http://schemas.openxmlformats.org/presentationml/2006/main">
+  <p:cSld>
+    <p:spTree>
+      <p:nvGrpSpPr>
+        <p:cNvPr id="1" name=""/>
+        <p:cNvGrpSpPr/>
+        <p:nvPr/>
+      </p:nvGrpSpPr>
+      <p:grpSpPr>
+        <a:xfrm>
+          <a:off x="0" y="0"/>
+          <a:ext cx="0" cy="0"/>
+          <a:chOff x="0" y="0"/>
+          <a:chExt cx="0" cy="0"/>
+        </a:xfrm>
+      </p:grpSpPr>
+      <p:sp>
+        <p:nvSpPr>
+          <p:cNvPr id="2" name="Slide Image Placeholder 1"/>
+          <p:cNvSpPr>
+            <a:spLocks noGrp="1" noRot="1" noChangeAspect="1"/>
+          </p:cNvSpPr>
+          <p:nvPr>
+            <p:ph type="sldImg"/>
+          </p:nvPr>
+        </p:nvSpPr>
+        <p:spPr/>
+      </p:sp>
+      <p:sp>
+        <p:nvSpPr>
+          <p:cNvPr id="3" name="Notes Placeholder 2"/>
+          <p:cNvSpPr>
+            <a:spLocks noGrp="1"/>
+          </p:cNvSpPr>
+          <p:nvPr>
+            <p:ph type="body" idx="1"/>
+          </p:nvPr>
+        </p:nvSpPr>
+        <p:spPr/>
+        <p:txBody>
+          <a:bodyPr/>
+          <a:lstStyle/>
+          <a:p>
+            <a:endParaRPr lang="en-US"/>
+          </a:p>
+        </p:txBody>
+      </p:sp>
+      <p:sp>
+        <p:nvSpPr>
+          <p:cNvPr id="4" name="Slide Number Placeholder 3"/>
+          <p:cNvSpPr>
+            <a:spLocks noGrp="1"/>
+          </p:cNvSpPr>
+          <p:nvPr>
+            <p:ph type="sldNum" sz="quarter" idx="10"/>
+          </p:nvPr>
+        </p:nvSpPr>
+        <p:spPr/>
+        <p:txBody>
+          <a:bodyPr/>
+          <a:lstStyle/>
+          <a:p>
+            <a:fld id="{856E82CD-9B34-4DD7-A33E-65C9022BAB57}" type="slidenum">
+              <a:rPr lang="en-US" smtClean="0"/>
+              <a:t>23</a:t>
+            </a:fld>
+            <a:endParaRPr lang="en-US"/>
+          </a:p>
+        </p:txBody>
+      </p:sp>
+    </p:spTree>
+    <p:extLst>
+      <p:ext uri="{BB962C8B-B14F-4D97-AF65-F5344CB8AC3E}">
+        <p14:creationId xmlns:p14="http://schemas.microsoft.com/office/powerpoint/2010/main" val="861436681"/>
+      </p:ext>
+    </p:extLst>
+  </p:cSld>
+  <p:clrMapOvr>
+    <a:masterClrMapping/>
+  </p:clrMapOvr>
+</p:notes>
+</file>
+
+<file path=ppt/notesSlides/notesSlide24.xml><?xml version="1.0" encoding="utf-8"?>
+<p:notes xmlns:a="http://schemas.openxmlformats.org/drawingml/2006/main" xmlns:r="http://schemas.openxmlformats.org/officeDocument/2006/relationships" xmlns:p="http://schemas.openxmlformats.org/presentationml/2006/main">
+  <p:cSld>
+    <p:spTree>
+      <p:nvGrpSpPr>
+        <p:cNvPr id="1" name=""/>
+        <p:cNvGrpSpPr/>
+        <p:nvPr/>
+      </p:nvGrpSpPr>
+      <p:grpSpPr>
+        <a:xfrm>
+          <a:off x="0" y="0"/>
+          <a:ext cx="0" cy="0"/>
+          <a:chOff x="0" y="0"/>
+          <a:chExt cx="0" cy="0"/>
+        </a:xfrm>
+      </p:grpSpPr>
+      <p:sp>
+        <p:nvSpPr>
+          <p:cNvPr id="2" name="Slide Image Placeholder 1"/>
+          <p:cNvSpPr>
+            <a:spLocks noGrp="1" noRot="1" noChangeAspect="1"/>
+          </p:cNvSpPr>
+          <p:nvPr>
+            <p:ph type="sldImg"/>
+          </p:nvPr>
+        </p:nvSpPr>
+        <p:spPr/>
+      </p:sp>
+      <p:sp>
+        <p:nvSpPr>
+          <p:cNvPr id="3" name="Notes Placeholder 2"/>
+          <p:cNvSpPr>
+            <a:spLocks noGrp="1"/>
+          </p:cNvSpPr>
+          <p:nvPr>
+            <p:ph type="body" idx="1"/>
+          </p:nvPr>
+        </p:nvSpPr>
+        <p:spPr/>
+        <p:txBody>
+          <a:bodyPr/>
+          <a:lstStyle/>
+          <a:p>
+            <a:endParaRPr lang="en-US"/>
+          </a:p>
+        </p:txBody>
+      </p:sp>
+      <p:sp>
+        <p:nvSpPr>
+          <p:cNvPr id="4" name="Slide Number Placeholder 3"/>
+          <p:cNvSpPr>
+            <a:spLocks noGrp="1"/>
+          </p:cNvSpPr>
+          <p:nvPr>
+            <p:ph type="sldNum" sz="quarter" idx="10"/>
+          </p:nvPr>
+        </p:nvSpPr>
+        <p:spPr/>
+        <p:txBody>
+          <a:bodyPr/>
+          <a:lstStyle/>
+          <a:p>
+            <a:fld id="{856E82CD-9B34-4DD7-A33E-65C9022BAB57}" type="slidenum">
+              <a:rPr lang="en-US" smtClean="0"/>
+              <a:t>24</a:t>
+            </a:fld>
+            <a:endParaRPr lang="en-US"/>
+          </a:p>
+        </p:txBody>
+      </p:sp>
+    </p:spTree>
+    <p:extLst>
+      <p:ext uri="{BB962C8B-B14F-4D97-AF65-F5344CB8AC3E}">
+        <p14:creationId xmlns:p14="http://schemas.microsoft.com/office/powerpoint/2010/main" val="1380257674"/>
+      </p:ext>
+    </p:extLst>
+  </p:cSld>
+  <p:clrMapOvr>
+    <a:masterClrMapping/>
+  </p:clrMapOvr>
+</p:notes>
+</file>
+
+<file path=ppt/notesSlides/notesSlide25.xml><?xml version="1.0" encoding="utf-8"?>
+<p:notes xmlns:a="http://schemas.openxmlformats.org/drawingml/2006/main" xmlns:r="http://schemas.openxmlformats.org/officeDocument/2006/relationships" xmlns:p="http://schemas.openxmlformats.org/presentationml/2006/main">
+  <p:cSld>
+    <p:spTree>
+      <p:nvGrpSpPr>
+        <p:cNvPr id="1" name=""/>
+        <p:cNvGrpSpPr/>
+        <p:nvPr/>
+      </p:nvGrpSpPr>
+      <p:grpSpPr>
+        <a:xfrm>
+          <a:off x="0" y="0"/>
+          <a:ext cx="0" cy="0"/>
+          <a:chOff x="0" y="0"/>
+          <a:chExt cx="0" cy="0"/>
+        </a:xfrm>
+      </p:grpSpPr>
+      <p:sp>
+        <p:nvSpPr>
+          <p:cNvPr id="2" name="Slide Image Placeholder 1"/>
+          <p:cNvSpPr>
+            <a:spLocks noGrp="1" noRot="1" noChangeAspect="1"/>
+          </p:cNvSpPr>
+          <p:nvPr>
+            <p:ph type="sldImg"/>
+          </p:nvPr>
+        </p:nvSpPr>
+        <p:spPr/>
+      </p:sp>
+      <p:sp>
+        <p:nvSpPr>
+          <p:cNvPr id="3" name="Notes Placeholder 2"/>
+          <p:cNvSpPr>
+            <a:spLocks noGrp="1"/>
+          </p:cNvSpPr>
+          <p:nvPr>
+            <p:ph type="body" idx="1"/>
+          </p:nvPr>
+        </p:nvSpPr>
+        <p:spPr/>
+        <p:txBody>
+          <a:bodyPr/>
+          <a:lstStyle/>
+          <a:p>
+            <a:endParaRPr lang="en-US"/>
+          </a:p>
+        </p:txBody>
+      </p:sp>
+      <p:sp>
+        <p:nvSpPr>
+          <p:cNvPr id="4" name="Slide Number Placeholder 3"/>
+          <p:cNvSpPr>
+            <a:spLocks noGrp="1"/>
+          </p:cNvSpPr>
+          <p:nvPr>
+            <p:ph type="sldNum" sz="quarter" idx="10"/>
+          </p:nvPr>
+        </p:nvSpPr>
+        <p:spPr/>
+        <p:txBody>
+          <a:bodyPr/>
+          <a:lstStyle/>
+          <a:p>
+            <a:fld id="{856E82CD-9B34-4DD7-A33E-65C9022BAB57}" type="slidenum">
+              <a:rPr lang="en-US" smtClean="0"/>
+              <a:t>25</a:t>
+            </a:fld>
+            <a:endParaRPr lang="en-US"/>
+          </a:p>
+        </p:txBody>
+      </p:sp>
+    </p:spTree>
+    <p:extLst>
+      <p:ext uri="{BB962C8B-B14F-4D97-AF65-F5344CB8AC3E}">
+        <p14:creationId xmlns:p14="http://schemas.microsoft.com/office/powerpoint/2010/main" val="255303324"/>
+      </p:ext>
+    </p:extLst>
+  </p:cSld>
+  <p:clrMapOvr>
+    <a:masterClrMapping/>
+  </p:clrMapOvr>
+</p:notes>
+</file>
+
+<file path=ppt/notesSlides/notesSlide26.xml><?xml version="1.0" encoding="utf-8"?>
+<p:notes xmlns:a="http://schemas.openxmlformats.org/drawingml/2006/main" xmlns:r="http://schemas.openxmlformats.org/officeDocument/2006/relationships" xmlns:p="http://schemas.openxmlformats.org/presentationml/2006/main">
+  <p:cSld>
+    <p:spTree>
+      <p:nvGrpSpPr>
+        <p:cNvPr id="1" name=""/>
+        <p:cNvGrpSpPr/>
+        <p:nvPr/>
+      </p:nvGrpSpPr>
+      <p:grpSpPr>
+        <a:xfrm>
+          <a:off x="0" y="0"/>
+          <a:ext cx="0" cy="0"/>
+          <a:chOff x="0" y="0"/>
+          <a:chExt cx="0" cy="0"/>
+        </a:xfrm>
+      </p:grpSpPr>
+      <p:sp>
+        <p:nvSpPr>
+          <p:cNvPr id="2" name="Slide Image Placeholder 1"/>
+          <p:cNvSpPr>
+            <a:spLocks noGrp="1" noRot="1" noChangeAspect="1"/>
+          </p:cNvSpPr>
+          <p:nvPr>
+            <p:ph type="sldImg"/>
+          </p:nvPr>
+        </p:nvSpPr>
+        <p:spPr/>
+      </p:sp>
+      <p:sp>
+        <p:nvSpPr>
+          <p:cNvPr id="3" name="Notes Placeholder 2"/>
+          <p:cNvSpPr>
+            <a:spLocks noGrp="1"/>
+          </p:cNvSpPr>
+          <p:nvPr>
+            <p:ph type="body" idx="1"/>
+          </p:nvPr>
+        </p:nvSpPr>
+        <p:spPr/>
+        <p:txBody>
+          <a:bodyPr/>
+          <a:lstStyle/>
+          <a:p>
+            <a:endParaRPr lang="en-US"/>
+          </a:p>
+        </p:txBody>
+      </p:sp>
+      <p:sp>
+        <p:nvSpPr>
+          <p:cNvPr id="4" name="Slide Number Placeholder 3"/>
+          <p:cNvSpPr>
+            <a:spLocks noGrp="1"/>
+          </p:cNvSpPr>
+          <p:nvPr>
+            <p:ph type="sldNum" sz="quarter" idx="10"/>
+          </p:nvPr>
+        </p:nvSpPr>
+        <p:spPr/>
+        <p:txBody>
+          <a:bodyPr/>
+          <a:lstStyle/>
+          <a:p>
+            <a:fld id="{856E82CD-9B34-4DD7-A33E-65C9022BAB57}" type="slidenum">
+              <a:rPr lang="en-US" smtClean="0"/>
+              <a:t>26</a:t>
+            </a:fld>
+            <a:endParaRPr lang="en-US"/>
+          </a:p>
+        </p:txBody>
+      </p:sp>
+    </p:spTree>
+    <p:extLst>
+      <p:ext uri="{BB962C8B-B14F-4D97-AF65-F5344CB8AC3E}">
+        <p14:creationId xmlns:p14="http://schemas.microsoft.com/office/powerpoint/2010/main" val="1756210108"/>
+      </p:ext>
+    </p:extLst>
+  </p:cSld>
+  <p:clrMapOvr>
+    <a:masterClrMapping/>
+  </p:clrMapOvr>
+</p:notes>
+</file>
+
+<file path=ppt/notesSlides/notesSlide27.xml><?xml version="1.0" encoding="utf-8"?>
+<p:notes xmlns:a="http://schemas.openxmlformats.org/drawingml/2006/main" xmlns:r="http://schemas.openxmlformats.org/officeDocument/2006/relationships" xmlns:p="http://schemas.openxmlformats.org/presentationml/2006/main">
+  <p:cSld>
+    <p:spTree>
+      <p:nvGrpSpPr>
+        <p:cNvPr id="1" name=""/>
+        <p:cNvGrpSpPr/>
+        <p:nvPr/>
+      </p:nvGrpSpPr>
+      <p:grpSpPr>
+        <a:xfrm>
+          <a:off x="0" y="0"/>
+          <a:ext cx="0" cy="0"/>
+          <a:chOff x="0" y="0"/>
+          <a:chExt cx="0" cy="0"/>
+        </a:xfrm>
+      </p:grpSpPr>
+      <p:sp>
+        <p:nvSpPr>
+          <p:cNvPr id="2" name="Slide Image Placeholder 1"/>
+          <p:cNvSpPr>
+            <a:spLocks noGrp="1" noRot="1" noChangeAspect="1"/>
+          </p:cNvSpPr>
+          <p:nvPr>
+            <p:ph type="sldImg"/>
+          </p:nvPr>
+        </p:nvSpPr>
+        <p:spPr/>
+      </p:sp>
+      <p:sp>
+        <p:nvSpPr>
+          <p:cNvPr id="3" name="Notes Placeholder 2"/>
+          <p:cNvSpPr>
+            <a:spLocks noGrp="1"/>
+          </p:cNvSpPr>
+          <p:nvPr>
+            <p:ph type="body" idx="1"/>
+          </p:nvPr>
+        </p:nvSpPr>
+        <p:spPr/>
+        <p:txBody>
+          <a:bodyPr/>
+          <a:lstStyle/>
+          <a:p>
+            <a:endParaRPr lang="en-US"/>
+          </a:p>
+        </p:txBody>
+      </p:sp>
+      <p:sp>
+        <p:nvSpPr>
+          <p:cNvPr id="4" name="Slide Number Placeholder 3"/>
+          <p:cNvSpPr>
+            <a:spLocks noGrp="1"/>
+          </p:cNvSpPr>
+          <p:nvPr>
+            <p:ph type="sldNum" sz="quarter" idx="10"/>
+          </p:nvPr>
+        </p:nvSpPr>
+        <p:spPr/>
+        <p:txBody>
+          <a:bodyPr/>
+          <a:lstStyle/>
+          <a:p>
+            <a:fld id="{856E82CD-9B34-4DD7-A33E-65C9022BAB57}" type="slidenum">
+              <a:rPr lang="en-US" smtClean="0"/>
+              <a:t>27</a:t>
+            </a:fld>
+            <a:endParaRPr lang="en-US"/>
+          </a:p>
+        </p:txBody>
+      </p:sp>
+    </p:spTree>
+    <p:extLst>
+      <p:ext uri="{BB962C8B-B14F-4D97-AF65-F5344CB8AC3E}">
+        <p14:creationId xmlns:p14="http://schemas.microsoft.com/office/powerpoint/2010/main" val="1231584225"/>
+      </p:ext>
+    </p:extLst>
+  </p:cSld>
+  <p:clrMapOvr>
+    <a:masterClrMapping/>
+  </p:clrMapOvr>
+</p:notes>
+</file>
+
+<file path=ppt/notesSlides/notesSlide28.xml><?xml version="1.0" encoding="utf-8"?>
+<p:notes xmlns:a="http://schemas.openxmlformats.org/drawingml/2006/main" xmlns:r="http://schemas.openxmlformats.org/officeDocument/2006/relationships" xmlns:p="http://schemas.openxmlformats.org/presentationml/2006/main">
+  <p:cSld>
+    <p:spTree>
+      <p:nvGrpSpPr>
+        <p:cNvPr id="1" name=""/>
+        <p:cNvGrpSpPr/>
+        <p:nvPr/>
+      </p:nvGrpSpPr>
+      <p:grpSpPr>
+        <a:xfrm>
+          <a:off x="0" y="0"/>
+          <a:ext cx="0" cy="0"/>
+          <a:chOff x="0" y="0"/>
+          <a:chExt cx="0" cy="0"/>
+        </a:xfrm>
+      </p:grpSpPr>
+      <p:sp>
+        <p:nvSpPr>
+          <p:cNvPr id="2" name="Slide Image Placeholder 1"/>
+          <p:cNvSpPr>
+            <a:spLocks noGrp="1" noRot="1" noChangeAspect="1"/>
+          </p:cNvSpPr>
+          <p:nvPr>
+            <p:ph type="sldImg"/>
+          </p:nvPr>
+        </p:nvSpPr>
+        <p:spPr/>
+      </p:sp>
+      <p:sp>
+        <p:nvSpPr>
+          <p:cNvPr id="3" name="Notes Placeholder 2"/>
+          <p:cNvSpPr>
+            <a:spLocks noGrp="1"/>
+          </p:cNvSpPr>
+          <p:nvPr>
+            <p:ph type="body" idx="1"/>
+          </p:nvPr>
+        </p:nvSpPr>
+        <p:spPr/>
+        <p:txBody>
+          <a:bodyPr/>
+          <a:lstStyle/>
+          <a:p>
+            <a:endParaRPr lang="en-US"/>
+          </a:p>
+        </p:txBody>
+      </p:sp>
+      <p:sp>
+        <p:nvSpPr>
+          <p:cNvPr id="4" name="Slide Number Placeholder 3"/>
+          <p:cNvSpPr>
+            <a:spLocks noGrp="1"/>
+          </p:cNvSpPr>
+          <p:nvPr>
+            <p:ph type="sldNum" sz="quarter" idx="10"/>
+          </p:nvPr>
+        </p:nvSpPr>
+        <p:spPr/>
+        <p:txBody>
+          <a:bodyPr/>
+          <a:lstStyle/>
+          <a:p>
+            <a:fld id="{856E82CD-9B34-4DD7-A33E-65C9022BAB57}" type="slidenum">
+              <a:rPr lang="en-US" smtClean="0"/>
+              <a:t>28</a:t>
+            </a:fld>
+            <a:endParaRPr lang="en-US"/>
+          </a:p>
+        </p:txBody>
+      </p:sp>
+    </p:spTree>
+    <p:extLst>
+      <p:ext uri="{BB962C8B-B14F-4D97-AF65-F5344CB8AC3E}">
+        <p14:creationId xmlns:p14="http://schemas.microsoft.com/office/powerpoint/2010/main" val="1402468087"/>
+      </p:ext>
+    </p:extLst>
+  </p:cSld>
+  <p:clrMapOvr>
+    <a:masterClrMapping/>
+  </p:clrMapOvr>
+</p:notes>
+</file>
+
+<file path=ppt/notesSlides/notesSlide3.xml><?xml version="1.0" encoding="utf-8"?>
+<p:notes xmlns:a="http://schemas.openxmlformats.org/drawingml/2006/main" xmlns:r="http://schemas.openxmlformats.org/officeDocument/2006/relationships" xmlns:p="http://schemas.openxmlformats.org/presentationml/2006/main">
+  <p:cSld>
+    <p:spTree>
+      <p:nvGrpSpPr>
+        <p:cNvPr id="1" name=""/>
+        <p:cNvGrpSpPr/>
+        <p:nvPr/>
+      </p:nvGrpSpPr>
+      <p:grpSpPr>
+        <a:xfrm>
+          <a:off x="0" y="0"/>
+          <a:ext cx="0" cy="0"/>
+          <a:chOff x="0" y="0"/>
+          <a:chExt cx="0" cy="0"/>
+        </a:xfrm>
+      </p:grpSpPr>
+      <p:sp>
+        <p:nvSpPr>
+          <p:cNvPr id="2" name="Slide Image Placeholder 1"/>
+          <p:cNvSpPr>
+            <a:spLocks noGrp="1" noRot="1" noChangeAspect="1"/>
+          </p:cNvSpPr>
+          <p:nvPr>
+            <p:ph type="sldImg"/>
+          </p:nvPr>
+        </p:nvSpPr>
+        <p:spPr/>
+      </p:sp>
+      <p:sp>
+        <p:nvSpPr>
+          <p:cNvPr id="3" name="Notes Placeholder 2"/>
+          <p:cNvSpPr>
+            <a:spLocks noGrp="1"/>
+          </p:cNvSpPr>
+          <p:nvPr>
+            <p:ph type="body" idx="1"/>
+          </p:nvPr>
+        </p:nvSpPr>
+        <p:spPr/>
+        <p:txBody>
+          <a:bodyPr/>
+          <a:lstStyle/>
+          <a:p>
+            <a:endParaRPr lang="en-US"/>
+          </a:p>
+        </p:txBody>
+      </p:sp>
+      <p:sp>
+        <p:nvSpPr>
+          <p:cNvPr id="4" name="Slide Number Placeholder 3"/>
+          <p:cNvSpPr>
+            <a:spLocks noGrp="1"/>
+          </p:cNvSpPr>
+          <p:nvPr>
+            <p:ph type="sldNum" sz="quarter" idx="10"/>
+          </p:nvPr>
+        </p:nvSpPr>
+        <p:spPr/>
+        <p:txBody>
+          <a:bodyPr/>
+          <a:lstStyle/>
+          <a:p>
+            <a:fld id="{856E82CD-9B34-4DD7-A33E-65C9022BAB57}" type="slidenum">
+              <a:rPr lang="en-US" smtClean="0"/>
+              <a:t>3</a:t>
+            </a:fld>
+            <a:endParaRPr lang="en-US"/>
+          </a:p>
+        </p:txBody>
+      </p:sp>
+    </p:spTree>
+    <p:extLst>
+      <p:ext uri="{BB962C8B-B14F-4D97-AF65-F5344CB8AC3E}">
+        <p14:creationId xmlns:p14="http://schemas.microsoft.com/office/powerpoint/2010/main" val="655986595"/>
+      </p:ext>
+    </p:extLst>
+  </p:cSld>
+  <p:clrMapOvr>
+    <a:masterClrMapping/>
+  </p:clrMapOvr>
+</p:notes>
+</file>
+
+<file path=ppt/notesSlides/notesSlide4.xml><?xml version="1.0" encoding="utf-8"?>
+<p:notes xmlns:a="http://schemas.openxmlformats.org/drawingml/2006/main" xmlns:r="http://schemas.openxmlformats.org/officeDocument/2006/relationships" xmlns:p="http://schemas.openxmlformats.org/presentationml/2006/main">
+  <p:cSld>
+    <p:spTree>
+      <p:nvGrpSpPr>
+        <p:cNvPr id="1" name=""/>
+        <p:cNvGrpSpPr/>
+        <p:nvPr/>
+      </p:nvGrpSpPr>
+      <p:grpSpPr>
+        <a:xfrm>
+          <a:off x="0" y="0"/>
+          <a:ext cx="0" cy="0"/>
+          <a:chOff x="0" y="0"/>
+          <a:chExt cx="0" cy="0"/>
+        </a:xfrm>
+      </p:grpSpPr>
+      <p:sp>
+        <p:nvSpPr>
+          <p:cNvPr id="2" name="Slide Image Placeholder 1"/>
+          <p:cNvSpPr>
+            <a:spLocks noGrp="1" noRot="1" noChangeAspect="1"/>
+          </p:cNvSpPr>
+          <p:nvPr>
+            <p:ph type="sldImg"/>
+          </p:nvPr>
+        </p:nvSpPr>
+        <p:spPr/>
+      </p:sp>
+      <p:sp>
+        <p:nvSpPr>
+          <p:cNvPr id="3" name="Notes Placeholder 2"/>
+          <p:cNvSpPr>
+            <a:spLocks noGrp="1"/>
+          </p:cNvSpPr>
+          <p:nvPr>
+            <p:ph type="body" idx="1"/>
+          </p:nvPr>
+        </p:nvSpPr>
+        <p:spPr/>
+        <p:txBody>
+          <a:bodyPr/>
+          <a:lstStyle/>
+          <a:p>
+            <a:endParaRPr lang="en-US"/>
+          </a:p>
+        </p:txBody>
+      </p:sp>
+      <p:sp>
+        <p:nvSpPr>
+          <p:cNvPr id="4" name="Slide Number Placeholder 3"/>
+          <p:cNvSpPr>
+            <a:spLocks noGrp="1"/>
+          </p:cNvSpPr>
+          <p:nvPr>
+            <p:ph type="sldNum" sz="quarter" idx="10"/>
+          </p:nvPr>
+        </p:nvSpPr>
+        <p:spPr/>
+        <p:txBody>
+          <a:bodyPr/>
+          <a:lstStyle/>
+          <a:p>
+            <a:fld id="{856E82CD-9B34-4DD7-A33E-65C9022BAB57}" type="slidenum">
+              <a:rPr lang="en-US" smtClean="0"/>
+              <a:t>4</a:t>
+            </a:fld>
+            <a:endParaRPr lang="en-US"/>
+          </a:p>
+        </p:txBody>
+      </p:sp>
+    </p:spTree>
+    <p:extLst>
+      <p:ext uri="{BB962C8B-B14F-4D97-AF65-F5344CB8AC3E}">
+        <p14:creationId xmlns:p14="http://schemas.microsoft.com/office/powerpoint/2010/main" val="518343023"/>
+      </p:ext>
+    </p:extLst>
+  </p:cSld>
+  <p:clrMapOvr>
+    <a:masterClrMapping/>
+  </p:clrMapOvr>
+</p:notes>
+</file>
+
+<file path=ppt/notesSlides/notesSlide5.xml><?xml version="1.0" encoding="utf-8"?>
+<p:notes xmlns:a="http://schemas.openxmlformats.org/drawingml/2006/main" xmlns:r="http://schemas.openxmlformats.org/officeDocument/2006/relationships" xmlns:p="http://schemas.openxmlformats.org/presentationml/2006/main">
+  <p:cSld>
+    <p:spTree>
+      <p:nvGrpSpPr>
+        <p:cNvPr id="1" name=""/>
+        <p:cNvGrpSpPr/>
+        <p:nvPr/>
+      </p:nvGrpSpPr>
+      <p:grpSpPr>
+        <a:xfrm>
+          <a:off x="0" y="0"/>
+          <a:ext cx="0" cy="0"/>
+          <a:chOff x="0" y="0"/>
+          <a:chExt cx="0" cy="0"/>
+        </a:xfrm>
+      </p:grpSpPr>
+      <p:sp>
+        <p:nvSpPr>
+          <p:cNvPr id="2" name="Slide Image Placeholder 1"/>
+          <p:cNvSpPr>
+            <a:spLocks noGrp="1" noRot="1" noChangeAspect="1"/>
+          </p:cNvSpPr>
+          <p:nvPr>
+            <p:ph type="sldImg"/>
+          </p:nvPr>
+        </p:nvSpPr>
+        <p:spPr/>
+      </p:sp>
+      <p:sp>
+        <p:nvSpPr>
+          <p:cNvPr id="3" name="Notes Placeholder 2"/>
+          <p:cNvSpPr>
+            <a:spLocks noGrp="1"/>
+          </p:cNvSpPr>
+          <p:nvPr>
+            <p:ph type="body" idx="1"/>
+          </p:nvPr>
+        </p:nvSpPr>
+        <p:spPr/>
+        <p:txBody>
+          <a:bodyPr/>
+          <a:lstStyle/>
+          <a:p>
+            <a:endParaRPr lang="en-US"/>
+          </a:p>
+        </p:txBody>
+      </p:sp>
+      <p:sp>
+        <p:nvSpPr>
+          <p:cNvPr id="4" name="Slide Number Placeholder 3"/>
+          <p:cNvSpPr>
+            <a:spLocks noGrp="1"/>
+          </p:cNvSpPr>
+          <p:nvPr>
+            <p:ph type="sldNum" sz="quarter" idx="10"/>
+          </p:nvPr>
+        </p:nvSpPr>
+        <p:spPr/>
+        <p:txBody>
+          <a:bodyPr/>
+          <a:lstStyle/>
+          <a:p>
+            <a:fld id="{856E82CD-9B34-4DD7-A33E-65C9022BAB57}" type="slidenum">
+              <a:rPr lang="en-US" smtClean="0"/>
+              <a:t>5</a:t>
+            </a:fld>
+            <a:endParaRPr lang="en-US"/>
+          </a:p>
+        </p:txBody>
+      </p:sp>
+    </p:spTree>
+    <p:extLst>
+      <p:ext uri="{BB962C8B-B14F-4D97-AF65-F5344CB8AC3E}">
+        <p14:creationId xmlns:p14="http://schemas.microsoft.com/office/powerpoint/2010/main" val="1486330541"/>
+      </p:ext>
+    </p:extLst>
+  </p:cSld>
+  <p:clrMapOvr>
+    <a:masterClrMapping/>
+  </p:clrMapOvr>
+</p:notes>
+</file>
+
+<file path=ppt/notesSlides/notesSlide6.xml><?xml version="1.0" encoding="utf-8"?>
+<p:notes xmlns:a="http://schemas.openxmlformats.org/drawingml/2006/main" xmlns:r="http://schemas.openxmlformats.org/officeDocument/2006/relationships" xmlns:p="http://schemas.openxmlformats.org/presentationml/2006/main">
+  <p:cSld>
+    <p:spTree>
+      <p:nvGrpSpPr>
+        <p:cNvPr id="1" name=""/>
+        <p:cNvGrpSpPr/>
+        <p:nvPr/>
+      </p:nvGrpSpPr>
+      <p:grpSpPr>
+        <a:xfrm>
+          <a:off x="0" y="0"/>
+          <a:ext cx="0" cy="0"/>
+          <a:chOff x="0" y="0"/>
+          <a:chExt cx="0" cy="0"/>
+        </a:xfrm>
+      </p:grpSpPr>
+      <p:sp>
+        <p:nvSpPr>
+          <p:cNvPr id="2" name="Slide Image Placeholder 1"/>
+          <p:cNvSpPr>
+            <a:spLocks noGrp="1" noRot="1" noChangeAspect="1"/>
+          </p:cNvSpPr>
+          <p:nvPr>
+            <p:ph type="sldImg"/>
+          </p:nvPr>
+        </p:nvSpPr>
+        <p:spPr/>
+      </p:sp>
+      <p:sp>
+        <p:nvSpPr>
+          <p:cNvPr id="3" name="Notes Placeholder 2"/>
+          <p:cNvSpPr>
+            <a:spLocks noGrp="1"/>
+          </p:cNvSpPr>
+          <p:nvPr>
+            <p:ph type="body" idx="1"/>
+          </p:nvPr>
+        </p:nvSpPr>
+        <p:spPr/>
+        <p:txBody>
+          <a:bodyPr/>
+          <a:lstStyle/>
+          <a:p>
+            <a:endParaRPr lang="en-US"/>
+          </a:p>
+        </p:txBody>
+      </p:sp>
+      <p:sp>
+        <p:nvSpPr>
+          <p:cNvPr id="4" name="Slide Number Placeholder 3"/>
+          <p:cNvSpPr>
+            <a:spLocks noGrp="1"/>
+          </p:cNvSpPr>
+          <p:nvPr>
+            <p:ph type="sldNum" sz="quarter" idx="10"/>
+          </p:nvPr>
+        </p:nvSpPr>
+        <p:spPr/>
+        <p:txBody>
+          <a:bodyPr/>
+          <a:lstStyle/>
+          <a:p>
+            <a:fld id="{856E82CD-9B34-4DD7-A33E-65C9022BAB57}" type="slidenum">
+              <a:rPr lang="en-US" smtClean="0"/>
+              <a:t>6</a:t>
+            </a:fld>
+            <a:endParaRPr lang="en-US"/>
+          </a:p>
+        </p:txBody>
+      </p:sp>
+    </p:spTree>
+    <p:extLst>
+      <p:ext uri="{BB962C8B-B14F-4D97-AF65-F5344CB8AC3E}">
+        <p14:creationId xmlns:p14="http://schemas.microsoft.com/office/powerpoint/2010/main" val="55506102"/>
+      </p:ext>
+    </p:extLst>
+  </p:cSld>
+  <p:clrMapOvr>
+    <a:masterClrMapping/>
+  </p:clrMapOvr>
+</p:notes>
+</file>
+
+<file path=ppt/notesSlides/notesSlide7.xml><?xml version="1.0" encoding="utf-8"?>
+<p:notes xmlns:a="http://schemas.openxmlformats.org/drawingml/2006/main" xmlns:r="http://schemas.openxmlformats.org/officeDocument/2006/relationships" xmlns:p="http://schemas.openxmlformats.org/presentationml/2006/main">
+  <p:cSld>
+    <p:spTree>
+      <p:nvGrpSpPr>
+        <p:cNvPr id="1" name=""/>
+        <p:cNvGrpSpPr/>
+        <p:nvPr/>
+      </p:nvGrpSpPr>
+      <p:grpSpPr>
+        <a:xfrm>
+          <a:off x="0" y="0"/>
+          <a:ext cx="0" cy="0"/>
+          <a:chOff x="0" y="0"/>
+          <a:chExt cx="0" cy="0"/>
+        </a:xfrm>
+      </p:grpSpPr>
+      <p:sp>
+        <p:nvSpPr>
+          <p:cNvPr id="2" name="Slide Image Placeholder 1"/>
+          <p:cNvSpPr>
+            <a:spLocks noGrp="1" noRot="1" noChangeAspect="1"/>
+          </p:cNvSpPr>
+          <p:nvPr>
+            <p:ph type="sldImg"/>
+          </p:nvPr>
+        </p:nvSpPr>
+        <p:spPr/>
+      </p:sp>
+      <p:sp>
+        <p:nvSpPr>
+          <p:cNvPr id="3" name="Notes Placeholder 2"/>
+          <p:cNvSpPr>
+            <a:spLocks noGrp="1"/>
+          </p:cNvSpPr>
+          <p:nvPr>
+            <p:ph type="body" idx="1"/>
+          </p:nvPr>
+        </p:nvSpPr>
+        <p:spPr/>
+        <p:txBody>
+          <a:bodyPr/>
+          <a:lstStyle/>
+          <a:p>
             <a:r>
               <a:rPr lang="en-US" dirty="0"/>
               <a:t>It is worth pointing out that controllers are everywhere.</a:t>
@@ -702,7 +2798,7 @@
           <a:p>
             <a:fld id="{DCC5E34C-0BEF-42D1-A3A4-98A0EFA3EE0B}" type="datetime8">
               <a:rPr lang="en-US" smtClean="0"/>
-              <a:t>6/15/2017 2:27 PM</a:t>
+              <a:t>9/11/2017 8:50 PM</a:t>
             </a:fld>
             <a:endParaRPr lang="en-US" dirty="0"/>
           </a:p>
@@ -736,6 +2832,174 @@
     <p:extLst>
       <p:ext uri="{BB962C8B-B14F-4D97-AF65-F5344CB8AC3E}">
         <p14:creationId xmlns:p14="http://schemas.microsoft.com/office/powerpoint/2010/main" val="4278783492"/>
+      </p:ext>
+    </p:extLst>
+  </p:cSld>
+  <p:clrMapOvr>
+    <a:masterClrMapping/>
+  </p:clrMapOvr>
+</p:notes>
+</file>
+
+<file path=ppt/notesSlides/notesSlide8.xml><?xml version="1.0" encoding="utf-8"?>
+<p:notes xmlns:a="http://schemas.openxmlformats.org/drawingml/2006/main" xmlns:r="http://schemas.openxmlformats.org/officeDocument/2006/relationships" xmlns:p="http://schemas.openxmlformats.org/presentationml/2006/main">
+  <p:cSld>
+    <p:spTree>
+      <p:nvGrpSpPr>
+        <p:cNvPr id="1" name=""/>
+        <p:cNvGrpSpPr/>
+        <p:nvPr/>
+      </p:nvGrpSpPr>
+      <p:grpSpPr>
+        <a:xfrm>
+          <a:off x="0" y="0"/>
+          <a:ext cx="0" cy="0"/>
+          <a:chOff x="0" y="0"/>
+          <a:chExt cx="0" cy="0"/>
+        </a:xfrm>
+      </p:grpSpPr>
+      <p:sp>
+        <p:nvSpPr>
+          <p:cNvPr id="2" name="Slide Image Placeholder 1"/>
+          <p:cNvSpPr>
+            <a:spLocks noGrp="1" noRot="1" noChangeAspect="1"/>
+          </p:cNvSpPr>
+          <p:nvPr>
+            <p:ph type="sldImg"/>
+          </p:nvPr>
+        </p:nvSpPr>
+        <p:spPr/>
+      </p:sp>
+      <p:sp>
+        <p:nvSpPr>
+          <p:cNvPr id="3" name="Notes Placeholder 2"/>
+          <p:cNvSpPr>
+            <a:spLocks noGrp="1"/>
+          </p:cNvSpPr>
+          <p:nvPr>
+            <p:ph type="body" idx="1"/>
+          </p:nvPr>
+        </p:nvSpPr>
+        <p:spPr/>
+        <p:txBody>
+          <a:bodyPr/>
+          <a:lstStyle/>
+          <a:p>
+            <a:endParaRPr lang="en-US"/>
+          </a:p>
+        </p:txBody>
+      </p:sp>
+      <p:sp>
+        <p:nvSpPr>
+          <p:cNvPr id="4" name="Slide Number Placeholder 3"/>
+          <p:cNvSpPr>
+            <a:spLocks noGrp="1"/>
+          </p:cNvSpPr>
+          <p:nvPr>
+            <p:ph type="sldNum" sz="quarter" idx="10"/>
+          </p:nvPr>
+        </p:nvSpPr>
+        <p:spPr/>
+        <p:txBody>
+          <a:bodyPr/>
+          <a:lstStyle/>
+          <a:p>
+            <a:fld id="{856E82CD-9B34-4DD7-A33E-65C9022BAB57}" type="slidenum">
+              <a:rPr lang="en-US" smtClean="0"/>
+              <a:t>8</a:t>
+            </a:fld>
+            <a:endParaRPr lang="en-US"/>
+          </a:p>
+        </p:txBody>
+      </p:sp>
+    </p:spTree>
+    <p:extLst>
+      <p:ext uri="{BB962C8B-B14F-4D97-AF65-F5344CB8AC3E}">
+        <p14:creationId xmlns:p14="http://schemas.microsoft.com/office/powerpoint/2010/main" val="3423364783"/>
+      </p:ext>
+    </p:extLst>
+  </p:cSld>
+  <p:clrMapOvr>
+    <a:masterClrMapping/>
+  </p:clrMapOvr>
+</p:notes>
+</file>
+
+<file path=ppt/notesSlides/notesSlide9.xml><?xml version="1.0" encoding="utf-8"?>
+<p:notes xmlns:a="http://schemas.openxmlformats.org/drawingml/2006/main" xmlns:r="http://schemas.openxmlformats.org/officeDocument/2006/relationships" xmlns:p="http://schemas.openxmlformats.org/presentationml/2006/main">
+  <p:cSld>
+    <p:spTree>
+      <p:nvGrpSpPr>
+        <p:cNvPr id="1" name=""/>
+        <p:cNvGrpSpPr/>
+        <p:nvPr/>
+      </p:nvGrpSpPr>
+      <p:grpSpPr>
+        <a:xfrm>
+          <a:off x="0" y="0"/>
+          <a:ext cx="0" cy="0"/>
+          <a:chOff x="0" y="0"/>
+          <a:chExt cx="0" cy="0"/>
+        </a:xfrm>
+      </p:grpSpPr>
+      <p:sp>
+        <p:nvSpPr>
+          <p:cNvPr id="2" name="Slide Image Placeholder 1"/>
+          <p:cNvSpPr>
+            <a:spLocks noGrp="1" noRot="1" noChangeAspect="1"/>
+          </p:cNvSpPr>
+          <p:nvPr>
+            <p:ph type="sldImg"/>
+          </p:nvPr>
+        </p:nvSpPr>
+        <p:spPr/>
+      </p:sp>
+      <p:sp>
+        <p:nvSpPr>
+          <p:cNvPr id="3" name="Notes Placeholder 2"/>
+          <p:cNvSpPr>
+            <a:spLocks noGrp="1"/>
+          </p:cNvSpPr>
+          <p:nvPr>
+            <p:ph type="body" idx="1"/>
+          </p:nvPr>
+        </p:nvSpPr>
+        <p:spPr/>
+        <p:txBody>
+          <a:bodyPr/>
+          <a:lstStyle/>
+          <a:p>
+            <a:endParaRPr lang="en-US"/>
+          </a:p>
+        </p:txBody>
+      </p:sp>
+      <p:sp>
+        <p:nvSpPr>
+          <p:cNvPr id="4" name="Slide Number Placeholder 3"/>
+          <p:cNvSpPr>
+            <a:spLocks noGrp="1"/>
+          </p:cNvSpPr>
+          <p:nvPr>
+            <p:ph type="sldNum" sz="quarter" idx="10"/>
+          </p:nvPr>
+        </p:nvSpPr>
+        <p:spPr/>
+        <p:txBody>
+          <a:bodyPr/>
+          <a:lstStyle/>
+          <a:p>
+            <a:fld id="{856E82CD-9B34-4DD7-A33E-65C9022BAB57}" type="slidenum">
+              <a:rPr lang="en-US" smtClean="0"/>
+              <a:t>9</a:t>
+            </a:fld>
+            <a:endParaRPr lang="en-US"/>
+          </a:p>
+        </p:txBody>
+      </p:sp>
+    </p:spTree>
+    <p:extLst>
+      <p:ext uri="{BB962C8B-B14F-4D97-AF65-F5344CB8AC3E}">
+        <p14:creationId xmlns:p14="http://schemas.microsoft.com/office/powerpoint/2010/main" val="392755790"/>
       </p:ext>
     </p:extLst>
   </p:cSld>
@@ -874,7 +3138,7 @@
           <a:p>
             <a:fld id="{4E05C90B-F8EE-4FB7-AEE7-9B0B98AB9CDF}" type="datetimeFigureOut">
               <a:rPr lang="en-US" smtClean="0"/>
-              <a:t>6/15/2017</a:t>
+              <a:t>9/11/2017</a:t>
             </a:fld>
             <a:endParaRPr lang="en-US"/>
           </a:p>
@@ -1042,7 +3306,7 @@
           <a:p>
             <a:fld id="{4E05C90B-F8EE-4FB7-AEE7-9B0B98AB9CDF}" type="datetimeFigureOut">
               <a:rPr lang="en-US" smtClean="0"/>
-              <a:t>6/15/2017</a:t>
+              <a:t>9/11/2017</a:t>
             </a:fld>
             <a:endParaRPr lang="en-US"/>
           </a:p>
@@ -1220,7 +3484,7 @@
           <a:p>
             <a:fld id="{4E05C90B-F8EE-4FB7-AEE7-9B0B98AB9CDF}" type="datetimeFigureOut">
               <a:rPr lang="en-US" smtClean="0"/>
-              <a:t>6/15/2017</a:t>
+              <a:t>9/11/2017</a:t>
             </a:fld>
             <a:endParaRPr lang="en-US"/>
           </a:p>
@@ -1535,7 +3799,7 @@
           <a:p>
             <a:fld id="{4E05C90B-F8EE-4FB7-AEE7-9B0B98AB9CDF}" type="datetimeFigureOut">
               <a:rPr lang="en-US" smtClean="0"/>
-              <a:t>6/15/2017</a:t>
+              <a:t>9/11/2017</a:t>
             </a:fld>
             <a:endParaRPr lang="en-US"/>
           </a:p>
@@ -1780,7 +4044,7 @@
           <a:p>
             <a:fld id="{4E05C90B-F8EE-4FB7-AEE7-9B0B98AB9CDF}" type="datetimeFigureOut">
               <a:rPr lang="en-US" smtClean="0"/>
-              <a:t>6/15/2017</a:t>
+              <a:t>9/11/2017</a:t>
             </a:fld>
             <a:endParaRPr lang="en-US"/>
           </a:p>
@@ -2009,7 +4273,7 @@
           <a:p>
             <a:fld id="{4E05C90B-F8EE-4FB7-AEE7-9B0B98AB9CDF}" type="datetimeFigureOut">
               <a:rPr lang="en-US" smtClean="0"/>
-              <a:t>6/15/2017</a:t>
+              <a:t>9/11/2017</a:t>
             </a:fld>
             <a:endParaRPr lang="en-US"/>
           </a:p>
@@ -2373,7 +4637,7 @@
           <a:p>
             <a:fld id="{4E05C90B-F8EE-4FB7-AEE7-9B0B98AB9CDF}" type="datetimeFigureOut">
               <a:rPr lang="en-US" smtClean="0"/>
-              <a:t>6/15/2017</a:t>
+              <a:t>9/11/2017</a:t>
             </a:fld>
             <a:endParaRPr lang="en-US"/>
           </a:p>
@@ -2490,7 +4754,7 @@
           <a:p>
             <a:fld id="{4E05C90B-F8EE-4FB7-AEE7-9B0B98AB9CDF}" type="datetimeFigureOut">
               <a:rPr lang="en-US" smtClean="0"/>
-              <a:t>6/15/2017</a:t>
+              <a:t>9/11/2017</a:t>
             </a:fld>
             <a:endParaRPr lang="en-US"/>
           </a:p>
@@ -2585,7 +4849,7 @@
           <a:p>
             <a:fld id="{4E05C90B-F8EE-4FB7-AEE7-9B0B98AB9CDF}" type="datetimeFigureOut">
               <a:rPr lang="en-US" smtClean="0"/>
-              <a:t>6/15/2017</a:t>
+              <a:t>9/11/2017</a:t>
             </a:fld>
             <a:endParaRPr lang="en-US"/>
           </a:p>
@@ -2860,7 +5124,7 @@
           <a:p>
             <a:fld id="{4E05C90B-F8EE-4FB7-AEE7-9B0B98AB9CDF}" type="datetimeFigureOut">
               <a:rPr lang="en-US" smtClean="0"/>
-              <a:t>6/15/2017</a:t>
+              <a:t>9/11/2017</a:t>
             </a:fld>
             <a:endParaRPr lang="en-US"/>
           </a:p>
@@ -3112,7 +5376,7 @@
           <a:p>
             <a:fld id="{4E05C90B-F8EE-4FB7-AEE7-9B0B98AB9CDF}" type="datetimeFigureOut">
               <a:rPr lang="en-US" smtClean="0"/>
-              <a:t>6/15/2017</a:t>
+              <a:t>9/11/2017</a:t>
             </a:fld>
             <a:endParaRPr lang="en-US"/>
           </a:p>
@@ -3323,7 +5587,7 @@
           <a:p>
             <a:fld id="{4E05C90B-F8EE-4FB7-AEE7-9B0B98AB9CDF}" type="datetimeFigureOut">
               <a:rPr lang="en-US" smtClean="0"/>
-              <a:t>6/15/2017</a:t>
+              <a:t>9/11/2017</a:t>
             </a:fld>
             <a:endParaRPr lang="en-US"/>
           </a:p>
@@ -5069,7 +7333,7 @@
                   <a:avLst/>
                 </a:prstGeom>
                 <a:blipFill rotWithShape="0">
-                  <a:blip r:embed="rId2"/>
+                  <a:blip r:embed="rId3"/>
                   <a:stretch>
                     <a:fillRect/>
                   </a:stretch>
@@ -5177,7 +7441,7 @@
                   <a:avLst/>
                 </a:prstGeom>
                 <a:blipFill rotWithShape="0">
-                  <a:blip r:embed="rId3"/>
+                  <a:blip r:embed="rId4"/>
                   <a:stretch>
                     <a:fillRect/>
                   </a:stretch>
@@ -5285,7 +7549,7 @@
                   <a:avLst/>
                 </a:prstGeom>
                 <a:blipFill rotWithShape="0">
-                  <a:blip r:embed="rId4"/>
+                  <a:blip r:embed="rId5"/>
                   <a:stretch>
                     <a:fillRect/>
                   </a:stretch>
@@ -5393,7 +7657,7 @@
                   <a:avLst/>
                 </a:prstGeom>
                 <a:blipFill rotWithShape="0">
-                  <a:blip r:embed="rId5"/>
+                  <a:blip r:embed="rId6"/>
                   <a:stretch>
                     <a:fillRect/>
                   </a:stretch>
@@ -5501,7 +7765,7 @@
                   <a:avLst/>
                 </a:prstGeom>
                 <a:blipFill rotWithShape="0">
-                  <a:blip r:embed="rId6"/>
+                  <a:blip r:embed="rId7"/>
                   <a:stretch>
                     <a:fillRect/>
                   </a:stretch>
@@ -5609,7 +7873,7 @@
                   <a:avLst/>
                 </a:prstGeom>
                 <a:blipFill rotWithShape="0">
-                  <a:blip r:embed="rId7"/>
+                  <a:blip r:embed="rId8"/>
                   <a:stretch>
                     <a:fillRect/>
                   </a:stretch>
@@ -5717,7 +7981,7 @@
                   <a:avLst/>
                 </a:prstGeom>
                 <a:blipFill rotWithShape="0">
-                  <a:blip r:embed="rId8"/>
+                  <a:blip r:embed="rId9"/>
                   <a:stretch>
                     <a:fillRect/>
                   </a:stretch>
@@ -5825,7 +8089,7 @@
                   <a:avLst/>
                 </a:prstGeom>
                 <a:blipFill rotWithShape="0">
-                  <a:blip r:embed="rId9"/>
+                  <a:blip r:embed="rId10"/>
                   <a:stretch>
                     <a:fillRect/>
                   </a:stretch>
@@ -5933,7 +8197,7 @@
                   <a:avLst/>
                 </a:prstGeom>
                 <a:blipFill rotWithShape="0">
-                  <a:blip r:embed="rId10"/>
+                  <a:blip r:embed="rId11"/>
                   <a:stretch>
                     <a:fillRect/>
                   </a:stretch>
@@ -6041,7 +8305,7 @@
                   <a:avLst/>
                 </a:prstGeom>
                 <a:blipFill rotWithShape="0">
-                  <a:blip r:embed="rId11"/>
+                  <a:blip r:embed="rId12"/>
                   <a:stretch>
                     <a:fillRect/>
                   </a:stretch>
@@ -6149,7 +8413,7 @@
                   <a:avLst/>
                 </a:prstGeom>
                 <a:blipFill rotWithShape="0">
-                  <a:blip r:embed="rId12"/>
+                  <a:blip r:embed="rId13"/>
                   <a:stretch>
                     <a:fillRect/>
                   </a:stretch>
@@ -6257,7 +8521,7 @@
                   <a:avLst/>
                 </a:prstGeom>
                 <a:blipFill rotWithShape="0">
-                  <a:blip r:embed="rId13"/>
+                  <a:blip r:embed="rId14"/>
                   <a:stretch>
                     <a:fillRect/>
                   </a:stretch>
@@ -6365,7 +8629,7 @@
                   <a:avLst/>
                 </a:prstGeom>
                 <a:blipFill rotWithShape="0">
-                  <a:blip r:embed="rId14"/>
+                  <a:blip r:embed="rId15"/>
                   <a:stretch>
                     <a:fillRect/>
                   </a:stretch>
@@ -12447,138 +14711,6 @@
         </p:nvSpPr>
         <p:spPr>
           <a:xfrm>
-            <a:off x="838200" y="159179"/>
-            <a:ext cx="10515600" cy="1325563"/>
-          </a:xfrm>
-        </p:spPr>
-        <p:txBody>
-          <a:bodyPr/>
-          <a:lstStyle/>
-          <a:p>
-            <a:r>
-              <a:rPr lang="en-US" dirty="0"/>
-              <a:t>Screenshot: C# IntelliSense picks up P# types</a:t>
-            </a:r>
-          </a:p>
-        </p:txBody>
-      </p:sp>
-      <p:pic>
-        <p:nvPicPr>
-          <p:cNvPr id="4" name="Content Placeholder 3"/>
-          <p:cNvPicPr>
-            <a:picLocks noGrp="1" noChangeAspect="1"/>
-          </p:cNvPicPr>
-          <p:nvPr>
-            <p:ph idx="1"/>
-          </p:nvPr>
-        </p:nvPicPr>
-        <p:blipFill>
-          <a:blip r:embed="rId2" cstate="print">
-            <a:extLst>
-              <a:ext uri="{28A0092B-C50C-407E-A947-70E740481C1C}">
-                <a14:useLocalDpi xmlns:a14="http://schemas.microsoft.com/office/drawing/2010/main" val="0"/>
-              </a:ext>
-            </a:extLst>
-          </a:blip>
-          <a:stretch>
-            <a:fillRect/>
-          </a:stretch>
-        </p:blipFill>
-        <p:spPr>
-          <a:xfrm>
-            <a:off x="838200" y="1295270"/>
-            <a:ext cx="9692008" cy="5451755"/>
-          </a:xfrm>
-        </p:spPr>
-      </p:pic>
-      <p:sp>
-        <p:nvSpPr>
-          <p:cNvPr id="5" name="Rectangle 4"/>
-          <p:cNvSpPr/>
-          <p:nvPr/>
-        </p:nvSpPr>
-        <p:spPr>
-          <a:xfrm>
-            <a:off x="7232822" y="3822357"/>
-            <a:ext cx="1392194" cy="280086"/>
-          </a:xfrm>
-          <a:prstGeom prst="rect">
-            <a:avLst/>
-          </a:prstGeom>
-          <a:noFill/>
-          <a:ln w="50800">
-            <a:solidFill>
-              <a:srgbClr val="FF0000"/>
-            </a:solidFill>
-          </a:ln>
-        </p:spPr>
-        <p:style>
-          <a:lnRef idx="2">
-            <a:schemeClr val="accent1">
-              <a:shade val="50000"/>
-            </a:schemeClr>
-          </a:lnRef>
-          <a:fillRef idx="1">
-            <a:schemeClr val="accent1"/>
-          </a:fillRef>
-          <a:effectRef idx="0">
-            <a:schemeClr val="accent1"/>
-          </a:effectRef>
-          <a:fontRef idx="minor">
-            <a:schemeClr val="lt1"/>
-          </a:fontRef>
-        </p:style>
-        <p:txBody>
-          <a:bodyPr rtlCol="0" anchor="ctr"/>
-          <a:lstStyle/>
-          <a:p>
-            <a:pPr algn="ctr"/>
-            <a:endParaRPr lang="en-US"/>
-          </a:p>
-        </p:txBody>
-      </p:sp>
-    </p:spTree>
-    <p:extLst>
-      <p:ext uri="{BB962C8B-B14F-4D97-AF65-F5344CB8AC3E}">
-        <p14:creationId xmlns:p14="http://schemas.microsoft.com/office/powerpoint/2010/main" val="4084056420"/>
-      </p:ext>
-    </p:extLst>
-  </p:cSld>
-  <p:clrMapOvr>
-    <a:masterClrMapping/>
-  </p:clrMapOvr>
-</p:sld>
-</file>
-
-<file path=ppt/slides/slide28.xml><?xml version="1.0" encoding="utf-8"?>
-<p:sld xmlns:a="http://schemas.openxmlformats.org/drawingml/2006/main" xmlns:r="http://schemas.openxmlformats.org/officeDocument/2006/relationships" xmlns:p="http://schemas.openxmlformats.org/presentationml/2006/main">
-  <p:cSld>
-    <p:spTree>
-      <p:nvGrpSpPr>
-        <p:cNvPr id="1" name=""/>
-        <p:cNvGrpSpPr/>
-        <p:nvPr/>
-      </p:nvGrpSpPr>
-      <p:grpSpPr>
-        <a:xfrm>
-          <a:off x="0" y="0"/>
-          <a:ext cx="0" cy="0"/>
-          <a:chOff x="0" y="0"/>
-          <a:chExt cx="0" cy="0"/>
-        </a:xfrm>
-      </p:grpSpPr>
-      <p:sp>
-        <p:nvSpPr>
-          <p:cNvPr id="2" name="Title 1"/>
-          <p:cNvSpPr>
-            <a:spLocks noGrp="1"/>
-          </p:cNvSpPr>
-          <p:nvPr>
-            <p:ph type="title"/>
-          </p:nvPr>
-        </p:nvSpPr>
-        <p:spPr>
-          <a:xfrm>
             <a:off x="838199" y="365125"/>
             <a:ext cx="7696201" cy="1325563"/>
           </a:xfrm>
@@ -13925,7 +16057,7 @@
 </p:sld>
 </file>
 
-<file path=ppt/slides/slide29.xml><?xml version="1.0" encoding="utf-8"?>
+<file path=ppt/slides/slide28.xml><?xml version="1.0" encoding="utf-8"?>
 <p:sld xmlns:a="http://schemas.openxmlformats.org/drawingml/2006/main" xmlns:r="http://schemas.openxmlformats.org/officeDocument/2006/relationships" xmlns:p="http://schemas.openxmlformats.org/presentationml/2006/main">
   <p:cSld>
     <p:spTree>
@@ -13944,7 +16076,13 @@
       </p:grpSpPr>
       <p:sp>
         <p:nvSpPr>
-          <p:cNvPr id="2" name="Title 1"/>
+          <p:cNvPr id="2" name="Title 1">
+            <a:extLst>
+              <a:ext uri="{FF2B5EF4-FFF2-40B4-BE49-F238E27FC236}">
+                <a16:creationId xmlns:a16="http://schemas.microsoft.com/office/drawing/2014/main" id="{048C5215-40DC-4A28-B0D2-C16232BD8739}"/>
+              </a:ext>
+            </a:extLst>
+          </p:cNvPr>
           <p:cNvSpPr>
             <a:spLocks noGrp="1"/>
           </p:cNvSpPr>
@@ -13959,14 +16097,20 @@
           <a:p>
             <a:r>
               <a:rPr lang="en-US" dirty="0"/>
-              <a:t>P# Tester</a:t>
-            </a:r>
-          </a:p>
-        </p:txBody>
-      </p:sp>
-      <p:sp>
-        <p:nvSpPr>
-          <p:cNvPr id="3" name="Content Placeholder 2"/>
+              <a:t>Resources</a:t>
+            </a:r>
+          </a:p>
+        </p:txBody>
+      </p:sp>
+      <p:sp>
+        <p:nvSpPr>
+          <p:cNvPr id="3" name="Content Placeholder 2">
+            <a:extLst>
+              <a:ext uri="{FF2B5EF4-FFF2-40B4-BE49-F238E27FC236}">
+                <a16:creationId xmlns:a16="http://schemas.microsoft.com/office/drawing/2014/main" id="{4305C858-C769-419D-91BA-0291B7C5BE33}"/>
+              </a:ext>
+            </a:extLst>
+          </p:cNvPr>
           <p:cNvSpPr>
             <a:spLocks noGrp="1"/>
           </p:cNvSpPr>
@@ -13976,106 +16120,49 @@
         </p:nvSpPr>
         <p:spPr/>
         <p:txBody>
-          <a:bodyPr>
-            <a:normAutofit fontScale="92500" lnSpcReduction="20000"/>
-          </a:bodyPr>
+          <a:bodyPr/>
           <a:lstStyle/>
           <a:p>
             <a:r>
+              <a:rPr lang="en-US"/>
+              <a:t>Repository: </a:t>
+            </a:r>
+            <a:r>
+              <a:rPr lang="en-US" dirty="0">
+                <a:hlinkClick r:id="rId3"/>
+              </a:rPr>
+              <a:t>https://github.com/p-org</a:t>
+            </a:r>
+            <a:endParaRPr lang="en-US" dirty="0"/>
+          </a:p>
+          <a:p>
+            <a:endParaRPr lang="en-US" dirty="0"/>
+          </a:p>
+          <a:p>
+            <a:r>
               <a:rPr lang="en-US" dirty="0"/>
-              <a:t>Executes a given P# test method using the P# bug-finding runtime:</a:t>
-            </a:r>
-          </a:p>
-          <a:p>
-            <a:pPr lvl="1"/>
-            <a:r>
-              <a:rPr lang="en-US" dirty="0"/>
-              <a:t>Takes control of the machine scheduler</a:t>
-            </a:r>
-          </a:p>
-          <a:p>
-            <a:pPr lvl="1"/>
-            <a:r>
-              <a:rPr lang="en-US" dirty="0"/>
-              <a:t>Serializes program execution</a:t>
-            </a:r>
-          </a:p>
-          <a:p>
-            <a:pPr lvl="1"/>
-            <a:r>
-              <a:rPr lang="en-US" dirty="0"/>
-              <a:t>Runs the P# test from start to finish, for a user-specified number of iterations, each time executing a (potentially) different schedule</a:t>
-            </a:r>
-          </a:p>
-          <a:p>
-            <a:pPr lvl="1"/>
-            <a:r>
-              <a:rPr lang="en-US" dirty="0"/>
-              <a:t>Iterations can be parallelized on </a:t>
-            </a:r>
-            <a:r>
-              <a:rPr lang="en-US"/>
-              <a:t>the cloud!</a:t>
+              <a:t>Contact: </a:t>
+            </a:r>
+            <a:r>
+              <a:rPr lang="en-US" dirty="0">
+                <a:hlinkClick r:id="rId4"/>
+              </a:rPr>
+              <a:t>pdev@microsoft.com</a:t>
             </a:r>
             <a:endParaRPr lang="en-US" dirty="0"/>
           </a:p>
           <a:p>
-            <a:r>
-              <a:rPr lang="en-US" dirty="0"/>
-              <a:t>If a bug is found, the tester dumps:</a:t>
-            </a:r>
-          </a:p>
-          <a:p>
-            <a:pPr lvl="1"/>
-            <a:r>
-              <a:rPr lang="en-US" dirty="0"/>
-              <a:t>Reproducible trace</a:t>
-            </a:r>
-          </a:p>
-          <a:p>
-            <a:pPr lvl="1"/>
-            <a:r>
-              <a:rPr lang="en-US" dirty="0"/>
-              <a:t>Human-readable log of all events that led to the bug</a:t>
-            </a:r>
-          </a:p>
-          <a:p>
-            <a:pPr lvl="1"/>
-            <a:r>
-              <a:rPr lang="en-US" dirty="0"/>
-              <a:t>Various statistics (e.g. coverage)</a:t>
-            </a:r>
-          </a:p>
-          <a:p>
-            <a:r>
-              <a:rPr lang="en-US" dirty="0" err="1"/>
-              <a:t>Replayer</a:t>
-            </a:r>
-            <a:r>
-              <a:rPr lang="en-US" dirty="0"/>
-              <a:t> tool can replay the buggy schedule</a:t>
-            </a:r>
-          </a:p>
-          <a:p>
-            <a:pPr lvl="1"/>
-            <a:r>
-              <a:rPr lang="en-US" dirty="0"/>
-              <a:t>Allows to attach the visual studio debugger</a:t>
-            </a:r>
-          </a:p>
-          <a:p>
-            <a:pPr lvl="1"/>
-            <a:r>
-              <a:rPr lang="en-US" dirty="0"/>
-              <a:t>User can insert breakpoints</a:t>
-            </a:r>
+            <a:endParaRPr lang="en-US" dirty="0"/>
+          </a:p>
+          <a:p>
+            <a:endParaRPr lang="en-US" dirty="0"/>
           </a:p>
         </p:txBody>
       </p:sp>
     </p:spTree>
     <p:extLst>
       <p:ext uri="{BB962C8B-B14F-4D97-AF65-F5344CB8AC3E}">
-        <p14:creationId xmlns:p14="http://schemas.microsoft.com/office/powerpoint/2010/main" val="2027814071"/>
+        <p14:creationId xmlns:p14="http://schemas.microsoft.com/office/powerpoint/2010/main" val="1065062066"/>
       </p:ext>
     </p:extLst>
   </p:cSld>
@@ -16011,283 +18098,6 @@
     <p:extLst>
       <p:ext uri="{BB962C8B-B14F-4D97-AF65-F5344CB8AC3E}">
         <p14:creationId xmlns:p14="http://schemas.microsoft.com/office/powerpoint/2010/main" val="3097020959"/>
-      </p:ext>
-    </p:extLst>
-  </p:cSld>
-  <p:clrMapOvr>
-    <a:masterClrMapping/>
-  </p:clrMapOvr>
-</p:sld>
-</file>
-
-<file path=ppt/slides/slide30.xml><?xml version="1.0" encoding="utf-8"?>
-<p:sld xmlns:a="http://schemas.openxmlformats.org/drawingml/2006/main" xmlns:r="http://schemas.openxmlformats.org/officeDocument/2006/relationships" xmlns:p="http://schemas.openxmlformats.org/presentationml/2006/main">
-  <p:cSld>
-    <p:spTree>
-      <p:nvGrpSpPr>
-        <p:cNvPr id="1" name=""/>
-        <p:cNvGrpSpPr/>
-        <p:nvPr/>
-      </p:nvGrpSpPr>
-      <p:grpSpPr>
-        <a:xfrm>
-          <a:off x="0" y="0"/>
-          <a:ext cx="0" cy="0"/>
-          <a:chOff x="0" y="0"/>
-          <a:chExt cx="0" cy="0"/>
-        </a:xfrm>
-      </p:grpSpPr>
-      <p:sp>
-        <p:nvSpPr>
-          <p:cNvPr id="2" name="Title 1"/>
-          <p:cNvSpPr>
-            <a:spLocks noGrp="1"/>
-          </p:cNvSpPr>
-          <p:nvPr>
-            <p:ph type="title"/>
-          </p:nvPr>
-        </p:nvSpPr>
-        <p:spPr/>
-        <p:txBody>
-          <a:bodyPr/>
-          <a:lstStyle/>
-          <a:p>
-            <a:r>
-              <a:rPr lang="en-US" dirty="0"/>
-              <a:t>Screenshot: VS debugging</a:t>
-            </a:r>
-          </a:p>
-        </p:txBody>
-      </p:sp>
-      <p:pic>
-        <p:nvPicPr>
-          <p:cNvPr id="4" name="Content Placeholder 3"/>
-          <p:cNvPicPr>
-            <a:picLocks noGrp="1" noChangeAspect="1"/>
-          </p:cNvPicPr>
-          <p:nvPr>
-            <p:ph idx="1"/>
-          </p:nvPr>
-        </p:nvPicPr>
-        <p:blipFill>
-          <a:blip r:embed="rId2" cstate="print">
-            <a:extLst>
-              <a:ext uri="{28A0092B-C50C-407E-A947-70E740481C1C}">
-                <a14:useLocalDpi xmlns:a14="http://schemas.microsoft.com/office/drawing/2010/main" val="0"/>
-              </a:ext>
-            </a:extLst>
-          </a:blip>
-          <a:stretch>
-            <a:fillRect/>
-          </a:stretch>
-        </p:blipFill>
-        <p:spPr>
-          <a:xfrm>
-            <a:off x="838200" y="1493115"/>
-            <a:ext cx="9090891" cy="5113626"/>
-          </a:xfrm>
-        </p:spPr>
-      </p:pic>
-    </p:spTree>
-    <p:extLst>
-      <p:ext uri="{BB962C8B-B14F-4D97-AF65-F5344CB8AC3E}">
-        <p14:creationId xmlns:p14="http://schemas.microsoft.com/office/powerpoint/2010/main" val="4203720449"/>
-      </p:ext>
-    </p:extLst>
-  </p:cSld>
-  <p:clrMapOvr>
-    <a:masterClrMapping/>
-  </p:clrMapOvr>
-</p:sld>
-</file>
-
-<file path=ppt/slides/slide31.xml><?xml version="1.0" encoding="utf-8"?>
-<p:sld xmlns:a="http://schemas.openxmlformats.org/drawingml/2006/main" xmlns:r="http://schemas.openxmlformats.org/officeDocument/2006/relationships" xmlns:p="http://schemas.openxmlformats.org/presentationml/2006/main">
-  <p:cSld>
-    <p:spTree>
-      <p:nvGrpSpPr>
-        <p:cNvPr id="1" name=""/>
-        <p:cNvGrpSpPr/>
-        <p:nvPr/>
-      </p:nvGrpSpPr>
-      <p:grpSpPr>
-        <a:xfrm>
-          <a:off x="0" y="0"/>
-          <a:ext cx="0" cy="0"/>
-          <a:chOff x="0" y="0"/>
-          <a:chExt cx="0" cy="0"/>
-        </a:xfrm>
-      </p:grpSpPr>
-      <p:sp>
-        <p:nvSpPr>
-          <p:cNvPr id="2" name="Title 1"/>
-          <p:cNvSpPr>
-            <a:spLocks noGrp="1"/>
-          </p:cNvSpPr>
-          <p:nvPr>
-            <p:ph type="title"/>
-          </p:nvPr>
-        </p:nvSpPr>
-        <p:spPr/>
-        <p:txBody>
-          <a:bodyPr/>
-          <a:lstStyle/>
-          <a:p>
-            <a:r>
-              <a:rPr lang="en-US" dirty="0"/>
-              <a:t>Screenshot: Coverage of a test run</a:t>
-            </a:r>
-          </a:p>
-        </p:txBody>
-      </p:sp>
-      <p:pic>
-        <p:nvPicPr>
-          <p:cNvPr id="4" name="Content Placeholder 3"/>
-          <p:cNvPicPr>
-            <a:picLocks noGrp="1" noChangeAspect="1"/>
-          </p:cNvPicPr>
-          <p:nvPr>
-            <p:ph idx="1"/>
-          </p:nvPr>
-        </p:nvPicPr>
-        <p:blipFill>
-          <a:blip r:embed="rId2" cstate="print">
-            <a:extLst>
-              <a:ext uri="{28A0092B-C50C-407E-A947-70E740481C1C}">
-                <a14:useLocalDpi xmlns:a14="http://schemas.microsoft.com/office/drawing/2010/main" val="0"/>
-              </a:ext>
-            </a:extLst>
-          </a:blip>
-          <a:stretch>
-            <a:fillRect/>
-          </a:stretch>
-        </p:blipFill>
-        <p:spPr>
-          <a:xfrm>
-            <a:off x="1018181" y="1690688"/>
-            <a:ext cx="8809310" cy="4955237"/>
-          </a:xfrm>
-        </p:spPr>
-      </p:pic>
-    </p:spTree>
-    <p:extLst>
-      <p:ext uri="{BB962C8B-B14F-4D97-AF65-F5344CB8AC3E}">
-        <p14:creationId xmlns:p14="http://schemas.microsoft.com/office/powerpoint/2010/main" val="417009358"/>
-      </p:ext>
-    </p:extLst>
-  </p:cSld>
-  <p:clrMapOvr>
-    <a:masterClrMapping/>
-  </p:clrMapOvr>
-</p:sld>
-</file>
-
-<file path=ppt/slides/slide32.xml><?xml version="1.0" encoding="utf-8"?>
-<p:sld xmlns:a="http://schemas.openxmlformats.org/drawingml/2006/main" xmlns:r="http://schemas.openxmlformats.org/officeDocument/2006/relationships" xmlns:p="http://schemas.openxmlformats.org/presentationml/2006/main">
-  <p:cSld>
-    <p:spTree>
-      <p:nvGrpSpPr>
-        <p:cNvPr id="1" name=""/>
-        <p:cNvGrpSpPr/>
-        <p:nvPr/>
-      </p:nvGrpSpPr>
-      <p:grpSpPr>
-        <a:xfrm>
-          <a:off x="0" y="0"/>
-          <a:ext cx="0" cy="0"/>
-          <a:chOff x="0" y="0"/>
-          <a:chExt cx="0" cy="0"/>
-        </a:xfrm>
-      </p:grpSpPr>
-      <p:sp>
-        <p:nvSpPr>
-          <p:cNvPr id="2" name="Title 1">
-            <a:extLst>
-              <a:ext uri="{FF2B5EF4-FFF2-40B4-BE49-F238E27FC236}">
-                <a16:creationId xmlns:a16="http://schemas.microsoft.com/office/drawing/2014/main" id="{048C5215-40DC-4A28-B0D2-C16232BD8739}"/>
-              </a:ext>
-            </a:extLst>
-          </p:cNvPr>
-          <p:cNvSpPr>
-            <a:spLocks noGrp="1"/>
-          </p:cNvSpPr>
-          <p:nvPr>
-            <p:ph type="title"/>
-          </p:nvPr>
-        </p:nvSpPr>
-        <p:spPr/>
-        <p:txBody>
-          <a:bodyPr/>
-          <a:lstStyle/>
-          <a:p>
-            <a:r>
-              <a:rPr lang="en-US" dirty="0"/>
-              <a:t>Resources</a:t>
-            </a:r>
-          </a:p>
-        </p:txBody>
-      </p:sp>
-      <p:sp>
-        <p:nvSpPr>
-          <p:cNvPr id="3" name="Content Placeholder 2">
-            <a:extLst>
-              <a:ext uri="{FF2B5EF4-FFF2-40B4-BE49-F238E27FC236}">
-                <a16:creationId xmlns:a16="http://schemas.microsoft.com/office/drawing/2014/main" id="{4305C858-C769-419D-91BA-0291B7C5BE33}"/>
-              </a:ext>
-            </a:extLst>
-          </p:cNvPr>
-          <p:cNvSpPr>
-            <a:spLocks noGrp="1"/>
-          </p:cNvSpPr>
-          <p:nvPr>
-            <p:ph idx="1"/>
-          </p:nvPr>
-        </p:nvSpPr>
-        <p:spPr/>
-        <p:txBody>
-          <a:bodyPr/>
-          <a:lstStyle/>
-          <a:p>
-            <a:r>
-              <a:rPr lang="en-US"/>
-              <a:t>Repository: </a:t>
-            </a:r>
-            <a:r>
-              <a:rPr lang="en-US" dirty="0">
-                <a:hlinkClick r:id="rId2"/>
-              </a:rPr>
-              <a:t>https://github.com/p-org</a:t>
-            </a:r>
-            <a:endParaRPr lang="en-US" dirty="0"/>
-          </a:p>
-          <a:p>
-            <a:endParaRPr lang="en-US" dirty="0"/>
-          </a:p>
-          <a:p>
-            <a:r>
-              <a:rPr lang="en-US" dirty="0"/>
-              <a:t>Contact: </a:t>
-            </a:r>
-            <a:r>
-              <a:rPr lang="en-US" dirty="0">
-                <a:hlinkClick r:id="rId3"/>
-              </a:rPr>
-              <a:t>pdev@microsoft.com</a:t>
-            </a:r>
-            <a:endParaRPr lang="en-US" dirty="0"/>
-          </a:p>
-          <a:p>
-            <a:endParaRPr lang="en-US" dirty="0"/>
-          </a:p>
-          <a:p>
-            <a:endParaRPr lang="en-US" dirty="0"/>
-          </a:p>
-        </p:txBody>
-      </p:sp>
-    </p:spTree>
-    <p:extLst>
-      <p:ext uri="{BB962C8B-B14F-4D97-AF65-F5344CB8AC3E}">
-        <p14:creationId xmlns:p14="http://schemas.microsoft.com/office/powerpoint/2010/main" val="1065062066"/>
       </p:ext>
     </p:extLst>
   </p:cSld>
@@ -19352,7 +21162,7 @@
         <p:spPr>
           <a:xfrm>
             <a:off x="527664" y="1727363"/>
-            <a:ext cx="3492559" cy="4093428"/>
+            <a:ext cx="3353097" cy="4093428"/>
           </a:xfrm>
           <a:prstGeom prst="rect">
             <a:avLst/>
@@ -19371,23 +21181,7 @@
                   <a:srgbClr val="FF0000"/>
                 </a:solidFill>
               </a:rPr>
-              <a:t>Windows (</a:t>
-            </a:r>
-            <a:r>
-              <a:rPr lang="en-US" sz="3600" dirty="0" err="1">
-                <a:solidFill>
-                  <a:srgbClr val="FF0000"/>
-                </a:solidFill>
-              </a:rPr>
-              <a:t>vivekg</a:t>
-            </a:r>
-            <a:r>
-              <a:rPr lang="en-US" sz="3600" dirty="0">
-                <a:solidFill>
-                  <a:srgbClr val="FF0000"/>
-                </a:solidFill>
-              </a:rPr>
-              <a:t>)</a:t>
+              <a:t>Windows</a:t>
             </a:r>
           </a:p>
           <a:p>
@@ -19473,23 +21267,7 @@
                   <a:srgbClr val="FF0000"/>
                 </a:solidFill>
               </a:rPr>
-              <a:t>Azure (</a:t>
-            </a:r>
-            <a:r>
-              <a:rPr lang="en-US" sz="3600" dirty="0" err="1">
-                <a:solidFill>
-                  <a:srgbClr val="FF0000"/>
-                </a:solidFill>
-              </a:rPr>
-              <a:t>narg</a:t>
-            </a:r>
-            <a:r>
-              <a:rPr lang="en-US" sz="3600" dirty="0">
-                <a:solidFill>
-                  <a:srgbClr val="FF0000"/>
-                </a:solidFill>
-              </a:rPr>
-              <a:t>)</a:t>
+              <a:t>Azure</a:t>
             </a:r>
           </a:p>
           <a:p>
@@ -19583,29 +21361,18 @@
           <a:lstStyle/>
           <a:p>
             <a:r>
-              <a:rPr lang="en-US" sz="3600" dirty="0">
+              <a:rPr lang="en-US" sz="3600">
                 <a:solidFill>
                   <a:srgbClr val="FF0000"/>
                 </a:solidFill>
               </a:rPr>
-              <a:t>Office (</a:t>
-            </a:r>
-            <a:r>
-              <a:rPr lang="en-US" sz="3600" dirty="0" err="1">
-                <a:solidFill>
-                  <a:srgbClr val="FF0000"/>
-                </a:solidFill>
-              </a:rPr>
-              <a:t>alexgrig</a:t>
-            </a:r>
-            <a:r>
-              <a:rPr lang="en-US" sz="3600" dirty="0">
-                <a:solidFill>
-                  <a:srgbClr val="FF0000"/>
-                </a:solidFill>
-              </a:rPr>
-              <a:t>)</a:t>
-            </a:r>
+              <a:t>Office</a:t>
+            </a:r>
+            <a:endParaRPr lang="en-US" sz="3600" dirty="0">
+              <a:solidFill>
+                <a:srgbClr val="FF0000"/>
+              </a:solidFill>
+            </a:endParaRPr>
           </a:p>
           <a:p>
             <a:endParaRPr lang="en-US" sz="2800" dirty="0"/>

--- a/RVTutorial/P-tutorial-Part-1.pptx
+++ b/RVTutorial/P-tutorial-Part-1.pptx
@@ -5,7 +5,7 @@
     <p:sldMasterId id="2147483648" r:id="rId1"/>
   </p:sldMasterIdLst>
   <p:notesMasterIdLst>
-    <p:notesMasterId r:id="rId36"/>
+    <p:notesMasterId r:id="rId31"/>
   </p:notesMasterIdLst>
   <p:sldIdLst>
     <p:sldId id="256" r:id="rId2"/>
@@ -36,12 +36,7 @@
     <p:sldId id="288" r:id="rId27"/>
     <p:sldId id="300" r:id="rId28"/>
     <p:sldId id="292" r:id="rId29"/>
-    <p:sldId id="305" r:id="rId30"/>
-    <p:sldId id="306" r:id="rId31"/>
-    <p:sldId id="272" r:id="rId32"/>
-    <p:sldId id="273" r:id="rId33"/>
-    <p:sldId id="276" r:id="rId34"/>
-    <p:sldId id="302" r:id="rId35"/>
+    <p:sldId id="302" r:id="rId30"/>
   </p:sldIdLst>
   <p:sldSz cx="12192000" cy="6858000"/>
   <p:notesSz cx="6858000" cy="9144000"/>
@@ -234,7 +229,7 @@
           <a:p>
             <a:fld id="{4D6C1395-F38E-4BBC-A387-C9D21622F6E5}" type="datetimeFigureOut">
               <a:rPr lang="en-US" smtClean="0"/>
-              <a:t>9/11/2017</a:t>
+              <a:t>9/12/2017</a:t>
             </a:fld>
             <a:endParaRPr lang="en-US"/>
           </a:p>
@@ -2339,7 +2334,7 @@
     </p:spTree>
     <p:extLst>
       <p:ext uri="{BB962C8B-B14F-4D97-AF65-F5344CB8AC3E}">
-        <p14:creationId xmlns:p14="http://schemas.microsoft.com/office/powerpoint/2010/main" val="2616245075"/>
+        <p14:creationId xmlns:p14="http://schemas.microsoft.com/office/powerpoint/2010/main" val="1402468087"/>
       </p:ext>
     </p:extLst>
   </p:cSld>
@@ -2424,426 +2419,6 @@
     <p:extLst>
       <p:ext uri="{BB962C8B-B14F-4D97-AF65-F5344CB8AC3E}">
         <p14:creationId xmlns:p14="http://schemas.microsoft.com/office/powerpoint/2010/main" val="655986595"/>
-      </p:ext>
-    </p:extLst>
-  </p:cSld>
-  <p:clrMapOvr>
-    <a:masterClrMapping/>
-  </p:clrMapOvr>
-</p:notes>
-</file>
-
-<file path=ppt/notesSlides/notesSlide30.xml><?xml version="1.0" encoding="utf-8"?>
-<p:notes xmlns:a="http://schemas.openxmlformats.org/drawingml/2006/main" xmlns:r="http://schemas.openxmlformats.org/officeDocument/2006/relationships" xmlns:p="http://schemas.openxmlformats.org/presentationml/2006/main">
-  <p:cSld>
-    <p:spTree>
-      <p:nvGrpSpPr>
-        <p:cNvPr id="1" name=""/>
-        <p:cNvGrpSpPr/>
-        <p:nvPr/>
-      </p:nvGrpSpPr>
-      <p:grpSpPr>
-        <a:xfrm>
-          <a:off x="0" y="0"/>
-          <a:ext cx="0" cy="0"/>
-          <a:chOff x="0" y="0"/>
-          <a:chExt cx="0" cy="0"/>
-        </a:xfrm>
-      </p:grpSpPr>
-      <p:sp>
-        <p:nvSpPr>
-          <p:cNvPr id="2" name="Slide Image Placeholder 1"/>
-          <p:cNvSpPr>
-            <a:spLocks noGrp="1" noRot="1" noChangeAspect="1"/>
-          </p:cNvSpPr>
-          <p:nvPr>
-            <p:ph type="sldImg"/>
-          </p:nvPr>
-        </p:nvSpPr>
-        <p:spPr/>
-      </p:sp>
-      <p:sp>
-        <p:nvSpPr>
-          <p:cNvPr id="3" name="Notes Placeholder 2"/>
-          <p:cNvSpPr>
-            <a:spLocks noGrp="1"/>
-          </p:cNvSpPr>
-          <p:nvPr>
-            <p:ph type="body" idx="1"/>
-          </p:nvPr>
-        </p:nvSpPr>
-        <p:spPr/>
-        <p:txBody>
-          <a:bodyPr/>
-          <a:lstStyle/>
-          <a:p>
-            <a:endParaRPr lang="en-US"/>
-          </a:p>
-        </p:txBody>
-      </p:sp>
-      <p:sp>
-        <p:nvSpPr>
-          <p:cNvPr id="4" name="Slide Number Placeholder 3"/>
-          <p:cNvSpPr>
-            <a:spLocks noGrp="1"/>
-          </p:cNvSpPr>
-          <p:nvPr>
-            <p:ph type="sldNum" sz="quarter" idx="10"/>
-          </p:nvPr>
-        </p:nvSpPr>
-        <p:spPr/>
-        <p:txBody>
-          <a:bodyPr/>
-          <a:lstStyle/>
-          <a:p>
-            <a:fld id="{856E82CD-9B34-4DD7-A33E-65C9022BAB57}" type="slidenum">
-              <a:rPr lang="en-US" smtClean="0"/>
-              <a:t>30</a:t>
-            </a:fld>
-            <a:endParaRPr lang="en-US"/>
-          </a:p>
-        </p:txBody>
-      </p:sp>
-    </p:spTree>
-    <p:extLst>
-      <p:ext uri="{BB962C8B-B14F-4D97-AF65-F5344CB8AC3E}">
-        <p14:creationId xmlns:p14="http://schemas.microsoft.com/office/powerpoint/2010/main" val="2286034255"/>
-      </p:ext>
-    </p:extLst>
-  </p:cSld>
-  <p:clrMapOvr>
-    <a:masterClrMapping/>
-  </p:clrMapOvr>
-</p:notes>
-</file>
-
-<file path=ppt/notesSlides/notesSlide31.xml><?xml version="1.0" encoding="utf-8"?>
-<p:notes xmlns:a="http://schemas.openxmlformats.org/drawingml/2006/main" xmlns:r="http://schemas.openxmlformats.org/officeDocument/2006/relationships" xmlns:p="http://schemas.openxmlformats.org/presentationml/2006/main">
-  <p:cSld>
-    <p:spTree>
-      <p:nvGrpSpPr>
-        <p:cNvPr id="1" name=""/>
-        <p:cNvGrpSpPr/>
-        <p:nvPr/>
-      </p:nvGrpSpPr>
-      <p:grpSpPr>
-        <a:xfrm>
-          <a:off x="0" y="0"/>
-          <a:ext cx="0" cy="0"/>
-          <a:chOff x="0" y="0"/>
-          <a:chExt cx="0" cy="0"/>
-        </a:xfrm>
-      </p:grpSpPr>
-      <p:sp>
-        <p:nvSpPr>
-          <p:cNvPr id="2" name="Slide Image Placeholder 1"/>
-          <p:cNvSpPr>
-            <a:spLocks noGrp="1" noRot="1" noChangeAspect="1"/>
-          </p:cNvSpPr>
-          <p:nvPr>
-            <p:ph type="sldImg"/>
-          </p:nvPr>
-        </p:nvSpPr>
-        <p:spPr/>
-      </p:sp>
-      <p:sp>
-        <p:nvSpPr>
-          <p:cNvPr id="3" name="Notes Placeholder 2"/>
-          <p:cNvSpPr>
-            <a:spLocks noGrp="1"/>
-          </p:cNvSpPr>
-          <p:nvPr>
-            <p:ph type="body" idx="1"/>
-          </p:nvPr>
-        </p:nvSpPr>
-        <p:spPr/>
-        <p:txBody>
-          <a:bodyPr/>
-          <a:lstStyle/>
-          <a:p>
-            <a:endParaRPr lang="en-US"/>
-          </a:p>
-        </p:txBody>
-      </p:sp>
-      <p:sp>
-        <p:nvSpPr>
-          <p:cNvPr id="4" name="Slide Number Placeholder 3"/>
-          <p:cNvSpPr>
-            <a:spLocks noGrp="1"/>
-          </p:cNvSpPr>
-          <p:nvPr>
-            <p:ph type="sldNum" sz="quarter" idx="10"/>
-          </p:nvPr>
-        </p:nvSpPr>
-        <p:spPr/>
-        <p:txBody>
-          <a:bodyPr/>
-          <a:lstStyle/>
-          <a:p>
-            <a:fld id="{856E82CD-9B34-4DD7-A33E-65C9022BAB57}" type="slidenum">
-              <a:rPr lang="en-US" smtClean="0"/>
-              <a:t>31</a:t>
-            </a:fld>
-            <a:endParaRPr lang="en-US"/>
-          </a:p>
-        </p:txBody>
-      </p:sp>
-    </p:spTree>
-    <p:extLst>
-      <p:ext uri="{BB962C8B-B14F-4D97-AF65-F5344CB8AC3E}">
-        <p14:creationId xmlns:p14="http://schemas.microsoft.com/office/powerpoint/2010/main" val="255303324"/>
-      </p:ext>
-    </p:extLst>
-  </p:cSld>
-  <p:clrMapOvr>
-    <a:masterClrMapping/>
-  </p:clrMapOvr>
-</p:notes>
-</file>
-
-<file path=ppt/notesSlides/notesSlide32.xml><?xml version="1.0" encoding="utf-8"?>
-<p:notes xmlns:a="http://schemas.openxmlformats.org/drawingml/2006/main" xmlns:r="http://schemas.openxmlformats.org/officeDocument/2006/relationships" xmlns:p="http://schemas.openxmlformats.org/presentationml/2006/main">
-  <p:cSld>
-    <p:spTree>
-      <p:nvGrpSpPr>
-        <p:cNvPr id="1" name=""/>
-        <p:cNvGrpSpPr/>
-        <p:nvPr/>
-      </p:nvGrpSpPr>
-      <p:grpSpPr>
-        <a:xfrm>
-          <a:off x="0" y="0"/>
-          <a:ext cx="0" cy="0"/>
-          <a:chOff x="0" y="0"/>
-          <a:chExt cx="0" cy="0"/>
-        </a:xfrm>
-      </p:grpSpPr>
-      <p:sp>
-        <p:nvSpPr>
-          <p:cNvPr id="2" name="Slide Image Placeholder 1"/>
-          <p:cNvSpPr>
-            <a:spLocks noGrp="1" noRot="1" noChangeAspect="1"/>
-          </p:cNvSpPr>
-          <p:nvPr>
-            <p:ph type="sldImg"/>
-          </p:nvPr>
-        </p:nvSpPr>
-        <p:spPr/>
-      </p:sp>
-      <p:sp>
-        <p:nvSpPr>
-          <p:cNvPr id="3" name="Notes Placeholder 2"/>
-          <p:cNvSpPr>
-            <a:spLocks noGrp="1"/>
-          </p:cNvSpPr>
-          <p:nvPr>
-            <p:ph type="body" idx="1"/>
-          </p:nvPr>
-        </p:nvSpPr>
-        <p:spPr/>
-        <p:txBody>
-          <a:bodyPr/>
-          <a:lstStyle/>
-          <a:p>
-            <a:endParaRPr lang="en-US"/>
-          </a:p>
-        </p:txBody>
-      </p:sp>
-      <p:sp>
-        <p:nvSpPr>
-          <p:cNvPr id="4" name="Slide Number Placeholder 3"/>
-          <p:cNvSpPr>
-            <a:spLocks noGrp="1"/>
-          </p:cNvSpPr>
-          <p:nvPr>
-            <p:ph type="sldNum" sz="quarter" idx="10"/>
-          </p:nvPr>
-        </p:nvSpPr>
-        <p:spPr/>
-        <p:txBody>
-          <a:bodyPr/>
-          <a:lstStyle/>
-          <a:p>
-            <a:fld id="{856E82CD-9B34-4DD7-A33E-65C9022BAB57}" type="slidenum">
-              <a:rPr lang="en-US" smtClean="0"/>
-              <a:t>32</a:t>
-            </a:fld>
-            <a:endParaRPr lang="en-US"/>
-          </a:p>
-        </p:txBody>
-      </p:sp>
-    </p:spTree>
-    <p:extLst>
-      <p:ext uri="{BB962C8B-B14F-4D97-AF65-F5344CB8AC3E}">
-        <p14:creationId xmlns:p14="http://schemas.microsoft.com/office/powerpoint/2010/main" val="1756210108"/>
-      </p:ext>
-    </p:extLst>
-  </p:cSld>
-  <p:clrMapOvr>
-    <a:masterClrMapping/>
-  </p:clrMapOvr>
-</p:notes>
-</file>
-
-<file path=ppt/notesSlides/notesSlide33.xml><?xml version="1.0" encoding="utf-8"?>
-<p:notes xmlns:a="http://schemas.openxmlformats.org/drawingml/2006/main" xmlns:r="http://schemas.openxmlformats.org/officeDocument/2006/relationships" xmlns:p="http://schemas.openxmlformats.org/presentationml/2006/main">
-  <p:cSld>
-    <p:spTree>
-      <p:nvGrpSpPr>
-        <p:cNvPr id="1" name=""/>
-        <p:cNvGrpSpPr/>
-        <p:nvPr/>
-      </p:nvGrpSpPr>
-      <p:grpSpPr>
-        <a:xfrm>
-          <a:off x="0" y="0"/>
-          <a:ext cx="0" cy="0"/>
-          <a:chOff x="0" y="0"/>
-          <a:chExt cx="0" cy="0"/>
-        </a:xfrm>
-      </p:grpSpPr>
-      <p:sp>
-        <p:nvSpPr>
-          <p:cNvPr id="2" name="Slide Image Placeholder 1"/>
-          <p:cNvSpPr>
-            <a:spLocks noGrp="1" noRot="1" noChangeAspect="1"/>
-          </p:cNvSpPr>
-          <p:nvPr>
-            <p:ph type="sldImg"/>
-          </p:nvPr>
-        </p:nvSpPr>
-        <p:spPr/>
-      </p:sp>
-      <p:sp>
-        <p:nvSpPr>
-          <p:cNvPr id="3" name="Notes Placeholder 2"/>
-          <p:cNvSpPr>
-            <a:spLocks noGrp="1"/>
-          </p:cNvSpPr>
-          <p:nvPr>
-            <p:ph type="body" idx="1"/>
-          </p:nvPr>
-        </p:nvSpPr>
-        <p:spPr/>
-        <p:txBody>
-          <a:bodyPr/>
-          <a:lstStyle/>
-          <a:p>
-            <a:endParaRPr lang="en-US"/>
-          </a:p>
-        </p:txBody>
-      </p:sp>
-      <p:sp>
-        <p:nvSpPr>
-          <p:cNvPr id="4" name="Slide Number Placeholder 3"/>
-          <p:cNvSpPr>
-            <a:spLocks noGrp="1"/>
-          </p:cNvSpPr>
-          <p:nvPr>
-            <p:ph type="sldNum" sz="quarter" idx="10"/>
-          </p:nvPr>
-        </p:nvSpPr>
-        <p:spPr/>
-        <p:txBody>
-          <a:bodyPr/>
-          <a:lstStyle/>
-          <a:p>
-            <a:fld id="{856E82CD-9B34-4DD7-A33E-65C9022BAB57}" type="slidenum">
-              <a:rPr lang="en-US" smtClean="0"/>
-              <a:t>33</a:t>
-            </a:fld>
-            <a:endParaRPr lang="en-US"/>
-          </a:p>
-        </p:txBody>
-      </p:sp>
-    </p:spTree>
-    <p:extLst>
-      <p:ext uri="{BB962C8B-B14F-4D97-AF65-F5344CB8AC3E}">
-        <p14:creationId xmlns:p14="http://schemas.microsoft.com/office/powerpoint/2010/main" val="1231584225"/>
-      </p:ext>
-    </p:extLst>
-  </p:cSld>
-  <p:clrMapOvr>
-    <a:masterClrMapping/>
-  </p:clrMapOvr>
-</p:notes>
-</file>
-
-<file path=ppt/notesSlides/notesSlide34.xml><?xml version="1.0" encoding="utf-8"?>
-<p:notes xmlns:a="http://schemas.openxmlformats.org/drawingml/2006/main" xmlns:r="http://schemas.openxmlformats.org/officeDocument/2006/relationships" xmlns:p="http://schemas.openxmlformats.org/presentationml/2006/main">
-  <p:cSld>
-    <p:spTree>
-      <p:nvGrpSpPr>
-        <p:cNvPr id="1" name=""/>
-        <p:cNvGrpSpPr/>
-        <p:nvPr/>
-      </p:nvGrpSpPr>
-      <p:grpSpPr>
-        <a:xfrm>
-          <a:off x="0" y="0"/>
-          <a:ext cx="0" cy="0"/>
-          <a:chOff x="0" y="0"/>
-          <a:chExt cx="0" cy="0"/>
-        </a:xfrm>
-      </p:grpSpPr>
-      <p:sp>
-        <p:nvSpPr>
-          <p:cNvPr id="2" name="Slide Image Placeholder 1"/>
-          <p:cNvSpPr>
-            <a:spLocks noGrp="1" noRot="1" noChangeAspect="1"/>
-          </p:cNvSpPr>
-          <p:nvPr>
-            <p:ph type="sldImg"/>
-          </p:nvPr>
-        </p:nvSpPr>
-        <p:spPr/>
-      </p:sp>
-      <p:sp>
-        <p:nvSpPr>
-          <p:cNvPr id="3" name="Notes Placeholder 2"/>
-          <p:cNvSpPr>
-            <a:spLocks noGrp="1"/>
-          </p:cNvSpPr>
-          <p:nvPr>
-            <p:ph type="body" idx="1"/>
-          </p:nvPr>
-        </p:nvSpPr>
-        <p:spPr/>
-        <p:txBody>
-          <a:bodyPr/>
-          <a:lstStyle/>
-          <a:p>
-            <a:endParaRPr lang="en-US"/>
-          </a:p>
-        </p:txBody>
-      </p:sp>
-      <p:sp>
-        <p:nvSpPr>
-          <p:cNvPr id="4" name="Slide Number Placeholder 3"/>
-          <p:cNvSpPr>
-            <a:spLocks noGrp="1"/>
-          </p:cNvSpPr>
-          <p:nvPr>
-            <p:ph type="sldNum" sz="quarter" idx="10"/>
-          </p:nvPr>
-        </p:nvSpPr>
-        <p:spPr/>
-        <p:txBody>
-          <a:bodyPr/>
-          <a:lstStyle/>
-          <a:p>
-            <a:fld id="{856E82CD-9B34-4DD7-A33E-65C9022BAB57}" type="slidenum">
-              <a:rPr lang="en-US" smtClean="0"/>
-              <a:t>34</a:t>
-            </a:fld>
-            <a:endParaRPr lang="en-US"/>
-          </a:p>
-        </p:txBody>
-      </p:sp>
-    </p:spTree>
-    <p:extLst>
-      <p:ext uri="{BB962C8B-B14F-4D97-AF65-F5344CB8AC3E}">
-        <p14:creationId xmlns:p14="http://schemas.microsoft.com/office/powerpoint/2010/main" val="1402468087"/>
       </p:ext>
     </p:extLst>
   </p:cSld>
@@ -3476,7 +3051,7 @@
           <a:p>
             <a:fld id="{DCC5E34C-0BEF-42D1-A3A4-98A0EFA3EE0B}" type="datetime8">
               <a:rPr lang="en-US" smtClean="0"/>
-              <a:t>9/11/2017 8:50 PM</a:t>
+              <a:t>9/12/2017 8:44 PM</a:t>
             </a:fld>
             <a:endParaRPr lang="en-US" dirty="0"/>
           </a:p>
@@ -3648,7 +3223,7 @@
           <a:p>
             <a:fld id="{4E05C90B-F8EE-4FB7-AEE7-9B0B98AB9CDF}" type="datetimeFigureOut">
               <a:rPr lang="en-US" smtClean="0"/>
-              <a:t>9/11/2017</a:t>
+              <a:t>9/12/2017</a:t>
             </a:fld>
             <a:endParaRPr lang="en-US"/>
           </a:p>
@@ -3816,7 +3391,7 @@
           <a:p>
             <a:fld id="{4E05C90B-F8EE-4FB7-AEE7-9B0B98AB9CDF}" type="datetimeFigureOut">
               <a:rPr lang="en-US" smtClean="0"/>
-              <a:t>9/11/2017</a:t>
+              <a:t>9/12/2017</a:t>
             </a:fld>
             <a:endParaRPr lang="en-US"/>
           </a:p>
@@ -3994,7 +3569,7 @@
           <a:p>
             <a:fld id="{4E05C90B-F8EE-4FB7-AEE7-9B0B98AB9CDF}" type="datetimeFigureOut">
               <a:rPr lang="en-US" smtClean="0"/>
-              <a:t>9/11/2017</a:t>
+              <a:t>9/12/2017</a:t>
             </a:fld>
             <a:endParaRPr lang="en-US"/>
           </a:p>
@@ -4309,7 +3884,7 @@
           <a:p>
             <a:fld id="{4E05C90B-F8EE-4FB7-AEE7-9B0B98AB9CDF}" type="datetimeFigureOut">
               <a:rPr lang="en-US" smtClean="0"/>
-              <a:t>9/11/2017</a:t>
+              <a:t>9/12/2017</a:t>
             </a:fld>
             <a:endParaRPr lang="en-US"/>
           </a:p>
@@ -4554,7 +4129,7 @@
           <a:p>
             <a:fld id="{4E05C90B-F8EE-4FB7-AEE7-9B0B98AB9CDF}" type="datetimeFigureOut">
               <a:rPr lang="en-US" smtClean="0"/>
-              <a:t>9/11/2017</a:t>
+              <a:t>9/12/2017</a:t>
             </a:fld>
             <a:endParaRPr lang="en-US"/>
           </a:p>
@@ -4783,7 +4358,7 @@
           <a:p>
             <a:fld id="{4E05C90B-F8EE-4FB7-AEE7-9B0B98AB9CDF}" type="datetimeFigureOut">
               <a:rPr lang="en-US" smtClean="0"/>
-              <a:t>9/11/2017</a:t>
+              <a:t>9/12/2017</a:t>
             </a:fld>
             <a:endParaRPr lang="en-US"/>
           </a:p>
@@ -5147,7 +4722,7 @@
           <a:p>
             <a:fld id="{4E05C90B-F8EE-4FB7-AEE7-9B0B98AB9CDF}" type="datetimeFigureOut">
               <a:rPr lang="en-US" smtClean="0"/>
-              <a:t>9/11/2017</a:t>
+              <a:t>9/12/2017</a:t>
             </a:fld>
             <a:endParaRPr lang="en-US"/>
           </a:p>
@@ -5264,7 +4839,7 @@
           <a:p>
             <a:fld id="{4E05C90B-F8EE-4FB7-AEE7-9B0B98AB9CDF}" type="datetimeFigureOut">
               <a:rPr lang="en-US" smtClean="0"/>
-              <a:t>9/11/2017</a:t>
+              <a:t>9/12/2017</a:t>
             </a:fld>
             <a:endParaRPr lang="en-US"/>
           </a:p>
@@ -5359,7 +4934,7 @@
           <a:p>
             <a:fld id="{4E05C90B-F8EE-4FB7-AEE7-9B0B98AB9CDF}" type="datetimeFigureOut">
               <a:rPr lang="en-US" smtClean="0"/>
-              <a:t>9/11/2017</a:t>
+              <a:t>9/12/2017</a:t>
             </a:fld>
             <a:endParaRPr lang="en-US"/>
           </a:p>
@@ -5634,7 +5209,7 @@
           <a:p>
             <a:fld id="{4E05C90B-F8EE-4FB7-AEE7-9B0B98AB9CDF}" type="datetimeFigureOut">
               <a:rPr lang="en-US" smtClean="0"/>
-              <a:t>9/11/2017</a:t>
+              <a:t>9/12/2017</a:t>
             </a:fld>
             <a:endParaRPr lang="en-US"/>
           </a:p>
@@ -5886,7 +5461,7 @@
           <a:p>
             <a:fld id="{4E05C90B-F8EE-4FB7-AEE7-9B0B98AB9CDF}" type="datetimeFigureOut">
               <a:rPr lang="en-US" smtClean="0"/>
-              <a:t>9/11/2017</a:t>
+              <a:t>9/12/2017</a:t>
             </a:fld>
             <a:endParaRPr lang="en-US"/>
           </a:p>
@@ -6097,7 +5672,7 @@
           <a:p>
             <a:fld id="{4E05C90B-F8EE-4FB7-AEE7-9B0B98AB9CDF}" type="datetimeFigureOut">
               <a:rPr lang="en-US" smtClean="0"/>
-              <a:t>9/11/2017</a:t>
+              <a:t>9/12/2017</a:t>
             </a:fld>
             <a:endParaRPr lang="en-US"/>
           </a:p>
@@ -6515,20 +6090,27 @@
         </p:nvSpPr>
         <p:spPr>
           <a:xfrm>
-            <a:off x="889000" y="1291589"/>
-            <a:ext cx="10505440" cy="1041083"/>
+            <a:off x="404813" y="1133475"/>
+            <a:ext cx="10989627" cy="1199197"/>
           </a:xfrm>
         </p:spPr>
         <p:txBody>
           <a:bodyPr>
-            <a:normAutofit/>
+            <a:normAutofit fontScale="90000"/>
           </a:bodyPr>
           <a:lstStyle/>
           <a:p>
             <a:pPr algn="l"/>
             <a:r>
               <a:rPr lang="en-US" sz="4800" dirty="0"/>
-              <a:t>The P Programming Language</a:t>
+              <a:t>P: Modular and Safe Asynchronous Programming</a:t>
+            </a:r>
+            <a:br>
+              <a:rPr lang="en-US" sz="4800" dirty="0"/>
+            </a:br>
+            <a:r>
+              <a:rPr lang="en-US" sz="4800" dirty="0"/>
+              <a:t>Part 1</a:t>
             </a:r>
           </a:p>
         </p:txBody>
@@ -6545,7 +6127,7 @@
         </p:nvSpPr>
         <p:spPr>
           <a:xfrm>
-            <a:off x="889000" y="3602038"/>
+            <a:off x="404813" y="3602038"/>
             <a:ext cx="9144000" cy="1655762"/>
           </a:xfrm>
         </p:spPr>
@@ -7818,7 +7400,7 @@
         <p:spPr/>
         <p:txBody>
           <a:bodyPr>
-            <a:normAutofit fontScale="85000" lnSpcReduction="20000"/>
+            <a:normAutofit fontScale="92500" lnSpcReduction="10000"/>
           </a:bodyPr>
           <a:lstStyle/>
           <a:p>
@@ -7840,6 +7422,9 @@
             <a:endParaRPr lang="en-US" dirty="0"/>
           </a:p>
           <a:p>
+            <a:endParaRPr lang="en-US" dirty="0"/>
+          </a:p>
+          <a:p>
             <a:r>
               <a:rPr lang="en-US" dirty="0"/>
               <a:t>Avoiding data races</a:t>
@@ -7888,6 +7473,14 @@
             <a:pPr lvl="1"/>
             <a:r>
               <a:rPr lang="en-US" dirty="0" err="1"/>
+              <a:t>PingPong</a:t>
+            </a:r>
+            <a:r>
+              <a:rPr lang="en-US" dirty="0"/>
+              <a:t>, </a:t>
+            </a:r>
+            <a:r>
+              <a:rPr lang="en-US" dirty="0" err="1"/>
               <a:t>CoffeeMachine</a:t>
             </a:r>
             <a:endParaRPr lang="en-US" dirty="0"/>
@@ -7897,17 +7490,7 @@
             <a:endParaRPr lang="en-US" dirty="0"/>
           </a:p>
           <a:p>
-            <a:r>
-              <a:rPr lang="en-US" dirty="0"/>
-              <a:t>Failure modeling</a:t>
-            </a:r>
-          </a:p>
-          <a:p>
-            <a:pPr lvl="1"/>
-            <a:r>
-              <a:rPr lang="en-US" dirty="0"/>
-              <a:t>Failover</a:t>
-            </a:r>
+            <a:endParaRPr lang="en-US" dirty="0"/>
           </a:p>
         </p:txBody>
       </p:sp>
@@ -12862,188 +12445,93 @@
       </p:grpSpPr>
       <p:sp>
         <p:nvSpPr>
-          <p:cNvPr id="2" name="Title 1"/>
-          <p:cNvSpPr>
-            <a:spLocks noGrp="1"/>
-          </p:cNvSpPr>
-          <p:nvPr>
-            <p:ph type="title"/>
-          </p:nvPr>
-        </p:nvSpPr>
-        <p:spPr>
-          <a:xfrm>
-            <a:off x="838200" y="354965"/>
-            <a:ext cx="10515600" cy="1325563"/>
-          </a:xfrm>
-        </p:spPr>
-        <p:txBody>
-          <a:bodyPr/>
-          <a:lstStyle/>
-          <a:p>
-            <a:r>
-              <a:rPr lang="en-US" dirty="0"/>
-              <a:t>Modeling failures with events</a:t>
-            </a:r>
-          </a:p>
-        </p:txBody>
-      </p:sp>
-      <p:sp>
-        <p:nvSpPr>
-          <p:cNvPr id="7" name="TextBox 6">
+          <p:cNvPr id="2" name="Title 1">
             <a:extLst>
               <a:ext uri="{FF2B5EF4-FFF2-40B4-BE49-F238E27FC236}">
-                <a16:creationId xmlns:a16="http://schemas.microsoft.com/office/drawing/2014/main" id="{1773A0FE-A14D-4A7C-8647-69E446D090FB}"/>
+                <a16:creationId xmlns:a16="http://schemas.microsoft.com/office/drawing/2014/main" id="{048C5215-40DC-4A28-B0D2-C16232BD8739}"/>
               </a:ext>
             </a:extLst>
           </p:cNvPr>
-          <p:cNvSpPr txBox="1"/>
-          <p:nvPr/>
-        </p:nvSpPr>
-        <p:spPr>
-          <a:xfrm>
-            <a:off x="7141883" y="3380287"/>
-            <a:ext cx="2468282" cy="1077218"/>
-          </a:xfrm>
-          <a:prstGeom prst="rect">
-            <a:avLst/>
-          </a:prstGeom>
-          <a:noFill/>
-        </p:spPr>
-        <p:txBody>
-          <a:bodyPr wrap="square" rtlCol="0">
-            <a:spAutoFit/>
-          </a:bodyPr>
-          <a:lstStyle/>
-          <a:p>
-            <a:r>
-              <a:rPr lang="en-US" sz="3200" dirty="0"/>
-              <a:t>Fault-tolerant machine </a:t>
-            </a:r>
-          </a:p>
-        </p:txBody>
-      </p:sp>
-      <p:sp>
-        <p:nvSpPr>
-          <p:cNvPr id="8" name="TextBox 7">
+          <p:cNvSpPr>
+            <a:spLocks noGrp="1"/>
+          </p:cNvSpPr>
+          <p:nvPr>
+            <p:ph type="title"/>
+          </p:nvPr>
+        </p:nvSpPr>
+        <p:spPr/>
+        <p:txBody>
+          <a:bodyPr/>
+          <a:lstStyle/>
+          <a:p>
+            <a:r>
+              <a:rPr lang="en-US" dirty="0"/>
+              <a:t>Resources</a:t>
+            </a:r>
+          </a:p>
+        </p:txBody>
+      </p:sp>
+      <p:sp>
+        <p:nvSpPr>
+          <p:cNvPr id="3" name="Content Placeholder 2">
             <a:extLst>
               <a:ext uri="{FF2B5EF4-FFF2-40B4-BE49-F238E27FC236}">
-                <a16:creationId xmlns:a16="http://schemas.microsoft.com/office/drawing/2014/main" id="{E6BBB56A-576A-40DB-830C-E45DA5AE9BD9}"/>
+                <a16:creationId xmlns:a16="http://schemas.microsoft.com/office/drawing/2014/main" id="{4305C858-C769-419D-91BA-0291B7C5BE33}"/>
               </a:ext>
             </a:extLst>
           </p:cNvPr>
-          <p:cNvSpPr txBox="1"/>
-          <p:nvPr/>
-        </p:nvSpPr>
-        <p:spPr>
-          <a:xfrm>
-            <a:off x="1960282" y="3380287"/>
-            <a:ext cx="3086101" cy="1077218"/>
-          </a:xfrm>
-          <a:prstGeom prst="rect">
-            <a:avLst/>
-          </a:prstGeom>
-          <a:noFill/>
-        </p:spPr>
-        <p:txBody>
-          <a:bodyPr wrap="none" rtlCol="0">
-            <a:spAutoFit/>
-          </a:bodyPr>
-          <a:lstStyle/>
-          <a:p>
-            <a:r>
-              <a:rPr lang="en-US" sz="3200" dirty="0"/>
-              <a:t>Failure-injecting </a:t>
-            </a:r>
-          </a:p>
-          <a:p>
-            <a:r>
-              <a:rPr lang="en-US" sz="3200" dirty="0"/>
-              <a:t>daemon machine</a:t>
-            </a:r>
-          </a:p>
-        </p:txBody>
-      </p:sp>
-      <p:cxnSp>
-        <p:nvCxnSpPr>
-          <p:cNvPr id="10" name="Straight Arrow Connector 9">
-            <a:extLst>
-              <a:ext uri="{FF2B5EF4-FFF2-40B4-BE49-F238E27FC236}">
-                <a16:creationId xmlns:a16="http://schemas.microsoft.com/office/drawing/2014/main" id="{D0DBBF3A-59D9-4470-BBA4-693A390C4E0D}"/>
-              </a:ext>
-            </a:extLst>
-          </p:cNvPr>
-          <p:cNvCxnSpPr/>
-          <p:nvPr/>
-        </p:nvCxnSpPr>
-        <p:spPr>
-          <a:xfrm>
-            <a:off x="5189813" y="3918896"/>
-            <a:ext cx="1838511" cy="0"/>
-          </a:xfrm>
-          <a:prstGeom prst="straightConnector1">
-            <a:avLst/>
-          </a:prstGeom>
-          <a:ln w="25400">
-            <a:solidFill>
-              <a:schemeClr val="tx1"/>
-            </a:solidFill>
-            <a:tailEnd type="triangle"/>
-          </a:ln>
-        </p:spPr>
-        <p:style>
-          <a:lnRef idx="1">
-            <a:schemeClr val="accent1"/>
-          </a:lnRef>
-          <a:fillRef idx="0">
-            <a:schemeClr val="accent1"/>
-          </a:fillRef>
-          <a:effectRef idx="0">
-            <a:schemeClr val="accent1"/>
-          </a:effectRef>
-          <a:fontRef idx="minor">
-            <a:schemeClr val="tx1"/>
-          </a:fontRef>
-        </p:style>
-      </p:cxnSp>
-      <p:sp>
-        <p:nvSpPr>
-          <p:cNvPr id="3" name="TextBox 2">
-            <a:extLst>
-              <a:ext uri="{FF2B5EF4-FFF2-40B4-BE49-F238E27FC236}">
-                <a16:creationId xmlns:a16="http://schemas.microsoft.com/office/drawing/2014/main" id="{9D8E8735-C966-46F0-89C2-C4BBB5A720CE}"/>
-              </a:ext>
-            </a:extLst>
-          </p:cNvPr>
-          <p:cNvSpPr txBox="1"/>
-          <p:nvPr/>
-        </p:nvSpPr>
-        <p:spPr>
-          <a:xfrm>
-            <a:off x="5526405" y="3549015"/>
-            <a:ext cx="1150571" cy="369332"/>
-          </a:xfrm>
-          <a:prstGeom prst="rect">
-            <a:avLst/>
-          </a:prstGeom>
-          <a:noFill/>
-        </p:spPr>
-        <p:txBody>
-          <a:bodyPr wrap="none" rtlCol="0">
-            <a:spAutoFit/>
-          </a:bodyPr>
-          <a:lstStyle/>
+          <p:cNvSpPr>
+            <a:spLocks noGrp="1"/>
+          </p:cNvSpPr>
+          <p:nvPr>
+            <p:ph idx="1"/>
+          </p:nvPr>
+        </p:nvSpPr>
+        <p:spPr/>
+        <p:txBody>
+          <a:bodyPr/>
+          <a:lstStyle/>
+          <a:p>
+            <a:r>
+              <a:rPr lang="en-US"/>
+              <a:t>Repository: </a:t>
+            </a:r>
+            <a:r>
+              <a:rPr lang="en-US" dirty="0">
+                <a:hlinkClick r:id="rId3"/>
+              </a:rPr>
+              <a:t>https://github.com/p-org</a:t>
+            </a:r>
+            <a:endParaRPr lang="en-US" dirty="0"/>
+          </a:p>
+          <a:p>
+            <a:endParaRPr lang="en-US" dirty="0"/>
+          </a:p>
           <a:p>
             <a:r>
               <a:rPr lang="en-US" dirty="0"/>
-              <a:t>Halt event</a:t>
-            </a:r>
+              <a:t>Contact: </a:t>
+            </a:r>
+            <a:r>
+              <a:rPr lang="en-US" dirty="0">
+                <a:hlinkClick r:id="rId4"/>
+              </a:rPr>
+              <a:t>pdev@microsoft.com</a:t>
+            </a:r>
+            <a:endParaRPr lang="en-US" dirty="0"/>
+          </a:p>
+          <a:p>
+            <a:endParaRPr lang="en-US" dirty="0"/>
+          </a:p>
+          <a:p>
+            <a:endParaRPr lang="en-US" dirty="0"/>
           </a:p>
         </p:txBody>
       </p:sp>
     </p:spTree>
     <p:extLst>
       <p:ext uri="{BB962C8B-B14F-4D97-AF65-F5344CB8AC3E}">
-        <p14:creationId xmlns:p14="http://schemas.microsoft.com/office/powerpoint/2010/main" val="2677297280"/>
+        <p14:creationId xmlns:p14="http://schemas.microsoft.com/office/powerpoint/2010/main" val="1065062066"/>
       </p:ext>
     </p:extLst>
   </p:cSld>
@@ -14988,5221 +14476,6 @@
 </p:sld>
 </file>
 
-<file path=ppt/slides/slide30.xml><?xml version="1.0" encoding="utf-8"?>
-<p:sld xmlns:a="http://schemas.openxmlformats.org/drawingml/2006/main" xmlns:r="http://schemas.openxmlformats.org/officeDocument/2006/relationships" xmlns:p="http://schemas.openxmlformats.org/presentationml/2006/main">
-  <p:cSld>
-    <p:spTree>
-      <p:nvGrpSpPr>
-        <p:cNvPr id="1" name=""/>
-        <p:cNvGrpSpPr/>
-        <p:nvPr/>
-      </p:nvGrpSpPr>
-      <p:grpSpPr>
-        <a:xfrm>
-          <a:off x="0" y="0"/>
-          <a:ext cx="0" cy="0"/>
-          <a:chOff x="0" y="0"/>
-          <a:chExt cx="0" cy="0"/>
-        </a:xfrm>
-      </p:grpSpPr>
-      <p:sp>
-        <p:nvSpPr>
-          <p:cNvPr id="2" name="TextBox 1"/>
-          <p:cNvSpPr txBox="1"/>
-          <p:nvPr/>
-        </p:nvSpPr>
-        <p:spPr>
-          <a:xfrm>
-            <a:off x="4814943" y="2974495"/>
-            <a:ext cx="2632965" cy="1015663"/>
-          </a:xfrm>
-          <a:prstGeom prst="rect">
-            <a:avLst/>
-          </a:prstGeom>
-          <a:noFill/>
-        </p:spPr>
-        <p:txBody>
-          <a:bodyPr wrap="none" rtlCol="0">
-            <a:spAutoFit/>
-          </a:bodyPr>
-          <a:lstStyle/>
-          <a:p>
-            <a:r>
-              <a:rPr lang="en-US" sz="6000" dirty="0"/>
-              <a:t>Failover</a:t>
-            </a:r>
-          </a:p>
-        </p:txBody>
-      </p:sp>
-    </p:spTree>
-    <p:extLst>
-      <p:ext uri="{BB962C8B-B14F-4D97-AF65-F5344CB8AC3E}">
-        <p14:creationId xmlns:p14="http://schemas.microsoft.com/office/powerpoint/2010/main" val="683293116"/>
-      </p:ext>
-    </p:extLst>
-  </p:cSld>
-  <p:clrMapOvr>
-    <a:masterClrMapping/>
-  </p:clrMapOvr>
-</p:sld>
-</file>
-
-<file path=ppt/slides/slide31.xml><?xml version="1.0" encoding="utf-8"?>
-<p:sld xmlns:a="http://schemas.openxmlformats.org/drawingml/2006/main" xmlns:r="http://schemas.openxmlformats.org/officeDocument/2006/relationships" xmlns:p="http://schemas.openxmlformats.org/presentationml/2006/main">
-  <p:cSld>
-    <p:spTree>
-      <p:nvGrpSpPr>
-        <p:cNvPr id="1" name=""/>
-        <p:cNvGrpSpPr/>
-        <p:nvPr/>
-      </p:nvGrpSpPr>
-      <p:grpSpPr>
-        <a:xfrm>
-          <a:off x="0" y="0"/>
-          <a:ext cx="0" cy="0"/>
-          <a:chOff x="0" y="0"/>
-          <a:chExt cx="0" cy="0"/>
-        </a:xfrm>
-      </p:grpSpPr>
-      <p:sp>
-        <p:nvSpPr>
-          <p:cNvPr id="2" name="Title 1"/>
-          <p:cNvSpPr>
-            <a:spLocks noGrp="1"/>
-          </p:cNvSpPr>
-          <p:nvPr>
-            <p:ph type="title"/>
-          </p:nvPr>
-        </p:nvSpPr>
-        <p:spPr/>
-        <p:txBody>
-          <a:bodyPr/>
-          <a:lstStyle/>
-          <a:p>
-            <a:r>
-              <a:rPr lang="en-US" dirty="0"/>
-              <a:t>Writing P# programs</a:t>
-            </a:r>
-          </a:p>
-        </p:txBody>
-      </p:sp>
-      <p:sp>
-        <p:nvSpPr>
-          <p:cNvPr id="3" name="Content Placeholder 2"/>
-          <p:cNvSpPr>
-            <a:spLocks noGrp="1"/>
-          </p:cNvSpPr>
-          <p:nvPr>
-            <p:ph idx="1"/>
-          </p:nvPr>
-        </p:nvSpPr>
-        <p:spPr/>
-        <p:txBody>
-          <a:bodyPr>
-            <a:normAutofit/>
-          </a:bodyPr>
-          <a:lstStyle/>
-          <a:p>
-            <a:r>
-              <a:rPr lang="en-US" dirty="0"/>
-              <a:t>Two approaches:</a:t>
-            </a:r>
-          </a:p>
-          <a:p>
-            <a:pPr lvl="1"/>
-            <a:r>
-              <a:rPr lang="en-US" dirty="0"/>
-              <a:t>Using the high-level syntax of P# (based on P)</a:t>
-            </a:r>
-          </a:p>
-          <a:p>
-            <a:pPr lvl="1"/>
-            <a:r>
-              <a:rPr lang="en-US" dirty="0"/>
-              <a:t>Using P# as a C# library (e.g. machines inherit a Machine C# abstract class)</a:t>
-            </a:r>
-          </a:p>
-          <a:p>
-            <a:r>
-              <a:rPr lang="en-US" dirty="0"/>
-              <a:t>Able to combine P# and C# syntax in the same project/file</a:t>
-            </a:r>
-          </a:p>
-          <a:p>
-            <a:r>
-              <a:rPr lang="en-US" dirty="0"/>
-              <a:t>Mix-and-match approach:</a:t>
-            </a:r>
-          </a:p>
-          <a:p>
-            <a:pPr lvl="1"/>
-            <a:r>
-              <a:rPr lang="en-US" dirty="0"/>
-              <a:t>Using </a:t>
-            </a:r>
-            <a:r>
-              <a:rPr lang="en-US" i="1" dirty="0"/>
-              <a:t>partial</a:t>
-            </a:r>
-            <a:r>
-              <a:rPr lang="en-US" dirty="0"/>
-              <a:t> machines / actions</a:t>
-            </a:r>
-          </a:p>
-          <a:p>
-            <a:pPr lvl="1"/>
-            <a:r>
-              <a:rPr lang="en-US" dirty="0"/>
-              <a:t>Write state-machine transition logic using the P# syntax</a:t>
-            </a:r>
-          </a:p>
-          <a:p>
-            <a:pPr lvl="1"/>
-            <a:r>
-              <a:rPr lang="en-US" dirty="0"/>
-              <a:t>Write implementation of event handlers in C#</a:t>
-            </a:r>
-          </a:p>
-        </p:txBody>
-      </p:sp>
-    </p:spTree>
-    <p:extLst>
-      <p:ext uri="{BB962C8B-B14F-4D97-AF65-F5344CB8AC3E}">
-        <p14:creationId xmlns:p14="http://schemas.microsoft.com/office/powerpoint/2010/main" val="151188283"/>
-      </p:ext>
-    </p:extLst>
-  </p:cSld>
-  <p:clrMapOvr>
-    <a:masterClrMapping/>
-  </p:clrMapOvr>
-</p:sld>
-</file>
-
-<file path=ppt/slides/slide32.xml><?xml version="1.0" encoding="utf-8"?>
-<p:sld xmlns:a="http://schemas.openxmlformats.org/drawingml/2006/main" xmlns:r="http://schemas.openxmlformats.org/officeDocument/2006/relationships" xmlns:p="http://schemas.openxmlformats.org/presentationml/2006/main">
-  <p:cSld>
-    <p:spTree>
-      <p:nvGrpSpPr>
-        <p:cNvPr id="1" name=""/>
-        <p:cNvGrpSpPr/>
-        <p:nvPr/>
-      </p:nvGrpSpPr>
-      <p:grpSpPr>
-        <a:xfrm>
-          <a:off x="0" y="0"/>
-          <a:ext cx="0" cy="0"/>
-          <a:chOff x="0" y="0"/>
-          <a:chExt cx="0" cy="0"/>
-        </a:xfrm>
-      </p:grpSpPr>
-      <p:sp>
-        <p:nvSpPr>
-          <p:cNvPr id="2" name="Title 1"/>
-          <p:cNvSpPr>
-            <a:spLocks noGrp="1"/>
-          </p:cNvSpPr>
-          <p:nvPr>
-            <p:ph type="title"/>
-          </p:nvPr>
-        </p:nvSpPr>
-        <p:spPr>
-          <a:xfrm>
-            <a:off x="838199" y="365125"/>
-            <a:ext cx="6221361" cy="1325563"/>
-          </a:xfrm>
-        </p:spPr>
-        <p:txBody>
-          <a:bodyPr>
-            <a:noAutofit/>
-          </a:bodyPr>
-          <a:lstStyle/>
-          <a:p>
-            <a:r>
-              <a:rPr lang="en-US" sz="4000" dirty="0"/>
-              <a:t>PingPong in P# (mixed-mode)</a:t>
-            </a:r>
-          </a:p>
-        </p:txBody>
-      </p:sp>
-      <p:sp>
-        <p:nvSpPr>
-          <p:cNvPr id="4" name="Rectangle 3"/>
-          <p:cNvSpPr/>
-          <p:nvPr/>
-        </p:nvSpPr>
-        <p:spPr>
-          <a:xfrm>
-            <a:off x="1071716" y="3956084"/>
-            <a:ext cx="5284839" cy="2169825"/>
-          </a:xfrm>
-          <a:prstGeom prst="rect">
-            <a:avLst/>
-          </a:prstGeom>
-        </p:spPr>
-        <p:txBody>
-          <a:bodyPr wrap="square">
-            <a:spAutoFit/>
-          </a:bodyPr>
-          <a:lstStyle/>
-          <a:p>
-            <a:r>
-              <a:rPr lang="en-GB" sz="900" dirty="0">
-                <a:solidFill>
-                  <a:srgbClr val="0000FF"/>
-                </a:solidFill>
-                <a:latin typeface="Consolas" panose="020B0609020204030204" pitchFamily="49" charset="0"/>
-              </a:rPr>
-              <a:t>event</a:t>
-            </a:r>
-            <a:r>
-              <a:rPr lang="en-GB" sz="900" dirty="0">
-                <a:solidFill>
-                  <a:srgbClr val="000000"/>
-                </a:solidFill>
-                <a:latin typeface="Consolas" panose="020B0609020204030204" pitchFamily="49" charset="0"/>
-              </a:rPr>
-              <a:t> </a:t>
-            </a:r>
-            <a:r>
-              <a:rPr lang="en-GB" sz="900" dirty="0">
-                <a:solidFill>
-                  <a:srgbClr val="2B91AF"/>
-                </a:solidFill>
-                <a:latin typeface="Consolas" panose="020B0609020204030204" pitchFamily="49" charset="0"/>
-              </a:rPr>
-              <a:t>Pong</a:t>
-            </a:r>
-            <a:r>
-              <a:rPr lang="en-GB" sz="900" dirty="0">
-                <a:solidFill>
-                  <a:srgbClr val="000000"/>
-                </a:solidFill>
-                <a:latin typeface="Consolas" panose="020B0609020204030204" pitchFamily="49" charset="0"/>
-              </a:rPr>
-              <a:t>;</a:t>
-            </a:r>
-          </a:p>
-          <a:p>
-            <a:endParaRPr lang="en-GB" sz="900" dirty="0">
-              <a:solidFill>
-                <a:srgbClr val="0000FF"/>
-              </a:solidFill>
-              <a:latin typeface="Consolas" panose="020B0609020204030204" pitchFamily="49" charset="0"/>
-            </a:endParaRPr>
-          </a:p>
-          <a:p>
-            <a:r>
-              <a:rPr lang="en-GB" sz="900" dirty="0">
-                <a:solidFill>
-                  <a:srgbClr val="0000FF"/>
-                </a:solidFill>
-                <a:latin typeface="Consolas" panose="020B0609020204030204" pitchFamily="49" charset="0"/>
-              </a:rPr>
-              <a:t>machine</a:t>
-            </a:r>
-            <a:r>
-              <a:rPr lang="en-GB" sz="900" dirty="0">
-                <a:solidFill>
-                  <a:srgbClr val="000000"/>
-                </a:solidFill>
-                <a:latin typeface="Consolas" panose="020B0609020204030204" pitchFamily="49" charset="0"/>
-              </a:rPr>
-              <a:t> </a:t>
-            </a:r>
-            <a:r>
-              <a:rPr lang="en-GB" sz="900" dirty="0">
-                <a:solidFill>
-                  <a:srgbClr val="2B91AF"/>
-                </a:solidFill>
-                <a:latin typeface="Consolas" panose="020B0609020204030204" pitchFamily="49" charset="0"/>
-              </a:rPr>
-              <a:t>Server</a:t>
-            </a:r>
-            <a:endParaRPr lang="en-GB" sz="900" dirty="0">
-              <a:solidFill>
-                <a:srgbClr val="000000"/>
-              </a:solidFill>
-              <a:latin typeface="Consolas" panose="020B0609020204030204" pitchFamily="49" charset="0"/>
-            </a:endParaRPr>
-          </a:p>
-          <a:p>
-            <a:r>
-              <a:rPr lang="en-GB" sz="900" dirty="0">
-                <a:solidFill>
-                  <a:srgbClr val="000000"/>
-                </a:solidFill>
-                <a:latin typeface="Consolas" panose="020B0609020204030204" pitchFamily="49" charset="0"/>
-              </a:rPr>
-              <a:t>{</a:t>
-            </a:r>
-          </a:p>
-          <a:p>
-            <a:r>
-              <a:rPr lang="en-GB" sz="900" dirty="0">
-                <a:solidFill>
-                  <a:srgbClr val="000000"/>
-                </a:solidFill>
-                <a:latin typeface="Consolas" panose="020B0609020204030204" pitchFamily="49" charset="0"/>
-              </a:rPr>
-              <a:t>    </a:t>
-            </a:r>
-            <a:r>
-              <a:rPr lang="en-GB" sz="900" dirty="0">
-                <a:solidFill>
-                  <a:srgbClr val="0000FF"/>
-                </a:solidFill>
-                <a:latin typeface="Consolas" panose="020B0609020204030204" pitchFamily="49" charset="0"/>
-              </a:rPr>
-              <a:t>start state</a:t>
-            </a:r>
-            <a:r>
-              <a:rPr lang="en-GB" sz="900" dirty="0">
-                <a:solidFill>
-                  <a:srgbClr val="0070C0"/>
-                </a:solidFill>
-                <a:latin typeface="Consolas" panose="020B0609020204030204" pitchFamily="49" charset="0"/>
-              </a:rPr>
-              <a:t> </a:t>
-            </a:r>
-            <a:r>
-              <a:rPr lang="en-GB" sz="900" dirty="0">
-                <a:solidFill>
-                  <a:srgbClr val="2B91AF"/>
-                </a:solidFill>
-                <a:latin typeface="Consolas" panose="020B0609020204030204" pitchFamily="49" charset="0"/>
-              </a:rPr>
-              <a:t>Active</a:t>
-            </a:r>
-            <a:endParaRPr lang="en-GB" sz="900" dirty="0">
-              <a:solidFill>
-                <a:srgbClr val="000000"/>
-              </a:solidFill>
-              <a:latin typeface="Consolas" panose="020B0609020204030204" pitchFamily="49" charset="0"/>
-            </a:endParaRPr>
-          </a:p>
-          <a:p>
-            <a:r>
-              <a:rPr lang="en-GB" sz="900" dirty="0">
-                <a:solidFill>
-                  <a:srgbClr val="000000"/>
-                </a:solidFill>
-                <a:latin typeface="Consolas" panose="020B0609020204030204" pitchFamily="49" charset="0"/>
-              </a:rPr>
-              <a:t>    {</a:t>
-            </a:r>
-            <a:endParaRPr lang="en-GB" sz="900" dirty="0">
-              <a:solidFill>
-                <a:schemeClr val="accent6">
-                  <a:lumMod val="75000"/>
-                </a:schemeClr>
-              </a:solidFill>
-              <a:latin typeface="Consolas" panose="020B0609020204030204" pitchFamily="49" charset="0"/>
-            </a:endParaRPr>
-          </a:p>
-          <a:p>
-            <a:r>
-              <a:rPr lang="en-GB" sz="900" dirty="0">
-                <a:solidFill>
-                  <a:srgbClr val="000000"/>
-                </a:solidFill>
-                <a:latin typeface="Consolas" panose="020B0609020204030204" pitchFamily="49" charset="0"/>
-              </a:rPr>
-              <a:t>        </a:t>
-            </a:r>
-            <a:r>
-              <a:rPr lang="en-GB" sz="900" dirty="0">
-                <a:solidFill>
-                  <a:srgbClr val="0000FF"/>
-                </a:solidFill>
-                <a:latin typeface="Consolas" panose="020B0609020204030204" pitchFamily="49" charset="0"/>
-              </a:rPr>
-              <a:t>on</a:t>
-            </a:r>
-            <a:r>
-              <a:rPr lang="en-GB" sz="900" dirty="0">
-                <a:solidFill>
-                  <a:srgbClr val="000000"/>
-                </a:solidFill>
-                <a:latin typeface="Consolas" panose="020B0609020204030204" pitchFamily="49" charset="0"/>
-              </a:rPr>
-              <a:t> Ping </a:t>
-            </a:r>
-            <a:r>
-              <a:rPr lang="en-GB" sz="900" dirty="0">
-                <a:solidFill>
-                  <a:srgbClr val="0000FF"/>
-                </a:solidFill>
-                <a:latin typeface="Consolas" panose="020B0609020204030204" pitchFamily="49" charset="0"/>
-              </a:rPr>
-              <a:t>do</a:t>
-            </a:r>
-            <a:r>
-              <a:rPr lang="en-GB" sz="900" dirty="0">
-                <a:solidFill>
-                  <a:srgbClr val="000000"/>
-                </a:solidFill>
-                <a:latin typeface="Consolas" panose="020B0609020204030204" pitchFamily="49" charset="0"/>
-              </a:rPr>
-              <a:t> </a:t>
-            </a:r>
-            <a:r>
-              <a:rPr lang="en-GB" sz="900" dirty="0" err="1">
-                <a:solidFill>
-                  <a:srgbClr val="000000"/>
-                </a:solidFill>
-                <a:latin typeface="Consolas" panose="020B0609020204030204" pitchFamily="49" charset="0"/>
-              </a:rPr>
-              <a:t>SendPong</a:t>
-            </a:r>
-            <a:r>
-              <a:rPr lang="en-GB" sz="900" dirty="0">
-                <a:solidFill>
-                  <a:srgbClr val="000000"/>
-                </a:solidFill>
-                <a:latin typeface="Consolas" panose="020B0609020204030204" pitchFamily="49" charset="0"/>
-              </a:rPr>
-              <a:t>;</a:t>
-            </a:r>
-          </a:p>
-          <a:p>
-            <a:r>
-              <a:rPr lang="en-GB" sz="900" dirty="0">
-                <a:solidFill>
-                  <a:srgbClr val="000000"/>
-                </a:solidFill>
-                <a:latin typeface="Consolas" panose="020B0609020204030204" pitchFamily="49" charset="0"/>
-              </a:rPr>
-              <a:t>    }</a:t>
-            </a:r>
-          </a:p>
-          <a:p>
-            <a:endParaRPr lang="en-GB" sz="900" dirty="0">
-              <a:solidFill>
-                <a:srgbClr val="000000"/>
-              </a:solidFill>
-              <a:latin typeface="Consolas" panose="020B0609020204030204" pitchFamily="49" charset="0"/>
-            </a:endParaRPr>
-          </a:p>
-          <a:p>
-            <a:r>
-              <a:rPr lang="en-GB" sz="900" dirty="0">
-                <a:solidFill>
-                  <a:srgbClr val="000000"/>
-                </a:solidFill>
-                <a:latin typeface="Consolas" panose="020B0609020204030204" pitchFamily="49" charset="0"/>
-              </a:rPr>
-              <a:t>    </a:t>
-            </a:r>
-            <a:r>
-              <a:rPr lang="en-GB" sz="900" dirty="0">
-                <a:solidFill>
-                  <a:srgbClr val="0000FF"/>
-                </a:solidFill>
-                <a:latin typeface="Consolas" panose="020B0609020204030204" pitchFamily="49" charset="0"/>
-              </a:rPr>
-              <a:t>void</a:t>
-            </a:r>
-            <a:r>
-              <a:rPr lang="en-GB" sz="900" dirty="0">
-                <a:solidFill>
-                  <a:srgbClr val="000000"/>
-                </a:solidFill>
-                <a:latin typeface="Consolas" panose="020B0609020204030204" pitchFamily="49" charset="0"/>
-              </a:rPr>
-              <a:t> </a:t>
-            </a:r>
-            <a:r>
-              <a:rPr lang="en-GB" sz="900" dirty="0" err="1">
-                <a:solidFill>
-                  <a:srgbClr val="000000"/>
-                </a:solidFill>
-                <a:latin typeface="Consolas" panose="020B0609020204030204" pitchFamily="49" charset="0"/>
-              </a:rPr>
-              <a:t>SendPong</a:t>
-            </a:r>
-            <a:r>
-              <a:rPr lang="en-GB" sz="900" dirty="0">
-                <a:solidFill>
-                  <a:srgbClr val="000000"/>
-                </a:solidFill>
-                <a:latin typeface="Consolas" panose="020B0609020204030204" pitchFamily="49" charset="0"/>
-              </a:rPr>
-              <a:t>()</a:t>
-            </a:r>
-          </a:p>
-          <a:p>
-            <a:r>
-              <a:rPr lang="en-GB" sz="900" dirty="0">
-                <a:solidFill>
-                  <a:srgbClr val="000000"/>
-                </a:solidFill>
-                <a:latin typeface="Consolas" panose="020B0609020204030204" pitchFamily="49" charset="0"/>
-              </a:rPr>
-              <a:t>    {</a:t>
-            </a:r>
-          </a:p>
-          <a:p>
-            <a:r>
-              <a:rPr lang="en-GB" sz="900" dirty="0">
-                <a:solidFill>
-                  <a:srgbClr val="000000"/>
-                </a:solidFill>
-                <a:latin typeface="Consolas" panose="020B0609020204030204" pitchFamily="49" charset="0"/>
-              </a:rPr>
-              <a:t>        </a:t>
-            </a:r>
-            <a:r>
-              <a:rPr lang="en-GB" sz="900" dirty="0" err="1">
-                <a:solidFill>
-                  <a:srgbClr val="0000FF"/>
-                </a:solidFill>
-                <a:latin typeface="Consolas" panose="020B0609020204030204" pitchFamily="49" charset="0"/>
-              </a:rPr>
-              <a:t>var</a:t>
-            </a:r>
-            <a:r>
-              <a:rPr lang="en-GB" sz="900" dirty="0">
-                <a:solidFill>
-                  <a:srgbClr val="000000"/>
-                </a:solidFill>
-                <a:latin typeface="Consolas" panose="020B0609020204030204" pitchFamily="49" charset="0"/>
-              </a:rPr>
-              <a:t> client = (</a:t>
-            </a:r>
-            <a:r>
-              <a:rPr lang="en-GB" sz="900" dirty="0">
-                <a:solidFill>
-                  <a:srgbClr val="0000FF"/>
-                </a:solidFill>
-                <a:latin typeface="Consolas" panose="020B0609020204030204" pitchFamily="49" charset="0"/>
-              </a:rPr>
-              <a:t>trigger as</a:t>
-            </a:r>
-            <a:r>
-              <a:rPr lang="en-GB" sz="900" dirty="0">
-                <a:solidFill>
-                  <a:srgbClr val="000000"/>
-                </a:solidFill>
-                <a:latin typeface="Consolas" panose="020B0609020204030204" pitchFamily="49" charset="0"/>
-              </a:rPr>
-              <a:t> Ping).client;</a:t>
-            </a:r>
-          </a:p>
-          <a:p>
-            <a:r>
-              <a:rPr lang="en-GB" sz="900" dirty="0">
-                <a:solidFill>
-                  <a:srgbClr val="000000"/>
-                </a:solidFill>
-                <a:latin typeface="Consolas" panose="020B0609020204030204" pitchFamily="49" charset="0"/>
-              </a:rPr>
-              <a:t>        </a:t>
-            </a:r>
-            <a:r>
-              <a:rPr lang="en-GB" sz="900" dirty="0">
-                <a:solidFill>
-                  <a:srgbClr val="0000FF"/>
-                </a:solidFill>
-                <a:latin typeface="Consolas" panose="020B0609020204030204" pitchFamily="49" charset="0"/>
-              </a:rPr>
-              <a:t>send</a:t>
-            </a:r>
-            <a:r>
-              <a:rPr lang="en-GB" sz="900" dirty="0">
-                <a:solidFill>
-                  <a:srgbClr val="000000"/>
-                </a:solidFill>
-                <a:latin typeface="Consolas" panose="020B0609020204030204" pitchFamily="49" charset="0"/>
-              </a:rPr>
-              <a:t>(client, Pong);</a:t>
-            </a:r>
-          </a:p>
-          <a:p>
-            <a:r>
-              <a:rPr lang="en-GB" sz="900" dirty="0">
-                <a:solidFill>
-                  <a:srgbClr val="000000"/>
-                </a:solidFill>
-                <a:latin typeface="Consolas" panose="020B0609020204030204" pitchFamily="49" charset="0"/>
-              </a:rPr>
-              <a:t>    }</a:t>
-            </a:r>
-          </a:p>
-          <a:p>
-            <a:r>
-              <a:rPr lang="en-GB" sz="900" dirty="0">
-                <a:solidFill>
-                  <a:srgbClr val="000000"/>
-                </a:solidFill>
-                <a:latin typeface="Consolas" panose="020B0609020204030204" pitchFamily="49" charset="0"/>
-              </a:rPr>
-              <a:t>}</a:t>
-            </a:r>
-            <a:endParaRPr lang="en-GB" dirty="0"/>
-          </a:p>
-        </p:txBody>
-      </p:sp>
-      <p:sp>
-        <p:nvSpPr>
-          <p:cNvPr id="5" name="Rectangle 4"/>
-          <p:cNvSpPr/>
-          <p:nvPr/>
-        </p:nvSpPr>
-        <p:spPr>
-          <a:xfrm>
-            <a:off x="7355760" y="365125"/>
-            <a:ext cx="4344629" cy="4385816"/>
-          </a:xfrm>
-          <a:prstGeom prst="rect">
-            <a:avLst/>
-          </a:prstGeom>
-        </p:spPr>
-        <p:txBody>
-          <a:bodyPr wrap="square">
-            <a:spAutoFit/>
-          </a:bodyPr>
-          <a:lstStyle/>
-          <a:p>
-            <a:r>
-              <a:rPr lang="en-GB" sz="900" dirty="0">
-                <a:solidFill>
-                  <a:srgbClr val="0000FF"/>
-                </a:solidFill>
-                <a:latin typeface="Consolas" panose="020B0609020204030204" pitchFamily="49" charset="0"/>
-              </a:rPr>
-              <a:t>event</a:t>
-            </a:r>
-            <a:r>
-              <a:rPr lang="en-GB" sz="900" dirty="0">
-                <a:solidFill>
-                  <a:srgbClr val="000000"/>
-                </a:solidFill>
-                <a:latin typeface="Consolas" panose="020B0609020204030204" pitchFamily="49" charset="0"/>
-              </a:rPr>
-              <a:t> </a:t>
-            </a:r>
-            <a:r>
-              <a:rPr lang="en-GB" sz="900" dirty="0">
-                <a:solidFill>
-                  <a:srgbClr val="2B91AF"/>
-                </a:solidFill>
-                <a:latin typeface="Consolas" panose="020B0609020204030204" pitchFamily="49" charset="0"/>
-              </a:rPr>
-              <a:t>Config</a:t>
-            </a:r>
-            <a:r>
-              <a:rPr lang="en-GB" sz="900" dirty="0">
-                <a:solidFill>
-                  <a:srgbClr val="000000"/>
-                </a:solidFill>
-                <a:latin typeface="Consolas" panose="020B0609020204030204" pitchFamily="49" charset="0"/>
-              </a:rPr>
-              <a:t> (server: </a:t>
-            </a:r>
-            <a:r>
-              <a:rPr lang="en-GB" sz="900" dirty="0">
-                <a:solidFill>
-                  <a:srgbClr val="0000FF"/>
-                </a:solidFill>
-                <a:latin typeface="Consolas" panose="020B0609020204030204" pitchFamily="49" charset="0"/>
-              </a:rPr>
-              <a:t>machine</a:t>
-            </a:r>
-            <a:r>
-              <a:rPr lang="en-GB" sz="900" dirty="0">
-                <a:solidFill>
-                  <a:srgbClr val="000000"/>
-                </a:solidFill>
-                <a:latin typeface="Consolas" panose="020B0609020204030204" pitchFamily="49" charset="0"/>
-              </a:rPr>
-              <a:t>);</a:t>
-            </a:r>
-          </a:p>
-          <a:p>
-            <a:r>
-              <a:rPr lang="en-GB" sz="900" dirty="0">
-                <a:solidFill>
-                  <a:srgbClr val="0000FF"/>
-                </a:solidFill>
-                <a:latin typeface="Consolas" panose="020B0609020204030204" pitchFamily="49" charset="0"/>
-              </a:rPr>
-              <a:t>event</a:t>
-            </a:r>
-            <a:r>
-              <a:rPr lang="en-GB" sz="900" dirty="0">
-                <a:solidFill>
-                  <a:srgbClr val="000000"/>
-                </a:solidFill>
-                <a:latin typeface="Consolas" panose="020B0609020204030204" pitchFamily="49" charset="0"/>
-              </a:rPr>
-              <a:t> </a:t>
-            </a:r>
-            <a:r>
-              <a:rPr lang="en-GB" sz="900" dirty="0">
-                <a:solidFill>
-                  <a:srgbClr val="2B91AF"/>
-                </a:solidFill>
-                <a:latin typeface="Consolas" panose="020B0609020204030204" pitchFamily="49" charset="0"/>
-              </a:rPr>
-              <a:t>Unit</a:t>
-            </a:r>
-            <a:r>
-              <a:rPr lang="en-GB" sz="900" dirty="0">
-                <a:solidFill>
-                  <a:srgbClr val="000000"/>
-                </a:solidFill>
-                <a:latin typeface="Consolas" panose="020B0609020204030204" pitchFamily="49" charset="0"/>
-              </a:rPr>
-              <a:t>;</a:t>
-            </a:r>
-          </a:p>
-          <a:p>
-            <a:r>
-              <a:rPr lang="en-GB" sz="900" dirty="0">
-                <a:solidFill>
-                  <a:srgbClr val="0000FF"/>
-                </a:solidFill>
-                <a:latin typeface="Consolas" panose="020B0609020204030204" pitchFamily="49" charset="0"/>
-              </a:rPr>
-              <a:t>event</a:t>
-            </a:r>
-            <a:r>
-              <a:rPr lang="en-GB" sz="900" dirty="0">
-                <a:solidFill>
-                  <a:srgbClr val="000000"/>
-                </a:solidFill>
-                <a:latin typeface="Consolas" panose="020B0609020204030204" pitchFamily="49" charset="0"/>
-              </a:rPr>
-              <a:t> </a:t>
-            </a:r>
-            <a:r>
-              <a:rPr lang="en-GB" sz="900" dirty="0">
-                <a:solidFill>
-                  <a:srgbClr val="2B91AF"/>
-                </a:solidFill>
-                <a:latin typeface="Consolas" panose="020B0609020204030204" pitchFamily="49" charset="0"/>
-              </a:rPr>
-              <a:t>Ping</a:t>
-            </a:r>
-            <a:r>
-              <a:rPr lang="en-GB" sz="900" dirty="0">
-                <a:solidFill>
-                  <a:srgbClr val="000000"/>
-                </a:solidFill>
-                <a:latin typeface="Consolas" panose="020B0609020204030204" pitchFamily="49" charset="0"/>
-              </a:rPr>
-              <a:t> (client: </a:t>
-            </a:r>
-            <a:r>
-              <a:rPr lang="en-GB" sz="900" dirty="0">
-                <a:solidFill>
-                  <a:srgbClr val="0000FF"/>
-                </a:solidFill>
-                <a:latin typeface="Consolas" panose="020B0609020204030204" pitchFamily="49" charset="0"/>
-              </a:rPr>
-              <a:t>machine</a:t>
-            </a:r>
-            <a:r>
-              <a:rPr lang="en-GB" sz="900" dirty="0">
-                <a:solidFill>
-                  <a:srgbClr val="000000"/>
-                </a:solidFill>
-                <a:latin typeface="Consolas" panose="020B0609020204030204" pitchFamily="49" charset="0"/>
-              </a:rPr>
-              <a:t>);</a:t>
-            </a:r>
-          </a:p>
-          <a:p>
-            <a:endParaRPr lang="en-GB" sz="900" dirty="0">
-              <a:solidFill>
-                <a:srgbClr val="0000FF"/>
-              </a:solidFill>
-              <a:latin typeface="Consolas" panose="020B0609020204030204" pitchFamily="49" charset="0"/>
-            </a:endParaRPr>
-          </a:p>
-          <a:p>
-            <a:r>
-              <a:rPr lang="en-GB" sz="900" dirty="0">
-                <a:solidFill>
-                  <a:srgbClr val="0000FF"/>
-                </a:solidFill>
-                <a:latin typeface="Consolas" panose="020B0609020204030204" pitchFamily="49" charset="0"/>
-              </a:rPr>
-              <a:t>partial</a:t>
-            </a:r>
-            <a:r>
-              <a:rPr lang="en-GB" sz="900" dirty="0">
-                <a:solidFill>
-                  <a:srgbClr val="0070C0"/>
-                </a:solidFill>
-                <a:latin typeface="Consolas" panose="020B0609020204030204" pitchFamily="49" charset="0"/>
-              </a:rPr>
-              <a:t> </a:t>
-            </a:r>
-            <a:r>
-              <a:rPr lang="en-GB" sz="900" dirty="0">
-                <a:solidFill>
-                  <a:srgbClr val="0000FF"/>
-                </a:solidFill>
-                <a:latin typeface="Consolas" panose="020B0609020204030204" pitchFamily="49" charset="0"/>
-              </a:rPr>
-              <a:t>machine</a:t>
-            </a:r>
-            <a:r>
-              <a:rPr lang="en-GB" sz="900" dirty="0">
-                <a:solidFill>
-                  <a:srgbClr val="000000"/>
-                </a:solidFill>
-                <a:latin typeface="Consolas" panose="020B0609020204030204" pitchFamily="49" charset="0"/>
-              </a:rPr>
-              <a:t> </a:t>
-            </a:r>
-            <a:r>
-              <a:rPr lang="en-GB" sz="900" dirty="0">
-                <a:solidFill>
-                  <a:srgbClr val="2B91AF"/>
-                </a:solidFill>
-                <a:latin typeface="Consolas" panose="020B0609020204030204" pitchFamily="49" charset="0"/>
-              </a:rPr>
-              <a:t>Client</a:t>
-            </a:r>
-            <a:endParaRPr lang="en-GB" sz="900" dirty="0">
-              <a:solidFill>
-                <a:srgbClr val="000000"/>
-              </a:solidFill>
-              <a:latin typeface="Consolas" panose="020B0609020204030204" pitchFamily="49" charset="0"/>
-            </a:endParaRPr>
-          </a:p>
-          <a:p>
-            <a:r>
-              <a:rPr lang="en-GB" sz="900" dirty="0">
-                <a:solidFill>
-                  <a:srgbClr val="000000"/>
-                </a:solidFill>
-                <a:latin typeface="Consolas" panose="020B0609020204030204" pitchFamily="49" charset="0"/>
-              </a:rPr>
-              <a:t>{</a:t>
-            </a:r>
-          </a:p>
-          <a:p>
-            <a:r>
-              <a:rPr lang="en-GB" sz="900" dirty="0">
-                <a:solidFill>
-                  <a:srgbClr val="0000FF"/>
-                </a:solidFill>
-                <a:latin typeface="Consolas" panose="020B0609020204030204" pitchFamily="49" charset="0"/>
-              </a:rPr>
-              <a:t>    machine</a:t>
-            </a:r>
-            <a:r>
-              <a:rPr lang="en-GB" sz="900" dirty="0">
-                <a:solidFill>
-                  <a:srgbClr val="000000"/>
-                </a:solidFill>
-                <a:latin typeface="Consolas" panose="020B0609020204030204" pitchFamily="49" charset="0"/>
-              </a:rPr>
-              <a:t> Server;</a:t>
-            </a:r>
-          </a:p>
-          <a:p>
-            <a:r>
-              <a:rPr lang="en-GB" sz="900" dirty="0">
-                <a:solidFill>
-                  <a:srgbClr val="000000"/>
-                </a:solidFill>
-                <a:latin typeface="Consolas" panose="020B0609020204030204" pitchFamily="49" charset="0"/>
-              </a:rPr>
-              <a:t>    </a:t>
-            </a:r>
-            <a:r>
-              <a:rPr lang="en-GB" sz="900" dirty="0" err="1">
-                <a:solidFill>
-                  <a:srgbClr val="0000FF"/>
-                </a:solidFill>
-                <a:latin typeface="Consolas" panose="020B0609020204030204" pitchFamily="49" charset="0"/>
-              </a:rPr>
-              <a:t>int</a:t>
-            </a:r>
-            <a:r>
-              <a:rPr lang="en-GB" sz="900" dirty="0">
-                <a:solidFill>
-                  <a:srgbClr val="000000"/>
-                </a:solidFill>
-                <a:latin typeface="Consolas" panose="020B0609020204030204" pitchFamily="49" charset="0"/>
-              </a:rPr>
-              <a:t> Counter;</a:t>
-            </a:r>
-          </a:p>
-          <a:p>
-            <a:endParaRPr lang="en-GB" sz="900" dirty="0">
-              <a:solidFill>
-                <a:srgbClr val="000000"/>
-              </a:solidFill>
-              <a:latin typeface="Consolas" panose="020B0609020204030204" pitchFamily="49" charset="0"/>
-            </a:endParaRPr>
-          </a:p>
-          <a:p>
-            <a:r>
-              <a:rPr lang="en-GB" sz="900" dirty="0">
-                <a:solidFill>
-                  <a:srgbClr val="000000"/>
-                </a:solidFill>
-                <a:latin typeface="Consolas" panose="020B0609020204030204" pitchFamily="49" charset="0"/>
-              </a:rPr>
-              <a:t>    </a:t>
-            </a:r>
-            <a:r>
-              <a:rPr lang="en-GB" sz="900" dirty="0">
-                <a:solidFill>
-                  <a:srgbClr val="0000FF"/>
-                </a:solidFill>
-                <a:latin typeface="Consolas" panose="020B0609020204030204" pitchFamily="49" charset="0"/>
-              </a:rPr>
-              <a:t>start state</a:t>
-            </a:r>
-            <a:r>
-              <a:rPr lang="en-GB" sz="900" dirty="0">
-                <a:solidFill>
-                  <a:srgbClr val="000000"/>
-                </a:solidFill>
-                <a:latin typeface="Consolas" panose="020B0609020204030204" pitchFamily="49" charset="0"/>
-              </a:rPr>
-              <a:t> </a:t>
-            </a:r>
-            <a:r>
-              <a:rPr lang="en-GB" sz="900" dirty="0" err="1">
-                <a:solidFill>
-                  <a:srgbClr val="2B91AF"/>
-                </a:solidFill>
-                <a:latin typeface="Consolas" panose="020B0609020204030204" pitchFamily="49" charset="0"/>
-              </a:rPr>
-              <a:t>Init</a:t>
-            </a:r>
-            <a:endParaRPr lang="en-GB" sz="900" dirty="0">
-              <a:solidFill>
-                <a:srgbClr val="000000"/>
-              </a:solidFill>
-              <a:latin typeface="Consolas" panose="020B0609020204030204" pitchFamily="49" charset="0"/>
-            </a:endParaRPr>
-          </a:p>
-          <a:p>
-            <a:r>
-              <a:rPr lang="en-GB" sz="900" dirty="0">
-                <a:solidFill>
-                  <a:srgbClr val="000000"/>
-                </a:solidFill>
-                <a:latin typeface="Consolas" panose="020B0609020204030204" pitchFamily="49" charset="0"/>
-              </a:rPr>
-              <a:t>    {</a:t>
-            </a:r>
-          </a:p>
-          <a:p>
-            <a:r>
-              <a:rPr lang="en-GB" sz="900" dirty="0">
-                <a:solidFill>
-                  <a:srgbClr val="000000"/>
-                </a:solidFill>
-                <a:latin typeface="Consolas" panose="020B0609020204030204" pitchFamily="49" charset="0"/>
-              </a:rPr>
-              <a:t>        </a:t>
-            </a:r>
-            <a:r>
-              <a:rPr lang="en-GB" sz="900" dirty="0">
-                <a:solidFill>
-                  <a:srgbClr val="0000FF"/>
-                </a:solidFill>
-                <a:latin typeface="Consolas" panose="020B0609020204030204" pitchFamily="49" charset="0"/>
-              </a:rPr>
-              <a:t>entry</a:t>
-            </a:r>
-            <a:endParaRPr lang="en-GB" sz="900" dirty="0">
-              <a:solidFill>
-                <a:srgbClr val="0070C0"/>
-              </a:solidFill>
-              <a:latin typeface="Consolas" panose="020B0609020204030204" pitchFamily="49" charset="0"/>
-            </a:endParaRPr>
-          </a:p>
-          <a:p>
-            <a:r>
-              <a:rPr lang="en-GB" sz="900" dirty="0">
-                <a:solidFill>
-                  <a:srgbClr val="000000"/>
-                </a:solidFill>
-                <a:latin typeface="Consolas" panose="020B0609020204030204" pitchFamily="49" charset="0"/>
-              </a:rPr>
-              <a:t>        {</a:t>
-            </a:r>
-          </a:p>
-          <a:p>
-            <a:r>
-              <a:rPr lang="en-GB" sz="900" dirty="0">
-                <a:solidFill>
-                  <a:srgbClr val="000000"/>
-                </a:solidFill>
-                <a:latin typeface="Consolas" panose="020B0609020204030204" pitchFamily="49" charset="0"/>
-              </a:rPr>
-              <a:t>            </a:t>
-            </a:r>
-            <a:r>
-              <a:rPr lang="en-GB" sz="900" dirty="0" err="1">
-                <a:solidFill>
-                  <a:srgbClr val="0000FF"/>
-                </a:solidFill>
-                <a:latin typeface="Consolas" panose="020B0609020204030204" pitchFamily="49" charset="0"/>
-              </a:rPr>
-              <a:t>this</a:t>
-            </a:r>
-            <a:r>
-              <a:rPr lang="en-GB" sz="900" dirty="0" err="1">
-                <a:solidFill>
-                  <a:srgbClr val="000000"/>
-                </a:solidFill>
-                <a:latin typeface="Consolas" panose="020B0609020204030204" pitchFamily="49" charset="0"/>
-              </a:rPr>
-              <a:t>.Server</a:t>
-            </a:r>
-            <a:r>
-              <a:rPr lang="en-GB" sz="900" dirty="0">
-                <a:solidFill>
-                  <a:srgbClr val="000000"/>
-                </a:solidFill>
-                <a:latin typeface="Consolas" panose="020B0609020204030204" pitchFamily="49" charset="0"/>
-              </a:rPr>
-              <a:t> = (</a:t>
-            </a:r>
-            <a:r>
-              <a:rPr lang="en-GB" sz="900" dirty="0">
-                <a:solidFill>
-                  <a:srgbClr val="0000FF"/>
-                </a:solidFill>
-                <a:latin typeface="Consolas" panose="020B0609020204030204" pitchFamily="49" charset="0"/>
-              </a:rPr>
-              <a:t>trigger as</a:t>
-            </a:r>
-            <a:r>
-              <a:rPr lang="en-GB" sz="900" dirty="0">
-                <a:solidFill>
-                  <a:srgbClr val="000000"/>
-                </a:solidFill>
-                <a:latin typeface="Consolas" panose="020B0609020204030204" pitchFamily="49" charset="0"/>
-              </a:rPr>
-              <a:t> Config).server;</a:t>
-            </a:r>
-          </a:p>
-          <a:p>
-            <a:r>
-              <a:rPr lang="en-GB" sz="900" dirty="0">
-                <a:solidFill>
-                  <a:srgbClr val="000000"/>
-                </a:solidFill>
-                <a:latin typeface="Consolas" panose="020B0609020204030204" pitchFamily="49" charset="0"/>
-              </a:rPr>
-              <a:t>            </a:t>
-            </a:r>
-            <a:r>
-              <a:rPr lang="en-GB" sz="900" dirty="0" err="1">
-                <a:solidFill>
-                  <a:srgbClr val="0000FF"/>
-                </a:solidFill>
-                <a:latin typeface="Consolas" panose="020B0609020204030204" pitchFamily="49" charset="0"/>
-              </a:rPr>
-              <a:t>this</a:t>
-            </a:r>
-            <a:r>
-              <a:rPr lang="en-GB" sz="900" dirty="0" err="1">
-                <a:solidFill>
-                  <a:srgbClr val="000000"/>
-                </a:solidFill>
-                <a:latin typeface="Consolas" panose="020B0609020204030204" pitchFamily="49" charset="0"/>
-              </a:rPr>
-              <a:t>.Counter</a:t>
-            </a:r>
-            <a:r>
-              <a:rPr lang="en-GB" sz="900" dirty="0">
-                <a:solidFill>
-                  <a:srgbClr val="000000"/>
-                </a:solidFill>
-                <a:latin typeface="Consolas" panose="020B0609020204030204" pitchFamily="49" charset="0"/>
-              </a:rPr>
-              <a:t> = 0;</a:t>
-            </a:r>
-          </a:p>
-          <a:p>
-            <a:r>
-              <a:rPr lang="en-GB" sz="900" dirty="0">
-                <a:solidFill>
-                  <a:srgbClr val="000000"/>
-                </a:solidFill>
-                <a:latin typeface="Consolas" panose="020B0609020204030204" pitchFamily="49" charset="0"/>
-              </a:rPr>
-              <a:t>            </a:t>
-            </a:r>
-            <a:r>
-              <a:rPr lang="en-GB" sz="900" dirty="0">
-                <a:solidFill>
-                  <a:srgbClr val="0000FF"/>
-                </a:solidFill>
-                <a:latin typeface="Consolas" panose="020B0609020204030204" pitchFamily="49" charset="0"/>
-              </a:rPr>
-              <a:t>jump</a:t>
-            </a:r>
-            <a:r>
-              <a:rPr lang="en-GB" sz="900" dirty="0">
-                <a:solidFill>
-                  <a:srgbClr val="000000"/>
-                </a:solidFill>
-                <a:latin typeface="Consolas" panose="020B0609020204030204" pitchFamily="49" charset="0"/>
-              </a:rPr>
-              <a:t>(Active);</a:t>
-            </a:r>
-          </a:p>
-          <a:p>
-            <a:r>
-              <a:rPr lang="en-GB" sz="900" dirty="0">
-                <a:solidFill>
-                  <a:srgbClr val="000000"/>
-                </a:solidFill>
-                <a:latin typeface="Consolas" panose="020B0609020204030204" pitchFamily="49" charset="0"/>
-              </a:rPr>
-              <a:t>        }</a:t>
-            </a:r>
-          </a:p>
-          <a:p>
-            <a:r>
-              <a:rPr lang="en-GB" sz="900" dirty="0">
-                <a:solidFill>
-                  <a:srgbClr val="000000"/>
-                </a:solidFill>
-                <a:latin typeface="Consolas" panose="020B0609020204030204" pitchFamily="49" charset="0"/>
-              </a:rPr>
-              <a:t>    }</a:t>
-            </a:r>
-          </a:p>
-          <a:p>
-            <a:endParaRPr lang="en-GB" sz="900" dirty="0">
-              <a:solidFill>
-                <a:srgbClr val="000000"/>
-              </a:solidFill>
-              <a:latin typeface="Consolas" panose="020B0609020204030204" pitchFamily="49" charset="0"/>
-            </a:endParaRPr>
-          </a:p>
-          <a:p>
-            <a:r>
-              <a:rPr lang="en-GB" sz="900" dirty="0">
-                <a:solidFill>
-                  <a:srgbClr val="000000"/>
-                </a:solidFill>
-                <a:latin typeface="Consolas" panose="020B0609020204030204" pitchFamily="49" charset="0"/>
-              </a:rPr>
-              <a:t>    </a:t>
-            </a:r>
-            <a:r>
-              <a:rPr lang="en-GB" sz="900" dirty="0">
-                <a:solidFill>
-                  <a:srgbClr val="0000FF"/>
-                </a:solidFill>
-                <a:latin typeface="Consolas" panose="020B0609020204030204" pitchFamily="49" charset="0"/>
-              </a:rPr>
-              <a:t>state</a:t>
-            </a:r>
-            <a:r>
-              <a:rPr lang="en-GB" sz="900" dirty="0">
-                <a:solidFill>
-                  <a:srgbClr val="000000"/>
-                </a:solidFill>
-                <a:latin typeface="Consolas" panose="020B0609020204030204" pitchFamily="49" charset="0"/>
-              </a:rPr>
-              <a:t> </a:t>
-            </a:r>
-            <a:r>
-              <a:rPr lang="en-GB" sz="900" dirty="0">
-                <a:solidFill>
-                  <a:srgbClr val="2B91AF"/>
-                </a:solidFill>
-                <a:latin typeface="Consolas" panose="020B0609020204030204" pitchFamily="49" charset="0"/>
-              </a:rPr>
-              <a:t>Active</a:t>
-            </a:r>
-            <a:endParaRPr lang="en-GB" sz="900" dirty="0">
-              <a:solidFill>
-                <a:srgbClr val="000000"/>
-              </a:solidFill>
-              <a:latin typeface="Consolas" panose="020B0609020204030204" pitchFamily="49" charset="0"/>
-            </a:endParaRPr>
-          </a:p>
-          <a:p>
-            <a:r>
-              <a:rPr lang="en-GB" sz="900" dirty="0">
-                <a:solidFill>
-                  <a:srgbClr val="000000"/>
-                </a:solidFill>
-                <a:latin typeface="Consolas" panose="020B0609020204030204" pitchFamily="49" charset="0"/>
-              </a:rPr>
-              <a:t>    {</a:t>
-            </a:r>
-          </a:p>
-          <a:p>
-            <a:r>
-              <a:rPr lang="en-GB" sz="900" dirty="0">
-                <a:solidFill>
-                  <a:srgbClr val="000000"/>
-                </a:solidFill>
-                <a:latin typeface="Consolas" panose="020B0609020204030204" pitchFamily="49" charset="0"/>
-              </a:rPr>
-              <a:t>        </a:t>
-            </a:r>
-            <a:r>
-              <a:rPr lang="en-GB" sz="900" dirty="0">
-                <a:solidFill>
-                  <a:srgbClr val="0000FF"/>
-                </a:solidFill>
-                <a:latin typeface="Consolas" panose="020B0609020204030204" pitchFamily="49" charset="0"/>
-              </a:rPr>
-              <a:t>entry</a:t>
-            </a:r>
-            <a:endParaRPr lang="en-GB" sz="900" dirty="0">
-              <a:solidFill>
-                <a:srgbClr val="0070C0"/>
-              </a:solidFill>
-              <a:latin typeface="Consolas" panose="020B0609020204030204" pitchFamily="49" charset="0"/>
-            </a:endParaRPr>
-          </a:p>
-          <a:p>
-            <a:r>
-              <a:rPr lang="en-GB" sz="900" dirty="0">
-                <a:solidFill>
-                  <a:srgbClr val="000000"/>
-                </a:solidFill>
-                <a:latin typeface="Consolas" panose="020B0609020204030204" pitchFamily="49" charset="0"/>
-              </a:rPr>
-              <a:t>        {</a:t>
-            </a:r>
-          </a:p>
-          <a:p>
-            <a:r>
-              <a:rPr lang="en-GB" sz="900" dirty="0">
-                <a:solidFill>
-                  <a:srgbClr val="000000"/>
-                </a:solidFill>
-                <a:latin typeface="Consolas" panose="020B0609020204030204" pitchFamily="49" charset="0"/>
-              </a:rPr>
-              <a:t>            </a:t>
-            </a:r>
-            <a:r>
-              <a:rPr lang="en-GB" sz="900" dirty="0" err="1">
-                <a:solidFill>
-                  <a:srgbClr val="000000"/>
-                </a:solidFill>
-                <a:latin typeface="Consolas" panose="020B0609020204030204" pitchFamily="49" charset="0"/>
-              </a:rPr>
-              <a:t>SendPing</a:t>
-            </a:r>
-            <a:r>
-              <a:rPr lang="en-GB" sz="900" dirty="0">
-                <a:solidFill>
-                  <a:srgbClr val="000000"/>
-                </a:solidFill>
-                <a:latin typeface="Consolas" panose="020B0609020204030204" pitchFamily="49" charset="0"/>
-              </a:rPr>
-              <a:t>();</a:t>
-            </a:r>
-          </a:p>
-          <a:p>
-            <a:r>
-              <a:rPr lang="en-GB" sz="900" dirty="0">
-                <a:solidFill>
-                  <a:srgbClr val="000000"/>
-                </a:solidFill>
-                <a:latin typeface="Consolas" panose="020B0609020204030204" pitchFamily="49" charset="0"/>
-              </a:rPr>
-              <a:t>        }</a:t>
-            </a:r>
-          </a:p>
-          <a:p>
-            <a:endParaRPr lang="en-GB" sz="900" dirty="0">
-              <a:solidFill>
-                <a:srgbClr val="000000"/>
-              </a:solidFill>
-              <a:latin typeface="Consolas" panose="020B0609020204030204" pitchFamily="49" charset="0"/>
-            </a:endParaRPr>
-          </a:p>
-          <a:p>
-            <a:r>
-              <a:rPr lang="en-GB" sz="900" dirty="0">
-                <a:solidFill>
-                  <a:srgbClr val="000000"/>
-                </a:solidFill>
-                <a:latin typeface="Consolas" panose="020B0609020204030204" pitchFamily="49" charset="0"/>
-              </a:rPr>
-              <a:t>        </a:t>
-            </a:r>
-            <a:r>
-              <a:rPr lang="en-GB" sz="900" dirty="0">
-                <a:solidFill>
-                  <a:srgbClr val="0000FF"/>
-                </a:solidFill>
-                <a:latin typeface="Consolas" panose="020B0609020204030204" pitchFamily="49" charset="0"/>
-              </a:rPr>
-              <a:t>on</a:t>
-            </a:r>
-            <a:r>
-              <a:rPr lang="en-GB" sz="900" dirty="0">
-                <a:solidFill>
-                  <a:srgbClr val="000000"/>
-                </a:solidFill>
-                <a:latin typeface="Consolas" panose="020B0609020204030204" pitchFamily="49" charset="0"/>
-              </a:rPr>
-              <a:t> Pong </a:t>
-            </a:r>
-            <a:r>
-              <a:rPr lang="en-GB" sz="900" dirty="0">
-                <a:solidFill>
-                  <a:srgbClr val="0000FF"/>
-                </a:solidFill>
-                <a:latin typeface="Consolas" panose="020B0609020204030204" pitchFamily="49" charset="0"/>
-              </a:rPr>
-              <a:t>do</a:t>
-            </a:r>
-            <a:r>
-              <a:rPr lang="en-GB" sz="900" dirty="0">
-                <a:solidFill>
-                  <a:srgbClr val="000000"/>
-                </a:solidFill>
-                <a:latin typeface="Consolas" panose="020B0609020204030204" pitchFamily="49" charset="0"/>
-              </a:rPr>
-              <a:t> </a:t>
-            </a:r>
-            <a:r>
-              <a:rPr lang="en-GB" sz="900" dirty="0" err="1">
-                <a:solidFill>
-                  <a:srgbClr val="000000"/>
-                </a:solidFill>
-                <a:latin typeface="Consolas" panose="020B0609020204030204" pitchFamily="49" charset="0"/>
-              </a:rPr>
-              <a:t>SendPing</a:t>
-            </a:r>
-            <a:r>
-              <a:rPr lang="en-GB" sz="900" dirty="0">
-                <a:solidFill>
-                  <a:srgbClr val="000000"/>
-                </a:solidFill>
-                <a:latin typeface="Consolas" panose="020B0609020204030204" pitchFamily="49" charset="0"/>
-              </a:rPr>
-              <a:t>;</a:t>
-            </a:r>
-          </a:p>
-          <a:p>
-            <a:r>
-              <a:rPr lang="en-GB" sz="900" dirty="0">
-                <a:solidFill>
-                  <a:srgbClr val="000000"/>
-                </a:solidFill>
-                <a:latin typeface="Consolas" panose="020B0609020204030204" pitchFamily="49" charset="0"/>
-              </a:rPr>
-              <a:t>    }</a:t>
-            </a:r>
-          </a:p>
-          <a:p>
-            <a:endParaRPr lang="en-GB" sz="900" dirty="0">
-              <a:solidFill>
-                <a:srgbClr val="000000"/>
-              </a:solidFill>
-              <a:latin typeface="Consolas" panose="020B0609020204030204" pitchFamily="49" charset="0"/>
-            </a:endParaRPr>
-          </a:p>
-          <a:p>
-            <a:r>
-              <a:rPr lang="en-GB" sz="900" dirty="0">
-                <a:solidFill>
-                  <a:srgbClr val="000000"/>
-                </a:solidFill>
-                <a:latin typeface="Consolas" panose="020B0609020204030204" pitchFamily="49" charset="0"/>
-              </a:rPr>
-              <a:t>    </a:t>
-            </a:r>
-            <a:r>
-              <a:rPr lang="en-GB" sz="900" dirty="0">
-                <a:solidFill>
-                  <a:srgbClr val="0000FF"/>
-                </a:solidFill>
-                <a:latin typeface="Consolas" panose="020B0609020204030204" pitchFamily="49" charset="0"/>
-              </a:rPr>
-              <a:t>partial</a:t>
-            </a:r>
-            <a:r>
-              <a:rPr lang="en-GB" sz="900" dirty="0">
-                <a:solidFill>
-                  <a:srgbClr val="0070C0"/>
-                </a:solidFill>
-                <a:latin typeface="Consolas" panose="020B0609020204030204" pitchFamily="49" charset="0"/>
-              </a:rPr>
-              <a:t> </a:t>
-            </a:r>
-            <a:r>
-              <a:rPr lang="en-GB" sz="900" dirty="0">
-                <a:solidFill>
-                  <a:srgbClr val="0000FF"/>
-                </a:solidFill>
-                <a:latin typeface="Consolas" panose="020B0609020204030204" pitchFamily="49" charset="0"/>
-              </a:rPr>
-              <a:t>void</a:t>
-            </a:r>
-            <a:r>
-              <a:rPr lang="en-GB" sz="900" dirty="0">
-                <a:solidFill>
-                  <a:srgbClr val="000000"/>
-                </a:solidFill>
-                <a:latin typeface="Consolas" panose="020B0609020204030204" pitchFamily="49" charset="0"/>
-              </a:rPr>
-              <a:t> </a:t>
-            </a:r>
-            <a:r>
-              <a:rPr lang="en-GB" sz="900" dirty="0" err="1">
-                <a:solidFill>
-                  <a:srgbClr val="000000"/>
-                </a:solidFill>
-                <a:latin typeface="Consolas" panose="020B0609020204030204" pitchFamily="49" charset="0"/>
-              </a:rPr>
-              <a:t>SendPing</a:t>
-            </a:r>
-            <a:r>
-              <a:rPr lang="en-GB" sz="900" dirty="0">
-                <a:solidFill>
-                  <a:srgbClr val="000000"/>
-                </a:solidFill>
-                <a:latin typeface="Consolas" panose="020B0609020204030204" pitchFamily="49" charset="0"/>
-              </a:rPr>
-              <a:t>();</a:t>
-            </a:r>
-          </a:p>
-          <a:p>
-            <a:r>
-              <a:rPr lang="en-GB" sz="900" dirty="0">
-                <a:solidFill>
-                  <a:srgbClr val="000000"/>
-                </a:solidFill>
-                <a:latin typeface="Consolas" panose="020B0609020204030204" pitchFamily="49" charset="0"/>
-              </a:rPr>
-              <a:t>}</a:t>
-            </a:r>
-            <a:endParaRPr lang="en-GB" dirty="0"/>
-          </a:p>
-        </p:txBody>
-      </p:sp>
-      <p:sp>
-        <p:nvSpPr>
-          <p:cNvPr id="7" name="Rectangle 6"/>
-          <p:cNvSpPr/>
-          <p:nvPr/>
-        </p:nvSpPr>
-        <p:spPr>
-          <a:xfrm>
-            <a:off x="7355760" y="4835489"/>
-            <a:ext cx="4344629" cy="1754326"/>
-          </a:xfrm>
-          <a:prstGeom prst="rect">
-            <a:avLst/>
-          </a:prstGeom>
-        </p:spPr>
-        <p:txBody>
-          <a:bodyPr wrap="square">
-            <a:spAutoFit/>
-          </a:bodyPr>
-          <a:lstStyle/>
-          <a:p>
-            <a:r>
-              <a:rPr lang="en-GB" sz="900" dirty="0">
-                <a:solidFill>
-                  <a:srgbClr val="0000FF"/>
-                </a:solidFill>
-                <a:latin typeface="Consolas" panose="020B0609020204030204" pitchFamily="49" charset="0"/>
-              </a:rPr>
-              <a:t>partial</a:t>
-            </a:r>
-            <a:r>
-              <a:rPr lang="en-GB" sz="900" dirty="0">
-                <a:solidFill>
-                  <a:srgbClr val="0070C0"/>
-                </a:solidFill>
-                <a:latin typeface="Consolas" panose="020B0609020204030204" pitchFamily="49" charset="0"/>
-              </a:rPr>
-              <a:t> </a:t>
-            </a:r>
-            <a:r>
-              <a:rPr lang="en-GB" sz="900" dirty="0">
-                <a:solidFill>
-                  <a:srgbClr val="0000FF"/>
-                </a:solidFill>
-                <a:latin typeface="Consolas" panose="020B0609020204030204" pitchFamily="49" charset="0"/>
-              </a:rPr>
-              <a:t>class</a:t>
-            </a:r>
-            <a:r>
-              <a:rPr lang="en-GB" sz="900" dirty="0">
-                <a:latin typeface="Consolas" panose="020B0609020204030204" pitchFamily="49" charset="0"/>
-              </a:rPr>
-              <a:t> </a:t>
-            </a:r>
-            <a:r>
-              <a:rPr lang="en-GB" sz="900" dirty="0">
-                <a:solidFill>
-                  <a:srgbClr val="2B91AF"/>
-                </a:solidFill>
-                <a:latin typeface="Consolas" panose="020B0609020204030204" pitchFamily="49" charset="0"/>
-              </a:rPr>
-              <a:t>Client</a:t>
-            </a:r>
-            <a:r>
-              <a:rPr lang="en-GB" sz="900" dirty="0">
-                <a:latin typeface="Consolas" panose="020B0609020204030204" pitchFamily="49" charset="0"/>
-              </a:rPr>
-              <a:t> : </a:t>
-            </a:r>
-            <a:r>
-              <a:rPr lang="en-GB" sz="900" dirty="0">
-                <a:solidFill>
-                  <a:srgbClr val="2B91AF"/>
-                </a:solidFill>
-                <a:latin typeface="Consolas" panose="020B0609020204030204" pitchFamily="49" charset="0"/>
-              </a:rPr>
-              <a:t>Machine</a:t>
-            </a:r>
-            <a:endParaRPr lang="en-GB" sz="900" dirty="0">
-              <a:latin typeface="Consolas" panose="020B0609020204030204" pitchFamily="49" charset="0"/>
-            </a:endParaRPr>
-          </a:p>
-          <a:p>
-            <a:r>
-              <a:rPr lang="en-GB" sz="900" dirty="0">
-                <a:latin typeface="Consolas" panose="020B0609020204030204" pitchFamily="49" charset="0"/>
-              </a:rPr>
-              <a:t>{</a:t>
-            </a:r>
-          </a:p>
-          <a:p>
-            <a:r>
-              <a:rPr lang="en-GB" sz="900" dirty="0">
-                <a:latin typeface="Consolas" panose="020B0609020204030204" pitchFamily="49" charset="0"/>
-              </a:rPr>
-              <a:t>    </a:t>
-            </a:r>
-            <a:r>
-              <a:rPr lang="en-GB" sz="900" dirty="0">
-                <a:solidFill>
-                  <a:srgbClr val="0000FF"/>
-                </a:solidFill>
-                <a:latin typeface="Consolas" panose="020B0609020204030204" pitchFamily="49" charset="0"/>
-              </a:rPr>
-              <a:t>partial</a:t>
-            </a:r>
-            <a:r>
-              <a:rPr lang="en-GB" sz="900" dirty="0">
-                <a:solidFill>
-                  <a:srgbClr val="0070C0"/>
-                </a:solidFill>
-                <a:latin typeface="Consolas" panose="020B0609020204030204" pitchFamily="49" charset="0"/>
-              </a:rPr>
-              <a:t> </a:t>
-            </a:r>
-            <a:r>
-              <a:rPr lang="en-GB" sz="900" dirty="0">
-                <a:solidFill>
-                  <a:srgbClr val="0000FF"/>
-                </a:solidFill>
-                <a:latin typeface="Consolas" panose="020B0609020204030204" pitchFamily="49" charset="0"/>
-              </a:rPr>
-              <a:t>void</a:t>
-            </a:r>
-            <a:r>
-              <a:rPr lang="en-GB" sz="900" dirty="0">
-                <a:latin typeface="Consolas" panose="020B0609020204030204" pitchFamily="49" charset="0"/>
-              </a:rPr>
-              <a:t> </a:t>
-            </a:r>
-            <a:r>
-              <a:rPr lang="en-GB" sz="900" dirty="0" err="1">
-                <a:latin typeface="Consolas" panose="020B0609020204030204" pitchFamily="49" charset="0"/>
-              </a:rPr>
-              <a:t>SendPing</a:t>
-            </a:r>
-            <a:r>
-              <a:rPr lang="en-GB" sz="900" dirty="0">
-                <a:latin typeface="Consolas" panose="020B0609020204030204" pitchFamily="49" charset="0"/>
-              </a:rPr>
-              <a:t>()</a:t>
-            </a:r>
-          </a:p>
-          <a:p>
-            <a:r>
-              <a:rPr lang="en-GB" sz="900" dirty="0">
-                <a:latin typeface="Consolas" panose="020B0609020204030204" pitchFamily="49" charset="0"/>
-              </a:rPr>
-              <a:t>    {</a:t>
-            </a:r>
-          </a:p>
-          <a:p>
-            <a:r>
-              <a:rPr lang="en-GB" sz="900" dirty="0">
-                <a:latin typeface="Consolas" panose="020B0609020204030204" pitchFamily="49" charset="0"/>
-              </a:rPr>
-              <a:t>        </a:t>
-            </a:r>
-            <a:r>
-              <a:rPr lang="en-GB" sz="900" dirty="0" err="1">
-                <a:solidFill>
-                  <a:srgbClr val="0000FF"/>
-                </a:solidFill>
-                <a:latin typeface="Consolas" panose="020B0609020204030204" pitchFamily="49" charset="0"/>
-              </a:rPr>
-              <a:t>this</a:t>
-            </a:r>
-            <a:r>
-              <a:rPr lang="en-GB" sz="900" dirty="0" err="1">
-                <a:latin typeface="Consolas" panose="020B0609020204030204" pitchFamily="49" charset="0"/>
-              </a:rPr>
-              <a:t>.Counter</a:t>
-            </a:r>
-            <a:r>
-              <a:rPr lang="en-GB" sz="900" dirty="0">
-                <a:latin typeface="Consolas" panose="020B0609020204030204" pitchFamily="49" charset="0"/>
-              </a:rPr>
-              <a:t>++;</a:t>
-            </a:r>
-          </a:p>
-          <a:p>
-            <a:r>
-              <a:rPr lang="en-GB" sz="900" dirty="0">
-                <a:latin typeface="Consolas" panose="020B0609020204030204" pitchFamily="49" charset="0"/>
-              </a:rPr>
-              <a:t>        </a:t>
-            </a:r>
-            <a:r>
-              <a:rPr lang="en-GB" sz="900" dirty="0" err="1">
-                <a:solidFill>
-                  <a:srgbClr val="0000FF"/>
-                </a:solidFill>
-                <a:latin typeface="Consolas" panose="020B0609020204030204" pitchFamily="49" charset="0"/>
-              </a:rPr>
-              <a:t>this</a:t>
-            </a:r>
-            <a:r>
-              <a:rPr lang="en-GB" sz="900" dirty="0" err="1">
-                <a:latin typeface="Consolas" panose="020B0609020204030204" pitchFamily="49" charset="0"/>
-              </a:rPr>
-              <a:t>.Send</a:t>
-            </a:r>
-            <a:r>
-              <a:rPr lang="en-GB" sz="900" dirty="0">
-                <a:latin typeface="Consolas" panose="020B0609020204030204" pitchFamily="49" charset="0"/>
-              </a:rPr>
-              <a:t>(</a:t>
-            </a:r>
-            <a:r>
-              <a:rPr lang="en-GB" sz="900" dirty="0" err="1">
-                <a:solidFill>
-                  <a:srgbClr val="0000FF"/>
-                </a:solidFill>
-                <a:latin typeface="Consolas" panose="020B0609020204030204" pitchFamily="49" charset="0"/>
-              </a:rPr>
-              <a:t>this</a:t>
-            </a:r>
-            <a:r>
-              <a:rPr lang="en-GB" sz="900" dirty="0" err="1">
-                <a:latin typeface="Consolas" panose="020B0609020204030204" pitchFamily="49" charset="0"/>
-              </a:rPr>
-              <a:t>.Server</a:t>
-            </a:r>
-            <a:r>
-              <a:rPr lang="en-GB" sz="900" dirty="0">
-                <a:latin typeface="Consolas" panose="020B0609020204030204" pitchFamily="49" charset="0"/>
-              </a:rPr>
-              <a:t>, </a:t>
-            </a:r>
-            <a:r>
-              <a:rPr lang="en-GB" sz="900" dirty="0">
-                <a:solidFill>
-                  <a:srgbClr val="0000FF"/>
-                </a:solidFill>
-                <a:latin typeface="Consolas" panose="020B0609020204030204" pitchFamily="49" charset="0"/>
-              </a:rPr>
-              <a:t>new</a:t>
-            </a:r>
-            <a:r>
-              <a:rPr lang="en-GB" sz="900" dirty="0">
-                <a:latin typeface="Consolas" panose="020B0609020204030204" pitchFamily="49" charset="0"/>
-              </a:rPr>
-              <a:t> Ping(</a:t>
-            </a:r>
-            <a:r>
-              <a:rPr lang="en-GB" sz="900" dirty="0" err="1">
-                <a:solidFill>
-                  <a:srgbClr val="0000FF"/>
-                </a:solidFill>
-                <a:latin typeface="Consolas" panose="020B0609020204030204" pitchFamily="49" charset="0"/>
-              </a:rPr>
-              <a:t>this</a:t>
-            </a:r>
-            <a:r>
-              <a:rPr lang="en-GB" sz="900" dirty="0" err="1">
-                <a:latin typeface="Consolas" panose="020B0609020204030204" pitchFamily="49" charset="0"/>
-              </a:rPr>
-              <a:t>.Id</a:t>
-            </a:r>
-            <a:r>
-              <a:rPr lang="en-GB" sz="900" dirty="0">
-                <a:latin typeface="Consolas" panose="020B0609020204030204" pitchFamily="49" charset="0"/>
-              </a:rPr>
-              <a:t>));</a:t>
-            </a:r>
-          </a:p>
-          <a:p>
-            <a:r>
-              <a:rPr lang="en-GB" sz="900" dirty="0">
-                <a:latin typeface="Consolas" panose="020B0609020204030204" pitchFamily="49" charset="0"/>
-              </a:rPr>
-              <a:t>        if (</a:t>
-            </a:r>
-            <a:r>
-              <a:rPr lang="en-GB" sz="900" dirty="0" err="1">
-                <a:solidFill>
-                  <a:srgbClr val="0000FF"/>
-                </a:solidFill>
-                <a:latin typeface="Consolas" panose="020B0609020204030204" pitchFamily="49" charset="0"/>
-              </a:rPr>
-              <a:t>this</a:t>
-            </a:r>
-            <a:r>
-              <a:rPr lang="en-GB" sz="900" dirty="0" err="1">
-                <a:latin typeface="Consolas" panose="020B0609020204030204" pitchFamily="49" charset="0"/>
-              </a:rPr>
-              <a:t>.Counter</a:t>
-            </a:r>
-            <a:r>
-              <a:rPr lang="en-GB" sz="900" dirty="0">
-                <a:latin typeface="Consolas" panose="020B0609020204030204" pitchFamily="49" charset="0"/>
-              </a:rPr>
-              <a:t> == 5)</a:t>
-            </a:r>
-          </a:p>
-          <a:p>
-            <a:r>
-              <a:rPr lang="en-GB" sz="900" dirty="0">
-                <a:latin typeface="Consolas" panose="020B0609020204030204" pitchFamily="49" charset="0"/>
-              </a:rPr>
-              <a:t>        {</a:t>
-            </a:r>
-          </a:p>
-          <a:p>
-            <a:r>
-              <a:rPr lang="en-GB" sz="900" dirty="0">
-                <a:latin typeface="Consolas" panose="020B0609020204030204" pitchFamily="49" charset="0"/>
-              </a:rPr>
-              <a:t>            </a:t>
-            </a:r>
-            <a:r>
-              <a:rPr lang="en-GB" sz="900" dirty="0" err="1">
-                <a:solidFill>
-                  <a:srgbClr val="0000FF"/>
-                </a:solidFill>
-                <a:latin typeface="Consolas" panose="020B0609020204030204" pitchFamily="49" charset="0"/>
-              </a:rPr>
-              <a:t>this</a:t>
-            </a:r>
-            <a:r>
-              <a:rPr lang="en-GB" sz="900" dirty="0" err="1">
-                <a:latin typeface="Consolas" panose="020B0609020204030204" pitchFamily="49" charset="0"/>
-              </a:rPr>
-              <a:t>.Raise</a:t>
-            </a:r>
-            <a:r>
-              <a:rPr lang="en-GB" sz="900" dirty="0">
-                <a:latin typeface="Consolas" panose="020B0609020204030204" pitchFamily="49" charset="0"/>
-              </a:rPr>
-              <a:t>(</a:t>
-            </a:r>
-            <a:r>
-              <a:rPr lang="en-GB" sz="900" dirty="0">
-                <a:solidFill>
-                  <a:srgbClr val="0000FF"/>
-                </a:solidFill>
-                <a:latin typeface="Consolas" panose="020B0609020204030204" pitchFamily="49" charset="0"/>
-              </a:rPr>
-              <a:t>new</a:t>
-            </a:r>
-            <a:r>
-              <a:rPr lang="en-GB" sz="900" dirty="0">
-                <a:latin typeface="Consolas" panose="020B0609020204030204" pitchFamily="49" charset="0"/>
-              </a:rPr>
-              <a:t> Halt());</a:t>
-            </a:r>
-          </a:p>
-          <a:p>
-            <a:r>
-              <a:rPr lang="en-GB" sz="900" dirty="0">
-                <a:latin typeface="Consolas" panose="020B0609020204030204" pitchFamily="49" charset="0"/>
-              </a:rPr>
-              <a:t>        }</a:t>
-            </a:r>
-          </a:p>
-          <a:p>
-            <a:r>
-              <a:rPr lang="en-GB" sz="900" dirty="0">
-                <a:latin typeface="Consolas" panose="020B0609020204030204" pitchFamily="49" charset="0"/>
-              </a:rPr>
-              <a:t>    }</a:t>
-            </a:r>
-          </a:p>
-          <a:p>
-            <a:r>
-              <a:rPr lang="en-GB" sz="900" dirty="0">
-                <a:latin typeface="Consolas" panose="020B0609020204030204" pitchFamily="49" charset="0"/>
-              </a:rPr>
-              <a:t>}</a:t>
-            </a:r>
-            <a:endParaRPr lang="en-GB" dirty="0"/>
-          </a:p>
-        </p:txBody>
-      </p:sp>
-      <p:sp>
-        <p:nvSpPr>
-          <p:cNvPr id="9" name="Rectangle 8"/>
-          <p:cNvSpPr/>
-          <p:nvPr/>
-        </p:nvSpPr>
-        <p:spPr>
-          <a:xfrm>
-            <a:off x="1071716" y="1980744"/>
-            <a:ext cx="6096000" cy="1754326"/>
-          </a:xfrm>
-          <a:prstGeom prst="rect">
-            <a:avLst/>
-          </a:prstGeom>
-        </p:spPr>
-        <p:txBody>
-          <a:bodyPr>
-            <a:spAutoFit/>
-          </a:bodyPr>
-          <a:lstStyle/>
-          <a:p>
-            <a:r>
-              <a:rPr lang="en-GB" sz="900" dirty="0">
-                <a:solidFill>
-                  <a:srgbClr val="0000FF"/>
-                </a:solidFill>
-                <a:latin typeface="Consolas" panose="020B0609020204030204" pitchFamily="49" charset="0"/>
-              </a:rPr>
-              <a:t>machine</a:t>
-            </a:r>
-            <a:r>
-              <a:rPr lang="en-GB" sz="900" dirty="0">
-                <a:solidFill>
-                  <a:srgbClr val="0070C0"/>
-                </a:solidFill>
-                <a:latin typeface="Consolas" panose="020B0609020204030204" pitchFamily="49" charset="0"/>
-              </a:rPr>
-              <a:t> </a:t>
-            </a:r>
-            <a:r>
-              <a:rPr lang="en-GB" sz="900" dirty="0">
-                <a:solidFill>
-                  <a:srgbClr val="2B91AF"/>
-                </a:solidFill>
-                <a:latin typeface="Consolas" panose="020B0609020204030204" pitchFamily="49" charset="0"/>
-              </a:rPr>
-              <a:t>Environment</a:t>
-            </a:r>
-            <a:endParaRPr lang="en-GB" sz="900" dirty="0">
-              <a:latin typeface="Consolas" panose="020B0609020204030204" pitchFamily="49" charset="0"/>
-            </a:endParaRPr>
-          </a:p>
-          <a:p>
-            <a:r>
-              <a:rPr lang="en-GB" sz="900" dirty="0">
-                <a:solidFill>
-                  <a:srgbClr val="000000"/>
-                </a:solidFill>
-                <a:latin typeface="Consolas" panose="020B0609020204030204" pitchFamily="49" charset="0"/>
-              </a:rPr>
-              <a:t>{</a:t>
-            </a:r>
-          </a:p>
-          <a:p>
-            <a:r>
-              <a:rPr lang="en-GB" sz="900" dirty="0">
-                <a:solidFill>
-                  <a:srgbClr val="000000"/>
-                </a:solidFill>
-                <a:latin typeface="Consolas" panose="020B0609020204030204" pitchFamily="49" charset="0"/>
-              </a:rPr>
-              <a:t>    </a:t>
-            </a:r>
-            <a:r>
-              <a:rPr lang="en-GB" sz="900" dirty="0">
-                <a:solidFill>
-                  <a:srgbClr val="0000FF"/>
-                </a:solidFill>
-                <a:latin typeface="Consolas" panose="020B0609020204030204" pitchFamily="49" charset="0"/>
-              </a:rPr>
-              <a:t>start state</a:t>
-            </a:r>
-            <a:r>
-              <a:rPr lang="en-GB" sz="900" dirty="0">
-                <a:solidFill>
-                  <a:srgbClr val="000000"/>
-                </a:solidFill>
-                <a:latin typeface="Consolas" panose="020B0609020204030204" pitchFamily="49" charset="0"/>
-              </a:rPr>
-              <a:t> </a:t>
-            </a:r>
-            <a:r>
-              <a:rPr lang="en-GB" sz="900" dirty="0" err="1">
-                <a:solidFill>
-                  <a:srgbClr val="2B91AF"/>
-                </a:solidFill>
-                <a:latin typeface="Consolas" panose="020B0609020204030204" pitchFamily="49" charset="0"/>
-              </a:rPr>
-              <a:t>Init</a:t>
-            </a:r>
-            <a:endParaRPr lang="en-GB" sz="900" dirty="0">
-              <a:solidFill>
-                <a:srgbClr val="000000"/>
-              </a:solidFill>
-              <a:latin typeface="Consolas" panose="020B0609020204030204" pitchFamily="49" charset="0"/>
-            </a:endParaRPr>
-          </a:p>
-          <a:p>
-            <a:r>
-              <a:rPr lang="en-GB" sz="900" dirty="0">
-                <a:solidFill>
-                  <a:srgbClr val="000000"/>
-                </a:solidFill>
-                <a:latin typeface="Consolas" panose="020B0609020204030204" pitchFamily="49" charset="0"/>
-              </a:rPr>
-              <a:t>    {</a:t>
-            </a:r>
-          </a:p>
-          <a:p>
-            <a:r>
-              <a:rPr lang="en-GB" sz="900" dirty="0">
-                <a:solidFill>
-                  <a:srgbClr val="000000"/>
-                </a:solidFill>
-                <a:latin typeface="Consolas" panose="020B0609020204030204" pitchFamily="49" charset="0"/>
-              </a:rPr>
-              <a:t>        </a:t>
-            </a:r>
-            <a:r>
-              <a:rPr lang="en-GB" sz="900" dirty="0">
-                <a:solidFill>
-                  <a:srgbClr val="0000FF"/>
-                </a:solidFill>
-                <a:latin typeface="Consolas" panose="020B0609020204030204" pitchFamily="49" charset="0"/>
-              </a:rPr>
-              <a:t>entry</a:t>
-            </a:r>
-            <a:endParaRPr lang="en-GB" sz="900" dirty="0">
-              <a:solidFill>
-                <a:srgbClr val="0070C0"/>
-              </a:solidFill>
-              <a:latin typeface="Consolas" panose="020B0609020204030204" pitchFamily="49" charset="0"/>
-            </a:endParaRPr>
-          </a:p>
-          <a:p>
-            <a:r>
-              <a:rPr lang="en-GB" sz="900" dirty="0">
-                <a:solidFill>
-                  <a:srgbClr val="000000"/>
-                </a:solidFill>
-                <a:latin typeface="Consolas" panose="020B0609020204030204" pitchFamily="49" charset="0"/>
-              </a:rPr>
-              <a:t>        {</a:t>
-            </a:r>
-          </a:p>
-          <a:p>
-            <a:r>
-              <a:rPr lang="en-GB" sz="900" dirty="0">
-                <a:solidFill>
-                  <a:srgbClr val="000000"/>
-                </a:solidFill>
-                <a:latin typeface="Consolas" panose="020B0609020204030204" pitchFamily="49" charset="0"/>
-              </a:rPr>
-              <a:t>            </a:t>
-            </a:r>
-            <a:r>
-              <a:rPr lang="en-GB" sz="900" dirty="0" err="1">
-                <a:solidFill>
-                  <a:srgbClr val="0000FF"/>
-                </a:solidFill>
-                <a:latin typeface="Consolas" panose="020B0609020204030204" pitchFamily="49" charset="0"/>
-              </a:rPr>
-              <a:t>var</a:t>
-            </a:r>
-            <a:r>
-              <a:rPr lang="en-GB" sz="900" dirty="0">
-                <a:solidFill>
-                  <a:srgbClr val="0000FF"/>
-                </a:solidFill>
-                <a:latin typeface="Consolas" panose="020B0609020204030204" pitchFamily="49" charset="0"/>
-              </a:rPr>
-              <a:t> </a:t>
-            </a:r>
-            <a:r>
-              <a:rPr lang="en-GB" sz="900" dirty="0">
-                <a:solidFill>
-                  <a:srgbClr val="000000"/>
-                </a:solidFill>
-                <a:latin typeface="Consolas" panose="020B0609020204030204" pitchFamily="49" charset="0"/>
-              </a:rPr>
-              <a:t>server = </a:t>
-            </a:r>
-            <a:r>
-              <a:rPr lang="en-GB" sz="900" dirty="0">
-                <a:solidFill>
-                  <a:srgbClr val="0000FF"/>
-                </a:solidFill>
-                <a:latin typeface="Consolas" panose="020B0609020204030204" pitchFamily="49" charset="0"/>
-              </a:rPr>
-              <a:t>create</a:t>
-            </a:r>
-            <a:r>
-              <a:rPr lang="en-GB" sz="900" dirty="0">
-                <a:solidFill>
-                  <a:srgbClr val="000000"/>
-                </a:solidFill>
-                <a:latin typeface="Consolas" panose="020B0609020204030204" pitchFamily="49" charset="0"/>
-              </a:rPr>
-              <a:t>(Server);</a:t>
-            </a:r>
-          </a:p>
-          <a:p>
-            <a:endParaRPr lang="en-GB" sz="900" dirty="0">
-              <a:solidFill>
-                <a:srgbClr val="000000"/>
-              </a:solidFill>
-              <a:latin typeface="Consolas" panose="020B0609020204030204" pitchFamily="49" charset="0"/>
-            </a:endParaRPr>
-          </a:p>
-          <a:p>
-            <a:r>
-              <a:rPr lang="en-GB" sz="900" dirty="0">
-                <a:solidFill>
-                  <a:srgbClr val="000000"/>
-                </a:solidFill>
-                <a:latin typeface="Consolas" panose="020B0609020204030204" pitchFamily="49" charset="0"/>
-              </a:rPr>
-              <a:t>            </a:t>
-            </a:r>
-            <a:r>
-              <a:rPr lang="en-GB" sz="900" dirty="0">
-                <a:solidFill>
-                  <a:srgbClr val="0000FF"/>
-                </a:solidFill>
-                <a:latin typeface="Consolas" panose="020B0609020204030204" pitchFamily="49" charset="0"/>
-              </a:rPr>
-              <a:t>create</a:t>
-            </a:r>
-            <a:r>
-              <a:rPr lang="en-GB" sz="900" dirty="0">
-                <a:solidFill>
-                  <a:srgbClr val="000000"/>
-                </a:solidFill>
-                <a:latin typeface="Consolas" panose="020B0609020204030204" pitchFamily="49" charset="0"/>
-              </a:rPr>
-              <a:t>(Client, Config, server);</a:t>
-            </a:r>
-          </a:p>
-          <a:p>
-            <a:r>
-              <a:rPr lang="en-GB" sz="900" dirty="0">
-                <a:solidFill>
-                  <a:srgbClr val="000000"/>
-                </a:solidFill>
-                <a:latin typeface="Consolas" panose="020B0609020204030204" pitchFamily="49" charset="0"/>
-              </a:rPr>
-              <a:t>        }</a:t>
-            </a:r>
-          </a:p>
-          <a:p>
-            <a:r>
-              <a:rPr lang="en-GB" sz="900" dirty="0">
-                <a:solidFill>
-                  <a:srgbClr val="000000"/>
-                </a:solidFill>
-                <a:latin typeface="Consolas" panose="020B0609020204030204" pitchFamily="49" charset="0"/>
-              </a:rPr>
-              <a:t>    }</a:t>
-            </a:r>
-          </a:p>
-          <a:p>
-            <a:r>
-              <a:rPr lang="en-GB" sz="900" dirty="0">
-                <a:solidFill>
-                  <a:srgbClr val="000000"/>
-                </a:solidFill>
-                <a:latin typeface="Consolas" panose="020B0609020204030204" pitchFamily="49" charset="0"/>
-              </a:rPr>
-              <a:t>}</a:t>
-            </a:r>
-            <a:endParaRPr lang="en-GB" dirty="0"/>
-          </a:p>
-        </p:txBody>
-      </p:sp>
-      <p:grpSp>
-        <p:nvGrpSpPr>
-          <p:cNvPr id="32" name="Group 31"/>
-          <p:cNvGrpSpPr/>
-          <p:nvPr/>
-        </p:nvGrpSpPr>
-        <p:grpSpPr>
-          <a:xfrm>
-            <a:off x="7873796" y="3956084"/>
-            <a:ext cx="1900084" cy="423519"/>
-            <a:chOff x="1821426" y="2813237"/>
-            <a:chExt cx="1900084" cy="423519"/>
-          </a:xfrm>
-        </p:grpSpPr>
-        <p:cxnSp>
-          <p:nvCxnSpPr>
-            <p:cNvPr id="33" name="Straight Arrow Connector 32"/>
-            <p:cNvCxnSpPr>
-              <a:stCxn id="34" idx="2"/>
-            </p:cNvCxnSpPr>
-            <p:nvPr/>
-          </p:nvCxnSpPr>
-          <p:spPr>
-            <a:xfrm flipH="1">
-              <a:off x="2255888" y="3033252"/>
-              <a:ext cx="515580" cy="203504"/>
-            </a:xfrm>
-            <a:prstGeom prst="straightConnector1">
-              <a:avLst/>
-            </a:prstGeom>
-            <a:ln>
-              <a:solidFill>
-                <a:srgbClr val="7030A0"/>
-              </a:solidFill>
-              <a:tailEnd type="triangle"/>
-            </a:ln>
-          </p:spPr>
-          <p:style>
-            <a:lnRef idx="3">
-              <a:schemeClr val="accent2"/>
-            </a:lnRef>
-            <a:fillRef idx="0">
-              <a:schemeClr val="accent2"/>
-            </a:fillRef>
-            <a:effectRef idx="2">
-              <a:schemeClr val="accent2"/>
-            </a:effectRef>
-            <a:fontRef idx="minor">
-              <a:schemeClr val="tx1"/>
-            </a:fontRef>
-          </p:style>
-        </p:cxnSp>
-        <p:sp>
-          <p:nvSpPr>
-            <p:cNvPr id="34" name="Rectangle 33"/>
-            <p:cNvSpPr/>
-            <p:nvPr/>
-          </p:nvSpPr>
-          <p:spPr>
-            <a:xfrm>
-              <a:off x="1821426" y="2813237"/>
-              <a:ext cx="1900084" cy="220015"/>
-            </a:xfrm>
-            <a:prstGeom prst="rect">
-              <a:avLst/>
-            </a:prstGeom>
-            <a:noFill/>
-            <a:ln w="19050">
-              <a:solidFill>
-                <a:srgbClr val="7030A0"/>
-              </a:solidFill>
-            </a:ln>
-          </p:spPr>
-          <p:style>
-            <a:lnRef idx="2">
-              <a:schemeClr val="accent2"/>
-            </a:lnRef>
-            <a:fillRef idx="1">
-              <a:schemeClr val="lt1"/>
-            </a:fillRef>
-            <a:effectRef idx="0">
-              <a:schemeClr val="accent2"/>
-            </a:effectRef>
-            <a:fontRef idx="minor">
-              <a:schemeClr val="dk1"/>
-            </a:fontRef>
-          </p:style>
-          <p:txBody>
-            <a:bodyPr rtlCol="0" anchor="ctr"/>
-            <a:lstStyle/>
-            <a:p>
-              <a:pPr algn="ctr"/>
-              <a:endParaRPr lang="en-GB" dirty="0"/>
-            </a:p>
-          </p:txBody>
-        </p:sp>
-      </p:grpSp>
-      <p:grpSp>
-        <p:nvGrpSpPr>
-          <p:cNvPr id="60" name="Group 59"/>
-          <p:cNvGrpSpPr/>
-          <p:nvPr/>
-        </p:nvGrpSpPr>
-        <p:grpSpPr>
-          <a:xfrm>
-            <a:off x="1846006" y="2813237"/>
-            <a:ext cx="2625031" cy="1670272"/>
-            <a:chOff x="1821426" y="2813237"/>
-            <a:chExt cx="2625031" cy="1670272"/>
-          </a:xfrm>
-        </p:grpSpPr>
-        <p:grpSp>
-          <p:nvGrpSpPr>
-            <p:cNvPr id="19" name="Group 18"/>
-            <p:cNvGrpSpPr/>
-            <p:nvPr/>
-          </p:nvGrpSpPr>
-          <p:grpSpPr>
-            <a:xfrm>
-              <a:off x="1821426" y="2813237"/>
-              <a:ext cx="1900084" cy="1670272"/>
-              <a:chOff x="1821426" y="2813237"/>
-              <a:chExt cx="1900084" cy="1670272"/>
-            </a:xfrm>
-          </p:grpSpPr>
-          <p:cxnSp>
-            <p:nvCxnSpPr>
-              <p:cNvPr id="11" name="Straight Arrow Connector 10"/>
-              <p:cNvCxnSpPr>
-                <a:stCxn id="17" idx="2"/>
-              </p:cNvCxnSpPr>
-              <p:nvPr/>
-            </p:nvCxnSpPr>
-            <p:spPr>
-              <a:xfrm flipH="1">
-                <a:off x="2310582" y="3033252"/>
-                <a:ext cx="460886" cy="1450257"/>
-              </a:xfrm>
-              <a:prstGeom prst="straightConnector1">
-                <a:avLst/>
-              </a:prstGeom>
-              <a:ln>
-                <a:solidFill>
-                  <a:schemeClr val="accent2">
-                    <a:lumMod val="50000"/>
-                  </a:schemeClr>
-                </a:solidFill>
-                <a:tailEnd type="triangle"/>
-              </a:ln>
-            </p:spPr>
-            <p:style>
-              <a:lnRef idx="3">
-                <a:schemeClr val="accent2"/>
-              </a:lnRef>
-              <a:fillRef idx="0">
-                <a:schemeClr val="accent2"/>
-              </a:fillRef>
-              <a:effectRef idx="2">
-                <a:schemeClr val="accent2"/>
-              </a:effectRef>
-              <a:fontRef idx="minor">
-                <a:schemeClr val="tx1"/>
-              </a:fontRef>
-            </p:style>
-          </p:cxnSp>
-          <p:sp>
-            <p:nvSpPr>
-              <p:cNvPr id="17" name="Rectangle 16"/>
-              <p:cNvSpPr/>
-              <p:nvPr/>
-            </p:nvSpPr>
-            <p:spPr>
-              <a:xfrm>
-                <a:off x="1821426" y="2813237"/>
-                <a:ext cx="1900084" cy="220015"/>
-              </a:xfrm>
-              <a:prstGeom prst="rect">
-                <a:avLst/>
-              </a:prstGeom>
-              <a:noFill/>
-              <a:ln w="19050">
-                <a:solidFill>
-                  <a:schemeClr val="accent2">
-                    <a:lumMod val="50000"/>
-                  </a:schemeClr>
-                </a:solidFill>
-              </a:ln>
-            </p:spPr>
-            <p:style>
-              <a:lnRef idx="2">
-                <a:schemeClr val="accent2"/>
-              </a:lnRef>
-              <a:fillRef idx="1">
-                <a:schemeClr val="lt1"/>
-              </a:fillRef>
-              <a:effectRef idx="0">
-                <a:schemeClr val="accent2"/>
-              </a:effectRef>
-              <a:fontRef idx="minor">
-                <a:schemeClr val="dk1"/>
-              </a:fontRef>
-            </p:style>
-            <p:txBody>
-              <a:bodyPr rtlCol="0" anchor="ctr"/>
-              <a:lstStyle/>
-              <a:p>
-                <a:pPr algn="ctr"/>
-                <a:endParaRPr lang="en-GB" dirty="0"/>
-              </a:p>
-            </p:txBody>
-          </p:sp>
-        </p:grpSp>
-        <p:sp>
-          <p:nvSpPr>
-            <p:cNvPr id="53" name="TextBox 52"/>
-            <p:cNvSpPr txBox="1"/>
-            <p:nvPr/>
-          </p:nvSpPr>
-          <p:spPr>
-            <a:xfrm>
-              <a:off x="2448232" y="3532382"/>
-              <a:ext cx="1998225" cy="566656"/>
-            </a:xfrm>
-            <a:prstGeom prst="rect">
-              <a:avLst/>
-            </a:prstGeom>
-            <a:noFill/>
-          </p:spPr>
-          <p:txBody>
-            <a:bodyPr wrap="none" lIns="179285" tIns="143428" rIns="179285" bIns="143428" rtlCol="0">
-              <a:spAutoFit/>
-            </a:bodyPr>
-            <a:lstStyle/>
-            <a:p>
-              <a:pPr>
-                <a:lnSpc>
-                  <a:spcPct val="90000"/>
-                </a:lnSpc>
-                <a:spcAft>
-                  <a:spcPts val="588"/>
-                </a:spcAft>
-              </a:pPr>
-              <a:r>
-                <a:rPr lang="en-US" sz="2000" dirty="0">
-                  <a:solidFill>
-                    <a:schemeClr val="accent2">
-                      <a:lumMod val="50000"/>
-                    </a:schemeClr>
-                  </a:solidFill>
-                </a:rPr>
-                <a:t>create machine</a:t>
-              </a:r>
-            </a:p>
-          </p:txBody>
-        </p:sp>
-      </p:grpSp>
-      <p:grpSp>
-        <p:nvGrpSpPr>
-          <p:cNvPr id="59" name="Group 58"/>
-          <p:cNvGrpSpPr/>
-          <p:nvPr/>
-        </p:nvGrpSpPr>
-        <p:grpSpPr>
-          <a:xfrm>
-            <a:off x="1870586" y="1808012"/>
-            <a:ext cx="5737126" cy="1507372"/>
-            <a:chOff x="1870586" y="1817844"/>
-            <a:chExt cx="5737126" cy="1507372"/>
-          </a:xfrm>
-        </p:grpSpPr>
-        <p:grpSp>
-          <p:nvGrpSpPr>
-            <p:cNvPr id="22" name="Group 21"/>
-            <p:cNvGrpSpPr/>
-            <p:nvPr/>
-          </p:nvGrpSpPr>
-          <p:grpSpPr>
-            <a:xfrm>
-              <a:off x="1870586" y="1817844"/>
-              <a:ext cx="5737126" cy="1507372"/>
-              <a:chOff x="1821426" y="1525880"/>
-              <a:chExt cx="4179828" cy="1507372"/>
-            </a:xfrm>
-          </p:grpSpPr>
-          <p:cxnSp>
-            <p:nvCxnSpPr>
-              <p:cNvPr id="23" name="Straight Arrow Connector 22"/>
-              <p:cNvCxnSpPr>
-                <a:stCxn id="24" idx="3"/>
-              </p:cNvCxnSpPr>
-              <p:nvPr/>
-            </p:nvCxnSpPr>
-            <p:spPr>
-              <a:xfrm flipV="1">
-                <a:off x="3721510" y="1525880"/>
-                <a:ext cx="2279744" cy="1397365"/>
-              </a:xfrm>
-              <a:prstGeom prst="straightConnector1">
-                <a:avLst/>
-              </a:prstGeom>
-              <a:ln>
-                <a:solidFill>
-                  <a:schemeClr val="accent2">
-                    <a:lumMod val="50000"/>
-                  </a:schemeClr>
-                </a:solidFill>
-                <a:tailEnd type="triangle"/>
-              </a:ln>
-            </p:spPr>
-            <p:style>
-              <a:lnRef idx="3">
-                <a:schemeClr val="accent2"/>
-              </a:lnRef>
-              <a:fillRef idx="0">
-                <a:schemeClr val="accent2"/>
-              </a:fillRef>
-              <a:effectRef idx="2">
-                <a:schemeClr val="accent2"/>
-              </a:effectRef>
-              <a:fontRef idx="minor">
-                <a:schemeClr val="tx1"/>
-              </a:fontRef>
-            </p:style>
-          </p:cxnSp>
-          <p:sp>
-            <p:nvSpPr>
-              <p:cNvPr id="24" name="Rectangle 23"/>
-              <p:cNvSpPr/>
-              <p:nvPr/>
-            </p:nvSpPr>
-            <p:spPr>
-              <a:xfrm>
-                <a:off x="1821426" y="2813237"/>
-                <a:ext cx="1900084" cy="220015"/>
-              </a:xfrm>
-              <a:prstGeom prst="rect">
-                <a:avLst/>
-              </a:prstGeom>
-              <a:noFill/>
-              <a:ln w="19050">
-                <a:solidFill>
-                  <a:schemeClr val="accent2">
-                    <a:lumMod val="50000"/>
-                  </a:schemeClr>
-                </a:solidFill>
-              </a:ln>
-            </p:spPr>
-            <p:style>
-              <a:lnRef idx="2">
-                <a:schemeClr val="accent2"/>
-              </a:lnRef>
-              <a:fillRef idx="1">
-                <a:schemeClr val="lt1"/>
-              </a:fillRef>
-              <a:effectRef idx="0">
-                <a:schemeClr val="accent2"/>
-              </a:effectRef>
-              <a:fontRef idx="minor">
-                <a:schemeClr val="dk1"/>
-              </a:fontRef>
-            </p:style>
-            <p:txBody>
-              <a:bodyPr rtlCol="0" anchor="ctr"/>
-              <a:lstStyle/>
-              <a:p>
-                <a:pPr algn="ctr"/>
-                <a:endParaRPr lang="en-GB" dirty="0"/>
-              </a:p>
-            </p:txBody>
-          </p:sp>
-        </p:grpSp>
-        <p:sp>
-          <p:nvSpPr>
-            <p:cNvPr id="54" name="TextBox 53"/>
-            <p:cNvSpPr txBox="1"/>
-            <p:nvPr/>
-          </p:nvSpPr>
-          <p:spPr>
-            <a:xfrm rot="20143671">
-              <a:off x="5000151" y="2080006"/>
-              <a:ext cx="1998225" cy="566656"/>
-            </a:xfrm>
-            <a:prstGeom prst="rect">
-              <a:avLst/>
-            </a:prstGeom>
-            <a:noFill/>
-          </p:spPr>
-          <p:txBody>
-            <a:bodyPr wrap="none" lIns="179285" tIns="143428" rIns="179285" bIns="143428" rtlCol="0">
-              <a:spAutoFit/>
-            </a:bodyPr>
-            <a:lstStyle/>
-            <a:p>
-              <a:pPr>
-                <a:lnSpc>
-                  <a:spcPct val="90000"/>
-                </a:lnSpc>
-                <a:spcAft>
-                  <a:spcPts val="588"/>
-                </a:spcAft>
-              </a:pPr>
-              <a:r>
-                <a:rPr lang="en-US" sz="2000" dirty="0">
-                  <a:solidFill>
-                    <a:schemeClr val="accent2">
-                      <a:lumMod val="50000"/>
-                    </a:schemeClr>
-                  </a:solidFill>
-                </a:rPr>
-                <a:t>create machine</a:t>
-              </a:r>
-            </a:p>
-          </p:txBody>
-        </p:sp>
-      </p:grpSp>
-      <p:grpSp>
-        <p:nvGrpSpPr>
-          <p:cNvPr id="62" name="Group 61"/>
-          <p:cNvGrpSpPr/>
-          <p:nvPr/>
-        </p:nvGrpSpPr>
-        <p:grpSpPr>
-          <a:xfrm>
-            <a:off x="3559276" y="4916129"/>
-            <a:ext cx="7074311" cy="921730"/>
-            <a:chOff x="3559276" y="4916129"/>
-            <a:chExt cx="7074311" cy="921730"/>
-          </a:xfrm>
-        </p:grpSpPr>
-        <p:grpSp>
-          <p:nvGrpSpPr>
-            <p:cNvPr id="43" name="Group 42"/>
-            <p:cNvGrpSpPr/>
-            <p:nvPr/>
-          </p:nvGrpSpPr>
-          <p:grpSpPr>
-            <a:xfrm>
-              <a:off x="3559276" y="4916129"/>
-              <a:ext cx="7074311" cy="847880"/>
-              <a:chOff x="-1228428" y="2185372"/>
-              <a:chExt cx="4949938" cy="847880"/>
-            </a:xfrm>
-          </p:grpSpPr>
-          <p:cxnSp>
-            <p:nvCxnSpPr>
-              <p:cNvPr id="44" name="Straight Arrow Connector 43"/>
-              <p:cNvCxnSpPr>
-                <a:stCxn id="45" idx="1"/>
-              </p:cNvCxnSpPr>
-              <p:nvPr/>
-            </p:nvCxnSpPr>
-            <p:spPr>
-              <a:xfrm flipH="1" flipV="1">
-                <a:off x="-1228428" y="2185372"/>
-                <a:ext cx="3049854" cy="737873"/>
-              </a:xfrm>
-              <a:prstGeom prst="straightConnector1">
-                <a:avLst/>
-              </a:prstGeom>
-              <a:ln>
-                <a:solidFill>
-                  <a:schemeClr val="accent6">
-                    <a:lumMod val="50000"/>
-                  </a:schemeClr>
-                </a:solidFill>
-                <a:tailEnd type="triangle"/>
-              </a:ln>
-            </p:spPr>
-            <p:style>
-              <a:lnRef idx="3">
-                <a:schemeClr val="accent2"/>
-              </a:lnRef>
-              <a:fillRef idx="0">
-                <a:schemeClr val="accent2"/>
-              </a:fillRef>
-              <a:effectRef idx="2">
-                <a:schemeClr val="accent2"/>
-              </a:effectRef>
-              <a:fontRef idx="minor">
-                <a:schemeClr val="tx1"/>
-              </a:fontRef>
-            </p:style>
-          </p:cxnSp>
-          <p:sp>
-            <p:nvSpPr>
-              <p:cNvPr id="45" name="Rectangle 44"/>
-              <p:cNvSpPr/>
-              <p:nvPr/>
-            </p:nvSpPr>
-            <p:spPr>
-              <a:xfrm>
-                <a:off x="1821426" y="2813237"/>
-                <a:ext cx="1900084" cy="220015"/>
-              </a:xfrm>
-              <a:prstGeom prst="rect">
-                <a:avLst/>
-              </a:prstGeom>
-              <a:noFill/>
-              <a:ln w="19050">
-                <a:solidFill>
-                  <a:schemeClr val="accent6">
-                    <a:lumMod val="50000"/>
-                  </a:schemeClr>
-                </a:solidFill>
-              </a:ln>
-            </p:spPr>
-            <p:style>
-              <a:lnRef idx="2">
-                <a:schemeClr val="accent2"/>
-              </a:lnRef>
-              <a:fillRef idx="1">
-                <a:schemeClr val="lt1"/>
-              </a:fillRef>
-              <a:effectRef idx="0">
-                <a:schemeClr val="accent2"/>
-              </a:effectRef>
-              <a:fontRef idx="minor">
-                <a:schemeClr val="dk1"/>
-              </a:fontRef>
-            </p:style>
-            <p:txBody>
-              <a:bodyPr rtlCol="0" anchor="ctr"/>
-              <a:lstStyle/>
-              <a:p>
-                <a:pPr algn="ctr"/>
-                <a:endParaRPr lang="en-GB" dirty="0"/>
-              </a:p>
-            </p:txBody>
-          </p:sp>
-        </p:grpSp>
-        <p:sp>
-          <p:nvSpPr>
-            <p:cNvPr id="55" name="TextBox 54"/>
-            <p:cNvSpPr txBox="1"/>
-            <p:nvPr/>
-          </p:nvSpPr>
-          <p:spPr>
-            <a:xfrm rot="575711">
-              <a:off x="5585820" y="5271203"/>
-              <a:ext cx="1522902" cy="566656"/>
-            </a:xfrm>
-            <a:prstGeom prst="rect">
-              <a:avLst/>
-            </a:prstGeom>
-            <a:noFill/>
-            <a:ln>
-              <a:noFill/>
-            </a:ln>
-          </p:spPr>
-          <p:txBody>
-            <a:bodyPr wrap="none" lIns="179285" tIns="143428" rIns="179285" bIns="143428" rtlCol="0">
-              <a:spAutoFit/>
-            </a:bodyPr>
-            <a:lstStyle/>
-            <a:p>
-              <a:pPr>
-                <a:lnSpc>
-                  <a:spcPct val="90000"/>
-                </a:lnSpc>
-                <a:spcAft>
-                  <a:spcPts val="588"/>
-                </a:spcAft>
-              </a:pPr>
-              <a:r>
-                <a:rPr lang="en-US" sz="2000" dirty="0">
-                  <a:solidFill>
-                    <a:schemeClr val="accent6">
-                      <a:lumMod val="75000"/>
-                    </a:schemeClr>
-                  </a:solidFill>
-                </a:rPr>
-                <a:t>send event</a:t>
-              </a:r>
-            </a:p>
-          </p:txBody>
-        </p:sp>
-      </p:grpSp>
-      <p:grpSp>
-        <p:nvGrpSpPr>
-          <p:cNvPr id="64" name="Group 63"/>
-          <p:cNvGrpSpPr/>
-          <p:nvPr/>
-        </p:nvGrpSpPr>
-        <p:grpSpPr>
-          <a:xfrm>
-            <a:off x="8144799" y="2451837"/>
-            <a:ext cx="1759693" cy="920628"/>
-            <a:chOff x="8144799" y="2466585"/>
-            <a:chExt cx="1759693" cy="920628"/>
-          </a:xfrm>
-        </p:grpSpPr>
-        <p:grpSp>
-          <p:nvGrpSpPr>
-            <p:cNvPr id="39" name="Group 38"/>
-            <p:cNvGrpSpPr/>
-            <p:nvPr/>
-          </p:nvGrpSpPr>
-          <p:grpSpPr>
-            <a:xfrm>
-              <a:off x="8144799" y="2466585"/>
-              <a:ext cx="950040" cy="920628"/>
-              <a:chOff x="1821426" y="2813237"/>
-              <a:chExt cx="1900084" cy="920628"/>
-            </a:xfrm>
-          </p:grpSpPr>
-          <p:cxnSp>
-            <p:nvCxnSpPr>
-              <p:cNvPr id="40" name="Straight Arrow Connector 39"/>
-              <p:cNvCxnSpPr>
-                <a:stCxn id="41" idx="2"/>
-              </p:cNvCxnSpPr>
-              <p:nvPr/>
-            </p:nvCxnSpPr>
-            <p:spPr>
-              <a:xfrm flipH="1">
-                <a:off x="2384319" y="3033252"/>
-                <a:ext cx="387149" cy="700613"/>
-              </a:xfrm>
-              <a:prstGeom prst="straightConnector1">
-                <a:avLst/>
-              </a:prstGeom>
-              <a:ln>
-                <a:solidFill>
-                  <a:schemeClr val="bg2">
-                    <a:lumMod val="50000"/>
-                  </a:schemeClr>
-                </a:solidFill>
-                <a:tailEnd type="triangle"/>
-              </a:ln>
-            </p:spPr>
-            <p:style>
-              <a:lnRef idx="3">
-                <a:schemeClr val="accent2"/>
-              </a:lnRef>
-              <a:fillRef idx="0">
-                <a:schemeClr val="accent2"/>
-              </a:fillRef>
-              <a:effectRef idx="2">
-                <a:schemeClr val="accent2"/>
-              </a:effectRef>
-              <a:fontRef idx="minor">
-                <a:schemeClr val="tx1"/>
-              </a:fontRef>
-            </p:style>
-          </p:cxnSp>
-          <p:sp>
-            <p:nvSpPr>
-              <p:cNvPr id="41" name="Rectangle 40"/>
-              <p:cNvSpPr/>
-              <p:nvPr/>
-            </p:nvSpPr>
-            <p:spPr>
-              <a:xfrm>
-                <a:off x="1821426" y="2813237"/>
-                <a:ext cx="1900084" cy="220015"/>
-              </a:xfrm>
-              <a:prstGeom prst="rect">
-                <a:avLst/>
-              </a:prstGeom>
-              <a:noFill/>
-              <a:ln w="19050">
-                <a:solidFill>
-                  <a:schemeClr val="bg2">
-                    <a:lumMod val="50000"/>
-                  </a:schemeClr>
-                </a:solidFill>
-              </a:ln>
-            </p:spPr>
-            <p:style>
-              <a:lnRef idx="2">
-                <a:schemeClr val="accent2"/>
-              </a:lnRef>
-              <a:fillRef idx="1">
-                <a:schemeClr val="lt1"/>
-              </a:fillRef>
-              <a:effectRef idx="0">
-                <a:schemeClr val="accent2"/>
-              </a:effectRef>
-              <a:fontRef idx="minor">
-                <a:schemeClr val="dk1"/>
-              </a:fontRef>
-            </p:style>
-            <p:txBody>
-              <a:bodyPr rtlCol="0" anchor="ctr"/>
-              <a:lstStyle/>
-              <a:p>
-                <a:pPr algn="ctr"/>
-                <a:endParaRPr lang="en-GB" dirty="0"/>
-              </a:p>
-            </p:txBody>
-          </p:sp>
-        </p:grpSp>
-        <p:sp>
-          <p:nvSpPr>
-            <p:cNvPr id="56" name="TextBox 55"/>
-            <p:cNvSpPr txBox="1"/>
-            <p:nvPr/>
-          </p:nvSpPr>
-          <p:spPr>
-            <a:xfrm>
-              <a:off x="8515216" y="2753578"/>
-              <a:ext cx="1389276" cy="566656"/>
-            </a:xfrm>
-            <a:prstGeom prst="rect">
-              <a:avLst/>
-            </a:prstGeom>
-            <a:noFill/>
-            <a:ln>
-              <a:noFill/>
-            </a:ln>
-          </p:spPr>
-          <p:txBody>
-            <a:bodyPr wrap="none" lIns="179285" tIns="143428" rIns="179285" bIns="143428" rtlCol="0">
-              <a:spAutoFit/>
-            </a:bodyPr>
-            <a:lstStyle/>
-            <a:p>
-              <a:pPr>
-                <a:lnSpc>
-                  <a:spcPct val="90000"/>
-                </a:lnSpc>
-                <a:spcAft>
-                  <a:spcPts val="588"/>
-                </a:spcAft>
-              </a:pPr>
-              <a:r>
-                <a:rPr lang="en-US" sz="2000" dirty="0">
-                  <a:solidFill>
-                    <a:schemeClr val="bg2">
-                      <a:lumMod val="50000"/>
-                    </a:schemeClr>
-                  </a:solidFill>
-                </a:rPr>
-                <a:t>transition</a:t>
-              </a:r>
-            </a:p>
-          </p:txBody>
-        </p:sp>
-      </p:grpSp>
-      <p:grpSp>
-        <p:nvGrpSpPr>
-          <p:cNvPr id="63" name="Group 62"/>
-          <p:cNvGrpSpPr/>
-          <p:nvPr/>
-        </p:nvGrpSpPr>
-        <p:grpSpPr>
-          <a:xfrm>
-            <a:off x="7616006" y="4173630"/>
-            <a:ext cx="3627917" cy="978474"/>
-            <a:chOff x="7616006" y="4188378"/>
-            <a:chExt cx="3627917" cy="978474"/>
-          </a:xfrm>
-        </p:grpSpPr>
-        <p:grpSp>
-          <p:nvGrpSpPr>
-            <p:cNvPr id="35" name="Group 34"/>
-            <p:cNvGrpSpPr/>
-            <p:nvPr/>
-          </p:nvGrpSpPr>
-          <p:grpSpPr>
-            <a:xfrm>
-              <a:off x="7616006" y="4396114"/>
-              <a:ext cx="1900084" cy="770738"/>
-              <a:chOff x="1821426" y="2813237"/>
-              <a:chExt cx="1900084" cy="770738"/>
-            </a:xfrm>
-          </p:grpSpPr>
-          <p:cxnSp>
-            <p:nvCxnSpPr>
-              <p:cNvPr id="36" name="Straight Arrow Connector 35"/>
-              <p:cNvCxnSpPr>
-                <a:stCxn id="37" idx="2"/>
-              </p:cNvCxnSpPr>
-              <p:nvPr/>
-            </p:nvCxnSpPr>
-            <p:spPr>
-              <a:xfrm flipH="1">
-                <a:off x="2710323" y="3033252"/>
-                <a:ext cx="61145" cy="550723"/>
-              </a:xfrm>
-              <a:prstGeom prst="straightConnector1">
-                <a:avLst/>
-              </a:prstGeom>
-              <a:ln>
-                <a:prstDash val="sysDash"/>
-                <a:tailEnd type="triangle"/>
-              </a:ln>
-            </p:spPr>
-            <p:style>
-              <a:lnRef idx="3">
-                <a:schemeClr val="accent2"/>
-              </a:lnRef>
-              <a:fillRef idx="0">
-                <a:schemeClr val="accent2"/>
-              </a:fillRef>
-              <a:effectRef idx="2">
-                <a:schemeClr val="accent2"/>
-              </a:effectRef>
-              <a:fontRef idx="minor">
-                <a:schemeClr val="tx1"/>
-              </a:fontRef>
-            </p:style>
-          </p:cxnSp>
-          <p:sp>
-            <p:nvSpPr>
-              <p:cNvPr id="37" name="Rectangle 36"/>
-              <p:cNvSpPr/>
-              <p:nvPr/>
-            </p:nvSpPr>
-            <p:spPr>
-              <a:xfrm>
-                <a:off x="1821426" y="2813237"/>
-                <a:ext cx="1900084" cy="220015"/>
-              </a:xfrm>
-              <a:prstGeom prst="rect">
-                <a:avLst/>
-              </a:prstGeom>
-              <a:noFill/>
-              <a:ln w="19050">
-                <a:prstDash val="sysDash"/>
-              </a:ln>
-            </p:spPr>
-            <p:style>
-              <a:lnRef idx="2">
-                <a:schemeClr val="accent2"/>
-              </a:lnRef>
-              <a:fillRef idx="1">
-                <a:schemeClr val="lt1"/>
-              </a:fillRef>
-              <a:effectRef idx="0">
-                <a:schemeClr val="accent2"/>
-              </a:effectRef>
-              <a:fontRef idx="minor">
-                <a:schemeClr val="dk1"/>
-              </a:fontRef>
-            </p:style>
-            <p:txBody>
-              <a:bodyPr rtlCol="0" anchor="ctr"/>
-              <a:lstStyle/>
-              <a:p>
-                <a:pPr algn="ctr"/>
-                <a:endParaRPr lang="en-GB" dirty="0"/>
-              </a:p>
-            </p:txBody>
-          </p:sp>
-        </p:grpSp>
-        <p:sp>
-          <p:nvSpPr>
-            <p:cNvPr id="57" name="TextBox 56"/>
-            <p:cNvSpPr txBox="1"/>
-            <p:nvPr/>
-          </p:nvSpPr>
-          <p:spPr>
-            <a:xfrm>
-              <a:off x="9507180" y="4188378"/>
-              <a:ext cx="1736743" cy="566656"/>
-            </a:xfrm>
-            <a:prstGeom prst="rect">
-              <a:avLst/>
-            </a:prstGeom>
-            <a:noFill/>
-            <a:ln>
-              <a:noFill/>
-            </a:ln>
-          </p:spPr>
-          <p:txBody>
-            <a:bodyPr wrap="none" lIns="179285" tIns="143428" rIns="179285" bIns="143428" rtlCol="0">
-              <a:spAutoFit/>
-            </a:bodyPr>
-            <a:lstStyle/>
-            <a:p>
-              <a:pPr>
-                <a:lnSpc>
-                  <a:spcPct val="90000"/>
-                </a:lnSpc>
-                <a:spcAft>
-                  <a:spcPts val="588"/>
-                </a:spcAft>
-              </a:pPr>
-              <a:r>
-                <a:rPr lang="en-US" sz="2000" dirty="0">
-                  <a:solidFill>
-                    <a:schemeClr val="accent2">
-                      <a:lumMod val="75000"/>
-                    </a:schemeClr>
-                  </a:solidFill>
-                </a:rPr>
-                <a:t>partial action</a:t>
-              </a:r>
-            </a:p>
-          </p:txBody>
-        </p:sp>
-      </p:grpSp>
-      <p:grpSp>
-        <p:nvGrpSpPr>
-          <p:cNvPr id="61" name="Group 60"/>
-          <p:cNvGrpSpPr/>
-          <p:nvPr/>
-        </p:nvGrpSpPr>
-        <p:grpSpPr>
-          <a:xfrm>
-            <a:off x="1590983" y="4369077"/>
-            <a:ext cx="2711395" cy="842020"/>
-            <a:chOff x="1590983" y="4369077"/>
-            <a:chExt cx="2711395" cy="842020"/>
-          </a:xfrm>
-        </p:grpSpPr>
-        <p:grpSp>
-          <p:nvGrpSpPr>
-            <p:cNvPr id="27" name="Group 26"/>
-            <p:cNvGrpSpPr/>
-            <p:nvPr/>
-          </p:nvGrpSpPr>
-          <p:grpSpPr>
-            <a:xfrm>
-              <a:off x="1590983" y="4787578"/>
-              <a:ext cx="1900084" cy="423519"/>
-              <a:chOff x="1821426" y="2813237"/>
-              <a:chExt cx="1900084" cy="423519"/>
-            </a:xfrm>
-          </p:grpSpPr>
-          <p:cxnSp>
-            <p:nvCxnSpPr>
-              <p:cNvPr id="28" name="Straight Arrow Connector 27"/>
-              <p:cNvCxnSpPr>
-                <a:stCxn id="29" idx="2"/>
-              </p:cNvCxnSpPr>
-              <p:nvPr/>
-            </p:nvCxnSpPr>
-            <p:spPr>
-              <a:xfrm flipH="1">
-                <a:off x="2255888" y="3033252"/>
-                <a:ext cx="515580" cy="203504"/>
-              </a:xfrm>
-              <a:prstGeom prst="straightConnector1">
-                <a:avLst/>
-              </a:prstGeom>
-              <a:ln>
-                <a:solidFill>
-                  <a:srgbClr val="7030A0"/>
-                </a:solidFill>
-                <a:tailEnd type="triangle"/>
-              </a:ln>
-            </p:spPr>
-            <p:style>
-              <a:lnRef idx="3">
-                <a:schemeClr val="accent2"/>
-              </a:lnRef>
-              <a:fillRef idx="0">
-                <a:schemeClr val="accent2"/>
-              </a:fillRef>
-              <a:effectRef idx="2">
-                <a:schemeClr val="accent2"/>
-              </a:effectRef>
-              <a:fontRef idx="minor">
-                <a:schemeClr val="tx1"/>
-              </a:fontRef>
-            </p:style>
-          </p:cxnSp>
-          <p:sp>
-            <p:nvSpPr>
-              <p:cNvPr id="29" name="Rectangle 28"/>
-              <p:cNvSpPr/>
-              <p:nvPr/>
-            </p:nvSpPr>
-            <p:spPr>
-              <a:xfrm>
-                <a:off x="1821426" y="2813237"/>
-                <a:ext cx="1900084" cy="220015"/>
-              </a:xfrm>
-              <a:prstGeom prst="rect">
-                <a:avLst/>
-              </a:prstGeom>
-              <a:noFill/>
-              <a:ln w="19050">
-                <a:solidFill>
-                  <a:srgbClr val="7030A0"/>
-                </a:solidFill>
-              </a:ln>
-            </p:spPr>
-            <p:style>
-              <a:lnRef idx="2">
-                <a:schemeClr val="accent2"/>
-              </a:lnRef>
-              <a:fillRef idx="1">
-                <a:schemeClr val="lt1"/>
-              </a:fillRef>
-              <a:effectRef idx="0">
-                <a:schemeClr val="accent2"/>
-              </a:effectRef>
-              <a:fontRef idx="minor">
-                <a:schemeClr val="dk1"/>
-              </a:fontRef>
-            </p:style>
-            <p:txBody>
-              <a:bodyPr rtlCol="0" anchor="ctr"/>
-              <a:lstStyle/>
-              <a:p>
-                <a:pPr algn="ctr"/>
-                <a:endParaRPr lang="en-GB" dirty="0"/>
-              </a:p>
-            </p:txBody>
-          </p:sp>
-        </p:grpSp>
-        <p:sp>
-          <p:nvSpPr>
-            <p:cNvPr id="58" name="TextBox 57"/>
-            <p:cNvSpPr txBox="1"/>
-            <p:nvPr/>
-          </p:nvSpPr>
-          <p:spPr>
-            <a:xfrm>
-              <a:off x="2555760" y="4369077"/>
-              <a:ext cx="1746618" cy="566656"/>
-            </a:xfrm>
-            <a:prstGeom prst="rect">
-              <a:avLst/>
-            </a:prstGeom>
-            <a:noFill/>
-          </p:spPr>
-          <p:txBody>
-            <a:bodyPr wrap="none" lIns="179285" tIns="143428" rIns="179285" bIns="143428" rtlCol="0">
-              <a:spAutoFit/>
-            </a:bodyPr>
-            <a:lstStyle/>
-            <a:p>
-              <a:pPr>
-                <a:lnSpc>
-                  <a:spcPct val="90000"/>
-                </a:lnSpc>
-                <a:spcAft>
-                  <a:spcPts val="588"/>
-                </a:spcAft>
-              </a:pPr>
-              <a:r>
-                <a:rPr lang="en-US" sz="2000" dirty="0">
-                  <a:solidFill>
-                    <a:srgbClr val="7030A0"/>
-                  </a:solidFill>
-                </a:rPr>
-                <a:t>invoke action</a:t>
-              </a:r>
-            </a:p>
-          </p:txBody>
-        </p:sp>
-      </p:grpSp>
-      <p:grpSp>
-        <p:nvGrpSpPr>
-          <p:cNvPr id="66" name="Group 65"/>
-          <p:cNvGrpSpPr/>
-          <p:nvPr/>
-        </p:nvGrpSpPr>
-        <p:grpSpPr>
-          <a:xfrm>
-            <a:off x="1590983" y="4066092"/>
-            <a:ext cx="6230578" cy="1793176"/>
-            <a:chOff x="1590983" y="4066092"/>
-            <a:chExt cx="6230578" cy="1793176"/>
-          </a:xfrm>
-        </p:grpSpPr>
-        <p:grpSp>
-          <p:nvGrpSpPr>
-            <p:cNvPr id="48" name="Group 47"/>
-            <p:cNvGrpSpPr/>
-            <p:nvPr/>
-          </p:nvGrpSpPr>
-          <p:grpSpPr>
-            <a:xfrm>
-              <a:off x="1590983" y="4066092"/>
-              <a:ext cx="6230578" cy="1793176"/>
-              <a:chOff x="1821426" y="1240076"/>
-              <a:chExt cx="8808852" cy="1793176"/>
-            </a:xfrm>
-          </p:grpSpPr>
-          <p:cxnSp>
-            <p:nvCxnSpPr>
-              <p:cNvPr id="49" name="Straight Arrow Connector 48"/>
-              <p:cNvCxnSpPr>
-                <a:stCxn id="50" idx="3"/>
-              </p:cNvCxnSpPr>
-              <p:nvPr/>
-            </p:nvCxnSpPr>
-            <p:spPr>
-              <a:xfrm flipV="1">
-                <a:off x="3721510" y="1240076"/>
-                <a:ext cx="6908768" cy="1683169"/>
-              </a:xfrm>
-              <a:prstGeom prst="straightConnector1">
-                <a:avLst/>
-              </a:prstGeom>
-              <a:ln>
-                <a:solidFill>
-                  <a:schemeClr val="accent6">
-                    <a:lumMod val="50000"/>
-                  </a:schemeClr>
-                </a:solidFill>
-                <a:tailEnd type="triangle"/>
-              </a:ln>
-            </p:spPr>
-            <p:style>
-              <a:lnRef idx="3">
-                <a:schemeClr val="accent2"/>
-              </a:lnRef>
-              <a:fillRef idx="0">
-                <a:schemeClr val="accent2"/>
-              </a:fillRef>
-              <a:effectRef idx="2">
-                <a:schemeClr val="accent2"/>
-              </a:effectRef>
-              <a:fontRef idx="minor">
-                <a:schemeClr val="tx1"/>
-              </a:fontRef>
-            </p:style>
-          </p:cxnSp>
-          <p:sp>
-            <p:nvSpPr>
-              <p:cNvPr id="50" name="Rectangle 49"/>
-              <p:cNvSpPr/>
-              <p:nvPr/>
-            </p:nvSpPr>
-            <p:spPr>
-              <a:xfrm>
-                <a:off x="1821426" y="2813237"/>
-                <a:ext cx="1900084" cy="220015"/>
-              </a:xfrm>
-              <a:prstGeom prst="rect">
-                <a:avLst/>
-              </a:prstGeom>
-              <a:noFill/>
-              <a:ln w="19050">
-                <a:solidFill>
-                  <a:schemeClr val="accent6">
-                    <a:lumMod val="50000"/>
-                  </a:schemeClr>
-                </a:solidFill>
-              </a:ln>
-            </p:spPr>
-            <p:style>
-              <a:lnRef idx="2">
-                <a:schemeClr val="accent2"/>
-              </a:lnRef>
-              <a:fillRef idx="1">
-                <a:schemeClr val="lt1"/>
-              </a:fillRef>
-              <a:effectRef idx="0">
-                <a:schemeClr val="accent2"/>
-              </a:effectRef>
-              <a:fontRef idx="minor">
-                <a:schemeClr val="dk1"/>
-              </a:fontRef>
-            </p:style>
-            <p:txBody>
-              <a:bodyPr rtlCol="0" anchor="ctr"/>
-              <a:lstStyle/>
-              <a:p>
-                <a:pPr algn="ctr"/>
-                <a:endParaRPr lang="en-GB" dirty="0"/>
-              </a:p>
-            </p:txBody>
-          </p:sp>
-        </p:grpSp>
-        <p:sp>
-          <p:nvSpPr>
-            <p:cNvPr id="65" name="TextBox 64"/>
-            <p:cNvSpPr txBox="1"/>
-            <p:nvPr/>
-          </p:nvSpPr>
-          <p:spPr>
-            <a:xfrm rot="20492357">
-              <a:off x="5564079" y="4130497"/>
-              <a:ext cx="1522902" cy="566656"/>
-            </a:xfrm>
-            <a:prstGeom prst="rect">
-              <a:avLst/>
-            </a:prstGeom>
-            <a:noFill/>
-            <a:ln>
-              <a:noFill/>
-            </a:ln>
-          </p:spPr>
-          <p:txBody>
-            <a:bodyPr wrap="none" lIns="179285" tIns="143428" rIns="179285" bIns="143428" rtlCol="0">
-              <a:spAutoFit/>
-            </a:bodyPr>
-            <a:lstStyle/>
-            <a:p>
-              <a:pPr>
-                <a:lnSpc>
-                  <a:spcPct val="90000"/>
-                </a:lnSpc>
-                <a:spcAft>
-                  <a:spcPts val="588"/>
-                </a:spcAft>
-              </a:pPr>
-              <a:r>
-                <a:rPr lang="en-US" sz="2000" dirty="0">
-                  <a:solidFill>
-                    <a:schemeClr val="accent6">
-                      <a:lumMod val="75000"/>
-                    </a:schemeClr>
-                  </a:solidFill>
-                </a:rPr>
-                <a:t>send event</a:t>
-              </a:r>
-            </a:p>
-          </p:txBody>
-        </p:sp>
-      </p:grpSp>
-    </p:spTree>
-    <p:extLst>
-      <p:ext uri="{BB962C8B-B14F-4D97-AF65-F5344CB8AC3E}">
-        <p14:creationId xmlns:p14="http://schemas.microsoft.com/office/powerpoint/2010/main" val="3367925017"/>
-      </p:ext>
-    </p:extLst>
-  </p:cSld>
-  <p:clrMapOvr>
-    <a:masterClrMapping/>
-  </p:clrMapOvr>
-  <p:timing>
-    <p:tnLst>
-      <p:par>
-        <p:cTn id="1" dur="indefinite" restart="never" nodeType="tmRoot">
-          <p:childTnLst>
-            <p:seq concurrent="1" nextAc="seek">
-              <p:cTn id="2" dur="indefinite" nodeType="mainSeq">
-                <p:childTnLst>
-                  <p:par>
-                    <p:cTn id="3" fill="hold">
-                      <p:stCondLst>
-                        <p:cond delay="indefinite"/>
-                      </p:stCondLst>
-                      <p:childTnLst>
-                        <p:par>
-                          <p:cTn id="4" fill="hold">
-                            <p:stCondLst>
-                              <p:cond delay="0"/>
-                            </p:stCondLst>
-                            <p:childTnLst>
-                              <p:par>
-                                <p:cTn id="5" presetID="1" presetClass="entr" presetSubtype="0" fill="hold" nodeType="clickEffect">
-                                  <p:stCondLst>
-                                    <p:cond delay="0"/>
-                                  </p:stCondLst>
-                                  <p:childTnLst>
-                                    <p:set>
-                                      <p:cBhvr>
-                                        <p:cTn id="6" dur="1" fill="hold">
-                                          <p:stCondLst>
-                                            <p:cond delay="0"/>
-                                          </p:stCondLst>
-                                        </p:cTn>
-                                        <p:tgtEl>
-                                          <p:spTgt spid="60"/>
-                                        </p:tgtEl>
-                                        <p:attrNameLst>
-                                          <p:attrName>style.visibility</p:attrName>
-                                        </p:attrNameLst>
-                                      </p:cBhvr>
-                                      <p:to>
-                                        <p:strVal val="visible"/>
-                                      </p:to>
-                                    </p:set>
-                                  </p:childTnLst>
-                                </p:cTn>
-                              </p:par>
-                            </p:childTnLst>
-                          </p:cTn>
-                        </p:par>
-                      </p:childTnLst>
-                    </p:cTn>
-                  </p:par>
-                  <p:par>
-                    <p:cTn id="7" fill="hold">
-                      <p:stCondLst>
-                        <p:cond delay="indefinite"/>
-                      </p:stCondLst>
-                      <p:childTnLst>
-                        <p:par>
-                          <p:cTn id="8" fill="hold">
-                            <p:stCondLst>
-                              <p:cond delay="0"/>
-                            </p:stCondLst>
-                            <p:childTnLst>
-                              <p:par>
-                                <p:cTn id="9" presetID="1" presetClass="entr" presetSubtype="0" fill="hold" nodeType="clickEffect">
-                                  <p:stCondLst>
-                                    <p:cond delay="0"/>
-                                  </p:stCondLst>
-                                  <p:childTnLst>
-                                    <p:set>
-                                      <p:cBhvr>
-                                        <p:cTn id="10" dur="1" fill="hold">
-                                          <p:stCondLst>
-                                            <p:cond delay="0"/>
-                                          </p:stCondLst>
-                                        </p:cTn>
-                                        <p:tgtEl>
-                                          <p:spTgt spid="59"/>
-                                        </p:tgtEl>
-                                        <p:attrNameLst>
-                                          <p:attrName>style.visibility</p:attrName>
-                                        </p:attrNameLst>
-                                      </p:cBhvr>
-                                      <p:to>
-                                        <p:strVal val="visible"/>
-                                      </p:to>
-                                    </p:set>
-                                  </p:childTnLst>
-                                </p:cTn>
-                              </p:par>
-                            </p:childTnLst>
-                          </p:cTn>
-                        </p:par>
-                      </p:childTnLst>
-                    </p:cTn>
-                  </p:par>
-                  <p:par>
-                    <p:cTn id="11" fill="hold">
-                      <p:stCondLst>
-                        <p:cond delay="indefinite"/>
-                      </p:stCondLst>
-                      <p:childTnLst>
-                        <p:par>
-                          <p:cTn id="12" fill="hold">
-                            <p:stCondLst>
-                              <p:cond delay="0"/>
-                            </p:stCondLst>
-                            <p:childTnLst>
-                              <p:par>
-                                <p:cTn id="13" presetID="1" presetClass="entr" presetSubtype="0" fill="hold" nodeType="clickEffect">
-                                  <p:stCondLst>
-                                    <p:cond delay="0"/>
-                                  </p:stCondLst>
-                                  <p:childTnLst>
-                                    <p:set>
-                                      <p:cBhvr>
-                                        <p:cTn id="14" dur="1" fill="hold">
-                                          <p:stCondLst>
-                                            <p:cond delay="0"/>
-                                          </p:stCondLst>
-                                        </p:cTn>
-                                        <p:tgtEl>
-                                          <p:spTgt spid="64"/>
-                                        </p:tgtEl>
-                                        <p:attrNameLst>
-                                          <p:attrName>style.visibility</p:attrName>
-                                        </p:attrNameLst>
-                                      </p:cBhvr>
-                                      <p:to>
-                                        <p:strVal val="visible"/>
-                                      </p:to>
-                                    </p:set>
-                                  </p:childTnLst>
-                                </p:cTn>
-                              </p:par>
-                            </p:childTnLst>
-                          </p:cTn>
-                        </p:par>
-                      </p:childTnLst>
-                    </p:cTn>
-                  </p:par>
-                  <p:par>
-                    <p:cTn id="15" fill="hold">
-                      <p:stCondLst>
-                        <p:cond delay="indefinite"/>
-                      </p:stCondLst>
-                      <p:childTnLst>
-                        <p:par>
-                          <p:cTn id="16" fill="hold">
-                            <p:stCondLst>
-                              <p:cond delay="0"/>
-                            </p:stCondLst>
-                            <p:childTnLst>
-                              <p:par>
-                                <p:cTn id="17" presetID="1" presetClass="entr" presetSubtype="0" fill="hold" nodeType="clickEffect">
-                                  <p:stCondLst>
-                                    <p:cond delay="0"/>
-                                  </p:stCondLst>
-                                  <p:childTnLst>
-                                    <p:set>
-                                      <p:cBhvr>
-                                        <p:cTn id="18" dur="1" fill="hold">
-                                          <p:stCondLst>
-                                            <p:cond delay="0"/>
-                                          </p:stCondLst>
-                                        </p:cTn>
-                                        <p:tgtEl>
-                                          <p:spTgt spid="32"/>
-                                        </p:tgtEl>
-                                        <p:attrNameLst>
-                                          <p:attrName>style.visibility</p:attrName>
-                                        </p:attrNameLst>
-                                      </p:cBhvr>
-                                      <p:to>
-                                        <p:strVal val="visible"/>
-                                      </p:to>
-                                    </p:set>
-                                  </p:childTnLst>
-                                </p:cTn>
-                              </p:par>
-                            </p:childTnLst>
-                          </p:cTn>
-                        </p:par>
-                      </p:childTnLst>
-                    </p:cTn>
-                  </p:par>
-                  <p:par>
-                    <p:cTn id="19" fill="hold">
-                      <p:stCondLst>
-                        <p:cond delay="indefinite"/>
-                      </p:stCondLst>
-                      <p:childTnLst>
-                        <p:par>
-                          <p:cTn id="20" fill="hold">
-                            <p:stCondLst>
-                              <p:cond delay="0"/>
-                            </p:stCondLst>
-                            <p:childTnLst>
-                              <p:par>
-                                <p:cTn id="21" presetID="1" presetClass="entr" presetSubtype="0" fill="hold" nodeType="clickEffect">
-                                  <p:stCondLst>
-                                    <p:cond delay="0"/>
-                                  </p:stCondLst>
-                                  <p:childTnLst>
-                                    <p:set>
-                                      <p:cBhvr>
-                                        <p:cTn id="22" dur="1" fill="hold">
-                                          <p:stCondLst>
-                                            <p:cond delay="0"/>
-                                          </p:stCondLst>
-                                        </p:cTn>
-                                        <p:tgtEl>
-                                          <p:spTgt spid="63"/>
-                                        </p:tgtEl>
-                                        <p:attrNameLst>
-                                          <p:attrName>style.visibility</p:attrName>
-                                        </p:attrNameLst>
-                                      </p:cBhvr>
-                                      <p:to>
-                                        <p:strVal val="visible"/>
-                                      </p:to>
-                                    </p:set>
-                                  </p:childTnLst>
-                                </p:cTn>
-                              </p:par>
-                            </p:childTnLst>
-                          </p:cTn>
-                        </p:par>
-                      </p:childTnLst>
-                    </p:cTn>
-                  </p:par>
-                  <p:par>
-                    <p:cTn id="23" fill="hold">
-                      <p:stCondLst>
-                        <p:cond delay="indefinite"/>
-                      </p:stCondLst>
-                      <p:childTnLst>
-                        <p:par>
-                          <p:cTn id="24" fill="hold">
-                            <p:stCondLst>
-                              <p:cond delay="0"/>
-                            </p:stCondLst>
-                            <p:childTnLst>
-                              <p:par>
-                                <p:cTn id="25" presetID="1" presetClass="entr" presetSubtype="0" fill="hold" nodeType="clickEffect">
-                                  <p:stCondLst>
-                                    <p:cond delay="0"/>
-                                  </p:stCondLst>
-                                  <p:childTnLst>
-                                    <p:set>
-                                      <p:cBhvr>
-                                        <p:cTn id="26" dur="1" fill="hold">
-                                          <p:stCondLst>
-                                            <p:cond delay="0"/>
-                                          </p:stCondLst>
-                                        </p:cTn>
-                                        <p:tgtEl>
-                                          <p:spTgt spid="62"/>
-                                        </p:tgtEl>
-                                        <p:attrNameLst>
-                                          <p:attrName>style.visibility</p:attrName>
-                                        </p:attrNameLst>
-                                      </p:cBhvr>
-                                      <p:to>
-                                        <p:strVal val="visible"/>
-                                      </p:to>
-                                    </p:set>
-                                  </p:childTnLst>
-                                </p:cTn>
-                              </p:par>
-                            </p:childTnLst>
-                          </p:cTn>
-                        </p:par>
-                      </p:childTnLst>
-                    </p:cTn>
-                  </p:par>
-                  <p:par>
-                    <p:cTn id="27" fill="hold">
-                      <p:stCondLst>
-                        <p:cond delay="indefinite"/>
-                      </p:stCondLst>
-                      <p:childTnLst>
-                        <p:par>
-                          <p:cTn id="28" fill="hold">
-                            <p:stCondLst>
-                              <p:cond delay="0"/>
-                            </p:stCondLst>
-                            <p:childTnLst>
-                              <p:par>
-                                <p:cTn id="29" presetID="1" presetClass="entr" presetSubtype="0" fill="hold" nodeType="clickEffect">
-                                  <p:stCondLst>
-                                    <p:cond delay="0"/>
-                                  </p:stCondLst>
-                                  <p:childTnLst>
-                                    <p:set>
-                                      <p:cBhvr>
-                                        <p:cTn id="30" dur="1" fill="hold">
-                                          <p:stCondLst>
-                                            <p:cond delay="0"/>
-                                          </p:stCondLst>
-                                        </p:cTn>
-                                        <p:tgtEl>
-                                          <p:spTgt spid="61"/>
-                                        </p:tgtEl>
-                                        <p:attrNameLst>
-                                          <p:attrName>style.visibility</p:attrName>
-                                        </p:attrNameLst>
-                                      </p:cBhvr>
-                                      <p:to>
-                                        <p:strVal val="visible"/>
-                                      </p:to>
-                                    </p:set>
-                                  </p:childTnLst>
-                                </p:cTn>
-                              </p:par>
-                            </p:childTnLst>
-                          </p:cTn>
-                        </p:par>
-                      </p:childTnLst>
-                    </p:cTn>
-                  </p:par>
-                </p:childTnLst>
-              </p:cTn>
-              <p:prevCondLst>
-                <p:cond evt="onPrev" delay="0">
-                  <p:tgtEl>
-                    <p:sldTgt/>
-                  </p:tgtEl>
-                </p:cond>
-              </p:prevCondLst>
-              <p:nextCondLst>
-                <p:cond evt="onNext" delay="0">
-                  <p:tgtEl>
-                    <p:sldTgt/>
-                  </p:tgtEl>
-                </p:cond>
-              </p:nextCondLst>
-            </p:seq>
-          </p:childTnLst>
-        </p:cTn>
-      </p:par>
-    </p:tnLst>
-  </p:timing>
-</p:sld>
-</file>
-
-<file path=ppt/slides/slide33.xml><?xml version="1.0" encoding="utf-8"?>
-<p:sld xmlns:a="http://schemas.openxmlformats.org/drawingml/2006/main" xmlns:r="http://schemas.openxmlformats.org/officeDocument/2006/relationships" xmlns:p="http://schemas.openxmlformats.org/presentationml/2006/main">
-  <p:cSld>
-    <p:spTree>
-      <p:nvGrpSpPr>
-        <p:cNvPr id="1" name=""/>
-        <p:cNvGrpSpPr/>
-        <p:nvPr/>
-      </p:nvGrpSpPr>
-      <p:grpSpPr>
-        <a:xfrm>
-          <a:off x="0" y="0"/>
-          <a:ext cx="0" cy="0"/>
-          <a:chOff x="0" y="0"/>
-          <a:chExt cx="0" cy="0"/>
-        </a:xfrm>
-      </p:grpSpPr>
-      <p:sp>
-        <p:nvSpPr>
-          <p:cNvPr id="2" name="Title 1"/>
-          <p:cNvSpPr>
-            <a:spLocks noGrp="1"/>
-          </p:cNvSpPr>
-          <p:nvPr>
-            <p:ph type="title"/>
-          </p:nvPr>
-        </p:nvSpPr>
-        <p:spPr>
-          <a:xfrm>
-            <a:off x="838199" y="365125"/>
-            <a:ext cx="7696201" cy="1325563"/>
-          </a:xfrm>
-        </p:spPr>
-        <p:txBody>
-          <a:bodyPr>
-            <a:noAutofit/>
-          </a:bodyPr>
-          <a:lstStyle/>
-          <a:p>
-            <a:r>
-              <a:rPr lang="en-US" sz="4000" dirty="0"/>
-              <a:t>Executing and testing a P# program</a:t>
-            </a:r>
-          </a:p>
-        </p:txBody>
-      </p:sp>
-      <p:sp>
-        <p:nvSpPr>
-          <p:cNvPr id="6" name="Rectangle 5"/>
-          <p:cNvSpPr/>
-          <p:nvPr/>
-        </p:nvSpPr>
-        <p:spPr>
-          <a:xfrm>
-            <a:off x="428929" y="1572761"/>
-            <a:ext cx="6096000" cy="3554819"/>
-          </a:xfrm>
-          <a:prstGeom prst="rect">
-            <a:avLst/>
-          </a:prstGeom>
-        </p:spPr>
-        <p:txBody>
-          <a:bodyPr>
-            <a:spAutoFit/>
-          </a:bodyPr>
-          <a:lstStyle/>
-          <a:p>
-            <a:r>
-              <a:rPr lang="en-GB" sz="900" dirty="0">
-                <a:solidFill>
-                  <a:srgbClr val="0000FF"/>
-                </a:solidFill>
-                <a:latin typeface="Consolas" panose="020B0609020204030204" pitchFamily="49" charset="0"/>
-              </a:rPr>
-              <a:t>public</a:t>
-            </a:r>
-            <a:r>
-              <a:rPr lang="en-GB" sz="900" dirty="0">
-                <a:solidFill>
-                  <a:srgbClr val="000000"/>
-                </a:solidFill>
-                <a:latin typeface="Consolas" panose="020B0609020204030204" pitchFamily="49" charset="0"/>
-              </a:rPr>
-              <a:t> </a:t>
-            </a:r>
-            <a:r>
-              <a:rPr lang="en-GB" sz="900" dirty="0">
-                <a:solidFill>
-                  <a:srgbClr val="0000FF"/>
-                </a:solidFill>
-                <a:latin typeface="Consolas" panose="020B0609020204030204" pitchFamily="49" charset="0"/>
-              </a:rPr>
-              <a:t>class</a:t>
-            </a:r>
-            <a:r>
-              <a:rPr lang="en-GB" sz="900" dirty="0">
-                <a:solidFill>
-                  <a:srgbClr val="000000"/>
-                </a:solidFill>
-                <a:latin typeface="Consolas" panose="020B0609020204030204" pitchFamily="49" charset="0"/>
-              </a:rPr>
-              <a:t> </a:t>
-            </a:r>
-            <a:r>
-              <a:rPr lang="en-GB" sz="900" dirty="0">
-                <a:solidFill>
-                  <a:srgbClr val="2B91AF"/>
-                </a:solidFill>
-                <a:latin typeface="Consolas" panose="020B0609020204030204" pitchFamily="49" charset="0"/>
-              </a:rPr>
-              <a:t>Program</a:t>
-            </a:r>
-            <a:endParaRPr lang="en-GB" sz="900" dirty="0">
-              <a:solidFill>
-                <a:srgbClr val="000000"/>
-              </a:solidFill>
-              <a:latin typeface="Consolas" panose="020B0609020204030204" pitchFamily="49" charset="0"/>
-            </a:endParaRPr>
-          </a:p>
-          <a:p>
-            <a:r>
-              <a:rPr lang="en-GB" sz="900" dirty="0">
-                <a:solidFill>
-                  <a:srgbClr val="000000"/>
-                </a:solidFill>
-                <a:latin typeface="Consolas" panose="020B0609020204030204" pitchFamily="49" charset="0"/>
-              </a:rPr>
-              <a:t>{</a:t>
-            </a:r>
-          </a:p>
-          <a:p>
-            <a:r>
-              <a:rPr lang="en-GB" sz="900" dirty="0">
-                <a:solidFill>
-                  <a:srgbClr val="000000"/>
-                </a:solidFill>
-                <a:latin typeface="Consolas" panose="020B0609020204030204" pitchFamily="49" charset="0"/>
-              </a:rPr>
-              <a:t>    </a:t>
-            </a:r>
-            <a:r>
-              <a:rPr lang="en-GB" sz="900" dirty="0">
-                <a:solidFill>
-                  <a:srgbClr val="0000FF"/>
-                </a:solidFill>
-                <a:latin typeface="Consolas" panose="020B0609020204030204" pitchFamily="49" charset="0"/>
-              </a:rPr>
-              <a:t>public</a:t>
-            </a:r>
-            <a:r>
-              <a:rPr lang="en-GB" sz="900" dirty="0">
-                <a:solidFill>
-                  <a:srgbClr val="000000"/>
-                </a:solidFill>
-                <a:latin typeface="Consolas" panose="020B0609020204030204" pitchFamily="49" charset="0"/>
-              </a:rPr>
-              <a:t> </a:t>
-            </a:r>
-            <a:r>
-              <a:rPr lang="en-GB" sz="900" dirty="0">
-                <a:solidFill>
-                  <a:srgbClr val="0000FF"/>
-                </a:solidFill>
-                <a:latin typeface="Consolas" panose="020B0609020204030204" pitchFamily="49" charset="0"/>
-              </a:rPr>
-              <a:t>static</a:t>
-            </a:r>
-            <a:r>
-              <a:rPr lang="en-GB" sz="900" dirty="0">
-                <a:solidFill>
-                  <a:srgbClr val="000000"/>
-                </a:solidFill>
-                <a:latin typeface="Consolas" panose="020B0609020204030204" pitchFamily="49" charset="0"/>
-              </a:rPr>
-              <a:t> </a:t>
-            </a:r>
-            <a:r>
-              <a:rPr lang="en-GB" sz="900" dirty="0">
-                <a:solidFill>
-                  <a:srgbClr val="0000FF"/>
-                </a:solidFill>
-                <a:latin typeface="Consolas" panose="020B0609020204030204" pitchFamily="49" charset="0"/>
-              </a:rPr>
-              <a:t>void</a:t>
-            </a:r>
-            <a:r>
-              <a:rPr lang="en-GB" sz="900" dirty="0">
-                <a:solidFill>
-                  <a:srgbClr val="000000"/>
-                </a:solidFill>
-                <a:latin typeface="Consolas" panose="020B0609020204030204" pitchFamily="49" charset="0"/>
-              </a:rPr>
-              <a:t> Main(</a:t>
-            </a:r>
-            <a:r>
-              <a:rPr lang="en-GB" sz="900" dirty="0">
-                <a:solidFill>
-                  <a:srgbClr val="0000FF"/>
-                </a:solidFill>
-                <a:latin typeface="Consolas" panose="020B0609020204030204" pitchFamily="49" charset="0"/>
-              </a:rPr>
-              <a:t>string</a:t>
-            </a:r>
-            <a:r>
-              <a:rPr lang="en-GB" sz="900" dirty="0">
-                <a:solidFill>
-                  <a:srgbClr val="000000"/>
-                </a:solidFill>
-                <a:latin typeface="Consolas" panose="020B0609020204030204" pitchFamily="49" charset="0"/>
-              </a:rPr>
-              <a:t>[] </a:t>
-            </a:r>
-            <a:r>
-              <a:rPr lang="en-GB" sz="900" dirty="0" err="1">
-                <a:solidFill>
-                  <a:srgbClr val="000000"/>
-                </a:solidFill>
-                <a:latin typeface="Consolas" panose="020B0609020204030204" pitchFamily="49" charset="0"/>
-              </a:rPr>
-              <a:t>args</a:t>
-            </a:r>
-            <a:r>
-              <a:rPr lang="en-GB" sz="900" dirty="0">
-                <a:solidFill>
-                  <a:srgbClr val="000000"/>
-                </a:solidFill>
-                <a:latin typeface="Consolas" panose="020B0609020204030204" pitchFamily="49" charset="0"/>
-              </a:rPr>
-              <a:t>)</a:t>
-            </a:r>
-          </a:p>
-          <a:p>
-            <a:r>
-              <a:rPr lang="en-GB" sz="900" dirty="0">
-                <a:solidFill>
-                  <a:srgbClr val="000000"/>
-                </a:solidFill>
-                <a:latin typeface="Consolas" panose="020B0609020204030204" pitchFamily="49" charset="0"/>
-              </a:rPr>
-              <a:t>    {</a:t>
-            </a:r>
-          </a:p>
-          <a:p>
-            <a:r>
-              <a:rPr lang="en-GB" sz="900" dirty="0">
-                <a:solidFill>
-                  <a:srgbClr val="000000"/>
-                </a:solidFill>
-                <a:latin typeface="Consolas" panose="020B0609020204030204" pitchFamily="49" charset="0"/>
-              </a:rPr>
-              <a:t>        </a:t>
-            </a:r>
-            <a:r>
-              <a:rPr lang="en-GB" sz="900" dirty="0">
-                <a:solidFill>
-                  <a:srgbClr val="008000"/>
-                </a:solidFill>
-                <a:latin typeface="Consolas" panose="020B0609020204030204" pitchFamily="49" charset="0"/>
-              </a:rPr>
-              <a:t>// Creates a new P# runtime instance.</a:t>
-            </a:r>
-            <a:endParaRPr lang="en-GB" sz="900" dirty="0">
-              <a:solidFill>
-                <a:srgbClr val="000000"/>
-              </a:solidFill>
-              <a:latin typeface="Consolas" panose="020B0609020204030204" pitchFamily="49" charset="0"/>
-            </a:endParaRPr>
-          </a:p>
-          <a:p>
-            <a:r>
-              <a:rPr lang="en-GB" sz="900" dirty="0">
-                <a:solidFill>
-                  <a:srgbClr val="000000"/>
-                </a:solidFill>
-                <a:latin typeface="Consolas" panose="020B0609020204030204" pitchFamily="49" charset="0"/>
-              </a:rPr>
-              <a:t>        </a:t>
-            </a:r>
-            <a:r>
-              <a:rPr lang="en-GB" sz="900" dirty="0" err="1">
-                <a:solidFill>
-                  <a:srgbClr val="0000FF"/>
-                </a:solidFill>
-                <a:latin typeface="Consolas" panose="020B0609020204030204" pitchFamily="49" charset="0"/>
-              </a:rPr>
-              <a:t>var</a:t>
-            </a:r>
-            <a:r>
-              <a:rPr lang="en-GB" sz="900" dirty="0">
-                <a:solidFill>
-                  <a:srgbClr val="000000"/>
-                </a:solidFill>
-                <a:latin typeface="Consolas" panose="020B0609020204030204" pitchFamily="49" charset="0"/>
-              </a:rPr>
-              <a:t> runtime = </a:t>
-            </a:r>
-            <a:r>
-              <a:rPr lang="en-GB" sz="900" dirty="0" err="1">
-                <a:solidFill>
-                  <a:srgbClr val="2B91AF"/>
-                </a:solidFill>
-                <a:latin typeface="Consolas" panose="020B0609020204030204" pitchFamily="49" charset="0"/>
-              </a:rPr>
-              <a:t>PSharpRuntime</a:t>
-            </a:r>
-            <a:r>
-              <a:rPr lang="en-GB" sz="900" dirty="0" err="1">
-                <a:solidFill>
-                  <a:srgbClr val="000000"/>
-                </a:solidFill>
-                <a:latin typeface="Consolas" panose="020B0609020204030204" pitchFamily="49" charset="0"/>
-              </a:rPr>
-              <a:t>.Create</a:t>
-            </a:r>
-            <a:r>
-              <a:rPr lang="en-GB" sz="900" dirty="0">
-                <a:solidFill>
-                  <a:srgbClr val="000000"/>
-                </a:solidFill>
-                <a:latin typeface="Consolas" panose="020B0609020204030204" pitchFamily="49" charset="0"/>
-              </a:rPr>
-              <a:t>();</a:t>
-            </a:r>
-          </a:p>
-          <a:p>
-            <a:endParaRPr lang="en-GB" sz="900" dirty="0">
-              <a:solidFill>
-                <a:srgbClr val="000000"/>
-              </a:solidFill>
-              <a:latin typeface="Consolas" panose="020B0609020204030204" pitchFamily="49" charset="0"/>
-            </a:endParaRPr>
-          </a:p>
-          <a:p>
-            <a:r>
-              <a:rPr lang="en-GB" sz="900" dirty="0">
-                <a:solidFill>
-                  <a:srgbClr val="000000"/>
-                </a:solidFill>
-                <a:latin typeface="Consolas" panose="020B0609020204030204" pitchFamily="49" charset="0"/>
-              </a:rPr>
-              <a:t>        </a:t>
-            </a:r>
-            <a:r>
-              <a:rPr lang="en-GB" sz="900" dirty="0">
-                <a:solidFill>
-                  <a:srgbClr val="008000"/>
-                </a:solidFill>
-                <a:latin typeface="Consolas" panose="020B0609020204030204" pitchFamily="49" charset="0"/>
-              </a:rPr>
-              <a:t>// Executes the P# program.</a:t>
-            </a:r>
-            <a:endParaRPr lang="en-GB" sz="900" dirty="0">
-              <a:solidFill>
-                <a:srgbClr val="000000"/>
-              </a:solidFill>
-              <a:latin typeface="Consolas" panose="020B0609020204030204" pitchFamily="49" charset="0"/>
-            </a:endParaRPr>
-          </a:p>
-          <a:p>
-            <a:r>
-              <a:rPr lang="en-GB" sz="900" dirty="0">
-                <a:solidFill>
-                  <a:srgbClr val="000000"/>
-                </a:solidFill>
-                <a:latin typeface="Consolas" panose="020B0609020204030204" pitchFamily="49" charset="0"/>
-              </a:rPr>
-              <a:t>        </a:t>
-            </a:r>
-            <a:r>
-              <a:rPr lang="en-GB" sz="900" dirty="0" err="1">
-                <a:solidFill>
-                  <a:srgbClr val="2B91AF"/>
-                </a:solidFill>
-                <a:latin typeface="Consolas" panose="020B0609020204030204" pitchFamily="49" charset="0"/>
-              </a:rPr>
-              <a:t>Program</a:t>
-            </a:r>
-            <a:r>
-              <a:rPr lang="en-GB" sz="900" dirty="0" err="1">
-                <a:solidFill>
-                  <a:srgbClr val="000000"/>
-                </a:solidFill>
-                <a:latin typeface="Consolas" panose="020B0609020204030204" pitchFamily="49" charset="0"/>
-              </a:rPr>
-              <a:t>.Execute</a:t>
-            </a:r>
-            <a:r>
-              <a:rPr lang="en-GB" sz="900" dirty="0">
-                <a:solidFill>
-                  <a:srgbClr val="000000"/>
-                </a:solidFill>
-                <a:latin typeface="Consolas" panose="020B0609020204030204" pitchFamily="49" charset="0"/>
-              </a:rPr>
-              <a:t>(runtime);</a:t>
-            </a:r>
-          </a:p>
-          <a:p>
-            <a:endParaRPr lang="en-GB" sz="900" dirty="0">
-              <a:solidFill>
-                <a:srgbClr val="000000"/>
-              </a:solidFill>
-              <a:latin typeface="Consolas" panose="020B0609020204030204" pitchFamily="49" charset="0"/>
-            </a:endParaRPr>
-          </a:p>
-          <a:p>
-            <a:r>
-              <a:rPr lang="en-GB" sz="900" dirty="0">
-                <a:solidFill>
-                  <a:srgbClr val="000000"/>
-                </a:solidFill>
-                <a:latin typeface="Consolas" panose="020B0609020204030204" pitchFamily="49" charset="0"/>
-              </a:rPr>
-              <a:t>        </a:t>
-            </a:r>
-            <a:r>
-              <a:rPr lang="en-GB" sz="900" dirty="0">
-                <a:solidFill>
-                  <a:srgbClr val="008000"/>
-                </a:solidFill>
-                <a:latin typeface="Consolas" panose="020B0609020204030204" pitchFamily="49" charset="0"/>
-              </a:rPr>
-              <a:t>// The P# runtime executes asynchronously, so we wait</a:t>
-            </a:r>
-            <a:endParaRPr lang="en-GB" sz="900" dirty="0">
-              <a:solidFill>
-                <a:srgbClr val="000000"/>
-              </a:solidFill>
-              <a:latin typeface="Consolas" panose="020B0609020204030204" pitchFamily="49" charset="0"/>
-            </a:endParaRPr>
-          </a:p>
-          <a:p>
-            <a:r>
-              <a:rPr lang="en-GB" sz="900" dirty="0">
-                <a:solidFill>
-                  <a:srgbClr val="000000"/>
-                </a:solidFill>
-                <a:latin typeface="Consolas" panose="020B0609020204030204" pitchFamily="49" charset="0"/>
-              </a:rPr>
-              <a:t>        </a:t>
-            </a:r>
-            <a:r>
-              <a:rPr lang="en-GB" sz="900" dirty="0">
-                <a:solidFill>
-                  <a:srgbClr val="008000"/>
-                </a:solidFill>
-                <a:latin typeface="Consolas" panose="020B0609020204030204" pitchFamily="49" charset="0"/>
-              </a:rPr>
-              <a:t>// to not terminate the process.</a:t>
-            </a:r>
-            <a:endParaRPr lang="en-GB" sz="900" dirty="0">
-              <a:solidFill>
-                <a:srgbClr val="000000"/>
-              </a:solidFill>
-              <a:latin typeface="Consolas" panose="020B0609020204030204" pitchFamily="49" charset="0"/>
-            </a:endParaRPr>
-          </a:p>
-          <a:p>
-            <a:r>
-              <a:rPr lang="en-GB" sz="900" dirty="0">
-                <a:solidFill>
-                  <a:srgbClr val="000000"/>
-                </a:solidFill>
-                <a:latin typeface="Consolas" panose="020B0609020204030204" pitchFamily="49" charset="0"/>
-              </a:rPr>
-              <a:t>        </a:t>
-            </a:r>
-            <a:r>
-              <a:rPr lang="en-GB" sz="900" dirty="0" err="1">
-                <a:solidFill>
-                  <a:srgbClr val="2B91AF"/>
-                </a:solidFill>
-                <a:latin typeface="Consolas" panose="020B0609020204030204" pitchFamily="49" charset="0"/>
-              </a:rPr>
-              <a:t>Console</a:t>
-            </a:r>
-            <a:r>
-              <a:rPr lang="en-GB" sz="900" dirty="0" err="1">
-                <a:solidFill>
-                  <a:srgbClr val="000000"/>
-                </a:solidFill>
-                <a:latin typeface="Consolas" panose="020B0609020204030204" pitchFamily="49" charset="0"/>
-              </a:rPr>
-              <a:t>.WriteLine</a:t>
-            </a:r>
-            <a:r>
-              <a:rPr lang="en-GB" sz="900" dirty="0">
-                <a:solidFill>
-                  <a:srgbClr val="000000"/>
-                </a:solidFill>
-                <a:latin typeface="Consolas" panose="020B0609020204030204" pitchFamily="49" charset="0"/>
-              </a:rPr>
-              <a:t>(</a:t>
-            </a:r>
-            <a:r>
-              <a:rPr lang="en-GB" sz="900" dirty="0">
-                <a:solidFill>
-                  <a:srgbClr val="A31515"/>
-                </a:solidFill>
-                <a:latin typeface="Consolas" panose="020B0609020204030204" pitchFamily="49" charset="0"/>
-              </a:rPr>
-              <a:t>"Press Enter to terminate..."</a:t>
-            </a:r>
-            <a:r>
-              <a:rPr lang="en-GB" sz="900" dirty="0">
-                <a:solidFill>
-                  <a:srgbClr val="000000"/>
-                </a:solidFill>
-                <a:latin typeface="Consolas" panose="020B0609020204030204" pitchFamily="49" charset="0"/>
-              </a:rPr>
-              <a:t>);</a:t>
-            </a:r>
-          </a:p>
-          <a:p>
-            <a:r>
-              <a:rPr lang="en-GB" sz="900" dirty="0">
-                <a:solidFill>
-                  <a:srgbClr val="000000"/>
-                </a:solidFill>
-                <a:latin typeface="Consolas" panose="020B0609020204030204" pitchFamily="49" charset="0"/>
-              </a:rPr>
-              <a:t>        </a:t>
-            </a:r>
-            <a:r>
-              <a:rPr lang="en-GB" sz="900" dirty="0" err="1">
-                <a:solidFill>
-                  <a:srgbClr val="2B91AF"/>
-                </a:solidFill>
-                <a:latin typeface="Consolas" panose="020B0609020204030204" pitchFamily="49" charset="0"/>
-              </a:rPr>
-              <a:t>Console</a:t>
-            </a:r>
-            <a:r>
-              <a:rPr lang="en-GB" sz="900" dirty="0" err="1">
-                <a:solidFill>
-                  <a:srgbClr val="000000"/>
-                </a:solidFill>
-                <a:latin typeface="Consolas" panose="020B0609020204030204" pitchFamily="49" charset="0"/>
-              </a:rPr>
-              <a:t>.ReadLine</a:t>
-            </a:r>
-            <a:r>
-              <a:rPr lang="en-GB" sz="900" dirty="0">
-                <a:solidFill>
-                  <a:srgbClr val="000000"/>
-                </a:solidFill>
-                <a:latin typeface="Consolas" panose="020B0609020204030204" pitchFamily="49" charset="0"/>
-              </a:rPr>
-              <a:t>();</a:t>
-            </a:r>
-          </a:p>
-          <a:p>
-            <a:r>
-              <a:rPr lang="en-GB" sz="900" dirty="0">
-                <a:solidFill>
-                  <a:srgbClr val="000000"/>
-                </a:solidFill>
-                <a:latin typeface="Consolas" panose="020B0609020204030204" pitchFamily="49" charset="0"/>
-              </a:rPr>
-              <a:t>    }</a:t>
-            </a:r>
-          </a:p>
-          <a:p>
-            <a:endParaRPr lang="en-GB" sz="900" dirty="0">
-              <a:solidFill>
-                <a:srgbClr val="000000"/>
-              </a:solidFill>
-              <a:latin typeface="Consolas" panose="020B0609020204030204" pitchFamily="49" charset="0"/>
-            </a:endParaRPr>
-          </a:p>
-          <a:p>
-            <a:r>
-              <a:rPr lang="en-GB" sz="900" dirty="0">
-                <a:solidFill>
-                  <a:srgbClr val="000000"/>
-                </a:solidFill>
-                <a:latin typeface="Consolas" panose="020B0609020204030204" pitchFamily="49" charset="0"/>
-              </a:rPr>
-              <a:t>    </a:t>
-            </a:r>
-          </a:p>
-          <a:p>
-            <a:endParaRPr lang="en-GB" sz="900" dirty="0">
-              <a:solidFill>
-                <a:srgbClr val="000000"/>
-              </a:solidFill>
-              <a:latin typeface="Consolas" panose="020B0609020204030204" pitchFamily="49" charset="0"/>
-            </a:endParaRPr>
-          </a:p>
-          <a:p>
-            <a:endParaRPr lang="en-GB" sz="900" dirty="0">
-              <a:solidFill>
-                <a:srgbClr val="000000"/>
-              </a:solidFill>
-              <a:latin typeface="Consolas" panose="020B0609020204030204" pitchFamily="49" charset="0"/>
-            </a:endParaRPr>
-          </a:p>
-          <a:p>
-            <a:r>
-              <a:rPr lang="en-GB" sz="900" dirty="0">
-                <a:solidFill>
-                  <a:srgbClr val="000000"/>
-                </a:solidFill>
-                <a:latin typeface="Consolas" panose="020B0609020204030204" pitchFamily="49" charset="0"/>
-              </a:rPr>
-              <a:t>    [</a:t>
-            </a:r>
-            <a:r>
-              <a:rPr lang="en-GB" sz="900" dirty="0" err="1">
-                <a:solidFill>
-                  <a:srgbClr val="000000"/>
-                </a:solidFill>
-                <a:latin typeface="Consolas" panose="020B0609020204030204" pitchFamily="49" charset="0"/>
-              </a:rPr>
-              <a:t>Microsoft.PSharp.</a:t>
-            </a:r>
-            <a:r>
-              <a:rPr lang="en-GB" sz="900" dirty="0" err="1">
-                <a:solidFill>
-                  <a:srgbClr val="2B91AF"/>
-                </a:solidFill>
-                <a:latin typeface="Consolas" panose="020B0609020204030204" pitchFamily="49" charset="0"/>
-              </a:rPr>
-              <a:t>Test</a:t>
-            </a:r>
-            <a:r>
-              <a:rPr lang="en-GB" sz="900" dirty="0">
-                <a:solidFill>
-                  <a:srgbClr val="000000"/>
-                </a:solidFill>
-                <a:latin typeface="Consolas" panose="020B0609020204030204" pitchFamily="49" charset="0"/>
-              </a:rPr>
-              <a:t>]</a:t>
-            </a:r>
-          </a:p>
-          <a:p>
-            <a:r>
-              <a:rPr lang="en-GB" sz="900" dirty="0">
-                <a:solidFill>
-                  <a:srgbClr val="000000"/>
-                </a:solidFill>
-                <a:latin typeface="Consolas" panose="020B0609020204030204" pitchFamily="49" charset="0"/>
-              </a:rPr>
-              <a:t>    </a:t>
-            </a:r>
-            <a:r>
-              <a:rPr lang="en-GB" sz="900" dirty="0">
-                <a:solidFill>
-                  <a:srgbClr val="0000FF"/>
-                </a:solidFill>
-                <a:latin typeface="Consolas" panose="020B0609020204030204" pitchFamily="49" charset="0"/>
-              </a:rPr>
-              <a:t>public</a:t>
-            </a:r>
-            <a:r>
-              <a:rPr lang="en-GB" sz="900" dirty="0">
-                <a:solidFill>
-                  <a:srgbClr val="000000"/>
-                </a:solidFill>
-                <a:latin typeface="Consolas" panose="020B0609020204030204" pitchFamily="49" charset="0"/>
-              </a:rPr>
-              <a:t> </a:t>
-            </a:r>
-            <a:r>
-              <a:rPr lang="en-GB" sz="900" dirty="0">
-                <a:solidFill>
-                  <a:srgbClr val="0000FF"/>
-                </a:solidFill>
-                <a:latin typeface="Consolas" panose="020B0609020204030204" pitchFamily="49" charset="0"/>
-              </a:rPr>
-              <a:t>static</a:t>
-            </a:r>
-            <a:r>
-              <a:rPr lang="en-GB" sz="900" dirty="0">
-                <a:solidFill>
-                  <a:srgbClr val="000000"/>
-                </a:solidFill>
-                <a:latin typeface="Consolas" panose="020B0609020204030204" pitchFamily="49" charset="0"/>
-              </a:rPr>
-              <a:t> </a:t>
-            </a:r>
-            <a:r>
-              <a:rPr lang="en-GB" sz="900" dirty="0">
-                <a:solidFill>
-                  <a:srgbClr val="0000FF"/>
-                </a:solidFill>
-                <a:latin typeface="Consolas" panose="020B0609020204030204" pitchFamily="49" charset="0"/>
-              </a:rPr>
-              <a:t>void</a:t>
-            </a:r>
-            <a:r>
-              <a:rPr lang="en-GB" sz="900" dirty="0">
-                <a:solidFill>
-                  <a:srgbClr val="000000"/>
-                </a:solidFill>
-                <a:latin typeface="Consolas" panose="020B0609020204030204" pitchFamily="49" charset="0"/>
-              </a:rPr>
-              <a:t> Execute(</a:t>
-            </a:r>
-            <a:r>
-              <a:rPr lang="en-GB" sz="900" dirty="0" err="1">
-                <a:solidFill>
-                  <a:srgbClr val="2B91AF"/>
-                </a:solidFill>
-                <a:latin typeface="Consolas" panose="020B0609020204030204" pitchFamily="49" charset="0"/>
-              </a:rPr>
-              <a:t>PSharpRuntime</a:t>
-            </a:r>
-            <a:r>
-              <a:rPr lang="en-GB" sz="900" dirty="0">
-                <a:solidFill>
-                  <a:srgbClr val="000000"/>
-                </a:solidFill>
-                <a:latin typeface="Consolas" panose="020B0609020204030204" pitchFamily="49" charset="0"/>
-              </a:rPr>
-              <a:t> runtime)</a:t>
-            </a:r>
-          </a:p>
-          <a:p>
-            <a:r>
-              <a:rPr lang="en-GB" sz="900" dirty="0">
-                <a:solidFill>
-                  <a:srgbClr val="000000"/>
-                </a:solidFill>
-                <a:latin typeface="Consolas" panose="020B0609020204030204" pitchFamily="49" charset="0"/>
-              </a:rPr>
-              <a:t>    {</a:t>
-            </a:r>
-          </a:p>
-          <a:p>
-            <a:r>
-              <a:rPr lang="en-GB" sz="900" dirty="0">
-                <a:solidFill>
-                  <a:srgbClr val="000000"/>
-                </a:solidFill>
-                <a:latin typeface="Consolas" panose="020B0609020204030204" pitchFamily="49" charset="0"/>
-              </a:rPr>
-              <a:t>        </a:t>
-            </a:r>
-            <a:r>
-              <a:rPr lang="en-GB" sz="900" dirty="0" err="1">
-                <a:solidFill>
-                  <a:srgbClr val="000000"/>
-                </a:solidFill>
-                <a:latin typeface="Consolas" panose="020B0609020204030204" pitchFamily="49" charset="0"/>
-              </a:rPr>
-              <a:t>runtime.CreateMachine</a:t>
-            </a:r>
-            <a:r>
-              <a:rPr lang="en-GB" sz="900" dirty="0">
-                <a:solidFill>
-                  <a:srgbClr val="000000"/>
-                </a:solidFill>
-                <a:latin typeface="Consolas" panose="020B0609020204030204" pitchFamily="49" charset="0"/>
-              </a:rPr>
-              <a:t>(</a:t>
-            </a:r>
-            <a:r>
-              <a:rPr lang="en-GB" sz="900" dirty="0" err="1">
-                <a:solidFill>
-                  <a:srgbClr val="0000FF"/>
-                </a:solidFill>
-                <a:latin typeface="Consolas" panose="020B0609020204030204" pitchFamily="49" charset="0"/>
-              </a:rPr>
-              <a:t>typeof</a:t>
-            </a:r>
-            <a:r>
-              <a:rPr lang="en-GB" sz="900" dirty="0">
-                <a:solidFill>
-                  <a:srgbClr val="000000"/>
-                </a:solidFill>
-                <a:latin typeface="Consolas" panose="020B0609020204030204" pitchFamily="49" charset="0"/>
-              </a:rPr>
-              <a:t>(</a:t>
-            </a:r>
-            <a:r>
-              <a:rPr lang="en-GB" sz="900" dirty="0">
-                <a:solidFill>
-                  <a:srgbClr val="2B91AF"/>
-                </a:solidFill>
-                <a:latin typeface="Consolas" panose="020B0609020204030204" pitchFamily="49" charset="0"/>
-              </a:rPr>
-              <a:t>Environment</a:t>
-            </a:r>
-            <a:r>
-              <a:rPr lang="en-GB" sz="900" dirty="0">
-                <a:solidFill>
-                  <a:srgbClr val="000000"/>
-                </a:solidFill>
-                <a:latin typeface="Consolas" panose="020B0609020204030204" pitchFamily="49" charset="0"/>
-              </a:rPr>
-              <a:t>));</a:t>
-            </a:r>
-          </a:p>
-          <a:p>
-            <a:r>
-              <a:rPr lang="en-GB" sz="900" dirty="0">
-                <a:solidFill>
-                  <a:srgbClr val="000000"/>
-                </a:solidFill>
-                <a:latin typeface="Consolas" panose="020B0609020204030204" pitchFamily="49" charset="0"/>
-              </a:rPr>
-              <a:t>    }</a:t>
-            </a:r>
-          </a:p>
-          <a:p>
-            <a:r>
-              <a:rPr lang="en-GB" sz="900" dirty="0">
-                <a:solidFill>
-                  <a:srgbClr val="000000"/>
-                </a:solidFill>
-                <a:latin typeface="Consolas" panose="020B0609020204030204" pitchFamily="49" charset="0"/>
-              </a:rPr>
-              <a:t>}</a:t>
-            </a:r>
-            <a:endParaRPr lang="en-GB" dirty="0"/>
-          </a:p>
-        </p:txBody>
-      </p:sp>
-      <p:grpSp>
-        <p:nvGrpSpPr>
-          <p:cNvPr id="46" name="Group 45"/>
-          <p:cNvGrpSpPr/>
-          <p:nvPr/>
-        </p:nvGrpSpPr>
-        <p:grpSpPr>
-          <a:xfrm>
-            <a:off x="672281" y="1619894"/>
-            <a:ext cx="10679390" cy="2111449"/>
-            <a:chOff x="8144799" y="2185249"/>
-            <a:chExt cx="10679390" cy="2111449"/>
-          </a:xfrm>
-        </p:grpSpPr>
-        <p:grpSp>
-          <p:nvGrpSpPr>
-            <p:cNvPr id="47" name="Group 46"/>
-            <p:cNvGrpSpPr/>
-            <p:nvPr/>
-          </p:nvGrpSpPr>
-          <p:grpSpPr>
-            <a:xfrm>
-              <a:off x="8144799" y="2432173"/>
-              <a:ext cx="5353459" cy="1864525"/>
-              <a:chOff x="1821426" y="2778825"/>
-              <a:chExt cx="10706938" cy="1864525"/>
-            </a:xfrm>
-          </p:grpSpPr>
-          <p:cxnSp>
-            <p:nvCxnSpPr>
-              <p:cNvPr id="52" name="Straight Arrow Connector 51"/>
-              <p:cNvCxnSpPr>
-                <a:stCxn id="51" idx="1"/>
-              </p:cNvCxnSpPr>
-              <p:nvPr/>
-            </p:nvCxnSpPr>
-            <p:spPr>
-              <a:xfrm flipH="1">
-                <a:off x="9618419" y="3346144"/>
-                <a:ext cx="2909945" cy="363140"/>
-              </a:xfrm>
-              <a:prstGeom prst="straightConnector1">
-                <a:avLst/>
-              </a:prstGeom>
-              <a:ln>
-                <a:solidFill>
-                  <a:schemeClr val="tx1"/>
-                </a:solidFill>
-                <a:tailEnd type="triangle"/>
-              </a:ln>
-            </p:spPr>
-            <p:style>
-              <a:lnRef idx="3">
-                <a:schemeClr val="accent2"/>
-              </a:lnRef>
-              <a:fillRef idx="0">
-                <a:schemeClr val="accent2"/>
-              </a:fillRef>
-              <a:effectRef idx="2">
-                <a:schemeClr val="accent2"/>
-              </a:effectRef>
-              <a:fontRef idx="minor">
-                <a:schemeClr val="tx1"/>
-              </a:fontRef>
-            </p:style>
-          </p:cxnSp>
-          <p:sp>
-            <p:nvSpPr>
-              <p:cNvPr id="65" name="Rectangle 64"/>
-              <p:cNvSpPr/>
-              <p:nvPr/>
-            </p:nvSpPr>
-            <p:spPr>
-              <a:xfrm>
-                <a:off x="1821426" y="2778825"/>
-                <a:ext cx="7671631" cy="1864525"/>
-              </a:xfrm>
-              <a:prstGeom prst="rect">
-                <a:avLst/>
-              </a:prstGeom>
-              <a:noFill/>
-              <a:ln w="19050">
-                <a:solidFill>
-                  <a:schemeClr val="tx1"/>
-                </a:solidFill>
-              </a:ln>
-            </p:spPr>
-            <p:style>
-              <a:lnRef idx="2">
-                <a:schemeClr val="accent2"/>
-              </a:lnRef>
-              <a:fillRef idx="1">
-                <a:schemeClr val="lt1"/>
-              </a:fillRef>
-              <a:effectRef idx="0">
-                <a:schemeClr val="accent2"/>
-              </a:effectRef>
-              <a:fontRef idx="minor">
-                <a:schemeClr val="dk1"/>
-              </a:fontRef>
-            </p:style>
-            <p:txBody>
-              <a:bodyPr rtlCol="0" anchor="ctr"/>
-              <a:lstStyle/>
-              <a:p>
-                <a:pPr algn="ctr"/>
-                <a:endParaRPr lang="en-GB" dirty="0"/>
-              </a:p>
-            </p:txBody>
-          </p:sp>
-        </p:grpSp>
-        <p:sp>
-          <p:nvSpPr>
-            <p:cNvPr id="51" name="TextBox 50"/>
-            <p:cNvSpPr txBox="1"/>
-            <p:nvPr/>
-          </p:nvSpPr>
-          <p:spPr>
-            <a:xfrm>
-              <a:off x="13498258" y="2185249"/>
-              <a:ext cx="5325931" cy="1628485"/>
-            </a:xfrm>
-            <a:prstGeom prst="rect">
-              <a:avLst/>
-            </a:prstGeom>
-            <a:noFill/>
-            <a:ln>
-              <a:noFill/>
-            </a:ln>
-          </p:spPr>
-          <p:txBody>
-            <a:bodyPr wrap="none" lIns="179285" tIns="143428" rIns="179285" bIns="143428" rtlCol="0">
-              <a:spAutoFit/>
-            </a:bodyPr>
-            <a:lstStyle/>
-            <a:p>
-              <a:pPr algn="ctr">
-                <a:lnSpc>
-                  <a:spcPct val="90000"/>
-                </a:lnSpc>
-                <a:spcAft>
-                  <a:spcPts val="588"/>
-                </a:spcAft>
-              </a:pPr>
-              <a:r>
-                <a:rPr lang="en-US" sz="2000" u="sng" dirty="0"/>
-                <a:t>C# Host</a:t>
-              </a:r>
-            </a:p>
-            <a:p>
-              <a:pPr marL="342900" indent="-342900">
-                <a:lnSpc>
-                  <a:spcPct val="90000"/>
-                </a:lnSpc>
-                <a:spcAft>
-                  <a:spcPts val="588"/>
-                </a:spcAft>
-                <a:buFont typeface="Arial" panose="020B0604020202020204" pitchFamily="34" charset="0"/>
-                <a:buChar char="•"/>
-              </a:pPr>
-              <a:r>
-                <a:rPr lang="en-US" sz="2000" dirty="0"/>
-                <a:t>Entry point to a P# program</a:t>
-              </a:r>
-            </a:p>
-            <a:p>
-              <a:pPr marL="342900" indent="-342900">
-                <a:lnSpc>
-                  <a:spcPct val="90000"/>
-                </a:lnSpc>
-                <a:spcAft>
-                  <a:spcPts val="588"/>
-                </a:spcAft>
-                <a:buFont typeface="Arial" panose="020B0604020202020204" pitchFamily="34" charset="0"/>
-                <a:buChar char="•"/>
-              </a:pPr>
-              <a:r>
-                <a:rPr lang="en-US" sz="2000" dirty="0"/>
-                <a:t>Responsible for instantiating the P# runtime</a:t>
-              </a:r>
-            </a:p>
-            <a:p>
-              <a:pPr marL="342900" indent="-342900">
-                <a:lnSpc>
-                  <a:spcPct val="90000"/>
-                </a:lnSpc>
-                <a:spcAft>
-                  <a:spcPts val="588"/>
-                </a:spcAft>
-                <a:buFont typeface="Arial" panose="020B0604020202020204" pitchFamily="34" charset="0"/>
-                <a:buChar char="•"/>
-              </a:pPr>
-              <a:r>
-                <a:rPr lang="en-US" sz="2000" dirty="0"/>
-                <a:t>P# program runs unrestricted for production</a:t>
-              </a:r>
-            </a:p>
-          </p:txBody>
-        </p:sp>
-      </p:grpSp>
-      <p:grpSp>
-        <p:nvGrpSpPr>
-          <p:cNvPr id="67" name="Group 66"/>
-          <p:cNvGrpSpPr/>
-          <p:nvPr/>
-        </p:nvGrpSpPr>
-        <p:grpSpPr>
-          <a:xfrm>
-            <a:off x="721443" y="3568924"/>
-            <a:ext cx="11254247" cy="2813425"/>
-            <a:chOff x="8144799" y="989221"/>
-            <a:chExt cx="11254247" cy="2813425"/>
-          </a:xfrm>
-        </p:grpSpPr>
-        <p:grpSp>
-          <p:nvGrpSpPr>
-            <p:cNvPr id="68" name="Group 67"/>
-            <p:cNvGrpSpPr/>
-            <p:nvPr/>
-          </p:nvGrpSpPr>
-          <p:grpSpPr>
-            <a:xfrm>
-              <a:off x="8144799" y="1606263"/>
-              <a:ext cx="4224182" cy="1102121"/>
-              <a:chOff x="1821426" y="1952915"/>
-              <a:chExt cx="8448380" cy="1102121"/>
-            </a:xfrm>
-          </p:grpSpPr>
-          <p:cxnSp>
-            <p:nvCxnSpPr>
-              <p:cNvPr id="70" name="Straight Arrow Connector 69"/>
-              <p:cNvCxnSpPr>
-                <a:stCxn id="69" idx="1"/>
-              </p:cNvCxnSpPr>
-              <p:nvPr/>
-            </p:nvCxnSpPr>
-            <p:spPr>
-              <a:xfrm flipH="1" flipV="1">
-                <a:off x="8568823" y="2525762"/>
-                <a:ext cx="1700983" cy="216824"/>
-              </a:xfrm>
-              <a:prstGeom prst="straightConnector1">
-                <a:avLst/>
-              </a:prstGeom>
-              <a:ln>
-                <a:solidFill>
-                  <a:schemeClr val="tx1"/>
-                </a:solidFill>
-                <a:tailEnd type="triangle"/>
-              </a:ln>
-            </p:spPr>
-            <p:style>
-              <a:lnRef idx="3">
-                <a:schemeClr val="accent2"/>
-              </a:lnRef>
-              <a:fillRef idx="0">
-                <a:schemeClr val="accent2"/>
-              </a:fillRef>
-              <a:effectRef idx="2">
-                <a:schemeClr val="accent2"/>
-              </a:effectRef>
-              <a:fontRef idx="minor">
-                <a:schemeClr val="tx1"/>
-              </a:fontRef>
-            </p:style>
-          </p:cxnSp>
-          <p:sp>
-            <p:nvSpPr>
-              <p:cNvPr id="71" name="Rectangle 70"/>
-              <p:cNvSpPr/>
-              <p:nvPr/>
-            </p:nvSpPr>
-            <p:spPr>
-              <a:xfrm>
-                <a:off x="1821426" y="1952915"/>
-                <a:ext cx="6599915" cy="1102121"/>
-              </a:xfrm>
-              <a:prstGeom prst="rect">
-                <a:avLst/>
-              </a:prstGeom>
-              <a:noFill/>
-              <a:ln w="19050">
-                <a:solidFill>
-                  <a:schemeClr val="tx1"/>
-                </a:solidFill>
-              </a:ln>
-            </p:spPr>
-            <p:style>
-              <a:lnRef idx="2">
-                <a:schemeClr val="accent2"/>
-              </a:lnRef>
-              <a:fillRef idx="1">
-                <a:schemeClr val="lt1"/>
-              </a:fillRef>
-              <a:effectRef idx="0">
-                <a:schemeClr val="accent2"/>
-              </a:effectRef>
-              <a:fontRef idx="minor">
-                <a:schemeClr val="dk1"/>
-              </a:fontRef>
-            </p:style>
-            <p:txBody>
-              <a:bodyPr rtlCol="0" anchor="ctr"/>
-              <a:lstStyle/>
-              <a:p>
-                <a:pPr algn="ctr"/>
-                <a:endParaRPr lang="en-GB" dirty="0"/>
-              </a:p>
-            </p:txBody>
-          </p:sp>
-        </p:grpSp>
-        <p:sp>
-          <p:nvSpPr>
-            <p:cNvPr id="69" name="TextBox 68"/>
-            <p:cNvSpPr txBox="1"/>
-            <p:nvPr/>
-          </p:nvSpPr>
-          <p:spPr>
-            <a:xfrm>
-              <a:off x="12368981" y="989221"/>
-              <a:ext cx="7030065" cy="2813425"/>
-            </a:xfrm>
-            <a:prstGeom prst="rect">
-              <a:avLst/>
-            </a:prstGeom>
-            <a:noFill/>
-            <a:ln>
-              <a:noFill/>
-            </a:ln>
-          </p:spPr>
-          <p:txBody>
-            <a:bodyPr wrap="square" lIns="179285" tIns="143428" rIns="179285" bIns="143428" rtlCol="0">
-              <a:spAutoFit/>
-            </a:bodyPr>
-            <a:lstStyle/>
-            <a:p>
-              <a:pPr algn="ctr">
-                <a:lnSpc>
-                  <a:spcPct val="90000"/>
-                </a:lnSpc>
-                <a:spcAft>
-                  <a:spcPts val="588"/>
-                </a:spcAft>
-              </a:pPr>
-              <a:r>
-                <a:rPr lang="en-US" sz="2000" u="sng" dirty="0"/>
-                <a:t>P# Test</a:t>
-              </a:r>
-            </a:p>
-            <a:p>
-              <a:pPr marL="342900" indent="-342900">
-                <a:lnSpc>
-                  <a:spcPct val="90000"/>
-                </a:lnSpc>
-                <a:spcAft>
-                  <a:spcPts val="588"/>
-                </a:spcAft>
-                <a:buFont typeface="Arial" panose="020B0604020202020204" pitchFamily="34" charset="0"/>
-                <a:buChar char="•"/>
-              </a:pPr>
-              <a:r>
-                <a:rPr lang="en-US" sz="2000" dirty="0"/>
-                <a:t>Entry point to a P# test</a:t>
-              </a:r>
-            </a:p>
-            <a:p>
-              <a:pPr marL="342900" indent="-342900">
-                <a:lnSpc>
-                  <a:spcPct val="90000"/>
-                </a:lnSpc>
-                <a:spcAft>
-                  <a:spcPts val="588"/>
-                </a:spcAft>
-                <a:buFont typeface="Arial" panose="020B0604020202020204" pitchFamily="34" charset="0"/>
-                <a:buChar char="•"/>
-              </a:pPr>
-              <a:r>
-                <a:rPr lang="en-US" sz="2000" dirty="0"/>
-                <a:t>P# tester finds all methods in a specified binary that are marked with [</a:t>
-              </a:r>
-              <a:r>
-                <a:rPr lang="en-US" sz="2000" dirty="0" err="1"/>
-                <a:t>Microsoft.Psharp.Test</a:t>
-              </a:r>
-              <a:r>
-                <a:rPr lang="en-US" sz="2000" dirty="0"/>
-                <a:t>] attribute</a:t>
-              </a:r>
-            </a:p>
-            <a:p>
-              <a:pPr marL="342900" indent="-342900">
-                <a:lnSpc>
-                  <a:spcPct val="90000"/>
-                </a:lnSpc>
-                <a:spcAft>
-                  <a:spcPts val="588"/>
-                </a:spcAft>
-                <a:buFont typeface="Arial" panose="020B0604020202020204" pitchFamily="34" charset="0"/>
-                <a:buChar char="•"/>
-              </a:pPr>
-              <a:r>
-                <a:rPr lang="en-US" sz="2000" dirty="0"/>
-                <a:t>P# tester invokes test method by passing the P# bug-finding runtime</a:t>
-              </a:r>
-            </a:p>
-            <a:p>
-              <a:pPr marL="342900" indent="-342900">
-                <a:lnSpc>
-                  <a:spcPct val="90000"/>
-                </a:lnSpc>
-                <a:spcAft>
-                  <a:spcPts val="588"/>
-                </a:spcAft>
-                <a:buFont typeface="Arial" panose="020B0604020202020204" pitchFamily="34" charset="0"/>
-                <a:buChar char="•"/>
-              </a:pPr>
-              <a:r>
-                <a:rPr lang="en-US" sz="2000" dirty="0"/>
-                <a:t>Runs many iterations of the program using the P# bug-finding runtime</a:t>
-              </a:r>
-            </a:p>
-          </p:txBody>
-        </p:sp>
-      </p:grpSp>
-    </p:spTree>
-    <p:extLst>
-      <p:ext uri="{BB962C8B-B14F-4D97-AF65-F5344CB8AC3E}">
-        <p14:creationId xmlns:p14="http://schemas.microsoft.com/office/powerpoint/2010/main" val="3242813616"/>
-      </p:ext>
-    </p:extLst>
-  </p:cSld>
-  <p:clrMapOvr>
-    <a:masterClrMapping/>
-  </p:clrMapOvr>
-  <p:timing>
-    <p:tnLst>
-      <p:par>
-        <p:cTn id="1" dur="indefinite" restart="never" nodeType="tmRoot">
-          <p:childTnLst>
-            <p:seq concurrent="1" nextAc="seek">
-              <p:cTn id="2" dur="indefinite" nodeType="mainSeq">
-                <p:childTnLst>
-                  <p:par>
-                    <p:cTn id="3" fill="hold">
-                      <p:stCondLst>
-                        <p:cond delay="indefinite"/>
-                      </p:stCondLst>
-                      <p:childTnLst>
-                        <p:par>
-                          <p:cTn id="4" fill="hold">
-                            <p:stCondLst>
-                              <p:cond delay="0"/>
-                            </p:stCondLst>
-                            <p:childTnLst>
-                              <p:par>
-                                <p:cTn id="5" presetID="1" presetClass="entr" presetSubtype="0" fill="hold" nodeType="clickEffect">
-                                  <p:stCondLst>
-                                    <p:cond delay="0"/>
-                                  </p:stCondLst>
-                                  <p:childTnLst>
-                                    <p:set>
-                                      <p:cBhvr>
-                                        <p:cTn id="6" dur="1" fill="hold">
-                                          <p:stCondLst>
-                                            <p:cond delay="0"/>
-                                          </p:stCondLst>
-                                        </p:cTn>
-                                        <p:tgtEl>
-                                          <p:spTgt spid="46"/>
-                                        </p:tgtEl>
-                                        <p:attrNameLst>
-                                          <p:attrName>style.visibility</p:attrName>
-                                        </p:attrNameLst>
-                                      </p:cBhvr>
-                                      <p:to>
-                                        <p:strVal val="visible"/>
-                                      </p:to>
-                                    </p:set>
-                                  </p:childTnLst>
-                                </p:cTn>
-                              </p:par>
-                            </p:childTnLst>
-                          </p:cTn>
-                        </p:par>
-                      </p:childTnLst>
-                    </p:cTn>
-                  </p:par>
-                  <p:par>
-                    <p:cTn id="7" fill="hold">
-                      <p:stCondLst>
-                        <p:cond delay="indefinite"/>
-                      </p:stCondLst>
-                      <p:childTnLst>
-                        <p:par>
-                          <p:cTn id="8" fill="hold">
-                            <p:stCondLst>
-                              <p:cond delay="0"/>
-                            </p:stCondLst>
-                            <p:childTnLst>
-                              <p:par>
-                                <p:cTn id="9" presetID="1" presetClass="entr" presetSubtype="0" fill="hold" nodeType="clickEffect">
-                                  <p:stCondLst>
-                                    <p:cond delay="0"/>
-                                  </p:stCondLst>
-                                  <p:childTnLst>
-                                    <p:set>
-                                      <p:cBhvr>
-                                        <p:cTn id="10" dur="1" fill="hold">
-                                          <p:stCondLst>
-                                            <p:cond delay="0"/>
-                                          </p:stCondLst>
-                                        </p:cTn>
-                                        <p:tgtEl>
-                                          <p:spTgt spid="67"/>
-                                        </p:tgtEl>
-                                        <p:attrNameLst>
-                                          <p:attrName>style.visibility</p:attrName>
-                                        </p:attrNameLst>
-                                      </p:cBhvr>
-                                      <p:to>
-                                        <p:strVal val="visible"/>
-                                      </p:to>
-                                    </p:set>
-                                  </p:childTnLst>
-                                </p:cTn>
-                              </p:par>
-                            </p:childTnLst>
-                          </p:cTn>
-                        </p:par>
-                      </p:childTnLst>
-                    </p:cTn>
-                  </p:par>
-                </p:childTnLst>
-              </p:cTn>
-              <p:prevCondLst>
-                <p:cond evt="onPrev" delay="0">
-                  <p:tgtEl>
-                    <p:sldTgt/>
-                  </p:tgtEl>
-                </p:cond>
-              </p:prevCondLst>
-              <p:nextCondLst>
-                <p:cond evt="onNext" delay="0">
-                  <p:tgtEl>
-                    <p:sldTgt/>
-                  </p:tgtEl>
-                </p:cond>
-              </p:nextCondLst>
-            </p:seq>
-          </p:childTnLst>
-        </p:cTn>
-      </p:par>
-    </p:tnLst>
-  </p:timing>
-</p:sld>
-</file>
-
-<file path=ppt/slides/slide34.xml><?xml version="1.0" encoding="utf-8"?>
-<p:sld xmlns:a="http://schemas.openxmlformats.org/drawingml/2006/main" xmlns:r="http://schemas.openxmlformats.org/officeDocument/2006/relationships" xmlns:p="http://schemas.openxmlformats.org/presentationml/2006/main">
-  <p:cSld>
-    <p:spTree>
-      <p:nvGrpSpPr>
-        <p:cNvPr id="1" name=""/>
-        <p:cNvGrpSpPr/>
-        <p:nvPr/>
-      </p:nvGrpSpPr>
-      <p:grpSpPr>
-        <a:xfrm>
-          <a:off x="0" y="0"/>
-          <a:ext cx="0" cy="0"/>
-          <a:chOff x="0" y="0"/>
-          <a:chExt cx="0" cy="0"/>
-        </a:xfrm>
-      </p:grpSpPr>
-      <p:sp>
-        <p:nvSpPr>
-          <p:cNvPr id="2" name="Title 1">
-            <a:extLst>
-              <a:ext uri="{FF2B5EF4-FFF2-40B4-BE49-F238E27FC236}">
-                <a16:creationId xmlns:a16="http://schemas.microsoft.com/office/drawing/2014/main" id="{048C5215-40DC-4A28-B0D2-C16232BD8739}"/>
-              </a:ext>
-            </a:extLst>
-          </p:cNvPr>
-          <p:cNvSpPr>
-            <a:spLocks noGrp="1"/>
-          </p:cNvSpPr>
-          <p:nvPr>
-            <p:ph type="title"/>
-          </p:nvPr>
-        </p:nvSpPr>
-        <p:spPr/>
-        <p:txBody>
-          <a:bodyPr/>
-          <a:lstStyle/>
-          <a:p>
-            <a:r>
-              <a:rPr lang="en-US" dirty="0"/>
-              <a:t>Resources</a:t>
-            </a:r>
-          </a:p>
-        </p:txBody>
-      </p:sp>
-      <p:sp>
-        <p:nvSpPr>
-          <p:cNvPr id="3" name="Content Placeholder 2">
-            <a:extLst>
-              <a:ext uri="{FF2B5EF4-FFF2-40B4-BE49-F238E27FC236}">
-                <a16:creationId xmlns:a16="http://schemas.microsoft.com/office/drawing/2014/main" id="{4305C858-C769-419D-91BA-0291B7C5BE33}"/>
-              </a:ext>
-            </a:extLst>
-          </p:cNvPr>
-          <p:cNvSpPr>
-            <a:spLocks noGrp="1"/>
-          </p:cNvSpPr>
-          <p:nvPr>
-            <p:ph idx="1"/>
-          </p:nvPr>
-        </p:nvSpPr>
-        <p:spPr/>
-        <p:txBody>
-          <a:bodyPr/>
-          <a:lstStyle/>
-          <a:p>
-            <a:r>
-              <a:rPr lang="en-US"/>
-              <a:t>Repository: </a:t>
-            </a:r>
-            <a:r>
-              <a:rPr lang="en-US" dirty="0">
-                <a:hlinkClick r:id="rId3"/>
-              </a:rPr>
-              <a:t>https://github.com/p-org</a:t>
-            </a:r>
-            <a:endParaRPr lang="en-US" dirty="0"/>
-          </a:p>
-          <a:p>
-            <a:endParaRPr lang="en-US" dirty="0"/>
-          </a:p>
-          <a:p>
-            <a:r>
-              <a:rPr lang="en-US" dirty="0"/>
-              <a:t>Contact: </a:t>
-            </a:r>
-            <a:r>
-              <a:rPr lang="en-US" dirty="0">
-                <a:hlinkClick r:id="rId4"/>
-              </a:rPr>
-              <a:t>pdev@microsoft.com</a:t>
-            </a:r>
-            <a:endParaRPr lang="en-US" dirty="0"/>
-          </a:p>
-          <a:p>
-            <a:endParaRPr lang="en-US" dirty="0"/>
-          </a:p>
-          <a:p>
-            <a:endParaRPr lang="en-US" dirty="0"/>
-          </a:p>
-        </p:txBody>
-      </p:sp>
-    </p:spTree>
-    <p:extLst>
-      <p:ext uri="{BB962C8B-B14F-4D97-AF65-F5344CB8AC3E}">
-        <p14:creationId xmlns:p14="http://schemas.microsoft.com/office/powerpoint/2010/main" val="1065062066"/>
-      </p:ext>
-    </p:extLst>
-  </p:cSld>
-  <p:clrMapOvr>
-    <a:masterClrMapping/>
-  </p:clrMapOvr>
-</p:sld>
-</file>
-
 <file path=ppt/slides/slide4.xml><?xml version="1.0" encoding="utf-8"?>
 <p:sld xmlns:a="http://schemas.openxmlformats.org/drawingml/2006/main" xmlns:r="http://schemas.openxmlformats.org/officeDocument/2006/relationships" xmlns:p="http://schemas.openxmlformats.org/presentationml/2006/main">
   <p:cSld>

--- a/RVTutorial/P-tutorial-Part-1.pptx
+++ b/RVTutorial/P-tutorial-Part-1.pptx
@@ -5,7 +5,7 @@
     <p:sldMasterId id="2147483648" r:id="rId1"/>
   </p:sldMasterIdLst>
   <p:notesMasterIdLst>
-    <p:notesMasterId r:id="rId31"/>
+    <p:notesMasterId r:id="rId32"/>
   </p:notesMasterIdLst>
   <p:sldIdLst>
     <p:sldId id="256" r:id="rId2"/>
@@ -22,21 +22,22 @@
     <p:sldId id="312" r:id="rId13"/>
     <p:sldId id="280" r:id="rId14"/>
     <p:sldId id="283" r:id="rId15"/>
-    <p:sldId id="307" r:id="rId16"/>
-    <p:sldId id="314" r:id="rId17"/>
-    <p:sldId id="308" r:id="rId18"/>
-    <p:sldId id="309" r:id="rId19"/>
+    <p:sldId id="314" r:id="rId16"/>
+    <p:sldId id="308" r:id="rId17"/>
+    <p:sldId id="309" r:id="rId18"/>
+    <p:sldId id="317" r:id="rId19"/>
     <p:sldId id="310" r:id="rId20"/>
-    <p:sldId id="267" r:id="rId21"/>
-    <p:sldId id="291" r:id="rId22"/>
-    <p:sldId id="284" r:id="rId23"/>
-    <p:sldId id="285" r:id="rId24"/>
-    <p:sldId id="287" r:id="rId25"/>
-    <p:sldId id="315" r:id="rId26"/>
+    <p:sldId id="284" r:id="rId21"/>
+    <p:sldId id="287" r:id="rId22"/>
+    <p:sldId id="318" r:id="rId23"/>
+    <p:sldId id="319" r:id="rId24"/>
+    <p:sldId id="320" r:id="rId25"/>
+    <p:sldId id="321" r:id="rId26"/>
     <p:sldId id="288" r:id="rId27"/>
     <p:sldId id="300" r:id="rId28"/>
     <p:sldId id="292" r:id="rId29"/>
     <p:sldId id="302" r:id="rId30"/>
+    <p:sldId id="316" r:id="rId31"/>
   </p:sldIdLst>
   <p:sldSz cx="12192000" cy="6858000"/>
   <p:notesSz cx="6858000" cy="9144000"/>
@@ -1074,7 +1075,7 @@
     </p:spTree>
     <p:extLst>
       <p:ext uri="{BB962C8B-B14F-4D97-AF65-F5344CB8AC3E}">
-        <p14:creationId xmlns:p14="http://schemas.microsoft.com/office/powerpoint/2010/main" val="297733871"/>
+        <p14:creationId xmlns:p14="http://schemas.microsoft.com/office/powerpoint/2010/main" val="1968484279"/>
       </p:ext>
     </p:extLst>
   </p:cSld>
@@ -1158,7 +1159,7 @@
     </p:spTree>
     <p:extLst>
       <p:ext uri="{BB962C8B-B14F-4D97-AF65-F5344CB8AC3E}">
-        <p14:creationId xmlns:p14="http://schemas.microsoft.com/office/powerpoint/2010/main" val="1968484279"/>
+        <p14:creationId xmlns:p14="http://schemas.microsoft.com/office/powerpoint/2010/main" val="3306323140"/>
       </p:ext>
     </p:extLst>
   </p:cSld>
@@ -1242,7 +1243,7 @@
     </p:spTree>
     <p:extLst>
       <p:ext uri="{BB962C8B-B14F-4D97-AF65-F5344CB8AC3E}">
-        <p14:creationId xmlns:p14="http://schemas.microsoft.com/office/powerpoint/2010/main" val="3306323140"/>
+        <p14:creationId xmlns:p14="http://schemas.microsoft.com/office/powerpoint/2010/main" val="692153290"/>
       </p:ext>
     </p:extLst>
   </p:cSld>
@@ -1326,7 +1327,7 @@
     </p:spTree>
     <p:extLst>
       <p:ext uri="{BB962C8B-B14F-4D97-AF65-F5344CB8AC3E}">
-        <p14:creationId xmlns:p14="http://schemas.microsoft.com/office/powerpoint/2010/main" val="692153290"/>
+        <p14:creationId xmlns:p14="http://schemas.microsoft.com/office/powerpoint/2010/main" val="3346355488"/>
       </p:ext>
     </p:extLst>
   </p:cSld>
@@ -1578,7 +1579,7 @@
     </p:spTree>
     <p:extLst>
       <p:ext uri="{BB962C8B-B14F-4D97-AF65-F5344CB8AC3E}">
-        <p14:creationId xmlns:p14="http://schemas.microsoft.com/office/powerpoint/2010/main" val="3631456369"/>
+        <p14:creationId xmlns:p14="http://schemas.microsoft.com/office/powerpoint/2010/main" val="1015782372"/>
       </p:ext>
     </p:extLst>
   </p:cSld>
@@ -1662,7 +1663,7 @@
     </p:spTree>
     <p:extLst>
       <p:ext uri="{BB962C8B-B14F-4D97-AF65-F5344CB8AC3E}">
-        <p14:creationId xmlns:p14="http://schemas.microsoft.com/office/powerpoint/2010/main" val="3054032040"/>
+        <p14:creationId xmlns:p14="http://schemas.microsoft.com/office/powerpoint/2010/main" val="3281592474"/>
       </p:ext>
     </p:extLst>
   </p:cSld>
@@ -1716,7 +1717,7 @@
           <a:bodyPr/>
           <a:lstStyle/>
           <a:p>
-            <a:endParaRPr lang="en-US"/>
+            <a:endParaRPr lang="en-US" dirty="0"/>
           </a:p>
         </p:txBody>
       </p:sp>
@@ -1735,7 +1736,7 @@
           <a:bodyPr/>
           <a:lstStyle/>
           <a:p>
-            <a:fld id="{856E82CD-9B34-4DD7-A33E-65C9022BAB57}" type="slidenum">
+            <a:fld id="{AEC1BABC-3C33-41CE-8D84-2475FB1688B4}" type="slidenum">
               <a:rPr lang="en-US" smtClean="0"/>
               <a:t>22</a:t>
             </a:fld>
@@ -1746,7 +1747,7 @@
     </p:spTree>
     <p:extLst>
       <p:ext uri="{BB962C8B-B14F-4D97-AF65-F5344CB8AC3E}">
-        <p14:creationId xmlns:p14="http://schemas.microsoft.com/office/powerpoint/2010/main" val="1015782372"/>
+        <p14:creationId xmlns:p14="http://schemas.microsoft.com/office/powerpoint/2010/main" val="2643737005"/>
       </p:ext>
     </p:extLst>
   </p:cSld>
@@ -1830,7 +1831,7 @@
     </p:spTree>
     <p:extLst>
       <p:ext uri="{BB962C8B-B14F-4D97-AF65-F5344CB8AC3E}">
-        <p14:creationId xmlns:p14="http://schemas.microsoft.com/office/powerpoint/2010/main" val="1121126908"/>
+        <p14:creationId xmlns:p14="http://schemas.microsoft.com/office/powerpoint/2010/main" val="3278491332"/>
       </p:ext>
     </p:extLst>
   </p:cSld>
@@ -1884,7 +1885,7 @@
           <a:bodyPr/>
           <a:lstStyle/>
           <a:p>
-            <a:endParaRPr lang="en-US"/>
+            <a:endParaRPr lang="en-US" dirty="0"/>
           </a:p>
         </p:txBody>
       </p:sp>
@@ -1903,7 +1904,7 @@
           <a:bodyPr/>
           <a:lstStyle/>
           <a:p>
-            <a:fld id="{856E82CD-9B34-4DD7-A33E-65C9022BAB57}" type="slidenum">
+            <a:fld id="{AEC1BABC-3C33-41CE-8D84-2475FB1688B4}" type="slidenum">
               <a:rPr lang="en-US" smtClean="0"/>
               <a:t>24</a:t>
             </a:fld>
@@ -1914,7 +1915,7 @@
     </p:spTree>
     <p:extLst>
       <p:ext uri="{BB962C8B-B14F-4D97-AF65-F5344CB8AC3E}">
-        <p14:creationId xmlns:p14="http://schemas.microsoft.com/office/powerpoint/2010/main" val="3281592474"/>
+        <p14:creationId xmlns:p14="http://schemas.microsoft.com/office/powerpoint/2010/main" val="2962777776"/>
       </p:ext>
     </p:extLst>
   </p:cSld>
@@ -1968,7 +1969,7 @@
           <a:bodyPr/>
           <a:lstStyle/>
           <a:p>
-            <a:endParaRPr lang="en-US"/>
+            <a:endParaRPr lang="en-US" dirty="0"/>
           </a:p>
         </p:txBody>
       </p:sp>
@@ -1987,7 +1988,7 @@
           <a:bodyPr/>
           <a:lstStyle/>
           <a:p>
-            <a:fld id="{856E82CD-9B34-4DD7-A33E-65C9022BAB57}" type="slidenum">
+            <a:fld id="{AEC1BABC-3C33-41CE-8D84-2475FB1688B4}" type="slidenum">
               <a:rPr lang="en-US" smtClean="0"/>
               <a:t>25</a:t>
             </a:fld>
@@ -1998,7 +1999,7 @@
     </p:spTree>
     <p:extLst>
       <p:ext uri="{BB962C8B-B14F-4D97-AF65-F5344CB8AC3E}">
-        <p14:creationId xmlns:p14="http://schemas.microsoft.com/office/powerpoint/2010/main" val="3329026006"/>
+        <p14:creationId xmlns:p14="http://schemas.microsoft.com/office/powerpoint/2010/main" val="4205023032"/>
       </p:ext>
     </p:extLst>
   </p:cSld>
@@ -2419,6 +2420,90 @@
     <p:extLst>
       <p:ext uri="{BB962C8B-B14F-4D97-AF65-F5344CB8AC3E}">
         <p14:creationId xmlns:p14="http://schemas.microsoft.com/office/powerpoint/2010/main" val="655986595"/>
+      </p:ext>
+    </p:extLst>
+  </p:cSld>
+  <p:clrMapOvr>
+    <a:masterClrMapping/>
+  </p:clrMapOvr>
+</p:notes>
+</file>
+
+<file path=ppt/notesSlides/notesSlide30.xml><?xml version="1.0" encoding="utf-8"?>
+<p:notes xmlns:a="http://schemas.openxmlformats.org/drawingml/2006/main" xmlns:r="http://schemas.openxmlformats.org/officeDocument/2006/relationships" xmlns:p="http://schemas.openxmlformats.org/presentationml/2006/main">
+  <p:cSld>
+    <p:spTree>
+      <p:nvGrpSpPr>
+        <p:cNvPr id="1" name=""/>
+        <p:cNvGrpSpPr/>
+        <p:nvPr/>
+      </p:nvGrpSpPr>
+      <p:grpSpPr>
+        <a:xfrm>
+          <a:off x="0" y="0"/>
+          <a:ext cx="0" cy="0"/>
+          <a:chOff x="0" y="0"/>
+          <a:chExt cx="0" cy="0"/>
+        </a:xfrm>
+      </p:grpSpPr>
+      <p:sp>
+        <p:nvSpPr>
+          <p:cNvPr id="2" name="Slide Image Placeholder 1"/>
+          <p:cNvSpPr>
+            <a:spLocks noGrp="1" noRot="1" noChangeAspect="1"/>
+          </p:cNvSpPr>
+          <p:nvPr>
+            <p:ph type="sldImg"/>
+          </p:nvPr>
+        </p:nvSpPr>
+        <p:spPr/>
+      </p:sp>
+      <p:sp>
+        <p:nvSpPr>
+          <p:cNvPr id="3" name="Notes Placeholder 2"/>
+          <p:cNvSpPr>
+            <a:spLocks noGrp="1"/>
+          </p:cNvSpPr>
+          <p:nvPr>
+            <p:ph type="body" idx="1"/>
+          </p:nvPr>
+        </p:nvSpPr>
+        <p:spPr/>
+        <p:txBody>
+          <a:bodyPr/>
+          <a:lstStyle/>
+          <a:p>
+            <a:endParaRPr lang="en-US"/>
+          </a:p>
+        </p:txBody>
+      </p:sp>
+      <p:sp>
+        <p:nvSpPr>
+          <p:cNvPr id="4" name="Slide Number Placeholder 3"/>
+          <p:cNvSpPr>
+            <a:spLocks noGrp="1"/>
+          </p:cNvSpPr>
+          <p:nvPr>
+            <p:ph type="sldNum" sz="quarter" idx="10"/>
+          </p:nvPr>
+        </p:nvSpPr>
+        <p:spPr/>
+        <p:txBody>
+          <a:bodyPr/>
+          <a:lstStyle/>
+          <a:p>
+            <a:fld id="{856E82CD-9B34-4DD7-A33E-65C9022BAB57}" type="slidenum">
+              <a:rPr lang="en-US" smtClean="0"/>
+              <a:t>30</a:t>
+            </a:fld>
+            <a:endParaRPr lang="en-US"/>
+          </a:p>
+        </p:txBody>
+      </p:sp>
+    </p:spTree>
+    <p:extLst>
+      <p:ext uri="{BB962C8B-B14F-4D97-AF65-F5344CB8AC3E}">
+        <p14:creationId xmlns:p14="http://schemas.microsoft.com/office/powerpoint/2010/main" val="926623608"/>
       </p:ext>
     </p:extLst>
   </p:cSld>
@@ -7592,401 +7677,81 @@
       </p:grpSpPr>
       <p:sp>
         <p:nvSpPr>
-          <p:cNvPr id="2" name="Title 1"/>
-          <p:cNvSpPr>
-            <a:spLocks noGrp="1"/>
-          </p:cNvSpPr>
-          <p:nvPr>
-            <p:ph type="title"/>
-          </p:nvPr>
-        </p:nvSpPr>
-        <p:spPr/>
-        <p:txBody>
-          <a:bodyPr/>
-          <a:lstStyle/>
-          <a:p>
-            <a:r>
-              <a:rPr lang="en-US" dirty="0"/>
-              <a:t>Data races in shared-memory programs</a:t>
-            </a:r>
-          </a:p>
-        </p:txBody>
-      </p:sp>
-      <p:sp>
-        <p:nvSpPr>
-          <p:cNvPr id="4" name="TextBox 3"/>
-          <p:cNvSpPr txBox="1"/>
-          <p:nvPr/>
-        </p:nvSpPr>
-        <p:spPr>
-          <a:xfrm>
-            <a:off x="1544320" y="2677160"/>
-            <a:ext cx="1258678" cy="1200329"/>
-          </a:xfrm>
-          <a:prstGeom prst="rect">
-            <a:avLst/>
-          </a:prstGeom>
-          <a:noFill/>
-        </p:spPr>
-        <p:txBody>
-          <a:bodyPr wrap="none" rtlCol="0">
-            <a:spAutoFit/>
-          </a:bodyPr>
-          <a:lstStyle/>
-          <a:p>
-            <a:r>
-              <a:rPr lang="en-US" sz="2400" dirty="0"/>
-              <a:t>Task A</a:t>
-            </a:r>
-          </a:p>
-          <a:p>
-            <a:endParaRPr lang="en-US" sz="2400" dirty="0"/>
-          </a:p>
-          <a:p>
-            <a:r>
-              <a:rPr lang="en-US" sz="2400" dirty="0"/>
-              <a:t>x = x + 1 </a:t>
-            </a:r>
-          </a:p>
-        </p:txBody>
-      </p:sp>
-      <p:sp>
-        <p:nvSpPr>
-          <p:cNvPr id="5" name="TextBox 4"/>
-          <p:cNvSpPr txBox="1"/>
-          <p:nvPr/>
-        </p:nvSpPr>
-        <p:spPr>
-          <a:xfrm>
-            <a:off x="2133600" y="1981200"/>
-            <a:ext cx="1390445" cy="461665"/>
-          </a:xfrm>
-          <a:prstGeom prst="rect">
-            <a:avLst/>
-          </a:prstGeom>
-          <a:noFill/>
-        </p:spPr>
-        <p:txBody>
-          <a:bodyPr wrap="none" rtlCol="0">
-            <a:spAutoFit/>
-          </a:bodyPr>
-          <a:lstStyle/>
-          <a:p>
-            <a:r>
-              <a:rPr lang="en-US" sz="2400" dirty="0" err="1"/>
-              <a:t>int</a:t>
-            </a:r>
-            <a:r>
-              <a:rPr lang="en-US" sz="2400" dirty="0"/>
-              <a:t> x = 10 </a:t>
-            </a:r>
-          </a:p>
-        </p:txBody>
-      </p:sp>
-      <p:sp>
-        <p:nvSpPr>
-          <p:cNvPr id="6" name="TextBox 5"/>
-          <p:cNvSpPr txBox="1"/>
-          <p:nvPr/>
-        </p:nvSpPr>
-        <p:spPr>
-          <a:xfrm>
-            <a:off x="3083560" y="2677160"/>
-            <a:ext cx="1258678" cy="1200329"/>
-          </a:xfrm>
-          <a:prstGeom prst="rect">
-            <a:avLst/>
-          </a:prstGeom>
-          <a:noFill/>
-        </p:spPr>
-        <p:txBody>
-          <a:bodyPr wrap="none" rtlCol="0">
-            <a:spAutoFit/>
-          </a:bodyPr>
-          <a:lstStyle/>
-          <a:p>
-            <a:r>
-              <a:rPr lang="en-US" sz="2400" dirty="0"/>
-              <a:t>Task B</a:t>
-            </a:r>
-          </a:p>
-          <a:p>
-            <a:endParaRPr lang="en-US" sz="2400" dirty="0"/>
-          </a:p>
-          <a:p>
-            <a:r>
-              <a:rPr lang="en-US" sz="2400" dirty="0"/>
-              <a:t>x = x + 1 </a:t>
-            </a:r>
-          </a:p>
-        </p:txBody>
-      </p:sp>
-      <p:sp>
-        <p:nvSpPr>
-          <p:cNvPr id="7" name="TextBox 6"/>
-          <p:cNvSpPr txBox="1"/>
-          <p:nvPr/>
-        </p:nvSpPr>
-        <p:spPr>
-          <a:xfrm>
-            <a:off x="2181049" y="4975860"/>
-            <a:ext cx="1377300" cy="461665"/>
-          </a:xfrm>
-          <a:prstGeom prst="rect">
-            <a:avLst/>
-          </a:prstGeom>
-          <a:noFill/>
-        </p:spPr>
-        <p:txBody>
-          <a:bodyPr wrap="none" rtlCol="0">
-            <a:spAutoFit/>
-          </a:bodyPr>
-          <a:lstStyle/>
-          <a:p>
-            <a:r>
-              <a:rPr lang="en-US" sz="2400" dirty="0"/>
-              <a:t>x = 12, 11</a:t>
-            </a:r>
-          </a:p>
-        </p:txBody>
-      </p:sp>
-      <p:grpSp>
-        <p:nvGrpSpPr>
-          <p:cNvPr id="3" name="Group 2">
+          <p:cNvPr id="2" name="Title 1">
             <a:extLst>
               <a:ext uri="{FF2B5EF4-FFF2-40B4-BE49-F238E27FC236}">
-                <a16:creationId xmlns:a16="http://schemas.microsoft.com/office/drawing/2014/main" id="{E33F7EB8-632A-41B3-9E6F-0C12E7F299D3}"/>
+                <a16:creationId xmlns:a16="http://schemas.microsoft.com/office/drawing/2014/main" id="{8C691653-37BC-4402-80D2-0A640E3140CF}"/>
               </a:ext>
             </a:extLst>
           </p:cNvPr>
-          <p:cNvGrpSpPr/>
-          <p:nvPr/>
-        </p:nvGrpSpPr>
-        <p:grpSpPr>
-          <a:xfrm>
-            <a:off x="5068536" y="1965960"/>
-            <a:ext cx="6511654" cy="4248805"/>
-            <a:chOff x="5068536" y="1965960"/>
-            <a:chExt cx="6511654" cy="4248805"/>
-          </a:xfrm>
-        </p:grpSpPr>
-        <p:sp>
-          <p:nvSpPr>
-            <p:cNvPr id="8" name="TextBox 7"/>
-            <p:cNvSpPr txBox="1"/>
-            <p:nvPr/>
-          </p:nvSpPr>
-          <p:spPr>
-            <a:xfrm>
-              <a:off x="5068536" y="5753100"/>
-              <a:ext cx="6511654" cy="461665"/>
-            </a:xfrm>
-            <a:prstGeom prst="rect">
-              <a:avLst/>
-            </a:prstGeom>
-            <a:noFill/>
-          </p:spPr>
-          <p:txBody>
-            <a:bodyPr wrap="none" rtlCol="0">
-              <a:spAutoFit/>
-            </a:bodyPr>
-            <a:lstStyle/>
-            <a:p>
-              <a:r>
-                <a:rPr lang="en-US" sz="2400" dirty="0"/>
-                <a:t>Cause behavior that is not sequentially consistent</a:t>
-              </a:r>
-            </a:p>
-          </p:txBody>
-        </p:sp>
-        <p:sp>
-          <p:nvSpPr>
-            <p:cNvPr id="9" name="TextBox 8"/>
-            <p:cNvSpPr txBox="1"/>
-            <p:nvPr/>
-          </p:nvSpPr>
-          <p:spPr>
-            <a:xfrm>
-              <a:off x="6461760" y="2661920"/>
-              <a:ext cx="1345240" cy="1938992"/>
-            </a:xfrm>
-            <a:prstGeom prst="rect">
-              <a:avLst/>
-            </a:prstGeom>
-            <a:noFill/>
-          </p:spPr>
-          <p:txBody>
-            <a:bodyPr wrap="none" rtlCol="0">
-              <a:spAutoFit/>
-            </a:bodyPr>
-            <a:lstStyle/>
-            <a:p>
-              <a:r>
-                <a:rPr lang="en-US" sz="2400" dirty="0"/>
-                <a:t>Task A</a:t>
-              </a:r>
-            </a:p>
-            <a:p>
-              <a:endParaRPr lang="en-US" sz="2400" dirty="0"/>
-            </a:p>
-            <a:p>
-              <a:r>
-                <a:rPr lang="en-US" sz="2400" dirty="0"/>
-                <a:t>x = 1</a:t>
-              </a:r>
-            </a:p>
-            <a:p>
-              <a:r>
-                <a:rPr lang="en-US" sz="2400" dirty="0"/>
-                <a:t>if (y == 0)</a:t>
-              </a:r>
-            </a:p>
-            <a:p>
-              <a:r>
-                <a:rPr lang="en-US" sz="2400" dirty="0"/>
-                <a:t>   print A </a:t>
-              </a:r>
-            </a:p>
-          </p:txBody>
-        </p:sp>
-        <p:sp>
-          <p:nvSpPr>
-            <p:cNvPr id="10" name="TextBox 9"/>
-            <p:cNvSpPr txBox="1"/>
-            <p:nvPr/>
-          </p:nvSpPr>
-          <p:spPr>
-            <a:xfrm>
-              <a:off x="7340600" y="1965960"/>
-              <a:ext cx="1967526" cy="461665"/>
-            </a:xfrm>
-            <a:prstGeom prst="rect">
-              <a:avLst/>
-            </a:prstGeom>
-            <a:noFill/>
-          </p:spPr>
-          <p:txBody>
-            <a:bodyPr wrap="none" rtlCol="0">
-              <a:spAutoFit/>
-            </a:bodyPr>
-            <a:lstStyle/>
-            <a:p>
-              <a:r>
-                <a:rPr lang="en-US" sz="2400" dirty="0" err="1"/>
-                <a:t>int</a:t>
-              </a:r>
-              <a:r>
-                <a:rPr lang="en-US" sz="2400" dirty="0"/>
-                <a:t> x = 0, y = 0 </a:t>
-              </a:r>
-            </a:p>
-          </p:txBody>
-        </p:sp>
-        <p:sp>
-          <p:nvSpPr>
-            <p:cNvPr id="11" name="TextBox 10"/>
-            <p:cNvSpPr txBox="1"/>
-            <p:nvPr/>
-          </p:nvSpPr>
-          <p:spPr>
-            <a:xfrm>
-              <a:off x="8961120" y="2661920"/>
-              <a:ext cx="1366400" cy="1938992"/>
-            </a:xfrm>
-            <a:prstGeom prst="rect">
-              <a:avLst/>
-            </a:prstGeom>
-            <a:noFill/>
-          </p:spPr>
-          <p:txBody>
-            <a:bodyPr wrap="none" rtlCol="0">
-              <a:spAutoFit/>
-            </a:bodyPr>
-            <a:lstStyle/>
-            <a:p>
-              <a:r>
-                <a:rPr lang="en-US" sz="2400" dirty="0"/>
-                <a:t>Task B</a:t>
-              </a:r>
-            </a:p>
-            <a:p>
-              <a:endParaRPr lang="en-US" sz="2400" dirty="0"/>
-            </a:p>
-            <a:p>
-              <a:r>
-                <a:rPr lang="en-US" sz="2400" dirty="0"/>
-                <a:t>y = 1</a:t>
-              </a:r>
-            </a:p>
-            <a:p>
-              <a:r>
-                <a:rPr lang="en-US" sz="2400" dirty="0"/>
-                <a:t>if (x == 0)</a:t>
-              </a:r>
-            </a:p>
-            <a:p>
-              <a:r>
-                <a:rPr lang="en-US" sz="2400" dirty="0"/>
-                <a:t>    print B </a:t>
-              </a:r>
-            </a:p>
-          </p:txBody>
-        </p:sp>
-        <p:sp>
-          <p:nvSpPr>
-            <p:cNvPr id="12" name="TextBox 11"/>
-            <p:cNvSpPr txBox="1"/>
-            <p:nvPr/>
-          </p:nvSpPr>
-          <p:spPr>
-            <a:xfrm>
-              <a:off x="6746655" y="4975860"/>
-              <a:ext cx="3155416" cy="461665"/>
-            </a:xfrm>
-            <a:prstGeom prst="rect">
-              <a:avLst/>
-            </a:prstGeom>
-            <a:noFill/>
-          </p:spPr>
-          <p:txBody>
-            <a:bodyPr wrap="none" rtlCol="0">
-              <a:spAutoFit/>
-            </a:bodyPr>
-            <a:lstStyle/>
-            <a:p>
-              <a:r>
-                <a:rPr lang="en-US" sz="2400" dirty="0"/>
-                <a:t>Console = ., A, B, AB, BA</a:t>
-              </a:r>
-            </a:p>
-          </p:txBody>
-        </p:sp>
-      </p:grpSp>
-      <p:sp>
-        <p:nvSpPr>
-          <p:cNvPr id="13" name="TextBox 12"/>
-          <p:cNvSpPr txBox="1"/>
-          <p:nvPr/>
-        </p:nvSpPr>
-        <p:spPr>
-          <a:xfrm>
-            <a:off x="1107440" y="5753100"/>
-            <a:ext cx="3287951" cy="461665"/>
-          </a:xfrm>
-          <a:prstGeom prst="rect">
-            <a:avLst/>
-          </a:prstGeom>
-          <a:noFill/>
-        </p:spPr>
-        <p:txBody>
-          <a:bodyPr wrap="none" rtlCol="0">
-            <a:spAutoFit/>
-          </a:bodyPr>
-          <a:lstStyle/>
-          <a:p>
-            <a:r>
-              <a:rPr lang="en-US" sz="2400" dirty="0"/>
-              <a:t>Violate desired atomicity</a:t>
+          <p:cNvSpPr>
+            <a:spLocks noGrp="1"/>
+          </p:cNvSpPr>
+          <p:nvPr>
+            <p:ph type="title"/>
+          </p:nvPr>
+        </p:nvSpPr>
+        <p:spPr/>
+        <p:txBody>
+          <a:bodyPr/>
+          <a:lstStyle/>
+          <a:p>
+            <a:r>
+              <a:rPr lang="en-US" dirty="0"/>
+              <a:t>P approach to passing values</a:t>
+            </a:r>
+          </a:p>
+        </p:txBody>
+      </p:sp>
+      <p:sp>
+        <p:nvSpPr>
+          <p:cNvPr id="3" name="Content Placeholder 2">
+            <a:extLst>
+              <a:ext uri="{FF2B5EF4-FFF2-40B4-BE49-F238E27FC236}">
+                <a16:creationId xmlns:a16="http://schemas.microsoft.com/office/drawing/2014/main" id="{A9549DF7-ED0A-49CE-948B-1AB6A48FAE10}"/>
+              </a:ext>
+            </a:extLst>
+          </p:cNvPr>
+          <p:cNvSpPr>
+            <a:spLocks noGrp="1"/>
+          </p:cNvSpPr>
+          <p:nvPr>
+            <p:ph idx="1"/>
+          </p:nvPr>
+        </p:nvSpPr>
+        <p:spPr/>
+        <p:txBody>
+          <a:bodyPr/>
+          <a:lstStyle/>
+          <a:p>
+            <a:r>
+              <a:rPr lang="en-US" dirty="0"/>
+              <a:t>send t, e, v </a:t>
+            </a:r>
+          </a:p>
+          <a:p>
+            <a:pPr lvl="1"/>
+            <a:r>
+              <a:rPr lang="en-US" dirty="0"/>
+              <a:t>sends a deep copy of v to target machine t</a:t>
+            </a:r>
+          </a:p>
+          <a:p>
+            <a:endParaRPr lang="en-US" dirty="0"/>
+          </a:p>
+          <a:p>
+            <a:r>
+              <a:rPr lang="en-US" dirty="0"/>
+              <a:t>Expensive</a:t>
+            </a:r>
+          </a:p>
+          <a:p>
+            <a:endParaRPr lang="en-US" dirty="0"/>
+          </a:p>
+          <a:p>
+            <a:r>
+              <a:rPr lang="en-US" dirty="0"/>
+              <a:t>Can we send a reference to v instead?</a:t>
             </a:r>
           </a:p>
         </p:txBody>
@@ -7994,88 +7759,13 @@
     </p:spTree>
     <p:extLst>
       <p:ext uri="{BB962C8B-B14F-4D97-AF65-F5344CB8AC3E}">
-        <p14:creationId xmlns:p14="http://schemas.microsoft.com/office/powerpoint/2010/main" val="2394485588"/>
+        <p14:creationId xmlns:p14="http://schemas.microsoft.com/office/powerpoint/2010/main" val="2144671116"/>
       </p:ext>
     </p:extLst>
   </p:cSld>
   <p:clrMapOvr>
     <a:masterClrMapping/>
   </p:clrMapOvr>
-  <p:timing>
-    <p:tnLst>
-      <p:par>
-        <p:cTn id="1" dur="indefinite" restart="never" nodeType="tmRoot">
-          <p:childTnLst>
-            <p:seq concurrent="1" nextAc="seek">
-              <p:cTn id="2" dur="indefinite" nodeType="mainSeq">
-                <p:childTnLst>
-                  <p:par>
-                    <p:cTn id="3" fill="hold">
-                      <p:stCondLst>
-                        <p:cond delay="indefinite"/>
-                      </p:stCondLst>
-                      <p:childTnLst>
-                        <p:par>
-                          <p:cTn id="4" fill="hold">
-                            <p:stCondLst>
-                              <p:cond delay="0"/>
-                            </p:stCondLst>
-                            <p:childTnLst>
-                              <p:par>
-                                <p:cTn id="5" presetID="1" presetClass="entr" presetSubtype="0" fill="hold" nodeType="clickEffect">
-                                  <p:stCondLst>
-                                    <p:cond delay="0"/>
-                                  </p:stCondLst>
-                                  <p:childTnLst>
-                                    <p:set>
-                                      <p:cBhvr>
-                                        <p:cTn id="6" dur="1" fill="hold">
-                                          <p:stCondLst>
-                                            <p:cond delay="0"/>
-                                          </p:stCondLst>
-                                        </p:cTn>
-                                        <p:tgtEl>
-                                          <p:spTgt spid="3"/>
-                                        </p:tgtEl>
-                                        <p:attrNameLst>
-                                          <p:attrName>style.visibility</p:attrName>
-                                        </p:attrNameLst>
-                                      </p:cBhvr>
-                                      <p:to>
-                                        <p:strVal val="visible"/>
-                                      </p:to>
-                                    </p:set>
-                                  </p:childTnLst>
-                                </p:cTn>
-                              </p:par>
-                            </p:childTnLst>
-                          </p:cTn>
-                        </p:par>
-                      </p:childTnLst>
-                    </p:cTn>
-                  </p:par>
-                </p:childTnLst>
-              </p:cTn>
-              <p:prevCondLst>
-                <p:cond evt="onPrev" delay="0">
-                  <p:tgtEl>
-                    <p:sldTgt/>
-                  </p:tgtEl>
-                </p:cond>
-              </p:prevCondLst>
-              <p:nextCondLst>
-                <p:cond evt="onNext" delay="0">
-                  <p:tgtEl>
-                    <p:sldTgt/>
-                  </p:tgtEl>
-                </p:cond>
-              </p:nextCondLst>
-            </p:seq>
-          </p:childTnLst>
-        </p:cTn>
-      </p:par>
-    </p:tnLst>
-  </p:timing>
 </p:sld>
 </file>
 
@@ -8098,13 +7788,7 @@
       </p:grpSpPr>
       <p:sp>
         <p:nvSpPr>
-          <p:cNvPr id="2" name="Title 1">
-            <a:extLst>
-              <a:ext uri="{FF2B5EF4-FFF2-40B4-BE49-F238E27FC236}">
-                <a16:creationId xmlns:a16="http://schemas.microsoft.com/office/drawing/2014/main" id="{8C691653-37BC-4402-80D2-0A640E3140CF}"/>
-              </a:ext>
-            </a:extLst>
-          </p:cNvPr>
+          <p:cNvPr id="2" name="Title 1"/>
           <p:cNvSpPr>
             <a:spLocks noGrp="1"/>
           </p:cNvSpPr>
@@ -8119,114 +7803,7 @@
           <a:p>
             <a:r>
               <a:rPr lang="en-US" dirty="0"/>
-              <a:t>P approach to communicating values</a:t>
-            </a:r>
-          </a:p>
-        </p:txBody>
-      </p:sp>
-      <p:sp>
-        <p:nvSpPr>
-          <p:cNvPr id="3" name="Content Placeholder 2">
-            <a:extLst>
-              <a:ext uri="{FF2B5EF4-FFF2-40B4-BE49-F238E27FC236}">
-                <a16:creationId xmlns:a16="http://schemas.microsoft.com/office/drawing/2014/main" id="{A9549DF7-ED0A-49CE-948B-1AB6A48FAE10}"/>
-              </a:ext>
-            </a:extLst>
-          </p:cNvPr>
-          <p:cNvSpPr>
-            <a:spLocks noGrp="1"/>
-          </p:cNvSpPr>
-          <p:nvPr>
-            <p:ph idx="1"/>
-          </p:nvPr>
-        </p:nvSpPr>
-        <p:spPr/>
-        <p:txBody>
-          <a:bodyPr/>
-          <a:lstStyle/>
-          <a:p>
-            <a:r>
-              <a:rPr lang="en-US" dirty="0"/>
-              <a:t>send t, e, v sends a deep copy of v to target machine t</a:t>
-            </a:r>
-          </a:p>
-          <a:p>
-            <a:endParaRPr lang="en-US" dirty="0"/>
-          </a:p>
-          <a:p>
-            <a:r>
-              <a:rPr lang="en-US" dirty="0"/>
-              <a:t>Expensive</a:t>
-            </a:r>
-          </a:p>
-          <a:p>
-            <a:endParaRPr lang="en-US" dirty="0"/>
-          </a:p>
-          <a:p>
-            <a:r>
-              <a:rPr lang="en-US" dirty="0"/>
-              <a:t>Can we send a reference to v instead?</a:t>
-            </a:r>
-          </a:p>
-          <a:p>
-            <a:endParaRPr lang="en-US" dirty="0"/>
-          </a:p>
-          <a:p>
-            <a:r>
-              <a:rPr lang="en-US" dirty="0"/>
-              <a:t>x = v move</a:t>
-            </a:r>
-          </a:p>
-        </p:txBody>
-      </p:sp>
-    </p:spTree>
-    <p:extLst>
-      <p:ext uri="{BB962C8B-B14F-4D97-AF65-F5344CB8AC3E}">
-        <p14:creationId xmlns:p14="http://schemas.microsoft.com/office/powerpoint/2010/main" val="2144671116"/>
-      </p:ext>
-    </p:extLst>
-  </p:cSld>
-  <p:clrMapOvr>
-    <a:masterClrMapping/>
-  </p:clrMapOvr>
-</p:sld>
-</file>
-
-<file path=ppt/slides/slide17.xml><?xml version="1.0" encoding="utf-8"?>
-<p:sld xmlns:a="http://schemas.openxmlformats.org/drawingml/2006/main" xmlns:r="http://schemas.openxmlformats.org/officeDocument/2006/relationships" xmlns:p="http://schemas.openxmlformats.org/presentationml/2006/main">
-  <p:cSld>
-    <p:spTree>
-      <p:nvGrpSpPr>
-        <p:cNvPr id="1" name=""/>
-        <p:cNvGrpSpPr/>
-        <p:nvPr/>
-      </p:nvGrpSpPr>
-      <p:grpSpPr>
-        <a:xfrm>
-          <a:off x="0" y="0"/>
-          <a:ext cx="0" cy="0"/>
-          <a:chOff x="0" y="0"/>
-          <a:chExt cx="0" cy="0"/>
-        </a:xfrm>
-      </p:grpSpPr>
-      <p:sp>
-        <p:nvSpPr>
-          <p:cNvPr id="2" name="Title 1"/>
-          <p:cNvSpPr>
-            <a:spLocks noGrp="1"/>
-          </p:cNvSpPr>
-          <p:nvPr>
-            <p:ph type="title"/>
-          </p:nvPr>
-        </p:nvSpPr>
-        <p:spPr/>
-        <p:txBody>
-          <a:bodyPr/>
-          <a:lstStyle/>
-          <a:p>
-            <a:r>
-              <a:rPr lang="en-US" dirty="0"/>
-              <a:t>Data races in message-passing programs</a:t>
+              <a:t>Data race (if reference is passed carelessly)</a:t>
             </a:r>
           </a:p>
         </p:txBody>
@@ -8472,7 +8049,7 @@
 </p:sld>
 </file>
 
-<file path=ppt/slides/slide18.xml><?xml version="1.0" encoding="utf-8"?>
+<file path=ppt/slides/slide17.xml><?xml version="1.0" encoding="utf-8"?>
 <p:sld xmlns:a="http://schemas.openxmlformats.org/drawingml/2006/main" xmlns:r="http://schemas.openxmlformats.org/officeDocument/2006/relationships" xmlns:p="http://schemas.openxmlformats.org/presentationml/2006/main">
   <p:cSld>
     <p:spTree>
@@ -8775,6 +8352,126 @@
     <p:extLst>
       <p:ext uri="{BB962C8B-B14F-4D97-AF65-F5344CB8AC3E}">
         <p14:creationId xmlns:p14="http://schemas.microsoft.com/office/powerpoint/2010/main" val="767673257"/>
+      </p:ext>
+    </p:extLst>
+  </p:cSld>
+  <p:clrMapOvr>
+    <a:masterClrMapping/>
+  </p:clrMapOvr>
+</p:sld>
+</file>
+
+<file path=ppt/slides/slide18.xml><?xml version="1.0" encoding="utf-8"?>
+<p:sld xmlns:a="http://schemas.openxmlformats.org/drawingml/2006/main" xmlns:r="http://schemas.openxmlformats.org/officeDocument/2006/relationships" xmlns:p="http://schemas.openxmlformats.org/presentationml/2006/main">
+  <p:cSld>
+    <p:spTree>
+      <p:nvGrpSpPr>
+        <p:cNvPr id="1" name=""/>
+        <p:cNvGrpSpPr/>
+        <p:nvPr/>
+      </p:nvGrpSpPr>
+      <p:grpSpPr>
+        <a:xfrm>
+          <a:off x="0" y="0"/>
+          <a:ext cx="0" cy="0"/>
+          <a:chOff x="0" y="0"/>
+          <a:chExt cx="0" cy="0"/>
+        </a:xfrm>
+      </p:grpSpPr>
+      <p:sp>
+        <p:nvSpPr>
+          <p:cNvPr id="2" name="Title 1">
+            <a:extLst>
+              <a:ext uri="{FF2B5EF4-FFF2-40B4-BE49-F238E27FC236}">
+                <a16:creationId xmlns:a16="http://schemas.microsoft.com/office/drawing/2014/main" id="{356B874A-8F5D-43EB-B07F-9CC79CB52096}"/>
+              </a:ext>
+            </a:extLst>
+          </p:cNvPr>
+          <p:cNvSpPr>
+            <a:spLocks noGrp="1"/>
+          </p:cNvSpPr>
+          <p:nvPr>
+            <p:ph type="title"/>
+          </p:nvPr>
+        </p:nvSpPr>
+        <p:spPr/>
+        <p:txBody>
+          <a:bodyPr/>
+          <a:lstStyle/>
+          <a:p>
+            <a:r>
+              <a:rPr lang="en-US" dirty="0"/>
+              <a:t>Linear ownership transfer</a:t>
+            </a:r>
+          </a:p>
+        </p:txBody>
+      </p:sp>
+      <p:sp>
+        <p:nvSpPr>
+          <p:cNvPr id="3" name="TextBox 2">
+            <a:extLst>
+              <a:ext uri="{FF2B5EF4-FFF2-40B4-BE49-F238E27FC236}">
+                <a16:creationId xmlns:a16="http://schemas.microsoft.com/office/drawing/2014/main" id="{E990C4CE-1A70-4C53-8427-0C557862064E}"/>
+              </a:ext>
+            </a:extLst>
+          </p:cNvPr>
+          <p:cNvSpPr txBox="1"/>
+          <p:nvPr/>
+        </p:nvSpPr>
+        <p:spPr>
+          <a:xfrm>
+            <a:off x="4343398" y="2181222"/>
+            <a:ext cx="3876189" cy="3539430"/>
+          </a:xfrm>
+          <a:prstGeom prst="rect">
+            <a:avLst/>
+          </a:prstGeom>
+          <a:noFill/>
+        </p:spPr>
+        <p:txBody>
+          <a:bodyPr wrap="none" rtlCol="0">
+            <a:spAutoFit/>
+          </a:bodyPr>
+          <a:lstStyle/>
+          <a:p>
+            <a:r>
+              <a:rPr lang="en-US" sz="3200" dirty="0"/>
+              <a:t>send t, e, x move</a:t>
+            </a:r>
+          </a:p>
+          <a:p>
+            <a:endParaRPr lang="en-US" sz="3200" dirty="0"/>
+          </a:p>
+          <a:p>
+            <a:r>
+              <a:rPr lang="en-US" sz="3200" dirty="0"/>
+              <a:t>y =  x move</a:t>
+            </a:r>
+          </a:p>
+          <a:p>
+            <a:endParaRPr lang="en-US" sz="3200" dirty="0"/>
+          </a:p>
+          <a:p>
+            <a:r>
+              <a:rPr lang="en-US" sz="3200" dirty="0"/>
+              <a:t>y = x swap</a:t>
+            </a:r>
+          </a:p>
+          <a:p>
+            <a:endParaRPr lang="en-US" sz="3200" dirty="0"/>
+          </a:p>
+          <a:p>
+            <a:r>
+              <a:rPr lang="en-US" sz="3200" dirty="0"/>
+              <a:t>foo(x, y move, z swap)</a:t>
+            </a:r>
+          </a:p>
+        </p:txBody>
+      </p:sp>
+    </p:spTree>
+    <p:extLst>
+      <p:ext uri="{BB962C8B-B14F-4D97-AF65-F5344CB8AC3E}">
+        <p14:creationId xmlns:p14="http://schemas.microsoft.com/office/powerpoint/2010/main" val="663030150"/>
       </p:ext>
     </p:extLst>
   </p:cSld>
@@ -9198,2513 +8895,303 @@
         </p:nvSpPr>
         <p:spPr/>
         <p:txBody>
+          <a:bodyPr/>
+          <a:lstStyle/>
+          <a:p>
+            <a:r>
+              <a:rPr lang="en-US" dirty="0"/>
+              <a:t>Safety specifications</a:t>
+            </a:r>
+          </a:p>
+        </p:txBody>
+      </p:sp>
+      <p:sp>
+        <p:nvSpPr>
+          <p:cNvPr id="3" name="Content Placeholder 2"/>
+          <p:cNvSpPr>
+            <a:spLocks noGrp="1"/>
+          </p:cNvSpPr>
+          <p:nvPr>
+            <p:ph idx="1"/>
+          </p:nvPr>
+        </p:nvSpPr>
+        <p:spPr/>
+        <p:txBody>
           <a:bodyPr>
-            <a:noAutofit/>
+            <a:normAutofit lnSpcReduction="10000"/>
           </a:bodyPr>
           <a:lstStyle/>
           <a:p>
             <a:r>
-              <a:rPr lang="en-US" sz="4000" dirty="0"/>
-              <a:t>Concurrent program as a state-transition graph</a:t>
-            </a:r>
-          </a:p>
-        </p:txBody>
-      </p:sp>
-      <p:grpSp>
-        <p:nvGrpSpPr>
-          <p:cNvPr id="7" name="Group 6"/>
-          <p:cNvGrpSpPr/>
+              <a:rPr lang="en-US" dirty="0"/>
+              <a:t>Exceptions</a:t>
+            </a:r>
+          </a:p>
+          <a:p>
+            <a:pPr lvl="1"/>
+            <a:r>
+              <a:rPr lang="en-US" dirty="0"/>
+              <a:t>Unhandled event</a:t>
+            </a:r>
+          </a:p>
+          <a:p>
+            <a:pPr lvl="1"/>
+            <a:r>
+              <a:rPr lang="en-US" dirty="0"/>
+              <a:t>Cast</a:t>
+            </a:r>
+          </a:p>
+          <a:p>
+            <a:pPr lvl="1"/>
+            <a:r>
+              <a:rPr lang="en-US" dirty="0"/>
+              <a:t>Null dereference</a:t>
+            </a:r>
+          </a:p>
+          <a:p>
+            <a:pPr lvl="1"/>
+            <a:r>
+              <a:rPr lang="en-US" dirty="0"/>
+              <a:t>Index-out-of-bound</a:t>
+            </a:r>
+          </a:p>
+          <a:p>
+            <a:pPr lvl="1"/>
+            <a:r>
+              <a:rPr lang="en-US" dirty="0"/>
+              <a:t>…</a:t>
+            </a:r>
+          </a:p>
+          <a:p>
+            <a:pPr lvl="1"/>
+            <a:endParaRPr lang="en-US" dirty="0"/>
+          </a:p>
+          <a:p>
+            <a:r>
+              <a:rPr lang="en-US" dirty="0"/>
+              <a:t>Event and queue cardinality constraints</a:t>
+            </a:r>
+          </a:p>
+          <a:p>
+            <a:pPr marL="0" indent="0">
+              <a:buNone/>
+            </a:pPr>
+            <a:endParaRPr lang="en-US" dirty="0"/>
+          </a:p>
+          <a:p>
+            <a:r>
+              <a:rPr lang="en-US" dirty="0"/>
+              <a:t>Encode “Bad” using a safety monitor</a:t>
+            </a:r>
+          </a:p>
+        </p:txBody>
+      </p:sp>
+      <p:sp>
+        <p:nvSpPr>
+          <p:cNvPr id="4" name="TextBox 3">
+            <a:extLst>
+              <a:ext uri="{FF2B5EF4-FFF2-40B4-BE49-F238E27FC236}">
+                <a16:creationId xmlns:a16="http://schemas.microsoft.com/office/drawing/2014/main" id="{30D0449D-8F83-4478-A73A-E3A0B1067BDA}"/>
+              </a:ext>
+            </a:extLst>
+          </p:cNvPr>
+          <p:cNvSpPr txBox="1"/>
           <p:nvPr/>
-        </p:nvGrpSpPr>
-        <p:grpSpPr>
+        </p:nvSpPr>
+        <p:spPr>
           <a:xfrm>
-            <a:off x="2347935" y="2143015"/>
-            <a:ext cx="7661434" cy="2504868"/>
-            <a:chOff x="506176" y="124273"/>
-            <a:chExt cx="7231540" cy="1973104"/>
+            <a:off x="7287013" y="1919166"/>
+            <a:ext cx="4137671" cy="3785652"/>
           </a:xfrm>
-        </p:grpSpPr>
-        <p:sp>
-          <p:nvSpPr>
-            <p:cNvPr id="8" name="Oval 7"/>
-            <p:cNvSpPr/>
-            <p:nvPr/>
-          </p:nvSpPr>
-          <p:spPr>
-            <a:xfrm>
-              <a:off x="3871986" y="124273"/>
-              <a:ext cx="479081" cy="432156"/>
-            </a:xfrm>
-            <a:prstGeom prst="ellipse">
-              <a:avLst/>
-            </a:prstGeom>
-            <a:noFill/>
-            <a:ln w="25400">
-              <a:solidFill>
-                <a:schemeClr val="tx1"/>
-              </a:solidFill>
-            </a:ln>
-          </p:spPr>
-          <p:style>
-            <a:lnRef idx="2">
-              <a:schemeClr val="accent1">
-                <a:shade val="50000"/>
-              </a:schemeClr>
-            </a:lnRef>
-            <a:fillRef idx="1">
-              <a:schemeClr val="accent1"/>
-            </a:fillRef>
-            <a:effectRef idx="0">
-              <a:schemeClr val="accent1"/>
-            </a:effectRef>
-            <a:fontRef idx="minor">
-              <a:schemeClr val="lt1"/>
-            </a:fontRef>
-          </p:style>
-          <p:txBody>
-            <a:bodyPr rtlCol="0" anchor="ctr"/>
-            <a:lstStyle/>
-            <a:p>
-              <a:pPr algn="ctr"/>
-              <a:endParaRPr lang="en-US" sz="962"/>
-            </a:p>
-          </p:txBody>
-        </p:sp>
-        <p:sp>
-          <p:nvSpPr>
-            <p:cNvPr id="9" name="Oval 8"/>
-            <p:cNvSpPr/>
-            <p:nvPr/>
-          </p:nvSpPr>
-          <p:spPr>
-            <a:xfrm>
-              <a:off x="3875167" y="877098"/>
-              <a:ext cx="479081" cy="432156"/>
-            </a:xfrm>
-            <a:prstGeom prst="ellipse">
-              <a:avLst/>
-            </a:prstGeom>
-            <a:noFill/>
-            <a:ln w="25400">
-              <a:solidFill>
-                <a:schemeClr val="tx1"/>
-              </a:solidFill>
-            </a:ln>
-          </p:spPr>
-          <p:style>
-            <a:lnRef idx="2">
-              <a:schemeClr val="accent1">
-                <a:shade val="50000"/>
-              </a:schemeClr>
-            </a:lnRef>
-            <a:fillRef idx="1">
-              <a:schemeClr val="accent1"/>
-            </a:fillRef>
-            <a:effectRef idx="0">
-              <a:schemeClr val="accent1"/>
-            </a:effectRef>
-            <a:fontRef idx="minor">
-              <a:schemeClr val="lt1"/>
-            </a:fontRef>
-          </p:style>
-          <p:txBody>
-            <a:bodyPr rtlCol="0" anchor="ctr"/>
-            <a:lstStyle/>
-            <a:p>
-              <a:pPr algn="ctr"/>
-              <a:endParaRPr lang="en-US" sz="962"/>
-            </a:p>
-          </p:txBody>
-        </p:sp>
-        <p:sp>
-          <p:nvSpPr>
-            <p:cNvPr id="10" name="Oval 9"/>
-            <p:cNvSpPr/>
-            <p:nvPr/>
-          </p:nvSpPr>
-          <p:spPr>
-            <a:xfrm>
-              <a:off x="6429106" y="877098"/>
-              <a:ext cx="479081" cy="432156"/>
-            </a:xfrm>
-            <a:prstGeom prst="ellipse">
-              <a:avLst/>
-            </a:prstGeom>
-            <a:noFill/>
-            <a:ln w="25400">
-              <a:solidFill>
-                <a:schemeClr val="tx1"/>
-              </a:solidFill>
-            </a:ln>
-          </p:spPr>
-          <p:style>
-            <a:lnRef idx="2">
-              <a:schemeClr val="accent1">
-                <a:shade val="50000"/>
-              </a:schemeClr>
-            </a:lnRef>
-            <a:fillRef idx="1">
-              <a:schemeClr val="accent1"/>
-            </a:fillRef>
-            <a:effectRef idx="0">
-              <a:schemeClr val="accent1"/>
-            </a:effectRef>
-            <a:fontRef idx="minor">
-              <a:schemeClr val="lt1"/>
-            </a:fontRef>
-          </p:style>
-          <p:txBody>
-            <a:bodyPr rtlCol="0" anchor="ctr"/>
-            <a:lstStyle/>
-            <a:p>
-              <a:pPr algn="ctr"/>
-              <a:endParaRPr lang="en-US" sz="962"/>
-            </a:p>
-          </p:txBody>
-        </p:sp>
-        <p:sp>
-          <p:nvSpPr>
-            <p:cNvPr id="11" name="Oval 10"/>
-            <p:cNvSpPr/>
-            <p:nvPr/>
-          </p:nvSpPr>
-          <p:spPr>
-            <a:xfrm>
-              <a:off x="1321227" y="877098"/>
-              <a:ext cx="479081" cy="432156"/>
-            </a:xfrm>
-            <a:prstGeom prst="ellipse">
-              <a:avLst/>
-            </a:prstGeom>
-            <a:noFill/>
-            <a:ln w="25400">
-              <a:solidFill>
-                <a:schemeClr val="tx1"/>
-              </a:solidFill>
-            </a:ln>
-          </p:spPr>
-          <p:style>
-            <a:lnRef idx="2">
-              <a:schemeClr val="accent1">
-                <a:shade val="50000"/>
-              </a:schemeClr>
-            </a:lnRef>
-            <a:fillRef idx="1">
-              <a:schemeClr val="accent1"/>
-            </a:fillRef>
-            <a:effectRef idx="0">
-              <a:schemeClr val="accent1"/>
-            </a:effectRef>
-            <a:fontRef idx="minor">
-              <a:schemeClr val="lt1"/>
-            </a:fontRef>
-          </p:style>
-          <p:txBody>
-            <a:bodyPr rtlCol="0" anchor="ctr"/>
-            <a:lstStyle/>
-            <a:p>
-              <a:pPr algn="ctr"/>
-              <a:endParaRPr lang="en-US" sz="962"/>
-            </a:p>
-          </p:txBody>
-        </p:sp>
-        <p:sp>
-          <p:nvSpPr>
-            <p:cNvPr id="12" name="Oval 11"/>
-            <p:cNvSpPr/>
-            <p:nvPr/>
-          </p:nvSpPr>
-          <p:spPr>
-            <a:xfrm>
-              <a:off x="3879062" y="1656650"/>
-              <a:ext cx="479081" cy="432156"/>
-            </a:xfrm>
-            <a:prstGeom prst="ellipse">
-              <a:avLst/>
-            </a:prstGeom>
-            <a:noFill/>
-            <a:ln w="25400">
-              <a:solidFill>
-                <a:schemeClr val="tx1"/>
-              </a:solidFill>
-            </a:ln>
-          </p:spPr>
-          <p:style>
-            <a:lnRef idx="2">
-              <a:schemeClr val="accent1">
-                <a:shade val="50000"/>
-              </a:schemeClr>
-            </a:lnRef>
-            <a:fillRef idx="1">
-              <a:schemeClr val="accent1"/>
-            </a:fillRef>
-            <a:effectRef idx="0">
-              <a:schemeClr val="accent1"/>
-            </a:effectRef>
-            <a:fontRef idx="minor">
-              <a:schemeClr val="lt1"/>
-            </a:fontRef>
-          </p:style>
-          <p:txBody>
-            <a:bodyPr rtlCol="0" anchor="ctr"/>
-            <a:lstStyle/>
-            <a:p>
-              <a:pPr algn="ctr"/>
-              <a:endParaRPr lang="en-US" sz="962"/>
-            </a:p>
-          </p:txBody>
-        </p:sp>
-        <p:sp>
-          <p:nvSpPr>
-            <p:cNvPr id="13" name="Oval 12"/>
-            <p:cNvSpPr/>
-            <p:nvPr/>
-          </p:nvSpPr>
-          <p:spPr>
-            <a:xfrm>
-              <a:off x="6439568" y="1656650"/>
-              <a:ext cx="479081" cy="432156"/>
-            </a:xfrm>
-            <a:prstGeom prst="ellipse">
-              <a:avLst/>
-            </a:prstGeom>
-            <a:noFill/>
-            <a:ln w="25400">
-              <a:solidFill>
-                <a:schemeClr val="tx1"/>
-              </a:solidFill>
-            </a:ln>
-          </p:spPr>
-          <p:style>
-            <a:lnRef idx="2">
-              <a:schemeClr val="accent1">
-                <a:shade val="50000"/>
-              </a:schemeClr>
-            </a:lnRef>
-            <a:fillRef idx="1">
-              <a:schemeClr val="accent1"/>
-            </a:fillRef>
-            <a:effectRef idx="0">
-              <a:schemeClr val="accent1"/>
-            </a:effectRef>
-            <a:fontRef idx="minor">
-              <a:schemeClr val="lt1"/>
-            </a:fontRef>
-          </p:style>
-          <p:txBody>
-            <a:bodyPr rtlCol="0" anchor="ctr"/>
-            <a:lstStyle/>
-            <a:p>
-              <a:pPr algn="ctr"/>
-              <a:endParaRPr lang="en-US" sz="962"/>
-            </a:p>
-          </p:txBody>
-        </p:sp>
-        <p:sp>
-          <p:nvSpPr>
-            <p:cNvPr id="14" name="Oval 13"/>
-            <p:cNvSpPr/>
-            <p:nvPr/>
-          </p:nvSpPr>
-          <p:spPr>
-            <a:xfrm>
-              <a:off x="1323042" y="1656650"/>
-              <a:ext cx="479081" cy="432156"/>
-            </a:xfrm>
-            <a:prstGeom prst="ellipse">
-              <a:avLst/>
-            </a:prstGeom>
-            <a:noFill/>
-            <a:ln w="25400">
-              <a:solidFill>
-                <a:schemeClr val="tx1"/>
-              </a:solidFill>
-            </a:ln>
-          </p:spPr>
-          <p:style>
-            <a:lnRef idx="2">
-              <a:schemeClr val="accent1">
-                <a:shade val="50000"/>
-              </a:schemeClr>
-            </a:lnRef>
-            <a:fillRef idx="1">
-              <a:schemeClr val="accent1"/>
-            </a:fillRef>
-            <a:effectRef idx="0">
-              <a:schemeClr val="accent1"/>
-            </a:effectRef>
-            <a:fontRef idx="minor">
-              <a:schemeClr val="lt1"/>
-            </a:fontRef>
-          </p:style>
-          <p:txBody>
-            <a:bodyPr rtlCol="0" anchor="ctr"/>
-            <a:lstStyle/>
-            <a:p>
-              <a:pPr algn="ctr"/>
-              <a:endParaRPr lang="en-US" sz="962"/>
-            </a:p>
-          </p:txBody>
-        </p:sp>
-        <p:sp>
-          <p:nvSpPr>
-            <p:cNvPr id="15" name="Oval 14"/>
-            <p:cNvSpPr/>
-            <p:nvPr/>
-          </p:nvSpPr>
-          <p:spPr>
-            <a:xfrm>
-              <a:off x="3092833" y="1656650"/>
-              <a:ext cx="479081" cy="432156"/>
-            </a:xfrm>
-            <a:prstGeom prst="ellipse">
-              <a:avLst/>
-            </a:prstGeom>
-            <a:noFill/>
-            <a:ln w="25400">
-              <a:solidFill>
-                <a:schemeClr val="tx1"/>
-              </a:solidFill>
-            </a:ln>
-          </p:spPr>
-          <p:style>
-            <a:lnRef idx="2">
-              <a:schemeClr val="accent1">
-                <a:shade val="50000"/>
-              </a:schemeClr>
-            </a:lnRef>
-            <a:fillRef idx="1">
-              <a:schemeClr val="accent1"/>
-            </a:fillRef>
-            <a:effectRef idx="0">
-              <a:schemeClr val="accent1"/>
-            </a:effectRef>
-            <a:fontRef idx="minor">
-              <a:schemeClr val="lt1"/>
-            </a:fontRef>
-          </p:style>
-          <p:txBody>
-            <a:bodyPr rtlCol="0" anchor="ctr"/>
-            <a:lstStyle/>
-            <a:p>
-              <a:pPr algn="ctr"/>
-              <a:endParaRPr lang="en-US" sz="962"/>
-            </a:p>
-          </p:txBody>
-        </p:sp>
-        <p:sp>
-          <p:nvSpPr>
-            <p:cNvPr id="16" name="Oval 15"/>
-            <p:cNvSpPr/>
-            <p:nvPr/>
-          </p:nvSpPr>
-          <p:spPr>
-            <a:xfrm>
-              <a:off x="5646771" y="1656650"/>
-              <a:ext cx="479081" cy="432156"/>
-            </a:xfrm>
-            <a:prstGeom prst="ellipse">
-              <a:avLst/>
-            </a:prstGeom>
-            <a:noFill/>
-            <a:ln w="25400">
-              <a:solidFill>
-                <a:schemeClr val="tx1"/>
-              </a:solidFill>
-            </a:ln>
-          </p:spPr>
-          <p:style>
-            <a:lnRef idx="2">
-              <a:schemeClr val="accent1">
-                <a:shade val="50000"/>
-              </a:schemeClr>
-            </a:lnRef>
-            <a:fillRef idx="1">
-              <a:schemeClr val="accent1"/>
-            </a:fillRef>
-            <a:effectRef idx="0">
-              <a:schemeClr val="accent1"/>
-            </a:effectRef>
-            <a:fontRef idx="minor">
-              <a:schemeClr val="lt1"/>
-            </a:fontRef>
-          </p:style>
-          <p:txBody>
-            <a:bodyPr rtlCol="0" anchor="ctr"/>
-            <a:lstStyle/>
-            <a:p>
-              <a:pPr algn="ctr"/>
-              <a:endParaRPr lang="en-US" sz="962"/>
-            </a:p>
-          </p:txBody>
-        </p:sp>
-        <p:sp>
-          <p:nvSpPr>
-            <p:cNvPr id="17" name="Oval 16"/>
-            <p:cNvSpPr/>
-            <p:nvPr/>
-          </p:nvSpPr>
-          <p:spPr>
-            <a:xfrm>
-              <a:off x="517110" y="1656650"/>
-              <a:ext cx="479081" cy="432156"/>
-            </a:xfrm>
-            <a:prstGeom prst="ellipse">
-              <a:avLst/>
-            </a:prstGeom>
-            <a:noFill/>
-            <a:ln w="25400">
-              <a:solidFill>
-                <a:schemeClr val="tx1"/>
-              </a:solidFill>
-            </a:ln>
-          </p:spPr>
-          <p:style>
-            <a:lnRef idx="2">
-              <a:schemeClr val="accent1">
-                <a:shade val="50000"/>
-              </a:schemeClr>
-            </a:lnRef>
-            <a:fillRef idx="1">
-              <a:schemeClr val="accent1"/>
-            </a:fillRef>
-            <a:effectRef idx="0">
-              <a:schemeClr val="accent1"/>
-            </a:effectRef>
-            <a:fontRef idx="minor">
-              <a:schemeClr val="lt1"/>
-            </a:fontRef>
-          </p:style>
-          <p:txBody>
-            <a:bodyPr rtlCol="0" anchor="ctr"/>
-            <a:lstStyle/>
-            <a:p>
-              <a:pPr algn="ctr"/>
-              <a:endParaRPr lang="en-US" sz="962"/>
-            </a:p>
-          </p:txBody>
-        </p:sp>
-        <p:sp>
-          <p:nvSpPr>
-            <p:cNvPr id="18" name="Oval 17"/>
-            <p:cNvSpPr/>
-            <p:nvPr/>
-          </p:nvSpPr>
-          <p:spPr>
-            <a:xfrm>
-              <a:off x="4724652" y="1665221"/>
-              <a:ext cx="479081" cy="432156"/>
-            </a:xfrm>
-            <a:prstGeom prst="ellipse">
-              <a:avLst/>
-            </a:prstGeom>
-            <a:noFill/>
-            <a:ln w="25400">
-              <a:solidFill>
-                <a:schemeClr val="tx1"/>
-              </a:solidFill>
-            </a:ln>
-          </p:spPr>
-          <p:style>
-            <a:lnRef idx="2">
-              <a:schemeClr val="accent1">
-                <a:shade val="50000"/>
-              </a:schemeClr>
-            </a:lnRef>
-            <a:fillRef idx="1">
-              <a:schemeClr val="accent1"/>
-            </a:fillRef>
-            <a:effectRef idx="0">
-              <a:schemeClr val="accent1"/>
-            </a:effectRef>
-            <a:fontRef idx="minor">
-              <a:schemeClr val="lt1"/>
-            </a:fontRef>
-          </p:style>
-          <p:txBody>
-            <a:bodyPr rtlCol="0" anchor="ctr"/>
-            <a:lstStyle/>
-            <a:p>
-              <a:pPr algn="ctr"/>
-              <a:endParaRPr lang="en-US" sz="962"/>
-            </a:p>
-          </p:txBody>
-        </p:sp>
-        <p:sp>
-          <p:nvSpPr>
-            <p:cNvPr id="19" name="Oval 18"/>
-            <p:cNvSpPr/>
-            <p:nvPr/>
-          </p:nvSpPr>
-          <p:spPr>
-            <a:xfrm>
-              <a:off x="7258635" y="1656650"/>
-              <a:ext cx="479081" cy="432156"/>
-            </a:xfrm>
-            <a:prstGeom prst="ellipse">
-              <a:avLst/>
-            </a:prstGeom>
-            <a:noFill/>
-            <a:ln w="25400">
-              <a:solidFill>
-                <a:schemeClr val="tx1"/>
-              </a:solidFill>
-            </a:ln>
-          </p:spPr>
-          <p:style>
-            <a:lnRef idx="2">
-              <a:schemeClr val="accent1">
-                <a:shade val="50000"/>
-              </a:schemeClr>
-            </a:lnRef>
-            <a:fillRef idx="1">
-              <a:schemeClr val="accent1"/>
-            </a:fillRef>
-            <a:effectRef idx="0">
-              <a:schemeClr val="accent1"/>
-            </a:effectRef>
-            <a:fontRef idx="minor">
-              <a:schemeClr val="lt1"/>
-            </a:fontRef>
-          </p:style>
-          <p:txBody>
-            <a:bodyPr rtlCol="0" anchor="ctr"/>
-            <a:lstStyle/>
-            <a:p>
-              <a:pPr algn="ctr"/>
-              <a:endParaRPr lang="en-US" sz="962"/>
-            </a:p>
-          </p:txBody>
-        </p:sp>
-        <p:sp>
-          <p:nvSpPr>
-            <p:cNvPr id="20" name="Oval 19"/>
-            <p:cNvSpPr/>
-            <p:nvPr/>
-          </p:nvSpPr>
-          <p:spPr>
-            <a:xfrm>
-              <a:off x="2128974" y="1656650"/>
-              <a:ext cx="479081" cy="432156"/>
-            </a:xfrm>
-            <a:prstGeom prst="ellipse">
-              <a:avLst/>
-            </a:prstGeom>
-            <a:noFill/>
-            <a:ln w="25400">
-              <a:solidFill>
-                <a:schemeClr val="tx1"/>
-              </a:solidFill>
-            </a:ln>
-          </p:spPr>
-          <p:style>
-            <a:lnRef idx="2">
-              <a:schemeClr val="accent1">
-                <a:shade val="50000"/>
-              </a:schemeClr>
-            </a:lnRef>
-            <a:fillRef idx="1">
-              <a:schemeClr val="accent1"/>
-            </a:fillRef>
-            <a:effectRef idx="0">
-              <a:schemeClr val="accent1"/>
-            </a:effectRef>
-            <a:fontRef idx="minor">
-              <a:schemeClr val="lt1"/>
-            </a:fontRef>
-          </p:style>
-          <p:txBody>
-            <a:bodyPr rtlCol="0" anchor="ctr"/>
-            <a:lstStyle/>
-            <a:p>
-              <a:pPr algn="ctr"/>
-              <a:endParaRPr lang="en-US" sz="962"/>
-            </a:p>
-          </p:txBody>
-        </p:sp>
-        <p:cxnSp>
-          <p:nvCxnSpPr>
-            <p:cNvPr id="21" name="Straight Arrow Connector 20"/>
-            <p:cNvCxnSpPr>
-              <a:stCxn id="8" idx="3"/>
-              <a:endCxn id="11" idx="7"/>
-            </p:cNvCxnSpPr>
-            <p:nvPr/>
-          </p:nvCxnSpPr>
-          <p:spPr>
-            <a:xfrm flipH="1">
-              <a:off x="1730148" y="493141"/>
-              <a:ext cx="2211998" cy="447245"/>
-            </a:xfrm>
-            <a:prstGeom prst="straightConnector1">
-              <a:avLst/>
-            </a:prstGeom>
-            <a:ln w="19050">
-              <a:solidFill>
-                <a:schemeClr val="tx1"/>
-              </a:solidFill>
-              <a:tailEnd type="triangle"/>
-            </a:ln>
-          </p:spPr>
-          <p:style>
-            <a:lnRef idx="1">
-              <a:schemeClr val="accent1"/>
-            </a:lnRef>
-            <a:fillRef idx="0">
-              <a:schemeClr val="accent1"/>
-            </a:fillRef>
-            <a:effectRef idx="0">
-              <a:schemeClr val="accent1"/>
-            </a:effectRef>
-            <a:fontRef idx="minor">
-              <a:schemeClr val="tx1"/>
-            </a:fontRef>
-          </p:style>
-        </p:cxnSp>
-        <p:cxnSp>
-          <p:nvCxnSpPr>
-            <p:cNvPr id="22" name="Straight Arrow Connector 21"/>
-            <p:cNvCxnSpPr>
-              <a:stCxn id="8" idx="4"/>
-              <a:endCxn id="9" idx="0"/>
-            </p:cNvCxnSpPr>
-            <p:nvPr/>
-          </p:nvCxnSpPr>
-          <p:spPr>
-            <a:xfrm>
-              <a:off x="4111527" y="556429"/>
-              <a:ext cx="3180" cy="320669"/>
-            </a:xfrm>
-            <a:prstGeom prst="straightConnector1">
-              <a:avLst/>
-            </a:prstGeom>
-            <a:ln w="19050">
-              <a:solidFill>
-                <a:schemeClr val="tx1"/>
-              </a:solidFill>
-              <a:tailEnd type="triangle"/>
-            </a:ln>
-          </p:spPr>
-          <p:style>
-            <a:lnRef idx="1">
-              <a:schemeClr val="accent1"/>
-            </a:lnRef>
-            <a:fillRef idx="0">
-              <a:schemeClr val="accent1"/>
-            </a:fillRef>
-            <a:effectRef idx="0">
-              <a:schemeClr val="accent1"/>
-            </a:effectRef>
-            <a:fontRef idx="minor">
-              <a:schemeClr val="tx1"/>
-            </a:fontRef>
-          </p:style>
-        </p:cxnSp>
-        <p:cxnSp>
-          <p:nvCxnSpPr>
-            <p:cNvPr id="23" name="Straight Arrow Connector 22"/>
-            <p:cNvCxnSpPr>
-              <a:stCxn id="8" idx="5"/>
-              <a:endCxn id="10" idx="1"/>
-            </p:cNvCxnSpPr>
-            <p:nvPr/>
-          </p:nvCxnSpPr>
-          <p:spPr>
-            <a:xfrm>
-              <a:off x="4280907" y="493141"/>
-              <a:ext cx="2218359" cy="447245"/>
-            </a:xfrm>
-            <a:prstGeom prst="straightConnector1">
-              <a:avLst/>
-            </a:prstGeom>
-            <a:ln w="19050">
-              <a:solidFill>
-                <a:schemeClr val="tx1"/>
-              </a:solidFill>
-              <a:tailEnd type="triangle"/>
-            </a:ln>
-          </p:spPr>
-          <p:style>
-            <a:lnRef idx="1">
-              <a:schemeClr val="accent1"/>
-            </a:lnRef>
-            <a:fillRef idx="0">
-              <a:schemeClr val="accent1"/>
-            </a:fillRef>
-            <a:effectRef idx="0">
-              <a:schemeClr val="accent1"/>
-            </a:effectRef>
-            <a:fontRef idx="minor">
-              <a:schemeClr val="tx1"/>
-            </a:fontRef>
-          </p:style>
-        </p:cxnSp>
-        <p:cxnSp>
-          <p:nvCxnSpPr>
-            <p:cNvPr id="24" name="Straight Arrow Connector 23"/>
-            <p:cNvCxnSpPr>
-              <a:stCxn id="11" idx="3"/>
-              <a:endCxn id="17" idx="0"/>
-            </p:cNvCxnSpPr>
-            <p:nvPr/>
-          </p:nvCxnSpPr>
-          <p:spPr>
-            <a:xfrm flipH="1">
-              <a:off x="756650" y="1245967"/>
-              <a:ext cx="634737" cy="410683"/>
-            </a:xfrm>
-            <a:prstGeom prst="straightConnector1">
-              <a:avLst/>
-            </a:prstGeom>
-            <a:ln w="19050">
-              <a:solidFill>
-                <a:schemeClr val="tx1"/>
-              </a:solidFill>
-              <a:tailEnd type="triangle"/>
-            </a:ln>
-          </p:spPr>
-          <p:style>
-            <a:lnRef idx="1">
-              <a:schemeClr val="accent1"/>
-            </a:lnRef>
-            <a:fillRef idx="0">
-              <a:schemeClr val="accent1"/>
-            </a:fillRef>
-            <a:effectRef idx="0">
-              <a:schemeClr val="accent1"/>
-            </a:effectRef>
-            <a:fontRef idx="minor">
-              <a:schemeClr val="tx1"/>
-            </a:fontRef>
-          </p:style>
-        </p:cxnSp>
-        <p:cxnSp>
-          <p:nvCxnSpPr>
-            <p:cNvPr id="25" name="Straight Arrow Connector 24"/>
-            <p:cNvCxnSpPr>
-              <a:stCxn id="11" idx="4"/>
-              <a:endCxn id="14" idx="0"/>
-            </p:cNvCxnSpPr>
-            <p:nvPr/>
-          </p:nvCxnSpPr>
-          <p:spPr>
-            <a:xfrm>
-              <a:off x="1560768" y="1309255"/>
-              <a:ext cx="1815" cy="347395"/>
-            </a:xfrm>
-            <a:prstGeom prst="straightConnector1">
-              <a:avLst/>
-            </a:prstGeom>
-            <a:ln w="19050">
-              <a:solidFill>
-                <a:schemeClr val="tx1"/>
-              </a:solidFill>
-              <a:tailEnd type="triangle"/>
-            </a:ln>
-          </p:spPr>
-          <p:style>
-            <a:lnRef idx="1">
-              <a:schemeClr val="accent1"/>
-            </a:lnRef>
-            <a:fillRef idx="0">
-              <a:schemeClr val="accent1"/>
-            </a:fillRef>
-            <a:effectRef idx="0">
-              <a:schemeClr val="accent1"/>
-            </a:effectRef>
-            <a:fontRef idx="minor">
-              <a:schemeClr val="tx1"/>
-            </a:fontRef>
-          </p:style>
-        </p:cxnSp>
-        <p:cxnSp>
-          <p:nvCxnSpPr>
-            <p:cNvPr id="26" name="Straight Arrow Connector 25"/>
-            <p:cNvCxnSpPr>
-              <a:stCxn id="11" idx="5"/>
-              <a:endCxn id="20" idx="0"/>
-            </p:cNvCxnSpPr>
-            <p:nvPr/>
-          </p:nvCxnSpPr>
-          <p:spPr>
-            <a:xfrm>
-              <a:off x="1730148" y="1245967"/>
-              <a:ext cx="638366" cy="410683"/>
-            </a:xfrm>
-            <a:prstGeom prst="straightConnector1">
-              <a:avLst/>
-            </a:prstGeom>
-            <a:ln w="19050">
-              <a:solidFill>
-                <a:schemeClr val="tx1"/>
-              </a:solidFill>
-              <a:tailEnd type="triangle"/>
-            </a:ln>
-          </p:spPr>
-          <p:style>
-            <a:lnRef idx="1">
-              <a:schemeClr val="accent1"/>
-            </a:lnRef>
-            <a:fillRef idx="0">
-              <a:schemeClr val="accent1"/>
-            </a:fillRef>
-            <a:effectRef idx="0">
-              <a:schemeClr val="accent1"/>
-            </a:effectRef>
-            <a:fontRef idx="minor">
-              <a:schemeClr val="tx1"/>
-            </a:fontRef>
-          </p:style>
-        </p:cxnSp>
-        <p:cxnSp>
-          <p:nvCxnSpPr>
-            <p:cNvPr id="27" name="Straight Arrow Connector 26"/>
-            <p:cNvCxnSpPr>
-              <a:stCxn id="9" idx="3"/>
-              <a:endCxn id="15" idx="0"/>
-            </p:cNvCxnSpPr>
-            <p:nvPr/>
-          </p:nvCxnSpPr>
-          <p:spPr>
-            <a:xfrm flipH="1">
-              <a:off x="3332373" y="1245967"/>
-              <a:ext cx="612953" cy="410683"/>
-            </a:xfrm>
-            <a:prstGeom prst="straightConnector1">
-              <a:avLst/>
-            </a:prstGeom>
-            <a:ln w="19050">
-              <a:solidFill>
-                <a:schemeClr val="tx1"/>
-              </a:solidFill>
-              <a:tailEnd type="triangle"/>
-            </a:ln>
-          </p:spPr>
-          <p:style>
-            <a:lnRef idx="1">
-              <a:schemeClr val="accent1"/>
-            </a:lnRef>
-            <a:fillRef idx="0">
-              <a:schemeClr val="accent1"/>
-            </a:fillRef>
-            <a:effectRef idx="0">
-              <a:schemeClr val="accent1"/>
-            </a:effectRef>
-            <a:fontRef idx="minor">
-              <a:schemeClr val="tx1"/>
-            </a:fontRef>
-          </p:style>
-        </p:cxnSp>
-        <p:cxnSp>
-          <p:nvCxnSpPr>
-            <p:cNvPr id="28" name="Straight Arrow Connector 27"/>
-            <p:cNvCxnSpPr>
-              <a:stCxn id="9" idx="4"/>
-              <a:endCxn id="12" idx="0"/>
-            </p:cNvCxnSpPr>
-            <p:nvPr/>
-          </p:nvCxnSpPr>
-          <p:spPr>
-            <a:xfrm>
-              <a:off x="4114707" y="1309255"/>
-              <a:ext cx="3895" cy="347395"/>
-            </a:xfrm>
-            <a:prstGeom prst="straightConnector1">
-              <a:avLst/>
-            </a:prstGeom>
-            <a:ln w="19050">
-              <a:solidFill>
-                <a:schemeClr val="tx1"/>
-              </a:solidFill>
-              <a:tailEnd type="triangle"/>
-            </a:ln>
-          </p:spPr>
-          <p:style>
-            <a:lnRef idx="1">
-              <a:schemeClr val="accent1"/>
-            </a:lnRef>
-            <a:fillRef idx="0">
-              <a:schemeClr val="accent1"/>
-            </a:fillRef>
-            <a:effectRef idx="0">
-              <a:schemeClr val="accent1"/>
-            </a:effectRef>
-            <a:fontRef idx="minor">
-              <a:schemeClr val="tx1"/>
-            </a:fontRef>
-          </p:style>
-        </p:cxnSp>
-        <p:cxnSp>
-          <p:nvCxnSpPr>
-            <p:cNvPr id="29" name="Straight Arrow Connector 28"/>
-            <p:cNvCxnSpPr>
-              <a:stCxn id="9" idx="5"/>
-              <a:endCxn id="18" idx="0"/>
-            </p:cNvCxnSpPr>
-            <p:nvPr/>
-          </p:nvCxnSpPr>
-          <p:spPr>
-            <a:xfrm>
-              <a:off x="4284088" y="1245967"/>
-              <a:ext cx="680105" cy="419254"/>
-            </a:xfrm>
-            <a:prstGeom prst="straightConnector1">
-              <a:avLst/>
-            </a:prstGeom>
-            <a:ln w="19050">
-              <a:solidFill>
-                <a:schemeClr val="tx1"/>
-              </a:solidFill>
-              <a:tailEnd type="triangle"/>
-            </a:ln>
-          </p:spPr>
-          <p:style>
-            <a:lnRef idx="1">
-              <a:schemeClr val="accent1"/>
-            </a:lnRef>
-            <a:fillRef idx="0">
-              <a:schemeClr val="accent1"/>
-            </a:fillRef>
-            <a:effectRef idx="0">
-              <a:schemeClr val="accent1"/>
-            </a:effectRef>
-            <a:fontRef idx="minor">
-              <a:schemeClr val="tx1"/>
-            </a:fontRef>
-          </p:style>
-        </p:cxnSp>
-        <p:cxnSp>
-          <p:nvCxnSpPr>
-            <p:cNvPr id="30" name="Straight Arrow Connector 29"/>
-            <p:cNvCxnSpPr>
-              <a:stCxn id="10" idx="3"/>
-              <a:endCxn id="16" idx="0"/>
-            </p:cNvCxnSpPr>
-            <p:nvPr/>
-          </p:nvCxnSpPr>
-          <p:spPr>
-            <a:xfrm flipH="1">
-              <a:off x="5886312" y="1245967"/>
-              <a:ext cx="612954" cy="410683"/>
-            </a:xfrm>
-            <a:prstGeom prst="straightConnector1">
-              <a:avLst/>
-            </a:prstGeom>
-            <a:ln w="19050">
-              <a:solidFill>
-                <a:schemeClr val="tx1"/>
-              </a:solidFill>
-              <a:tailEnd type="triangle"/>
-            </a:ln>
-          </p:spPr>
-          <p:style>
-            <a:lnRef idx="1">
-              <a:schemeClr val="accent1"/>
-            </a:lnRef>
-            <a:fillRef idx="0">
-              <a:schemeClr val="accent1"/>
-            </a:fillRef>
-            <a:effectRef idx="0">
-              <a:schemeClr val="accent1"/>
-            </a:effectRef>
-            <a:fontRef idx="minor">
-              <a:schemeClr val="tx1"/>
-            </a:fontRef>
-          </p:style>
-        </p:cxnSp>
-        <p:cxnSp>
-          <p:nvCxnSpPr>
-            <p:cNvPr id="31" name="Straight Arrow Connector 30"/>
-            <p:cNvCxnSpPr>
-              <a:stCxn id="10" idx="4"/>
-              <a:endCxn id="13" idx="0"/>
-            </p:cNvCxnSpPr>
-            <p:nvPr/>
-          </p:nvCxnSpPr>
-          <p:spPr>
-            <a:xfrm>
-              <a:off x="6668646" y="1309255"/>
-              <a:ext cx="10462" cy="347395"/>
-            </a:xfrm>
-            <a:prstGeom prst="straightConnector1">
-              <a:avLst/>
-            </a:prstGeom>
-            <a:ln w="19050">
-              <a:solidFill>
-                <a:schemeClr val="tx1"/>
-              </a:solidFill>
-              <a:tailEnd type="triangle"/>
-            </a:ln>
-          </p:spPr>
-          <p:style>
-            <a:lnRef idx="1">
-              <a:schemeClr val="accent1"/>
-            </a:lnRef>
-            <a:fillRef idx="0">
-              <a:schemeClr val="accent1"/>
-            </a:fillRef>
-            <a:effectRef idx="0">
-              <a:schemeClr val="accent1"/>
-            </a:effectRef>
-            <a:fontRef idx="minor">
-              <a:schemeClr val="tx1"/>
-            </a:fontRef>
-          </p:style>
-        </p:cxnSp>
-        <p:cxnSp>
-          <p:nvCxnSpPr>
-            <p:cNvPr id="32" name="Straight Arrow Connector 31"/>
-            <p:cNvCxnSpPr>
-              <a:stCxn id="10" idx="5"/>
-              <a:endCxn id="19" idx="0"/>
-            </p:cNvCxnSpPr>
-            <p:nvPr/>
-          </p:nvCxnSpPr>
-          <p:spPr>
-            <a:xfrm>
-              <a:off x="6838027" y="1245967"/>
-              <a:ext cx="660149" cy="410683"/>
-            </a:xfrm>
-            <a:prstGeom prst="straightConnector1">
-              <a:avLst/>
-            </a:prstGeom>
-            <a:ln w="19050">
-              <a:solidFill>
-                <a:schemeClr val="tx1"/>
-              </a:solidFill>
-              <a:tailEnd type="triangle"/>
-            </a:ln>
-          </p:spPr>
-          <p:style>
-            <a:lnRef idx="1">
-              <a:schemeClr val="accent1"/>
-            </a:lnRef>
-            <a:fillRef idx="0">
-              <a:schemeClr val="accent1"/>
-            </a:fillRef>
-            <a:effectRef idx="0">
-              <a:schemeClr val="accent1"/>
-            </a:effectRef>
-            <a:fontRef idx="minor">
-              <a:schemeClr val="tx1"/>
-            </a:fontRef>
-          </p:style>
-        </p:cxnSp>
-        <mc:AlternateContent xmlns:mc="http://schemas.openxmlformats.org/markup-compatibility/2006" xmlns:a14="http://schemas.microsoft.com/office/drawing/2010/main">
-          <mc:Choice Requires="a14">
-            <p:sp>
-              <p:nvSpPr>
-                <p:cNvPr id="33" name="Rectangle 32"/>
-                <p:cNvSpPr/>
-                <p:nvPr/>
-              </p:nvSpPr>
-              <p:spPr>
-                <a:xfrm>
-                  <a:off x="3850120" y="166913"/>
-                  <a:ext cx="455190" cy="247222"/>
-                </a:xfrm>
-                <a:prstGeom prst="rect">
-                  <a:avLst/>
-                </a:prstGeom>
-              </p:spPr>
-              <p:txBody>
-                <a:bodyPr wrap="none">
-                  <a:spAutoFit/>
-                </a:bodyPr>
-                <a:lstStyle/>
-                <a:p>
-                  <a:pPr/>
-                  <a14:m>
-                    <m:oMathPara xmlns:m="http://schemas.openxmlformats.org/officeDocument/2006/math">
-                      <m:oMathParaPr>
-                        <m:jc m:val="centerGroup"/>
-                      </m:oMathParaPr>
-                      <m:oMath xmlns:m="http://schemas.openxmlformats.org/officeDocument/2006/math">
-                        <m:sSub>
-                          <m:sSubPr>
-                            <m:ctrlPr>
-                              <a:rPr lang="en-US" sz="1440" i="1">
-                                <a:latin typeface="Cambria Math" panose="02040503050406030204" pitchFamily="18" charset="0"/>
-                              </a:rPr>
-                            </m:ctrlPr>
-                          </m:sSubPr>
-                          <m:e>
-                            <m:r>
-                              <a:rPr lang="en-US" sz="1440" i="1">
-                                <a:latin typeface="Cambria Math" panose="02040503050406030204" pitchFamily="18" charset="0"/>
-                              </a:rPr>
-                              <m:t>  </m:t>
-                            </m:r>
-                            <m:r>
-                              <a:rPr lang="en-US" sz="1440" i="1">
-                                <a:latin typeface="Cambria Math" panose="02040503050406030204" pitchFamily="18" charset="0"/>
-                              </a:rPr>
-                              <m:t>𝑆</m:t>
-                            </m:r>
-                          </m:e>
-                          <m:sub>
-                            <m:r>
-                              <a:rPr lang="en-US" sz="1440" i="1">
-                                <a:latin typeface="Cambria Math" panose="02040503050406030204" pitchFamily="18" charset="0"/>
-                              </a:rPr>
-                              <m:t>0</m:t>
-                            </m:r>
-                          </m:sub>
-                        </m:sSub>
-                      </m:oMath>
-                    </m:oMathPara>
-                  </a14:m>
-                  <a:endParaRPr lang="en-US" sz="1440" dirty="0"/>
-                </a:p>
-              </p:txBody>
-            </p:sp>
-          </mc:Choice>
-          <mc:Fallback xmlns="">
-            <p:sp>
-              <p:nvSpPr>
-                <p:cNvPr id="3" name="Rectangle 2"/>
-                <p:cNvSpPr>
-                  <a:spLocks noRot="1" noChangeAspect="1" noMove="1" noResize="1" noEditPoints="1" noAdjustHandles="1" noChangeArrowheads="1" noChangeShapeType="1" noTextEdit="1"/>
-                </p:cNvSpPr>
-                <p:nvPr/>
-              </p:nvSpPr>
-              <p:spPr>
-                <a:xfrm>
-                  <a:off x="3850120" y="166913"/>
-                  <a:ext cx="500947" cy="307721"/>
-                </a:xfrm>
-                <a:prstGeom prst="rect">
-                  <a:avLst/>
-                </a:prstGeom>
-                <a:blipFill rotWithShape="0">
-                  <a:blip r:embed="rId3"/>
-                  <a:stretch>
-                    <a:fillRect/>
-                  </a:stretch>
-                </a:blipFill>
-              </p:spPr>
-              <p:txBody>
-                <a:bodyPr/>
-                <a:lstStyle/>
-                <a:p>
-                  <a:r>
-                    <a:rPr lang="en-US">
-                      <a:noFill/>
-                    </a:rPr>
-                    <a:t> </a:t>
-                  </a:r>
-                </a:p>
-              </p:txBody>
-            </p:sp>
-          </mc:Fallback>
-        </mc:AlternateContent>
-        <mc:AlternateContent xmlns:mc="http://schemas.openxmlformats.org/markup-compatibility/2006" xmlns:a14="http://schemas.microsoft.com/office/drawing/2010/main">
-          <mc:Choice Requires="a14">
-            <p:sp>
-              <p:nvSpPr>
-                <p:cNvPr id="34" name="Rectangle 33"/>
-                <p:cNvSpPr/>
-                <p:nvPr/>
-              </p:nvSpPr>
-              <p:spPr>
-                <a:xfrm>
-                  <a:off x="3870321" y="964040"/>
-                  <a:ext cx="420459" cy="225408"/>
-                </a:xfrm>
-                <a:prstGeom prst="rect">
-                  <a:avLst/>
-                </a:prstGeom>
-              </p:spPr>
-              <p:txBody>
-                <a:bodyPr wrap="none">
-                  <a:spAutoFit/>
-                </a:bodyPr>
-                <a:lstStyle/>
-                <a:p>
-                  <a:pPr/>
-                  <a14:m>
-                    <m:oMathPara xmlns:m="http://schemas.openxmlformats.org/officeDocument/2006/math">
-                      <m:oMathParaPr>
-                        <m:jc m:val="centerGroup"/>
-                      </m:oMathParaPr>
-                      <m:oMath xmlns:m="http://schemas.openxmlformats.org/officeDocument/2006/math">
-                        <m:sSub>
-                          <m:sSubPr>
-                            <m:ctrlPr>
-                              <a:rPr lang="en-US" sz="1260" i="1">
-                                <a:latin typeface="Cambria Math" panose="02040503050406030204" pitchFamily="18" charset="0"/>
-                              </a:rPr>
-                            </m:ctrlPr>
-                          </m:sSubPr>
-                          <m:e>
-                            <m:r>
-                              <a:rPr lang="en-US" sz="1260" i="1">
-                                <a:latin typeface="Cambria Math" panose="02040503050406030204" pitchFamily="18" charset="0"/>
-                              </a:rPr>
-                              <m:t>  </m:t>
-                            </m:r>
-                            <m:r>
-                              <a:rPr lang="en-US" sz="1260" i="1">
-                                <a:latin typeface="Cambria Math" panose="02040503050406030204" pitchFamily="18" charset="0"/>
-                              </a:rPr>
-                              <m:t>𝑆</m:t>
-                            </m:r>
-                          </m:e>
-                          <m:sub>
-                            <m:r>
-                              <a:rPr lang="en-US" sz="1260" i="1">
-                                <a:latin typeface="Cambria Math" panose="02040503050406030204" pitchFamily="18" charset="0"/>
-                              </a:rPr>
-                              <m:t>2</m:t>
-                            </m:r>
-                          </m:sub>
-                        </m:sSub>
-                      </m:oMath>
-                    </m:oMathPara>
-                  </a14:m>
-                  <a:endParaRPr lang="en-US" sz="1260" dirty="0"/>
-                </a:p>
-              </p:txBody>
-            </p:sp>
-          </mc:Choice>
-          <mc:Fallback xmlns="">
-            <p:sp>
-              <p:nvSpPr>
-                <p:cNvPr id="35" name="Rectangle 34"/>
-                <p:cNvSpPr>
-                  <a:spLocks noRot="1" noChangeAspect="1" noMove="1" noResize="1" noEditPoints="1" noAdjustHandles="1" noChangeArrowheads="1" noChangeShapeType="1" noTextEdit="1"/>
-                </p:cNvSpPr>
-                <p:nvPr/>
-              </p:nvSpPr>
-              <p:spPr>
-                <a:xfrm>
-                  <a:off x="3870321" y="964040"/>
-                  <a:ext cx="442384" cy="255966"/>
-                </a:xfrm>
-                <a:prstGeom prst="rect">
-                  <a:avLst/>
-                </a:prstGeom>
-                <a:blipFill rotWithShape="0">
-                  <a:blip r:embed="rId4"/>
-                  <a:stretch>
-                    <a:fillRect/>
-                  </a:stretch>
-                </a:blipFill>
-              </p:spPr>
-              <p:txBody>
-                <a:bodyPr/>
-                <a:lstStyle/>
-                <a:p>
-                  <a:r>
-                    <a:rPr lang="en-US">
-                      <a:noFill/>
-                    </a:rPr>
-                    <a:t> </a:t>
-                  </a:r>
-                </a:p>
-              </p:txBody>
-            </p:sp>
-          </mc:Fallback>
-        </mc:AlternateContent>
-        <mc:AlternateContent xmlns:mc="http://schemas.openxmlformats.org/markup-compatibility/2006" xmlns:a14="http://schemas.microsoft.com/office/drawing/2010/main">
-          <mc:Choice Requires="a14">
-            <p:sp>
-              <p:nvSpPr>
-                <p:cNvPr id="35" name="Rectangle 34"/>
-                <p:cNvSpPr/>
-                <p:nvPr/>
-              </p:nvSpPr>
-              <p:spPr>
-                <a:xfrm>
-                  <a:off x="1294614" y="933850"/>
-                  <a:ext cx="451137" cy="247222"/>
-                </a:xfrm>
-                <a:prstGeom prst="rect">
-                  <a:avLst/>
-                </a:prstGeom>
-              </p:spPr>
-              <p:txBody>
-                <a:bodyPr wrap="none">
-                  <a:spAutoFit/>
-                </a:bodyPr>
-                <a:lstStyle/>
-                <a:p>
-                  <a:pPr/>
-                  <a14:m>
-                    <m:oMathPara xmlns:m="http://schemas.openxmlformats.org/officeDocument/2006/math">
-                      <m:oMathParaPr>
-                        <m:jc m:val="centerGroup"/>
-                      </m:oMathParaPr>
-                      <m:oMath xmlns:m="http://schemas.openxmlformats.org/officeDocument/2006/math">
-                        <m:sSub>
-                          <m:sSubPr>
-                            <m:ctrlPr>
-                              <a:rPr lang="en-US" sz="1440" i="1">
-                                <a:latin typeface="Cambria Math" panose="02040503050406030204" pitchFamily="18" charset="0"/>
-                              </a:rPr>
-                            </m:ctrlPr>
-                          </m:sSubPr>
-                          <m:e>
-                            <m:r>
-                              <a:rPr lang="en-US" sz="1440" i="1">
-                                <a:latin typeface="Cambria Math" panose="02040503050406030204" pitchFamily="18" charset="0"/>
-                              </a:rPr>
-                              <m:t>  </m:t>
-                            </m:r>
-                            <m:r>
-                              <a:rPr lang="en-US" sz="1440" i="1">
-                                <a:latin typeface="Cambria Math" panose="02040503050406030204" pitchFamily="18" charset="0"/>
-                              </a:rPr>
-                              <m:t>𝑆</m:t>
-                            </m:r>
-                          </m:e>
-                          <m:sub>
-                            <m:r>
-                              <a:rPr lang="en-US" sz="1440" i="1">
-                                <a:latin typeface="Cambria Math" panose="02040503050406030204" pitchFamily="18" charset="0"/>
-                              </a:rPr>
-                              <m:t>1</m:t>
-                            </m:r>
-                          </m:sub>
-                        </m:sSub>
-                      </m:oMath>
-                    </m:oMathPara>
-                  </a14:m>
-                  <a:endParaRPr lang="en-US" sz="1440" dirty="0"/>
-                </a:p>
-              </p:txBody>
-            </p:sp>
-          </mc:Choice>
-          <mc:Fallback xmlns="">
-            <p:sp>
-              <p:nvSpPr>
-                <p:cNvPr id="37" name="Rectangle 36"/>
-                <p:cNvSpPr>
-                  <a:spLocks noRot="1" noChangeAspect="1" noMove="1" noResize="1" noEditPoints="1" noAdjustHandles="1" noChangeArrowheads="1" noChangeShapeType="1" noTextEdit="1"/>
-                </p:cNvSpPr>
-                <p:nvPr/>
-              </p:nvSpPr>
-              <p:spPr>
-                <a:xfrm>
-                  <a:off x="1294614" y="933850"/>
-                  <a:ext cx="496340" cy="307721"/>
-                </a:xfrm>
-                <a:prstGeom prst="rect">
-                  <a:avLst/>
-                </a:prstGeom>
-                <a:blipFill rotWithShape="0">
-                  <a:blip r:embed="rId5"/>
-                  <a:stretch>
-                    <a:fillRect/>
-                  </a:stretch>
-                </a:blipFill>
-              </p:spPr>
-              <p:txBody>
-                <a:bodyPr/>
-                <a:lstStyle/>
-                <a:p>
-                  <a:r>
-                    <a:rPr lang="en-US">
-                      <a:noFill/>
-                    </a:rPr>
-                    <a:t> </a:t>
-                  </a:r>
-                </a:p>
-              </p:txBody>
-            </p:sp>
-          </mc:Fallback>
-        </mc:AlternateContent>
-        <mc:AlternateContent xmlns:mc="http://schemas.openxmlformats.org/markup-compatibility/2006" xmlns:a14="http://schemas.microsoft.com/office/drawing/2010/main">
-          <mc:Choice Requires="a14">
-            <p:sp>
-              <p:nvSpPr>
-                <p:cNvPr id="36" name="Rectangle 35"/>
-                <p:cNvSpPr/>
-                <p:nvPr/>
-              </p:nvSpPr>
-              <p:spPr>
-                <a:xfrm>
-                  <a:off x="6395589" y="933850"/>
-                  <a:ext cx="455190" cy="247222"/>
-                </a:xfrm>
-                <a:prstGeom prst="rect">
-                  <a:avLst/>
-                </a:prstGeom>
-              </p:spPr>
-              <p:txBody>
-                <a:bodyPr wrap="none">
-                  <a:spAutoFit/>
-                </a:bodyPr>
-                <a:lstStyle/>
-                <a:p>
-                  <a:pPr/>
-                  <a14:m>
-                    <m:oMathPara xmlns:m="http://schemas.openxmlformats.org/officeDocument/2006/math">
-                      <m:oMathParaPr>
-                        <m:jc m:val="centerGroup"/>
-                      </m:oMathParaPr>
-                      <m:oMath xmlns:m="http://schemas.openxmlformats.org/officeDocument/2006/math">
-                        <m:sSub>
-                          <m:sSubPr>
-                            <m:ctrlPr>
-                              <a:rPr lang="en-US" sz="1440" i="1">
-                                <a:latin typeface="Cambria Math" panose="02040503050406030204" pitchFamily="18" charset="0"/>
-                              </a:rPr>
-                            </m:ctrlPr>
-                          </m:sSubPr>
-                          <m:e>
-                            <m:r>
-                              <a:rPr lang="en-US" sz="1440" i="1">
-                                <a:latin typeface="Cambria Math" panose="02040503050406030204" pitchFamily="18" charset="0"/>
-                              </a:rPr>
-                              <m:t>  </m:t>
-                            </m:r>
-                            <m:r>
-                              <a:rPr lang="en-US" sz="1440" i="1">
-                                <a:latin typeface="Cambria Math" panose="02040503050406030204" pitchFamily="18" charset="0"/>
-                              </a:rPr>
-                              <m:t>𝑆</m:t>
-                            </m:r>
-                          </m:e>
-                          <m:sub>
-                            <m:r>
-                              <a:rPr lang="en-US" sz="1440" i="1">
-                                <a:latin typeface="Cambria Math" panose="02040503050406030204" pitchFamily="18" charset="0"/>
-                              </a:rPr>
-                              <m:t>3</m:t>
-                            </m:r>
-                          </m:sub>
-                        </m:sSub>
-                      </m:oMath>
-                    </m:oMathPara>
-                  </a14:m>
-                  <a:endParaRPr lang="en-US" sz="1440" dirty="0"/>
-                </a:p>
-              </p:txBody>
-            </p:sp>
-          </mc:Choice>
-          <mc:Fallback xmlns="">
-            <p:sp>
-              <p:nvSpPr>
-                <p:cNvPr id="39" name="Rectangle 38"/>
-                <p:cNvSpPr>
-                  <a:spLocks noRot="1" noChangeAspect="1" noMove="1" noResize="1" noEditPoints="1" noAdjustHandles="1" noChangeArrowheads="1" noChangeShapeType="1" noTextEdit="1"/>
-                </p:cNvSpPr>
-                <p:nvPr/>
-              </p:nvSpPr>
-              <p:spPr>
-                <a:xfrm>
-                  <a:off x="6395589" y="933850"/>
-                  <a:ext cx="500947" cy="307721"/>
-                </a:xfrm>
-                <a:prstGeom prst="rect">
-                  <a:avLst/>
-                </a:prstGeom>
-                <a:blipFill rotWithShape="0">
-                  <a:blip r:embed="rId6"/>
-                  <a:stretch>
-                    <a:fillRect/>
-                  </a:stretch>
-                </a:blipFill>
-              </p:spPr>
-              <p:txBody>
-                <a:bodyPr/>
-                <a:lstStyle/>
-                <a:p>
-                  <a:r>
-                    <a:rPr lang="en-US">
-                      <a:noFill/>
-                    </a:rPr>
-                    <a:t> </a:t>
-                  </a:r>
-                </a:p>
-              </p:txBody>
-            </p:sp>
-          </mc:Fallback>
-        </mc:AlternateContent>
-        <mc:AlternateContent xmlns:mc="http://schemas.openxmlformats.org/markup-compatibility/2006" xmlns:a14="http://schemas.microsoft.com/office/drawing/2010/main">
-          <mc:Choice Requires="a14">
-            <p:sp>
-              <p:nvSpPr>
-                <p:cNvPr id="37" name="Rectangle 36"/>
-                <p:cNvSpPr/>
-                <p:nvPr/>
-              </p:nvSpPr>
-              <p:spPr>
-                <a:xfrm>
-                  <a:off x="1293701" y="1707613"/>
-                  <a:ext cx="455190" cy="247222"/>
-                </a:xfrm>
-                <a:prstGeom prst="rect">
-                  <a:avLst/>
-                </a:prstGeom>
-              </p:spPr>
-              <p:txBody>
-                <a:bodyPr wrap="none">
-                  <a:spAutoFit/>
-                </a:bodyPr>
-                <a:lstStyle/>
-                <a:p>
-                  <a:pPr/>
-                  <a14:m>
-                    <m:oMathPara xmlns:m="http://schemas.openxmlformats.org/officeDocument/2006/math">
-                      <m:oMathParaPr>
-                        <m:jc m:val="centerGroup"/>
-                      </m:oMathParaPr>
-                      <m:oMath xmlns:m="http://schemas.openxmlformats.org/officeDocument/2006/math">
-                        <m:sSub>
-                          <m:sSubPr>
-                            <m:ctrlPr>
-                              <a:rPr lang="en-US" sz="1440" i="1">
-                                <a:latin typeface="Cambria Math" panose="02040503050406030204" pitchFamily="18" charset="0"/>
-                              </a:rPr>
-                            </m:ctrlPr>
-                          </m:sSubPr>
-                          <m:e>
-                            <m:r>
-                              <a:rPr lang="en-US" sz="1440" i="1">
-                                <a:latin typeface="Cambria Math" panose="02040503050406030204" pitchFamily="18" charset="0"/>
-                              </a:rPr>
-                              <m:t>  </m:t>
-                            </m:r>
-                            <m:r>
-                              <a:rPr lang="en-US" sz="1440" i="1">
-                                <a:latin typeface="Cambria Math" panose="02040503050406030204" pitchFamily="18" charset="0"/>
-                              </a:rPr>
-                              <m:t>𝑆</m:t>
-                            </m:r>
-                          </m:e>
-                          <m:sub>
-                            <m:r>
-                              <a:rPr lang="en-US" sz="1440" i="1">
-                                <a:latin typeface="Cambria Math" panose="02040503050406030204" pitchFamily="18" charset="0"/>
-                              </a:rPr>
-                              <m:t>5</m:t>
-                            </m:r>
-                          </m:sub>
-                        </m:sSub>
-                      </m:oMath>
-                    </m:oMathPara>
-                  </a14:m>
-                  <a:endParaRPr lang="en-US" sz="1440" dirty="0"/>
-                </a:p>
-              </p:txBody>
-            </p:sp>
-          </mc:Choice>
-          <mc:Fallback xmlns="">
-            <p:sp>
-              <p:nvSpPr>
-                <p:cNvPr id="41" name="Rectangle 40"/>
-                <p:cNvSpPr>
-                  <a:spLocks noRot="1" noChangeAspect="1" noMove="1" noResize="1" noEditPoints="1" noAdjustHandles="1" noChangeArrowheads="1" noChangeShapeType="1" noTextEdit="1"/>
-                </p:cNvSpPr>
-                <p:nvPr/>
-              </p:nvSpPr>
-              <p:spPr>
-                <a:xfrm>
-                  <a:off x="1293701" y="1707613"/>
-                  <a:ext cx="500947" cy="307721"/>
-                </a:xfrm>
-                <a:prstGeom prst="rect">
-                  <a:avLst/>
-                </a:prstGeom>
-                <a:blipFill rotWithShape="0">
-                  <a:blip r:embed="rId7"/>
-                  <a:stretch>
-                    <a:fillRect/>
-                  </a:stretch>
-                </a:blipFill>
-              </p:spPr>
-              <p:txBody>
-                <a:bodyPr/>
-                <a:lstStyle/>
-                <a:p>
-                  <a:r>
-                    <a:rPr lang="en-US">
-                      <a:noFill/>
-                    </a:rPr>
-                    <a:t> </a:t>
-                  </a:r>
-                </a:p>
-              </p:txBody>
-            </p:sp>
-          </mc:Fallback>
-        </mc:AlternateContent>
-        <mc:AlternateContent xmlns:mc="http://schemas.openxmlformats.org/markup-compatibility/2006" xmlns:a14="http://schemas.microsoft.com/office/drawing/2010/main">
-          <mc:Choice Requires="a14">
-            <p:sp>
-              <p:nvSpPr>
-                <p:cNvPr id="38" name="Rectangle 37"/>
-                <p:cNvSpPr/>
-                <p:nvPr/>
-              </p:nvSpPr>
-              <p:spPr>
-                <a:xfrm>
-                  <a:off x="506176" y="1717535"/>
-                  <a:ext cx="455190" cy="247222"/>
-                </a:xfrm>
-                <a:prstGeom prst="rect">
-                  <a:avLst/>
-                </a:prstGeom>
-              </p:spPr>
-              <p:txBody>
-                <a:bodyPr wrap="none">
-                  <a:spAutoFit/>
-                </a:bodyPr>
-                <a:lstStyle/>
-                <a:p>
-                  <a:pPr/>
-                  <a14:m>
-                    <m:oMathPara xmlns:m="http://schemas.openxmlformats.org/officeDocument/2006/math">
-                      <m:oMathParaPr>
-                        <m:jc m:val="centerGroup"/>
-                      </m:oMathParaPr>
-                      <m:oMath xmlns:m="http://schemas.openxmlformats.org/officeDocument/2006/math">
-                        <m:sSub>
-                          <m:sSubPr>
-                            <m:ctrlPr>
-                              <a:rPr lang="en-US" sz="1440" i="1">
-                                <a:latin typeface="Cambria Math" panose="02040503050406030204" pitchFamily="18" charset="0"/>
-                              </a:rPr>
-                            </m:ctrlPr>
-                          </m:sSubPr>
-                          <m:e>
-                            <m:r>
-                              <a:rPr lang="en-US" sz="1440" i="1">
-                                <a:latin typeface="Cambria Math" panose="02040503050406030204" pitchFamily="18" charset="0"/>
-                              </a:rPr>
-                              <m:t>  </m:t>
-                            </m:r>
-                            <m:r>
-                              <a:rPr lang="en-US" sz="1440" i="1">
-                                <a:latin typeface="Cambria Math" panose="02040503050406030204" pitchFamily="18" charset="0"/>
-                              </a:rPr>
-                              <m:t>𝑆</m:t>
-                            </m:r>
-                          </m:e>
-                          <m:sub>
-                            <m:r>
-                              <a:rPr lang="en-US" sz="1440" i="1">
-                                <a:latin typeface="Cambria Math" panose="02040503050406030204" pitchFamily="18" charset="0"/>
-                              </a:rPr>
-                              <m:t>4</m:t>
-                            </m:r>
-                          </m:sub>
-                        </m:sSub>
-                      </m:oMath>
-                    </m:oMathPara>
-                  </a14:m>
-                  <a:endParaRPr lang="en-US" sz="1440" dirty="0"/>
-                </a:p>
-              </p:txBody>
-            </p:sp>
-          </mc:Choice>
-          <mc:Fallback xmlns="">
-            <p:sp>
-              <p:nvSpPr>
-                <p:cNvPr id="43" name="Rectangle 42"/>
-                <p:cNvSpPr>
-                  <a:spLocks noRot="1" noChangeAspect="1" noMove="1" noResize="1" noEditPoints="1" noAdjustHandles="1" noChangeArrowheads="1" noChangeShapeType="1" noTextEdit="1"/>
-                </p:cNvSpPr>
-                <p:nvPr/>
-              </p:nvSpPr>
-              <p:spPr>
-                <a:xfrm>
-                  <a:off x="506176" y="1717535"/>
-                  <a:ext cx="500947" cy="307721"/>
-                </a:xfrm>
-                <a:prstGeom prst="rect">
-                  <a:avLst/>
-                </a:prstGeom>
-                <a:blipFill rotWithShape="0">
-                  <a:blip r:embed="rId8"/>
-                  <a:stretch>
-                    <a:fillRect/>
-                  </a:stretch>
-                </a:blipFill>
-              </p:spPr>
-              <p:txBody>
-                <a:bodyPr/>
-                <a:lstStyle/>
-                <a:p>
-                  <a:r>
-                    <a:rPr lang="en-US">
-                      <a:noFill/>
-                    </a:rPr>
-                    <a:t> </a:t>
-                  </a:r>
-                </a:p>
-              </p:txBody>
-            </p:sp>
-          </mc:Fallback>
-        </mc:AlternateContent>
-        <mc:AlternateContent xmlns:mc="http://schemas.openxmlformats.org/markup-compatibility/2006" xmlns:a14="http://schemas.microsoft.com/office/drawing/2010/main">
-          <mc:Choice Requires="a14">
-            <p:sp>
-              <p:nvSpPr>
-                <p:cNvPr id="39" name="Rectangle 38"/>
-                <p:cNvSpPr/>
-                <p:nvPr/>
-              </p:nvSpPr>
-              <p:spPr>
-                <a:xfrm>
-                  <a:off x="2106783" y="1717535"/>
-                  <a:ext cx="455190" cy="247222"/>
-                </a:xfrm>
-                <a:prstGeom prst="rect">
-                  <a:avLst/>
-                </a:prstGeom>
-              </p:spPr>
-              <p:txBody>
-                <a:bodyPr wrap="none">
-                  <a:spAutoFit/>
-                </a:bodyPr>
-                <a:lstStyle/>
-                <a:p>
-                  <a:pPr/>
-                  <a14:m>
-                    <m:oMathPara xmlns:m="http://schemas.openxmlformats.org/officeDocument/2006/math">
-                      <m:oMathParaPr>
-                        <m:jc m:val="centerGroup"/>
-                      </m:oMathParaPr>
-                      <m:oMath xmlns:m="http://schemas.openxmlformats.org/officeDocument/2006/math">
-                        <m:sSub>
-                          <m:sSubPr>
-                            <m:ctrlPr>
-                              <a:rPr lang="en-US" sz="1440" i="1">
-                                <a:latin typeface="Cambria Math" panose="02040503050406030204" pitchFamily="18" charset="0"/>
-                              </a:rPr>
-                            </m:ctrlPr>
-                          </m:sSubPr>
-                          <m:e>
-                            <m:r>
-                              <a:rPr lang="en-US" sz="1440" i="1">
-                                <a:latin typeface="Cambria Math" panose="02040503050406030204" pitchFamily="18" charset="0"/>
-                              </a:rPr>
-                              <m:t>  </m:t>
-                            </m:r>
-                            <m:r>
-                              <a:rPr lang="en-US" sz="1440" i="1">
-                                <a:latin typeface="Cambria Math" panose="02040503050406030204" pitchFamily="18" charset="0"/>
-                              </a:rPr>
-                              <m:t>𝑆</m:t>
-                            </m:r>
-                          </m:e>
-                          <m:sub>
-                            <m:r>
-                              <a:rPr lang="en-US" sz="1440" i="1">
-                                <a:latin typeface="Cambria Math" panose="02040503050406030204" pitchFamily="18" charset="0"/>
-                              </a:rPr>
-                              <m:t>6</m:t>
-                            </m:r>
-                          </m:sub>
-                        </m:sSub>
-                      </m:oMath>
-                    </m:oMathPara>
-                  </a14:m>
-                  <a:endParaRPr lang="en-US" sz="1440" dirty="0"/>
-                </a:p>
-              </p:txBody>
-            </p:sp>
-          </mc:Choice>
-          <mc:Fallback xmlns="">
-            <p:sp>
-              <p:nvSpPr>
-                <p:cNvPr id="45" name="Rectangle 44"/>
-                <p:cNvSpPr>
-                  <a:spLocks noRot="1" noChangeAspect="1" noMove="1" noResize="1" noEditPoints="1" noAdjustHandles="1" noChangeArrowheads="1" noChangeShapeType="1" noTextEdit="1"/>
-                </p:cNvSpPr>
-                <p:nvPr/>
-              </p:nvSpPr>
-              <p:spPr>
-                <a:xfrm>
-                  <a:off x="2106783" y="1717535"/>
-                  <a:ext cx="500947" cy="307721"/>
-                </a:xfrm>
-                <a:prstGeom prst="rect">
-                  <a:avLst/>
-                </a:prstGeom>
-                <a:blipFill rotWithShape="0">
-                  <a:blip r:embed="rId9"/>
-                  <a:stretch>
-                    <a:fillRect/>
-                  </a:stretch>
-                </a:blipFill>
-              </p:spPr>
-              <p:txBody>
-                <a:bodyPr/>
-                <a:lstStyle/>
-                <a:p>
-                  <a:r>
-                    <a:rPr lang="en-US">
-                      <a:noFill/>
-                    </a:rPr>
-                    <a:t> </a:t>
-                  </a:r>
-                </a:p>
-              </p:txBody>
-            </p:sp>
-          </mc:Fallback>
-        </mc:AlternateContent>
-        <mc:AlternateContent xmlns:mc="http://schemas.openxmlformats.org/markup-compatibility/2006" xmlns:a14="http://schemas.microsoft.com/office/drawing/2010/main">
-          <mc:Choice Requires="a14">
-            <p:sp>
-              <p:nvSpPr>
-                <p:cNvPr id="40" name="Rectangle 39"/>
-                <p:cNvSpPr/>
-                <p:nvPr/>
-              </p:nvSpPr>
-              <p:spPr>
-                <a:xfrm>
-                  <a:off x="3065219" y="1700554"/>
-                  <a:ext cx="455190" cy="247222"/>
-                </a:xfrm>
-                <a:prstGeom prst="rect">
-                  <a:avLst/>
-                </a:prstGeom>
-              </p:spPr>
-              <p:txBody>
-                <a:bodyPr wrap="none">
-                  <a:spAutoFit/>
-                </a:bodyPr>
-                <a:lstStyle/>
-                <a:p>
-                  <a:pPr/>
-                  <a14:m>
-                    <m:oMathPara xmlns:m="http://schemas.openxmlformats.org/officeDocument/2006/math">
-                      <m:oMathParaPr>
-                        <m:jc m:val="centerGroup"/>
-                      </m:oMathParaPr>
-                      <m:oMath xmlns:m="http://schemas.openxmlformats.org/officeDocument/2006/math">
-                        <m:sSub>
-                          <m:sSubPr>
-                            <m:ctrlPr>
-                              <a:rPr lang="en-US" sz="1440" i="1">
-                                <a:latin typeface="Cambria Math" panose="02040503050406030204" pitchFamily="18" charset="0"/>
-                              </a:rPr>
-                            </m:ctrlPr>
-                          </m:sSubPr>
-                          <m:e>
-                            <m:r>
-                              <a:rPr lang="en-US" sz="1440" i="1">
-                                <a:latin typeface="Cambria Math" panose="02040503050406030204" pitchFamily="18" charset="0"/>
-                              </a:rPr>
-                              <m:t>  </m:t>
-                            </m:r>
-                            <m:r>
-                              <a:rPr lang="en-US" sz="1440" i="1">
-                                <a:latin typeface="Cambria Math" panose="02040503050406030204" pitchFamily="18" charset="0"/>
-                              </a:rPr>
-                              <m:t>𝑆</m:t>
-                            </m:r>
-                          </m:e>
-                          <m:sub>
-                            <m:r>
-                              <a:rPr lang="en-US" sz="1440" i="1">
-                                <a:latin typeface="Cambria Math" panose="02040503050406030204" pitchFamily="18" charset="0"/>
-                              </a:rPr>
-                              <m:t>7</m:t>
-                            </m:r>
-                          </m:sub>
-                        </m:sSub>
-                      </m:oMath>
-                    </m:oMathPara>
-                  </a14:m>
-                  <a:endParaRPr lang="en-US" sz="1440" dirty="0"/>
-                </a:p>
-              </p:txBody>
-            </p:sp>
-          </mc:Choice>
-          <mc:Fallback xmlns="">
-            <p:sp>
-              <p:nvSpPr>
-                <p:cNvPr id="47" name="Rectangle 46"/>
-                <p:cNvSpPr>
-                  <a:spLocks noRot="1" noChangeAspect="1" noMove="1" noResize="1" noEditPoints="1" noAdjustHandles="1" noChangeArrowheads="1" noChangeShapeType="1" noTextEdit="1"/>
-                </p:cNvSpPr>
-                <p:nvPr/>
-              </p:nvSpPr>
-              <p:spPr>
-                <a:xfrm>
-                  <a:off x="3065219" y="1700554"/>
-                  <a:ext cx="500947" cy="307721"/>
-                </a:xfrm>
-                <a:prstGeom prst="rect">
-                  <a:avLst/>
-                </a:prstGeom>
-                <a:blipFill rotWithShape="0">
-                  <a:blip r:embed="rId10"/>
-                  <a:stretch>
-                    <a:fillRect/>
-                  </a:stretch>
-                </a:blipFill>
-              </p:spPr>
-              <p:txBody>
-                <a:bodyPr/>
-                <a:lstStyle/>
-                <a:p>
-                  <a:r>
-                    <a:rPr lang="en-US">
-                      <a:noFill/>
-                    </a:rPr>
-                    <a:t> </a:t>
-                  </a:r>
-                </a:p>
-              </p:txBody>
-            </p:sp>
-          </mc:Fallback>
-        </mc:AlternateContent>
-        <mc:AlternateContent xmlns:mc="http://schemas.openxmlformats.org/markup-compatibility/2006" xmlns:a14="http://schemas.microsoft.com/office/drawing/2010/main">
-          <mc:Choice Requires="a14">
-            <p:sp>
-              <p:nvSpPr>
-                <p:cNvPr id="41" name="Rectangle 40"/>
-                <p:cNvSpPr/>
-                <p:nvPr/>
-              </p:nvSpPr>
-              <p:spPr>
-                <a:xfrm>
-                  <a:off x="3843565" y="1717535"/>
-                  <a:ext cx="455190" cy="247222"/>
-                </a:xfrm>
-                <a:prstGeom prst="rect">
-                  <a:avLst/>
-                </a:prstGeom>
-              </p:spPr>
-              <p:txBody>
-                <a:bodyPr wrap="none">
-                  <a:spAutoFit/>
-                </a:bodyPr>
-                <a:lstStyle/>
-                <a:p>
-                  <a:pPr/>
-                  <a14:m>
-                    <m:oMathPara xmlns:m="http://schemas.openxmlformats.org/officeDocument/2006/math">
-                      <m:oMathParaPr>
-                        <m:jc m:val="centerGroup"/>
-                      </m:oMathParaPr>
-                      <m:oMath xmlns:m="http://schemas.openxmlformats.org/officeDocument/2006/math">
-                        <m:sSub>
-                          <m:sSubPr>
-                            <m:ctrlPr>
-                              <a:rPr lang="en-US" sz="1440" i="1">
-                                <a:latin typeface="Cambria Math" panose="02040503050406030204" pitchFamily="18" charset="0"/>
-                              </a:rPr>
-                            </m:ctrlPr>
-                          </m:sSubPr>
-                          <m:e>
-                            <m:r>
-                              <a:rPr lang="en-US" sz="1440" i="1">
-                                <a:latin typeface="Cambria Math" panose="02040503050406030204" pitchFamily="18" charset="0"/>
-                              </a:rPr>
-                              <m:t>  </m:t>
-                            </m:r>
-                            <m:r>
-                              <a:rPr lang="en-US" sz="1440" i="1">
-                                <a:latin typeface="Cambria Math" panose="02040503050406030204" pitchFamily="18" charset="0"/>
-                              </a:rPr>
-                              <m:t>𝑆</m:t>
-                            </m:r>
-                          </m:e>
-                          <m:sub>
-                            <m:r>
-                              <a:rPr lang="en-US" sz="1440" i="1">
-                                <a:latin typeface="Cambria Math" panose="02040503050406030204" pitchFamily="18" charset="0"/>
-                              </a:rPr>
-                              <m:t>8</m:t>
-                            </m:r>
-                          </m:sub>
-                        </m:sSub>
-                      </m:oMath>
-                    </m:oMathPara>
-                  </a14:m>
-                  <a:endParaRPr lang="en-US" sz="1440" dirty="0"/>
-                </a:p>
-              </p:txBody>
-            </p:sp>
-          </mc:Choice>
-          <mc:Fallback xmlns="">
-            <p:sp>
-              <p:nvSpPr>
-                <p:cNvPr id="49" name="Rectangle 48"/>
-                <p:cNvSpPr>
-                  <a:spLocks noRot="1" noChangeAspect="1" noMove="1" noResize="1" noEditPoints="1" noAdjustHandles="1" noChangeArrowheads="1" noChangeShapeType="1" noTextEdit="1"/>
-                </p:cNvSpPr>
-                <p:nvPr/>
-              </p:nvSpPr>
-              <p:spPr>
-                <a:xfrm>
-                  <a:off x="3843565" y="1717535"/>
-                  <a:ext cx="500947" cy="307721"/>
-                </a:xfrm>
-                <a:prstGeom prst="rect">
-                  <a:avLst/>
-                </a:prstGeom>
-                <a:blipFill rotWithShape="0">
-                  <a:blip r:embed="rId11"/>
-                  <a:stretch>
-                    <a:fillRect/>
-                  </a:stretch>
-                </a:blipFill>
-              </p:spPr>
-              <p:txBody>
-                <a:bodyPr/>
-                <a:lstStyle/>
-                <a:p>
-                  <a:r>
-                    <a:rPr lang="en-US">
-                      <a:noFill/>
-                    </a:rPr>
-                    <a:t> </a:t>
-                  </a:r>
-                </a:p>
-              </p:txBody>
-            </p:sp>
-          </mc:Fallback>
-        </mc:AlternateContent>
-        <mc:AlternateContent xmlns:mc="http://schemas.openxmlformats.org/markup-compatibility/2006" xmlns:a14="http://schemas.microsoft.com/office/drawing/2010/main">
-          <mc:Choice Requires="a14">
-            <p:sp>
-              <p:nvSpPr>
-                <p:cNvPr id="42" name="Rectangle 41"/>
-                <p:cNvSpPr/>
-                <p:nvPr/>
-              </p:nvSpPr>
-              <p:spPr>
-                <a:xfrm>
-                  <a:off x="4706789" y="1727439"/>
-                  <a:ext cx="450653" cy="247222"/>
-                </a:xfrm>
-                <a:prstGeom prst="rect">
-                  <a:avLst/>
-                </a:prstGeom>
-              </p:spPr>
-              <p:txBody>
-                <a:bodyPr wrap="none">
-                  <a:spAutoFit/>
-                </a:bodyPr>
-                <a:lstStyle/>
-                <a:p>
-                  <a:pPr/>
-                  <a14:m>
-                    <m:oMathPara xmlns:m="http://schemas.openxmlformats.org/officeDocument/2006/math">
-                      <m:oMathParaPr>
-                        <m:jc m:val="centerGroup"/>
-                      </m:oMathParaPr>
-                      <m:oMath xmlns:m="http://schemas.openxmlformats.org/officeDocument/2006/math">
-                        <m:sSub>
-                          <m:sSubPr>
-                            <m:ctrlPr>
-                              <a:rPr lang="en-US" sz="1440" i="1">
-                                <a:latin typeface="Cambria Math" panose="02040503050406030204" pitchFamily="18" charset="0"/>
-                              </a:rPr>
-                            </m:ctrlPr>
-                          </m:sSubPr>
-                          <m:e>
-                            <m:r>
-                              <a:rPr lang="en-US" sz="1440" i="1">
-                                <a:latin typeface="Cambria Math" panose="02040503050406030204" pitchFamily="18" charset="0"/>
-                              </a:rPr>
-                              <m:t>  </m:t>
-                            </m:r>
-                            <m:r>
-                              <a:rPr lang="en-US" sz="1440" i="1">
-                                <a:latin typeface="Cambria Math" panose="02040503050406030204" pitchFamily="18" charset="0"/>
-                              </a:rPr>
-                              <m:t>𝑆</m:t>
-                            </m:r>
-                          </m:e>
-                          <m:sub>
-                            <m:r>
-                              <a:rPr lang="en-US" sz="1440" i="1">
-                                <a:latin typeface="Cambria Math" panose="02040503050406030204" pitchFamily="18" charset="0"/>
-                              </a:rPr>
-                              <m:t>9</m:t>
-                            </m:r>
-                          </m:sub>
-                        </m:sSub>
-                      </m:oMath>
-                    </m:oMathPara>
-                  </a14:m>
-                  <a:endParaRPr lang="en-US" sz="1440" dirty="0"/>
-                </a:p>
-              </p:txBody>
-            </p:sp>
-          </mc:Choice>
-          <mc:Fallback xmlns="">
-            <p:sp>
-              <p:nvSpPr>
-                <p:cNvPr id="51" name="Rectangle 50"/>
-                <p:cNvSpPr>
-                  <a:spLocks noRot="1" noChangeAspect="1" noMove="1" noResize="1" noEditPoints="1" noAdjustHandles="1" noChangeArrowheads="1" noChangeShapeType="1" noTextEdit="1"/>
-                </p:cNvSpPr>
-                <p:nvPr/>
-              </p:nvSpPr>
-              <p:spPr>
-                <a:xfrm>
-                  <a:off x="4706789" y="1727439"/>
-                  <a:ext cx="497834" cy="307721"/>
-                </a:xfrm>
-                <a:prstGeom prst="rect">
-                  <a:avLst/>
-                </a:prstGeom>
-                <a:blipFill rotWithShape="0">
-                  <a:blip r:embed="rId12"/>
-                  <a:stretch>
-                    <a:fillRect/>
-                  </a:stretch>
-                </a:blipFill>
-              </p:spPr>
-              <p:txBody>
-                <a:bodyPr/>
-                <a:lstStyle/>
-                <a:p>
-                  <a:r>
-                    <a:rPr lang="en-US">
-                      <a:noFill/>
-                    </a:rPr>
-                    <a:t> </a:t>
-                  </a:r>
-                </a:p>
-              </p:txBody>
-            </p:sp>
-          </mc:Fallback>
-        </mc:AlternateContent>
-        <mc:AlternateContent xmlns:mc="http://schemas.openxmlformats.org/markup-compatibility/2006" xmlns:a14="http://schemas.microsoft.com/office/drawing/2010/main">
-          <mc:Choice Requires="a14">
-            <p:sp>
-              <p:nvSpPr>
-                <p:cNvPr id="43" name="Rectangle 42"/>
-                <p:cNvSpPr/>
-                <p:nvPr/>
-              </p:nvSpPr>
-              <p:spPr>
-                <a:xfrm>
-                  <a:off x="5596121" y="1717535"/>
-                  <a:ext cx="525256" cy="247222"/>
-                </a:xfrm>
-                <a:prstGeom prst="rect">
-                  <a:avLst/>
-                </a:prstGeom>
-              </p:spPr>
-              <p:txBody>
-                <a:bodyPr wrap="none">
-                  <a:spAutoFit/>
-                </a:bodyPr>
-                <a:lstStyle/>
-                <a:p>
-                  <a:pPr/>
-                  <a14:m>
-                    <m:oMathPara xmlns:m="http://schemas.openxmlformats.org/officeDocument/2006/math">
-                      <m:oMathParaPr>
-                        <m:jc m:val="centerGroup"/>
-                      </m:oMathParaPr>
-                      <m:oMath xmlns:m="http://schemas.openxmlformats.org/officeDocument/2006/math">
-                        <m:sSub>
-                          <m:sSubPr>
-                            <m:ctrlPr>
-                              <a:rPr lang="en-US" sz="1440" i="1">
-                                <a:latin typeface="Cambria Math" panose="02040503050406030204" pitchFamily="18" charset="0"/>
-                              </a:rPr>
-                            </m:ctrlPr>
-                          </m:sSubPr>
-                          <m:e>
-                            <m:r>
-                              <a:rPr lang="en-US" sz="1440" i="1">
-                                <a:latin typeface="Cambria Math" panose="02040503050406030204" pitchFamily="18" charset="0"/>
-                              </a:rPr>
-                              <m:t>  </m:t>
-                            </m:r>
-                            <m:r>
-                              <a:rPr lang="en-US" sz="1440" i="1">
-                                <a:latin typeface="Cambria Math" panose="02040503050406030204" pitchFamily="18" charset="0"/>
-                              </a:rPr>
-                              <m:t>𝑆</m:t>
-                            </m:r>
-                          </m:e>
-                          <m:sub>
-                            <m:r>
-                              <a:rPr lang="en-US" sz="1440" i="1">
-                                <a:latin typeface="Cambria Math" panose="02040503050406030204" pitchFamily="18" charset="0"/>
-                              </a:rPr>
-                              <m:t>10</m:t>
-                            </m:r>
-                          </m:sub>
-                        </m:sSub>
-                      </m:oMath>
-                    </m:oMathPara>
-                  </a14:m>
-                  <a:endParaRPr lang="en-US" sz="1440" dirty="0"/>
-                </a:p>
-              </p:txBody>
-            </p:sp>
-          </mc:Choice>
-          <mc:Fallback xmlns="">
-            <p:sp>
-              <p:nvSpPr>
-                <p:cNvPr id="53" name="Rectangle 52"/>
-                <p:cNvSpPr>
-                  <a:spLocks noRot="1" noChangeAspect="1" noMove="1" noResize="1" noEditPoints="1" noAdjustHandles="1" noChangeArrowheads="1" noChangeShapeType="1" noTextEdit="1"/>
-                </p:cNvSpPr>
-                <p:nvPr/>
-              </p:nvSpPr>
-              <p:spPr>
-                <a:xfrm>
-                  <a:off x="5596121" y="1717535"/>
-                  <a:ext cx="580381" cy="307721"/>
-                </a:xfrm>
-                <a:prstGeom prst="rect">
-                  <a:avLst/>
-                </a:prstGeom>
-                <a:blipFill rotWithShape="0">
-                  <a:blip r:embed="rId13"/>
-                  <a:stretch>
-                    <a:fillRect/>
-                  </a:stretch>
-                </a:blipFill>
-              </p:spPr>
-              <p:txBody>
-                <a:bodyPr/>
-                <a:lstStyle/>
-                <a:p>
-                  <a:r>
-                    <a:rPr lang="en-US">
-                      <a:noFill/>
-                    </a:rPr>
-                    <a:t> </a:t>
-                  </a:r>
-                </a:p>
-              </p:txBody>
-            </p:sp>
-          </mc:Fallback>
-        </mc:AlternateContent>
-        <mc:AlternateContent xmlns:mc="http://schemas.openxmlformats.org/markup-compatibility/2006" xmlns:a14="http://schemas.microsoft.com/office/drawing/2010/main">
-          <mc:Choice Requires="a14">
-            <p:sp>
-              <p:nvSpPr>
-                <p:cNvPr id="44" name="Rectangle 43"/>
-                <p:cNvSpPr/>
-                <p:nvPr/>
-              </p:nvSpPr>
-              <p:spPr>
-                <a:xfrm>
-                  <a:off x="6388918" y="1698439"/>
-                  <a:ext cx="525256" cy="247222"/>
-                </a:xfrm>
-                <a:prstGeom prst="rect">
-                  <a:avLst/>
-                </a:prstGeom>
-              </p:spPr>
-              <p:txBody>
-                <a:bodyPr wrap="none">
-                  <a:spAutoFit/>
-                </a:bodyPr>
-                <a:lstStyle/>
-                <a:p>
-                  <a:pPr/>
-                  <a14:m>
-                    <m:oMathPara xmlns:m="http://schemas.openxmlformats.org/officeDocument/2006/math">
-                      <m:oMathParaPr>
-                        <m:jc m:val="centerGroup"/>
-                      </m:oMathParaPr>
-                      <m:oMath xmlns:m="http://schemas.openxmlformats.org/officeDocument/2006/math">
-                        <m:sSub>
-                          <m:sSubPr>
-                            <m:ctrlPr>
-                              <a:rPr lang="en-US" sz="1440" i="1">
-                                <a:latin typeface="Cambria Math" panose="02040503050406030204" pitchFamily="18" charset="0"/>
-                              </a:rPr>
-                            </m:ctrlPr>
-                          </m:sSubPr>
-                          <m:e>
-                            <m:r>
-                              <a:rPr lang="en-US" sz="1440" i="1">
-                                <a:latin typeface="Cambria Math" panose="02040503050406030204" pitchFamily="18" charset="0"/>
-                              </a:rPr>
-                              <m:t>  </m:t>
-                            </m:r>
-                            <m:r>
-                              <a:rPr lang="en-US" sz="1440" i="1">
-                                <a:latin typeface="Cambria Math" panose="02040503050406030204" pitchFamily="18" charset="0"/>
-                              </a:rPr>
-                              <m:t>𝑆</m:t>
-                            </m:r>
-                          </m:e>
-                          <m:sub>
-                            <m:r>
-                              <a:rPr lang="en-US" sz="1440" i="1">
-                                <a:latin typeface="Cambria Math" panose="02040503050406030204" pitchFamily="18" charset="0"/>
-                              </a:rPr>
-                              <m:t>11</m:t>
-                            </m:r>
-                          </m:sub>
-                        </m:sSub>
-                      </m:oMath>
-                    </m:oMathPara>
-                  </a14:m>
-                  <a:endParaRPr lang="en-US" sz="1440" dirty="0"/>
-                </a:p>
-              </p:txBody>
-            </p:sp>
-          </mc:Choice>
-          <mc:Fallback xmlns="">
-            <p:sp>
-              <p:nvSpPr>
-                <p:cNvPr id="55" name="Rectangle 54"/>
-                <p:cNvSpPr>
-                  <a:spLocks noRot="1" noChangeAspect="1" noMove="1" noResize="1" noEditPoints="1" noAdjustHandles="1" noChangeArrowheads="1" noChangeShapeType="1" noTextEdit="1"/>
-                </p:cNvSpPr>
-                <p:nvPr/>
-              </p:nvSpPr>
-              <p:spPr>
-                <a:xfrm>
-                  <a:off x="6388918" y="1698439"/>
-                  <a:ext cx="580381" cy="307721"/>
-                </a:xfrm>
-                <a:prstGeom prst="rect">
-                  <a:avLst/>
-                </a:prstGeom>
-                <a:blipFill rotWithShape="0">
-                  <a:blip r:embed="rId14"/>
-                  <a:stretch>
-                    <a:fillRect/>
-                  </a:stretch>
-                </a:blipFill>
-              </p:spPr>
-              <p:txBody>
-                <a:bodyPr/>
-                <a:lstStyle/>
-                <a:p>
-                  <a:r>
-                    <a:rPr lang="en-US">
-                      <a:noFill/>
-                    </a:rPr>
-                    <a:t> </a:t>
-                  </a:r>
-                </a:p>
-              </p:txBody>
-            </p:sp>
-          </mc:Fallback>
-        </mc:AlternateContent>
-        <mc:AlternateContent xmlns:mc="http://schemas.openxmlformats.org/markup-compatibility/2006" xmlns:a14="http://schemas.microsoft.com/office/drawing/2010/main">
-          <mc:Choice Requires="a14">
-            <p:sp>
-              <p:nvSpPr>
-                <p:cNvPr id="45" name="Rectangle 44"/>
-                <p:cNvSpPr/>
-                <p:nvPr/>
-              </p:nvSpPr>
-              <p:spPr>
-                <a:xfrm>
-                  <a:off x="7207985" y="1698439"/>
-                  <a:ext cx="525256" cy="247222"/>
-                </a:xfrm>
-                <a:prstGeom prst="rect">
-                  <a:avLst/>
-                </a:prstGeom>
-              </p:spPr>
-              <p:txBody>
-                <a:bodyPr wrap="none">
-                  <a:spAutoFit/>
-                </a:bodyPr>
-                <a:lstStyle/>
-                <a:p>
-                  <a:pPr/>
-                  <a14:m>
-                    <m:oMathPara xmlns:m="http://schemas.openxmlformats.org/officeDocument/2006/math">
-                      <m:oMathParaPr>
-                        <m:jc m:val="centerGroup"/>
-                      </m:oMathParaPr>
-                      <m:oMath xmlns:m="http://schemas.openxmlformats.org/officeDocument/2006/math">
-                        <m:sSub>
-                          <m:sSubPr>
-                            <m:ctrlPr>
-                              <a:rPr lang="en-US" sz="1440" i="1">
-                                <a:latin typeface="Cambria Math" panose="02040503050406030204" pitchFamily="18" charset="0"/>
-                              </a:rPr>
-                            </m:ctrlPr>
-                          </m:sSubPr>
-                          <m:e>
-                            <m:r>
-                              <a:rPr lang="en-US" sz="1440" i="1">
-                                <a:latin typeface="Cambria Math" panose="02040503050406030204" pitchFamily="18" charset="0"/>
-                              </a:rPr>
-                              <m:t>  </m:t>
-                            </m:r>
-                            <m:r>
-                              <a:rPr lang="en-US" sz="1440" i="1">
-                                <a:latin typeface="Cambria Math" panose="02040503050406030204" pitchFamily="18" charset="0"/>
-                              </a:rPr>
-                              <m:t>𝑆</m:t>
-                            </m:r>
-                          </m:e>
-                          <m:sub>
-                            <m:r>
-                              <a:rPr lang="en-US" sz="1440" i="1">
-                                <a:latin typeface="Cambria Math" panose="02040503050406030204" pitchFamily="18" charset="0"/>
-                              </a:rPr>
-                              <m:t>12</m:t>
-                            </m:r>
-                          </m:sub>
-                        </m:sSub>
-                      </m:oMath>
-                    </m:oMathPara>
-                  </a14:m>
-                  <a:endParaRPr lang="en-US" sz="1440" dirty="0"/>
-                </a:p>
-              </p:txBody>
-            </p:sp>
-          </mc:Choice>
-          <mc:Fallback xmlns="">
-            <p:sp>
-              <p:nvSpPr>
-                <p:cNvPr id="57" name="Rectangle 56"/>
-                <p:cNvSpPr>
-                  <a:spLocks noRot="1" noChangeAspect="1" noMove="1" noResize="1" noEditPoints="1" noAdjustHandles="1" noChangeArrowheads="1" noChangeShapeType="1" noTextEdit="1"/>
-                </p:cNvSpPr>
-                <p:nvPr/>
-              </p:nvSpPr>
-              <p:spPr>
-                <a:xfrm>
-                  <a:off x="7207985" y="1698439"/>
-                  <a:ext cx="580381" cy="307721"/>
-                </a:xfrm>
-                <a:prstGeom prst="rect">
-                  <a:avLst/>
-                </a:prstGeom>
-                <a:blipFill rotWithShape="0">
-                  <a:blip r:embed="rId15"/>
-                  <a:stretch>
-                    <a:fillRect/>
-                  </a:stretch>
-                </a:blipFill>
-              </p:spPr>
-              <p:txBody>
-                <a:bodyPr/>
-                <a:lstStyle/>
-                <a:p>
-                  <a:r>
-                    <a:rPr lang="en-US">
-                      <a:noFill/>
-                    </a:rPr>
-                    <a:t> </a:t>
-                  </a:r>
-                </a:p>
-              </p:txBody>
-            </p:sp>
-          </mc:Fallback>
-        </mc:AlternateContent>
-      </p:grpSp>
+          <a:prstGeom prst="rect">
+            <a:avLst/>
+          </a:prstGeom>
+          <a:noFill/>
+        </p:spPr>
+        <p:txBody>
+          <a:bodyPr wrap="none" rtlCol="0">
+            <a:spAutoFit/>
+          </a:bodyPr>
+          <a:lstStyle/>
+          <a:p>
+            <a:r>
+              <a:rPr lang="en-US" sz="2400" dirty="0"/>
+              <a:t>spec Safety observes REQ, RESP</a:t>
+            </a:r>
+          </a:p>
+          <a:p>
+            <a:r>
+              <a:rPr lang="en-US" sz="2400" dirty="0"/>
+              <a:t>{</a:t>
+            </a:r>
+          </a:p>
+          <a:p>
+            <a:r>
+              <a:rPr lang="en-US" sz="2400" dirty="0"/>
+              <a:t>    start state </a:t>
+            </a:r>
+            <a:r>
+              <a:rPr lang="en-US" sz="2400" dirty="0" err="1"/>
+              <a:t>Init</a:t>
+            </a:r>
+            <a:r>
+              <a:rPr lang="en-US" sz="2400" dirty="0"/>
+              <a:t> {</a:t>
+            </a:r>
+          </a:p>
+          <a:p>
+            <a:r>
+              <a:rPr lang="en-US" sz="2400" dirty="0"/>
+              <a:t>        on REQ </a:t>
+            </a:r>
+            <a:r>
+              <a:rPr lang="en-US" sz="2400" dirty="0" err="1"/>
+              <a:t>goto</a:t>
+            </a:r>
+            <a:r>
+              <a:rPr lang="en-US" sz="2400" dirty="0"/>
+              <a:t> Wait;</a:t>
+            </a:r>
+          </a:p>
+          <a:p>
+            <a:r>
+              <a:rPr lang="en-US" sz="2400" dirty="0"/>
+              <a:t>    }</a:t>
+            </a:r>
+          </a:p>
+          <a:p>
+            <a:endParaRPr lang="en-US" sz="2400" dirty="0"/>
+          </a:p>
+          <a:p>
+            <a:r>
+              <a:rPr lang="en-US" sz="2400" dirty="0"/>
+              <a:t>    state Wait { </a:t>
+            </a:r>
+          </a:p>
+          <a:p>
+            <a:r>
+              <a:rPr lang="en-US" sz="2400" dirty="0"/>
+              <a:t>        on RESP </a:t>
+            </a:r>
+            <a:r>
+              <a:rPr lang="en-US" sz="2400" dirty="0" err="1"/>
+              <a:t>goto</a:t>
+            </a:r>
+            <a:r>
+              <a:rPr lang="en-US" sz="2400" dirty="0"/>
+              <a:t> </a:t>
+            </a:r>
+            <a:r>
+              <a:rPr lang="en-US" sz="2400" dirty="0" err="1"/>
+              <a:t>Init</a:t>
+            </a:r>
+            <a:r>
+              <a:rPr lang="en-US" sz="2400" dirty="0"/>
+              <a:t>;</a:t>
+            </a:r>
+          </a:p>
+          <a:p>
+            <a:r>
+              <a:rPr lang="en-US" sz="2400" dirty="0"/>
+              <a:t>    }</a:t>
+            </a:r>
+          </a:p>
+          <a:p>
+            <a:r>
+              <a:rPr lang="en-US" sz="2400" dirty="0"/>
+              <a:t>}</a:t>
+            </a:r>
+          </a:p>
+        </p:txBody>
+      </p:sp>
     </p:spTree>
     <p:extLst>
       <p:ext uri="{BB962C8B-B14F-4D97-AF65-F5344CB8AC3E}">
-        <p14:creationId xmlns:p14="http://schemas.microsoft.com/office/powerpoint/2010/main" val="1273171544"/>
+        <p14:creationId xmlns:p14="http://schemas.microsoft.com/office/powerpoint/2010/main" val="1446004434"/>
       </p:ext>
     </p:extLst>
   </p:cSld>
   <p:clrMapOvr>
     <a:masterClrMapping/>
   </p:clrMapOvr>
+  <p:timing>
+    <p:tnLst>
+      <p:par>
+        <p:cTn id="1" dur="indefinite" restart="never" nodeType="tmRoot">
+          <p:childTnLst>
+            <p:seq concurrent="1" nextAc="seek">
+              <p:cTn id="2" dur="indefinite" nodeType="mainSeq">
+                <p:childTnLst>
+                  <p:par>
+                    <p:cTn id="3" fill="hold">
+                      <p:stCondLst>
+                        <p:cond delay="indefinite"/>
+                      </p:stCondLst>
+                      <p:childTnLst>
+                        <p:par>
+                          <p:cTn id="4" fill="hold">
+                            <p:stCondLst>
+                              <p:cond delay="0"/>
+                            </p:stCondLst>
+                            <p:childTnLst>
+                              <p:par>
+                                <p:cTn id="5" presetID="1" presetClass="entr" presetSubtype="0" fill="hold" grpId="0" nodeType="clickEffect">
+                                  <p:stCondLst>
+                                    <p:cond delay="0"/>
+                                  </p:stCondLst>
+                                  <p:childTnLst>
+                                    <p:set>
+                                      <p:cBhvr>
+                                        <p:cTn id="6" dur="1" fill="hold">
+                                          <p:stCondLst>
+                                            <p:cond delay="0"/>
+                                          </p:stCondLst>
+                                        </p:cTn>
+                                        <p:tgtEl>
+                                          <p:spTgt spid="4"/>
+                                        </p:tgtEl>
+                                        <p:attrNameLst>
+                                          <p:attrName>style.visibility</p:attrName>
+                                        </p:attrNameLst>
+                                      </p:cBhvr>
+                                      <p:to>
+                                        <p:strVal val="visible"/>
+                                      </p:to>
+                                    </p:set>
+                                  </p:childTnLst>
+                                </p:cTn>
+                              </p:par>
+                            </p:childTnLst>
+                          </p:cTn>
+                        </p:par>
+                      </p:childTnLst>
+                    </p:cTn>
+                  </p:par>
+                </p:childTnLst>
+              </p:cTn>
+              <p:prevCondLst>
+                <p:cond evt="onPrev" delay="0">
+                  <p:tgtEl>
+                    <p:sldTgt/>
+                  </p:tgtEl>
+                </p:cond>
+              </p:prevCondLst>
+              <p:nextCondLst>
+                <p:cond evt="onNext" delay="0">
+                  <p:tgtEl>
+                    <p:sldTgt/>
+                  </p:tgtEl>
+                </p:cond>
+              </p:nextCondLst>
+            </p:seq>
+          </p:childTnLst>
+        </p:cTn>
+      </p:par>
+    </p:tnLst>
+    <p:bldLst>
+      <p:bldP spid="4" grpId="0"/>
+    </p:bldLst>
+  </p:timing>
 </p:sld>
 </file>
 
@@ -11742,7 +9229,7 @@
           <a:p>
             <a:r>
               <a:rPr lang="en-US" dirty="0"/>
-              <a:t>Exceptions</a:t>
+              <a:t>Liveness specifications</a:t>
             </a:r>
           </a:p>
         </p:txBody>
@@ -11764,7 +9251,7 @@
           <a:p>
             <a:r>
               <a:rPr lang="en-US" dirty="0"/>
-              <a:t>Unhandled event exception</a:t>
+              <a:t>Generalizes termination in sequential programs</a:t>
             </a:r>
           </a:p>
           <a:p>
@@ -11773,7 +9260,7 @@
           <a:p>
             <a:r>
               <a:rPr lang="en-US" dirty="0"/>
-              <a:t>Event and queue cardinality constraints</a:t>
+              <a:t>Violation is an infinite execution</a:t>
             </a:r>
           </a:p>
           <a:p>
@@ -11782,28 +9269,16 @@
           <a:p>
             <a:r>
               <a:rPr lang="en-US" dirty="0"/>
-              <a:t>Exceptions in the statement language</a:t>
-            </a:r>
-          </a:p>
-          <a:p>
-            <a:pPr lvl="1"/>
+              <a:t>Good eventually happens</a:t>
+            </a:r>
+          </a:p>
+          <a:p>
+            <a:endParaRPr lang="en-US" dirty="0"/>
+          </a:p>
+          <a:p>
             <a:r>
               <a:rPr lang="en-US" dirty="0"/>
-              <a:t>Cast exceptions</a:t>
-            </a:r>
-          </a:p>
-          <a:p>
-            <a:pPr lvl="1"/>
-            <a:r>
-              <a:rPr lang="en-US" dirty="0"/>
-              <a:t>Null dereference exceptions </a:t>
-            </a:r>
-          </a:p>
-          <a:p>
-            <a:pPr lvl="1"/>
-            <a:r>
-              <a:rPr lang="en-US" dirty="0"/>
-              <a:t>…</a:t>
+              <a:t>Encode “Good” using liveness monitor</a:t>
             </a:r>
           </a:p>
         </p:txBody>
@@ -11811,7 +9286,7 @@
     </p:spTree>
     <p:extLst>
       <p:ext uri="{BB962C8B-B14F-4D97-AF65-F5344CB8AC3E}">
-        <p14:creationId xmlns:p14="http://schemas.microsoft.com/office/powerpoint/2010/main" val="1408383419"/>
+        <p14:creationId xmlns:p14="http://schemas.microsoft.com/office/powerpoint/2010/main" val="1649541553"/>
       </p:ext>
     </p:extLst>
   </p:cSld>
@@ -11840,73 +9315,246 @@
       </p:grpSpPr>
       <p:sp>
         <p:nvSpPr>
-          <p:cNvPr id="2" name="Title 1"/>
-          <p:cNvSpPr>
-            <a:spLocks noGrp="1"/>
-          </p:cNvSpPr>
-          <p:nvPr>
-            <p:ph type="title"/>
-          </p:nvPr>
-        </p:nvSpPr>
-        <p:spPr/>
-        <p:txBody>
-          <a:bodyPr/>
-          <a:lstStyle/>
-          <a:p>
-            <a:r>
-              <a:rPr lang="en-US" dirty="0"/>
-              <a:t>Safety specifications</a:t>
-            </a:r>
-          </a:p>
-        </p:txBody>
-      </p:sp>
-      <p:sp>
-        <p:nvSpPr>
-          <p:cNvPr id="3" name="Content Placeholder 2"/>
-          <p:cNvSpPr>
-            <a:spLocks noGrp="1"/>
-          </p:cNvSpPr>
-          <p:nvPr>
-            <p:ph idx="1"/>
-          </p:nvPr>
-        </p:nvSpPr>
-        <p:spPr/>
-        <p:txBody>
-          <a:bodyPr>
-            <a:normAutofit/>
+          <p:cNvPr id="7" name="TextBox 6"/>
+          <p:cNvSpPr txBox="1"/>
+          <p:nvPr/>
+        </p:nvSpPr>
+        <p:spPr>
+          <a:xfrm>
+            <a:off x="6997095" y="2494677"/>
+            <a:ext cx="184731" cy="461665"/>
+          </a:xfrm>
+          <a:prstGeom prst="rect">
+            <a:avLst/>
+          </a:prstGeom>
+          <a:noFill/>
+        </p:spPr>
+        <p:txBody>
+          <a:bodyPr wrap="none" rtlCol="0">
+            <a:spAutoFit/>
           </a:bodyPr>
           <a:lstStyle/>
           <a:p>
-            <a:r>
-              <a:rPr lang="en-US" dirty="0"/>
-              <a:t>Generalizes assertion in sequential programs</a:t>
-            </a:r>
-          </a:p>
-          <a:p>
-            <a:endParaRPr lang="en-US" dirty="0"/>
-          </a:p>
-          <a:p>
-            <a:r>
-              <a:rPr lang="en-US" dirty="0"/>
-              <a:t>Violation is a finite execution</a:t>
-            </a:r>
-          </a:p>
-          <a:p>
-            <a:endParaRPr lang="en-US" dirty="0"/>
-          </a:p>
-          <a:p>
-            <a:r>
-              <a:rPr lang="en-US" dirty="0"/>
-              <a:t>Bad never happens</a:t>
-            </a:r>
-          </a:p>
-          <a:p>
-            <a:endParaRPr lang="en-US" dirty="0"/>
-          </a:p>
-          <a:p>
-            <a:r>
-              <a:rPr lang="en-US" dirty="0"/>
-              <a:t>Encode “Bad” using safety monitor</a:t>
+            <a:endParaRPr lang="en-US" sz="2400" dirty="0"/>
+          </a:p>
+        </p:txBody>
+      </p:sp>
+      <p:sp>
+        <p:nvSpPr>
+          <p:cNvPr id="3" name="TextBox 2"/>
+          <p:cNvSpPr txBox="1"/>
+          <p:nvPr/>
+        </p:nvSpPr>
+        <p:spPr>
+          <a:xfrm>
+            <a:off x="1338641" y="5384800"/>
+            <a:ext cx="5942908" cy="1200329"/>
+          </a:xfrm>
+          <a:prstGeom prst="rect">
+            <a:avLst/>
+          </a:prstGeom>
+          <a:noFill/>
+        </p:spPr>
+        <p:txBody>
+          <a:bodyPr wrap="none" rtlCol="0">
+            <a:spAutoFit/>
+          </a:bodyPr>
+          <a:lstStyle/>
+          <a:p>
+            <a:pPr marL="342900" indent="-342900">
+              <a:buFont typeface="Arial" panose="020B0604020202020204" pitchFamily="34" charset="0"/>
+              <a:buChar char="•"/>
+            </a:pPr>
+            <a:r>
+              <a:rPr lang="en-US" sz="2400" dirty="0"/>
+              <a:t>Temperature &lt; ∞</a:t>
+            </a:r>
+          </a:p>
+          <a:p>
+            <a:pPr marL="342900" indent="-342900">
+              <a:buFont typeface="Arial" panose="020B0604020202020204" pitchFamily="34" charset="0"/>
+              <a:buChar char="•"/>
+            </a:pPr>
+            <a:r>
+              <a:rPr lang="en-US" sz="2400" dirty="0"/>
+              <a:t>Equivalent to Rabin acceptance condition</a:t>
+            </a:r>
+          </a:p>
+          <a:p>
+            <a:pPr marL="342900" indent="-342900">
+              <a:buFont typeface="Arial" panose="020B0604020202020204" pitchFamily="34" charset="0"/>
+              <a:buChar char="•"/>
+            </a:pPr>
+            <a:r>
+              <a:rPr lang="en-US" sz="2400" dirty="0"/>
+              <a:t>Express all </a:t>
+            </a:r>
+            <a:r>
+              <a:rPr lang="en-US" sz="2400" dirty="0">
+                <a:sym typeface="Symbol" panose="05050102010706020507" pitchFamily="18" charset="2"/>
+              </a:rPr>
+              <a:t>-regular properties</a:t>
+            </a:r>
+          </a:p>
+        </p:txBody>
+      </p:sp>
+      <p:sp>
+        <p:nvSpPr>
+          <p:cNvPr id="2" name="TextBox 1"/>
+          <p:cNvSpPr txBox="1"/>
+          <p:nvPr/>
+        </p:nvSpPr>
+        <p:spPr>
+          <a:xfrm>
+            <a:off x="7322288" y="1176217"/>
+            <a:ext cx="2639441" cy="1200329"/>
+          </a:xfrm>
+          <a:prstGeom prst="rect">
+            <a:avLst/>
+          </a:prstGeom>
+          <a:noFill/>
+        </p:spPr>
+        <p:txBody>
+          <a:bodyPr wrap="none" rtlCol="0">
+            <a:spAutoFit/>
+          </a:bodyPr>
+          <a:lstStyle/>
+          <a:p>
+            <a:r>
+              <a:rPr lang="en-US" sz="2400" dirty="0"/>
+              <a:t>Fairness constraints</a:t>
+            </a:r>
+          </a:p>
+          <a:p>
+            <a:pPr marL="457200" indent="-457200">
+              <a:buFont typeface="Arial" panose="020B0604020202020204" pitchFamily="34" charset="0"/>
+              <a:buChar char="•"/>
+            </a:pPr>
+            <a:r>
+              <a:rPr lang="en-US" sz="2400" dirty="0"/>
+              <a:t>Fair scheduling </a:t>
+            </a:r>
+          </a:p>
+          <a:p>
+            <a:pPr marL="457200" indent="-457200">
+              <a:buFont typeface="Arial" panose="020B0604020202020204" pitchFamily="34" charset="0"/>
+              <a:buChar char="•"/>
+            </a:pPr>
+            <a:r>
+              <a:rPr lang="en-US" sz="2400" dirty="0"/>
+              <a:t>Fair choice $$</a:t>
+            </a:r>
+          </a:p>
+        </p:txBody>
+      </p:sp>
+      <p:sp>
+        <p:nvSpPr>
+          <p:cNvPr id="6" name="TextBox 5"/>
+          <p:cNvSpPr txBox="1"/>
+          <p:nvPr/>
+        </p:nvSpPr>
+        <p:spPr>
+          <a:xfrm>
+            <a:off x="1338641" y="1176217"/>
+            <a:ext cx="4416722" cy="3785652"/>
+          </a:xfrm>
+          <a:prstGeom prst="rect">
+            <a:avLst/>
+          </a:prstGeom>
+          <a:noFill/>
+        </p:spPr>
+        <p:txBody>
+          <a:bodyPr wrap="none" rtlCol="0">
+            <a:spAutoFit/>
+          </a:bodyPr>
+          <a:lstStyle/>
+          <a:p>
+            <a:r>
+              <a:rPr lang="en-US" sz="2400" dirty="0"/>
+              <a:t>spec Liveness observes REQ, RESP</a:t>
+            </a:r>
+          </a:p>
+          <a:p>
+            <a:r>
+              <a:rPr lang="en-US" sz="2400" dirty="0"/>
+              <a:t>{</a:t>
+            </a:r>
+          </a:p>
+          <a:p>
+            <a:r>
+              <a:rPr lang="en-US" sz="2400" dirty="0"/>
+              <a:t>    cold start state </a:t>
+            </a:r>
+            <a:r>
+              <a:rPr lang="en-US" sz="2400" dirty="0" err="1"/>
+              <a:t>Init</a:t>
+            </a:r>
+            <a:r>
+              <a:rPr lang="en-US" sz="2400" dirty="0"/>
+              <a:t> {</a:t>
+            </a:r>
+          </a:p>
+          <a:p>
+            <a:r>
+              <a:rPr lang="en-US" sz="2400" dirty="0"/>
+              <a:t>        on REQ </a:t>
+            </a:r>
+            <a:r>
+              <a:rPr lang="en-US" sz="2400" dirty="0" err="1"/>
+              <a:t>goto</a:t>
+            </a:r>
+            <a:r>
+              <a:rPr lang="en-US" sz="2400" dirty="0"/>
+              <a:t> Wait;</a:t>
+            </a:r>
+          </a:p>
+          <a:p>
+            <a:r>
+              <a:rPr lang="en-US" sz="2400" dirty="0"/>
+              <a:t>    }</a:t>
+            </a:r>
+          </a:p>
+          <a:p>
+            <a:endParaRPr lang="en-US" sz="2400" dirty="0"/>
+          </a:p>
+          <a:p>
+            <a:r>
+              <a:rPr lang="en-US" sz="2400" dirty="0"/>
+              <a:t>    hot state Wait { </a:t>
+            </a:r>
+          </a:p>
+          <a:p>
+            <a:r>
+              <a:rPr lang="en-US" sz="2400" dirty="0"/>
+              <a:t>        on RESP </a:t>
+            </a:r>
+            <a:r>
+              <a:rPr lang="en-US" sz="2400" dirty="0" err="1"/>
+              <a:t>goto</a:t>
+            </a:r>
+            <a:r>
+              <a:rPr lang="en-US" sz="2400" dirty="0"/>
+              <a:t> </a:t>
+            </a:r>
+            <a:r>
+              <a:rPr lang="en-US" sz="2400" dirty="0" err="1"/>
+              <a:t>Init</a:t>
+            </a:r>
+            <a:r>
+              <a:rPr lang="en-US" sz="2400" dirty="0"/>
+              <a:t>;</a:t>
+            </a:r>
+          </a:p>
+          <a:p>
+            <a:r>
+              <a:rPr lang="en-US" sz="2400" dirty="0"/>
+              <a:t>    }</a:t>
+            </a:r>
+          </a:p>
+          <a:p>
+            <a:r>
+              <a:rPr lang="en-US" sz="2400" dirty="0"/>
+              <a:t>}</a:t>
             </a:r>
           </a:p>
         </p:txBody>
@@ -11914,13 +9562,137 @@
     </p:spTree>
     <p:extLst>
       <p:ext uri="{BB962C8B-B14F-4D97-AF65-F5344CB8AC3E}">
-        <p14:creationId xmlns:p14="http://schemas.microsoft.com/office/powerpoint/2010/main" val="1446004434"/>
+        <p14:creationId xmlns:p14="http://schemas.microsoft.com/office/powerpoint/2010/main" val="3137990573"/>
       </p:ext>
     </p:extLst>
   </p:cSld>
   <p:clrMapOvr>
     <a:masterClrMapping/>
   </p:clrMapOvr>
+  <p:timing>
+    <p:tnLst>
+      <p:par>
+        <p:cTn id="1" dur="indefinite" restart="never" nodeType="tmRoot">
+          <p:childTnLst>
+            <p:seq concurrent="1" nextAc="seek">
+              <p:cTn id="2" dur="indefinite" nodeType="mainSeq">
+                <p:childTnLst>
+                  <p:par>
+                    <p:cTn id="3" fill="hold">
+                      <p:stCondLst>
+                        <p:cond delay="indefinite"/>
+                      </p:stCondLst>
+                      <p:childTnLst>
+                        <p:par>
+                          <p:cTn id="4" fill="hold">
+                            <p:stCondLst>
+                              <p:cond delay="0"/>
+                            </p:stCondLst>
+                            <p:childTnLst>
+                              <p:par>
+                                <p:cTn id="5" presetID="1" presetClass="entr" presetSubtype="0" fill="hold" grpId="0" nodeType="clickEffect">
+                                  <p:stCondLst>
+                                    <p:cond delay="0"/>
+                                  </p:stCondLst>
+                                  <p:childTnLst>
+                                    <p:set>
+                                      <p:cBhvr>
+                                        <p:cTn id="6" dur="1" fill="hold">
+                                          <p:stCondLst>
+                                            <p:cond delay="0"/>
+                                          </p:stCondLst>
+                                        </p:cTn>
+                                        <p:tgtEl>
+                                          <p:spTgt spid="3"/>
+                                        </p:tgtEl>
+                                        <p:attrNameLst>
+                                          <p:attrName>style.visibility</p:attrName>
+                                        </p:attrNameLst>
+                                      </p:cBhvr>
+                                      <p:to>
+                                        <p:strVal val="visible"/>
+                                      </p:to>
+                                    </p:set>
+                                  </p:childTnLst>
+                                </p:cTn>
+                              </p:par>
+                            </p:childTnLst>
+                          </p:cTn>
+                        </p:par>
+                      </p:childTnLst>
+                    </p:cTn>
+                  </p:par>
+                  <p:par>
+                    <p:cTn id="7" fill="hold">
+                      <p:stCondLst>
+                        <p:cond delay="indefinite"/>
+                      </p:stCondLst>
+                      <p:childTnLst>
+                        <p:par>
+                          <p:cTn id="8" fill="hold">
+                            <p:stCondLst>
+                              <p:cond delay="0"/>
+                            </p:stCondLst>
+                            <p:childTnLst>
+                              <p:par>
+                                <p:cTn id="9" presetID="1" presetClass="entr" presetSubtype="0" fill="hold" grpId="0" nodeType="clickEffect">
+                                  <p:stCondLst>
+                                    <p:cond delay="0"/>
+                                  </p:stCondLst>
+                                  <p:childTnLst>
+                                    <p:set>
+                                      <p:cBhvr>
+                                        <p:cTn id="10" dur="1" fill="hold">
+                                          <p:stCondLst>
+                                            <p:cond delay="0"/>
+                                          </p:stCondLst>
+                                        </p:cTn>
+                                        <p:tgtEl>
+                                          <p:spTgt spid="2"/>
+                                        </p:tgtEl>
+                                        <p:attrNameLst>
+                                          <p:attrName>style.visibility</p:attrName>
+                                        </p:attrNameLst>
+                                      </p:cBhvr>
+                                      <p:to>
+                                        <p:strVal val="visible"/>
+                                      </p:to>
+                                    </p:set>
+                                  </p:childTnLst>
+                                </p:cTn>
+                              </p:par>
+                            </p:childTnLst>
+                          </p:cTn>
+                        </p:par>
+                      </p:childTnLst>
+                    </p:cTn>
+                  </p:par>
+                </p:childTnLst>
+              </p:cTn>
+              <p:prevCondLst>
+                <p:cond evt="onPrev" delay="0">
+                  <p:tgtEl>
+                    <p:sldTgt/>
+                  </p:tgtEl>
+                </p:cond>
+              </p:prevCondLst>
+              <p:nextCondLst>
+                <p:cond evt="onNext" delay="0">
+                  <p:tgtEl>
+                    <p:sldTgt/>
+                  </p:tgtEl>
+                </p:cond>
+              </p:nextCondLst>
+            </p:seq>
+          </p:childTnLst>
+        </p:cTn>
+      </p:par>
+    </p:tnLst>
+    <p:bldLst>
+      <p:bldP spid="3" grpId="0"/>
+      <p:bldP spid="2" grpId="0"/>
+    </p:bldLst>
+  </p:timing>
 </p:sld>
 </file>
 
@@ -11943,14 +9715,36 @@
       </p:grpSpPr>
       <p:sp>
         <p:nvSpPr>
-          <p:cNvPr id="2" name="TextBox 1"/>
+          <p:cNvPr id="2" name="Title 1"/>
+          <p:cNvSpPr>
+            <a:spLocks noGrp="1"/>
+          </p:cNvSpPr>
+          <p:nvPr>
+            <p:ph type="title"/>
+          </p:nvPr>
+        </p:nvSpPr>
+        <p:spPr/>
+        <p:txBody>
+          <a:bodyPr/>
+          <a:lstStyle/>
+          <a:p>
+            <a:r>
+              <a:rPr lang="en-US" dirty="0"/>
+              <a:t>Fair scheduling</a:t>
+            </a:r>
+          </a:p>
+        </p:txBody>
+      </p:sp>
+      <p:sp>
+        <p:nvSpPr>
+          <p:cNvPr id="4" name="TextBox 3"/>
           <p:cNvSpPr txBox="1"/>
           <p:nvPr/>
         </p:nvSpPr>
         <p:spPr>
           <a:xfrm>
-            <a:off x="4378662" y="2944610"/>
-            <a:ext cx="3078728" cy="1015663"/>
+            <a:off x="1446028" y="2615608"/>
+            <a:ext cx="2366289" cy="2677656"/>
           </a:xfrm>
           <a:prstGeom prst="rect">
             <a:avLst/>
@@ -11964,17 +9758,105 @@
           <a:lstStyle/>
           <a:p>
             <a:r>
-              <a:rPr lang="en-US" sz="6000" dirty="0" err="1"/>
-              <a:t>PingPong</a:t>
-            </a:r>
-            <a:endParaRPr lang="en-US" sz="6000" dirty="0"/>
+              <a:rPr lang="en-US" sz="2800" dirty="0"/>
+              <a:t>machine A </a:t>
+            </a:r>
+          </a:p>
+          <a:p>
+            <a:r>
+              <a:rPr lang="en-US" sz="2800" dirty="0"/>
+              <a:t>{</a:t>
+            </a:r>
+          </a:p>
+          <a:p>
+            <a:r>
+              <a:rPr lang="en-US" sz="2800" dirty="0"/>
+              <a:t>    …</a:t>
+            </a:r>
+          </a:p>
+          <a:p>
+            <a:r>
+              <a:rPr lang="en-US" sz="2800" dirty="0"/>
+              <a:t>    send B, REQ;</a:t>
+            </a:r>
+          </a:p>
+          <a:p>
+            <a:r>
+              <a:rPr lang="en-US" sz="2800" dirty="0"/>
+              <a:t>    …</a:t>
+            </a:r>
+          </a:p>
+          <a:p>
+            <a:r>
+              <a:rPr lang="en-US" sz="2800" dirty="0"/>
+              <a:t>}</a:t>
+            </a:r>
+          </a:p>
+        </p:txBody>
+      </p:sp>
+      <p:sp>
+        <p:nvSpPr>
+          <p:cNvPr id="5" name="TextBox 4"/>
+          <p:cNvSpPr txBox="1"/>
+          <p:nvPr/>
+        </p:nvSpPr>
+        <p:spPr>
+          <a:xfrm>
+            <a:off x="5344633" y="2615608"/>
+            <a:ext cx="4483792" cy="2677656"/>
+          </a:xfrm>
+          <a:prstGeom prst="rect">
+            <a:avLst/>
+          </a:prstGeom>
+          <a:noFill/>
+        </p:spPr>
+        <p:txBody>
+          <a:bodyPr wrap="none" rtlCol="0">
+            <a:spAutoFit/>
+          </a:bodyPr>
+          <a:lstStyle/>
+          <a:p>
+            <a:r>
+              <a:rPr lang="en-US" sz="2800" dirty="0"/>
+              <a:t>machine B </a:t>
+            </a:r>
+          </a:p>
+          <a:p>
+            <a:r>
+              <a:rPr lang="en-US" sz="2800" dirty="0"/>
+              <a:t>{</a:t>
+            </a:r>
+          </a:p>
+          <a:p>
+            <a:r>
+              <a:rPr lang="en-US" sz="2800" dirty="0"/>
+              <a:t>    …</a:t>
+            </a:r>
+          </a:p>
+          <a:p>
+            <a:r>
+              <a:rPr lang="en-US" sz="2800" dirty="0"/>
+              <a:t>    on REQ do { send A, RESP; }</a:t>
+            </a:r>
+          </a:p>
+          <a:p>
+            <a:r>
+              <a:rPr lang="en-US" sz="2800" dirty="0"/>
+              <a:t>    …</a:t>
+            </a:r>
+          </a:p>
+          <a:p>
+            <a:r>
+              <a:rPr lang="en-US" sz="2800" dirty="0"/>
+              <a:t>}</a:t>
+            </a:r>
           </a:p>
         </p:txBody>
       </p:sp>
     </p:spTree>
     <p:extLst>
       <p:ext uri="{BB962C8B-B14F-4D97-AF65-F5344CB8AC3E}">
-        <p14:creationId xmlns:p14="http://schemas.microsoft.com/office/powerpoint/2010/main" val="4040758676"/>
+        <p14:creationId xmlns:p14="http://schemas.microsoft.com/office/powerpoint/2010/main" val="221469889"/>
       </p:ext>
     </p:extLst>
   </p:cSld>
@@ -12018,56 +9900,158 @@
           <a:p>
             <a:r>
               <a:rPr lang="en-US" dirty="0"/>
-              <a:t>Liveness specifications</a:t>
-            </a:r>
-          </a:p>
-        </p:txBody>
-      </p:sp>
-      <p:sp>
-        <p:nvSpPr>
-          <p:cNvPr id="3" name="Content Placeholder 2"/>
-          <p:cNvSpPr>
-            <a:spLocks noGrp="1"/>
-          </p:cNvSpPr>
-          <p:nvPr>
-            <p:ph idx="1"/>
-          </p:nvPr>
-        </p:nvSpPr>
-        <p:spPr/>
-        <p:txBody>
-          <a:bodyPr/>
-          <a:lstStyle/>
-          <a:p>
-            <a:r>
-              <a:rPr lang="en-US" dirty="0"/>
-              <a:t>Generalizes termination in sequential programs</a:t>
-            </a:r>
-          </a:p>
-          <a:p>
-            <a:endParaRPr lang="en-US" dirty="0"/>
-          </a:p>
-          <a:p>
-            <a:r>
-              <a:rPr lang="en-US" dirty="0"/>
-              <a:t>Violation is an infinite execution</a:t>
-            </a:r>
-          </a:p>
-          <a:p>
-            <a:endParaRPr lang="en-US" dirty="0"/>
-          </a:p>
-          <a:p>
-            <a:r>
-              <a:rPr lang="en-US" dirty="0"/>
-              <a:t>Good eventually happens</a:t>
-            </a:r>
-          </a:p>
-          <a:p>
-            <a:endParaRPr lang="en-US" dirty="0"/>
-          </a:p>
-          <a:p>
-            <a:r>
-              <a:rPr lang="en-US" dirty="0"/>
-              <a:t>Encode “Good” using liveness monitor</a:t>
+              <a:t>Fair choice</a:t>
+            </a:r>
+          </a:p>
+        </p:txBody>
+      </p:sp>
+      <p:sp>
+        <p:nvSpPr>
+          <p:cNvPr id="6" name="TextBox 5"/>
+          <p:cNvSpPr txBox="1"/>
+          <p:nvPr/>
+        </p:nvSpPr>
+        <p:spPr>
+          <a:xfrm>
+            <a:off x="6067644" y="1552359"/>
+            <a:ext cx="3226396" cy="5262979"/>
+          </a:xfrm>
+          <a:prstGeom prst="rect">
+            <a:avLst/>
+          </a:prstGeom>
+          <a:noFill/>
+        </p:spPr>
+        <p:txBody>
+          <a:bodyPr wrap="none" rtlCol="0">
+            <a:spAutoFit/>
+          </a:bodyPr>
+          <a:lstStyle/>
+          <a:p>
+            <a:r>
+              <a:rPr lang="en-US" sz="2800" dirty="0"/>
+              <a:t>machine B {</a:t>
+            </a:r>
+          </a:p>
+          <a:p>
+            <a:r>
+              <a:rPr lang="en-US" sz="2800" dirty="0"/>
+              <a:t>    …</a:t>
+            </a:r>
+          </a:p>
+          <a:p>
+            <a:r>
+              <a:rPr lang="en-US" sz="2800" dirty="0"/>
+              <a:t>    on REQ do {</a:t>
+            </a:r>
+          </a:p>
+          <a:p>
+            <a:r>
+              <a:rPr lang="en-US" sz="2800" dirty="0"/>
+              <a:t>        while ( Poll() ) { }</a:t>
+            </a:r>
+          </a:p>
+          <a:p>
+            <a:r>
+              <a:rPr lang="en-US" sz="2800" dirty="0"/>
+              <a:t>        send B, RESP;</a:t>
+            </a:r>
+          </a:p>
+          <a:p>
+            <a:r>
+              <a:rPr lang="en-US" sz="2800" dirty="0"/>
+              <a:t>    }</a:t>
+            </a:r>
+          </a:p>
+          <a:p>
+            <a:endParaRPr lang="en-US" sz="2800" dirty="0"/>
+          </a:p>
+          <a:p>
+            <a:r>
+              <a:rPr lang="en-US" sz="2800" dirty="0"/>
+              <a:t>    fun Poll(): bool {</a:t>
+            </a:r>
+          </a:p>
+          <a:p>
+            <a:r>
+              <a:rPr lang="en-US" sz="2800" dirty="0"/>
+              <a:t>        return $;</a:t>
+            </a:r>
+          </a:p>
+          <a:p>
+            <a:r>
+              <a:rPr lang="en-US" sz="2800" dirty="0"/>
+              <a:t>    }</a:t>
+            </a:r>
+          </a:p>
+          <a:p>
+            <a:r>
+              <a:rPr lang="en-US" sz="2800" dirty="0"/>
+              <a:t>    …</a:t>
+            </a:r>
+          </a:p>
+          <a:p>
+            <a:r>
+              <a:rPr lang="en-US" sz="2800" dirty="0"/>
+              <a:t>}</a:t>
+            </a:r>
+          </a:p>
+        </p:txBody>
+      </p:sp>
+      <p:sp>
+        <p:nvSpPr>
+          <p:cNvPr id="7" name="TextBox 6"/>
+          <p:cNvSpPr txBox="1"/>
+          <p:nvPr/>
+        </p:nvSpPr>
+        <p:spPr>
+          <a:xfrm>
+            <a:off x="1998919" y="1552359"/>
+            <a:ext cx="2366289" cy="2677656"/>
+          </a:xfrm>
+          <a:prstGeom prst="rect">
+            <a:avLst/>
+          </a:prstGeom>
+          <a:noFill/>
+        </p:spPr>
+        <p:txBody>
+          <a:bodyPr wrap="none" rtlCol="0">
+            <a:spAutoFit/>
+          </a:bodyPr>
+          <a:lstStyle/>
+          <a:p>
+            <a:r>
+              <a:rPr lang="en-US" sz="2800" dirty="0"/>
+              <a:t>machine A </a:t>
+            </a:r>
+          </a:p>
+          <a:p>
+            <a:r>
+              <a:rPr lang="en-US" sz="2800" dirty="0"/>
+              <a:t>{</a:t>
+            </a:r>
+          </a:p>
+          <a:p>
+            <a:r>
+              <a:rPr lang="en-US" sz="2800" dirty="0"/>
+              <a:t>    …</a:t>
+            </a:r>
+          </a:p>
+          <a:p>
+            <a:r>
+              <a:rPr lang="en-US" sz="2800" dirty="0"/>
+              <a:t>    send B, REQ;</a:t>
+            </a:r>
+          </a:p>
+          <a:p>
+            <a:r>
+              <a:rPr lang="en-US" sz="2800" dirty="0"/>
+              <a:t>    …</a:t>
+            </a:r>
+          </a:p>
+          <a:p>
+            <a:r>
+              <a:rPr lang="en-US" sz="2800" dirty="0"/>
+              <a:t>}</a:t>
             </a:r>
           </a:p>
         </p:txBody>
@@ -12075,7 +10059,7 @@
     </p:spTree>
     <p:extLst>
       <p:ext uri="{BB962C8B-B14F-4D97-AF65-F5344CB8AC3E}">
-        <p14:creationId xmlns:p14="http://schemas.microsoft.com/office/powerpoint/2010/main" val="1649541553"/>
+        <p14:creationId xmlns:p14="http://schemas.microsoft.com/office/powerpoint/2010/main" val="2185815924"/>
       </p:ext>
     </p:extLst>
   </p:cSld>
@@ -12104,13 +10088,7 @@
       </p:grpSpPr>
       <p:sp>
         <p:nvSpPr>
-          <p:cNvPr id="2" name="Title 1">
-            <a:extLst>
-              <a:ext uri="{FF2B5EF4-FFF2-40B4-BE49-F238E27FC236}">
-                <a16:creationId xmlns:a16="http://schemas.microsoft.com/office/drawing/2014/main" id="{8D24D369-82C8-471A-B4D0-FAE0237FE966}"/>
-              </a:ext>
-            </a:extLst>
-          </p:cNvPr>
+          <p:cNvPr id="2" name="Title 1"/>
           <p:cNvSpPr>
             <a:spLocks noGrp="1"/>
           </p:cNvSpPr>
@@ -12125,40 +10103,178 @@
           <a:p>
             <a:r>
               <a:rPr lang="en-US" dirty="0"/>
-              <a:t>Put slide on temperature method</a:t>
-            </a:r>
-          </a:p>
-        </p:txBody>
-      </p:sp>
-      <p:sp>
-        <p:nvSpPr>
-          <p:cNvPr id="3" name="Content Placeholder 2">
-            <a:extLst>
-              <a:ext uri="{FF2B5EF4-FFF2-40B4-BE49-F238E27FC236}">
-                <a16:creationId xmlns:a16="http://schemas.microsoft.com/office/drawing/2014/main" id="{48F695C7-F014-4F15-B7C2-0EF01270BFB4}"/>
-              </a:ext>
-            </a:extLst>
-          </p:cNvPr>
-          <p:cNvSpPr>
-            <a:spLocks noGrp="1"/>
-          </p:cNvSpPr>
-          <p:nvPr>
-            <p:ph idx="1"/>
-          </p:nvPr>
-        </p:nvSpPr>
-        <p:spPr/>
-        <p:txBody>
-          <a:bodyPr/>
-          <a:lstStyle/>
-          <a:p>
-            <a:endParaRPr lang="en-US"/>
+              <a:t>Fair choice</a:t>
+            </a:r>
+          </a:p>
+        </p:txBody>
+      </p:sp>
+      <p:sp>
+        <p:nvSpPr>
+          <p:cNvPr id="6" name="TextBox 5"/>
+          <p:cNvSpPr txBox="1"/>
+          <p:nvPr/>
+        </p:nvSpPr>
+        <p:spPr>
+          <a:xfrm>
+            <a:off x="6067644" y="1552359"/>
+            <a:ext cx="3226396" cy="5262979"/>
+          </a:xfrm>
+          <a:prstGeom prst="rect">
+            <a:avLst/>
+          </a:prstGeom>
+          <a:noFill/>
+        </p:spPr>
+        <p:txBody>
+          <a:bodyPr wrap="none" rtlCol="0">
+            <a:spAutoFit/>
+          </a:bodyPr>
+          <a:lstStyle/>
+          <a:p>
+            <a:r>
+              <a:rPr lang="en-US" sz="2800" dirty="0"/>
+              <a:t>machine B {</a:t>
+            </a:r>
+          </a:p>
+          <a:p>
+            <a:r>
+              <a:rPr lang="en-US" sz="2800" dirty="0"/>
+              <a:t>    …</a:t>
+            </a:r>
+          </a:p>
+          <a:p>
+            <a:r>
+              <a:rPr lang="en-US" sz="2800" dirty="0"/>
+              <a:t>    on REQ do {</a:t>
+            </a:r>
+          </a:p>
+          <a:p>
+            <a:r>
+              <a:rPr lang="en-US" sz="2800" dirty="0"/>
+              <a:t>        while ( Poll() ) { }</a:t>
+            </a:r>
+          </a:p>
+          <a:p>
+            <a:r>
+              <a:rPr lang="en-US" sz="2800" dirty="0"/>
+              <a:t>        send B, RESP;</a:t>
+            </a:r>
+          </a:p>
+          <a:p>
+            <a:r>
+              <a:rPr lang="en-US" sz="2800" dirty="0"/>
+              <a:t>    }</a:t>
+            </a:r>
+          </a:p>
+          <a:p>
+            <a:endParaRPr lang="en-US" sz="2800" dirty="0"/>
+          </a:p>
+          <a:p>
+            <a:r>
+              <a:rPr lang="en-US" sz="2800" dirty="0"/>
+              <a:t>    fun Poll(): bool {</a:t>
+            </a:r>
+          </a:p>
+          <a:p>
+            <a:r>
+              <a:rPr lang="en-US" sz="2800" dirty="0"/>
+              <a:t>        return </a:t>
+            </a:r>
+            <a:r>
+              <a:rPr lang="en-US" sz="2800" dirty="0">
+                <a:solidFill>
+                  <a:srgbClr val="FF0000"/>
+                </a:solidFill>
+              </a:rPr>
+              <a:t>$$</a:t>
+            </a:r>
+            <a:r>
+              <a:rPr lang="en-US" sz="2800" dirty="0"/>
+              <a:t>;</a:t>
+            </a:r>
+          </a:p>
+          <a:p>
+            <a:r>
+              <a:rPr lang="en-US" sz="2800" dirty="0"/>
+              <a:t>    }</a:t>
+            </a:r>
+          </a:p>
+          <a:p>
+            <a:r>
+              <a:rPr lang="en-US" sz="2800" dirty="0"/>
+              <a:t>    …</a:t>
+            </a:r>
+          </a:p>
+          <a:p>
+            <a:r>
+              <a:rPr lang="en-US" sz="2800" dirty="0"/>
+              <a:t>}</a:t>
+            </a:r>
+          </a:p>
+        </p:txBody>
+      </p:sp>
+      <p:sp>
+        <p:nvSpPr>
+          <p:cNvPr id="7" name="TextBox 6"/>
+          <p:cNvSpPr txBox="1"/>
+          <p:nvPr/>
+        </p:nvSpPr>
+        <p:spPr>
+          <a:xfrm>
+            <a:off x="1998919" y="1552359"/>
+            <a:ext cx="2366289" cy="2677656"/>
+          </a:xfrm>
+          <a:prstGeom prst="rect">
+            <a:avLst/>
+          </a:prstGeom>
+          <a:noFill/>
+        </p:spPr>
+        <p:txBody>
+          <a:bodyPr wrap="none" rtlCol="0">
+            <a:spAutoFit/>
+          </a:bodyPr>
+          <a:lstStyle/>
+          <a:p>
+            <a:r>
+              <a:rPr lang="en-US" sz="2800" dirty="0"/>
+              <a:t>machine A </a:t>
+            </a:r>
+          </a:p>
+          <a:p>
+            <a:r>
+              <a:rPr lang="en-US" sz="2800" dirty="0"/>
+              <a:t>{</a:t>
+            </a:r>
+          </a:p>
+          <a:p>
+            <a:r>
+              <a:rPr lang="en-US" sz="2800" dirty="0"/>
+              <a:t>    …</a:t>
+            </a:r>
+          </a:p>
+          <a:p>
+            <a:r>
+              <a:rPr lang="en-US" sz="2800" dirty="0"/>
+              <a:t>    send B, REQ;</a:t>
+            </a:r>
+          </a:p>
+          <a:p>
+            <a:r>
+              <a:rPr lang="en-US" sz="2800" dirty="0"/>
+              <a:t>    …</a:t>
+            </a:r>
+          </a:p>
+          <a:p>
+            <a:r>
+              <a:rPr lang="en-US" sz="2800" dirty="0"/>
+              <a:t>}</a:t>
+            </a:r>
           </a:p>
         </p:txBody>
       </p:sp>
     </p:spTree>
     <p:extLst>
       <p:ext uri="{BB962C8B-B14F-4D97-AF65-F5344CB8AC3E}">
-        <p14:creationId xmlns:p14="http://schemas.microsoft.com/office/powerpoint/2010/main" val="1962552527"/>
+        <p14:creationId xmlns:p14="http://schemas.microsoft.com/office/powerpoint/2010/main" val="2665677794"/>
       </p:ext>
     </p:extLst>
   </p:cSld>
@@ -14476,6 +12592,512 @@
 </p:sld>
 </file>
 
+<file path=ppt/slides/slide30.xml><?xml version="1.0" encoding="utf-8"?>
+<p:sld xmlns:a="http://schemas.openxmlformats.org/drawingml/2006/main" xmlns:r="http://schemas.openxmlformats.org/officeDocument/2006/relationships" xmlns:p="http://schemas.openxmlformats.org/presentationml/2006/main">
+  <p:cSld>
+    <p:spTree>
+      <p:nvGrpSpPr>
+        <p:cNvPr id="1" name=""/>
+        <p:cNvGrpSpPr/>
+        <p:nvPr/>
+      </p:nvGrpSpPr>
+      <p:grpSpPr>
+        <a:xfrm>
+          <a:off x="0" y="0"/>
+          <a:ext cx="0" cy="0"/>
+          <a:chOff x="0" y="0"/>
+          <a:chExt cx="0" cy="0"/>
+        </a:xfrm>
+      </p:grpSpPr>
+      <p:sp>
+        <p:nvSpPr>
+          <p:cNvPr id="2" name="Title 1"/>
+          <p:cNvSpPr>
+            <a:spLocks noGrp="1"/>
+          </p:cNvSpPr>
+          <p:nvPr>
+            <p:ph type="title"/>
+          </p:nvPr>
+        </p:nvSpPr>
+        <p:spPr/>
+        <p:txBody>
+          <a:bodyPr/>
+          <a:lstStyle/>
+          <a:p>
+            <a:r>
+              <a:rPr lang="en-US" dirty="0"/>
+              <a:t>Data races in shared-memory programs</a:t>
+            </a:r>
+          </a:p>
+        </p:txBody>
+      </p:sp>
+      <p:sp>
+        <p:nvSpPr>
+          <p:cNvPr id="4" name="TextBox 3"/>
+          <p:cNvSpPr txBox="1"/>
+          <p:nvPr/>
+        </p:nvSpPr>
+        <p:spPr>
+          <a:xfrm>
+            <a:off x="1544320" y="2677160"/>
+            <a:ext cx="1258678" cy="1200329"/>
+          </a:xfrm>
+          <a:prstGeom prst="rect">
+            <a:avLst/>
+          </a:prstGeom>
+          <a:noFill/>
+        </p:spPr>
+        <p:txBody>
+          <a:bodyPr wrap="none" rtlCol="0">
+            <a:spAutoFit/>
+          </a:bodyPr>
+          <a:lstStyle/>
+          <a:p>
+            <a:r>
+              <a:rPr lang="en-US" sz="2400" dirty="0"/>
+              <a:t>Task A</a:t>
+            </a:r>
+          </a:p>
+          <a:p>
+            <a:endParaRPr lang="en-US" sz="2400" dirty="0"/>
+          </a:p>
+          <a:p>
+            <a:r>
+              <a:rPr lang="en-US" sz="2400" dirty="0"/>
+              <a:t>x = x + 1 </a:t>
+            </a:r>
+          </a:p>
+        </p:txBody>
+      </p:sp>
+      <p:sp>
+        <p:nvSpPr>
+          <p:cNvPr id="5" name="TextBox 4"/>
+          <p:cNvSpPr txBox="1"/>
+          <p:nvPr/>
+        </p:nvSpPr>
+        <p:spPr>
+          <a:xfrm>
+            <a:off x="2133600" y="1981200"/>
+            <a:ext cx="1390445" cy="461665"/>
+          </a:xfrm>
+          <a:prstGeom prst="rect">
+            <a:avLst/>
+          </a:prstGeom>
+          <a:noFill/>
+        </p:spPr>
+        <p:txBody>
+          <a:bodyPr wrap="none" rtlCol="0">
+            <a:spAutoFit/>
+          </a:bodyPr>
+          <a:lstStyle/>
+          <a:p>
+            <a:r>
+              <a:rPr lang="en-US" sz="2400" dirty="0" err="1"/>
+              <a:t>int</a:t>
+            </a:r>
+            <a:r>
+              <a:rPr lang="en-US" sz="2400" dirty="0"/>
+              <a:t> x = 10 </a:t>
+            </a:r>
+          </a:p>
+        </p:txBody>
+      </p:sp>
+      <p:sp>
+        <p:nvSpPr>
+          <p:cNvPr id="6" name="TextBox 5"/>
+          <p:cNvSpPr txBox="1"/>
+          <p:nvPr/>
+        </p:nvSpPr>
+        <p:spPr>
+          <a:xfrm>
+            <a:off x="3083560" y="2677160"/>
+            <a:ext cx="1258678" cy="1200329"/>
+          </a:xfrm>
+          <a:prstGeom prst="rect">
+            <a:avLst/>
+          </a:prstGeom>
+          <a:noFill/>
+        </p:spPr>
+        <p:txBody>
+          <a:bodyPr wrap="none" rtlCol="0">
+            <a:spAutoFit/>
+          </a:bodyPr>
+          <a:lstStyle/>
+          <a:p>
+            <a:r>
+              <a:rPr lang="en-US" sz="2400" dirty="0"/>
+              <a:t>Task B</a:t>
+            </a:r>
+          </a:p>
+          <a:p>
+            <a:endParaRPr lang="en-US" sz="2400" dirty="0"/>
+          </a:p>
+          <a:p>
+            <a:r>
+              <a:rPr lang="en-US" sz="2400" dirty="0"/>
+              <a:t>x = x + 1 </a:t>
+            </a:r>
+          </a:p>
+        </p:txBody>
+      </p:sp>
+      <p:sp>
+        <p:nvSpPr>
+          <p:cNvPr id="7" name="TextBox 6"/>
+          <p:cNvSpPr txBox="1"/>
+          <p:nvPr/>
+        </p:nvSpPr>
+        <p:spPr>
+          <a:xfrm>
+            <a:off x="2181049" y="4975860"/>
+            <a:ext cx="1377300" cy="461665"/>
+          </a:xfrm>
+          <a:prstGeom prst="rect">
+            <a:avLst/>
+          </a:prstGeom>
+          <a:noFill/>
+        </p:spPr>
+        <p:txBody>
+          <a:bodyPr wrap="none" rtlCol="0">
+            <a:spAutoFit/>
+          </a:bodyPr>
+          <a:lstStyle/>
+          <a:p>
+            <a:r>
+              <a:rPr lang="en-US" sz="2400" dirty="0"/>
+              <a:t>x = 12, 11</a:t>
+            </a:r>
+          </a:p>
+        </p:txBody>
+      </p:sp>
+      <p:grpSp>
+        <p:nvGrpSpPr>
+          <p:cNvPr id="3" name="Group 2">
+            <a:extLst>
+              <a:ext uri="{FF2B5EF4-FFF2-40B4-BE49-F238E27FC236}">
+                <a16:creationId xmlns:a16="http://schemas.microsoft.com/office/drawing/2014/main" id="{E33F7EB8-632A-41B3-9E6F-0C12E7F299D3}"/>
+              </a:ext>
+            </a:extLst>
+          </p:cNvPr>
+          <p:cNvGrpSpPr/>
+          <p:nvPr/>
+        </p:nvGrpSpPr>
+        <p:grpSpPr>
+          <a:xfrm>
+            <a:off x="5068536" y="1965960"/>
+            <a:ext cx="6511654" cy="4248805"/>
+            <a:chOff x="5068536" y="1965960"/>
+            <a:chExt cx="6511654" cy="4248805"/>
+          </a:xfrm>
+        </p:grpSpPr>
+        <p:sp>
+          <p:nvSpPr>
+            <p:cNvPr id="8" name="TextBox 7"/>
+            <p:cNvSpPr txBox="1"/>
+            <p:nvPr/>
+          </p:nvSpPr>
+          <p:spPr>
+            <a:xfrm>
+              <a:off x="5068536" y="5753100"/>
+              <a:ext cx="6511654" cy="461665"/>
+            </a:xfrm>
+            <a:prstGeom prst="rect">
+              <a:avLst/>
+            </a:prstGeom>
+            <a:noFill/>
+          </p:spPr>
+          <p:txBody>
+            <a:bodyPr wrap="none" rtlCol="0">
+              <a:spAutoFit/>
+            </a:bodyPr>
+            <a:lstStyle/>
+            <a:p>
+              <a:r>
+                <a:rPr lang="en-US" sz="2400" dirty="0"/>
+                <a:t>Cause behavior that is not sequentially consistent</a:t>
+              </a:r>
+            </a:p>
+          </p:txBody>
+        </p:sp>
+        <p:sp>
+          <p:nvSpPr>
+            <p:cNvPr id="9" name="TextBox 8"/>
+            <p:cNvSpPr txBox="1"/>
+            <p:nvPr/>
+          </p:nvSpPr>
+          <p:spPr>
+            <a:xfrm>
+              <a:off x="6461760" y="2661920"/>
+              <a:ext cx="1345240" cy="1938992"/>
+            </a:xfrm>
+            <a:prstGeom prst="rect">
+              <a:avLst/>
+            </a:prstGeom>
+            <a:noFill/>
+          </p:spPr>
+          <p:txBody>
+            <a:bodyPr wrap="none" rtlCol="0">
+              <a:spAutoFit/>
+            </a:bodyPr>
+            <a:lstStyle/>
+            <a:p>
+              <a:r>
+                <a:rPr lang="en-US" sz="2400" dirty="0"/>
+                <a:t>Task A</a:t>
+              </a:r>
+            </a:p>
+            <a:p>
+              <a:endParaRPr lang="en-US" sz="2400" dirty="0"/>
+            </a:p>
+            <a:p>
+              <a:r>
+                <a:rPr lang="en-US" sz="2400" dirty="0"/>
+                <a:t>x = 1</a:t>
+              </a:r>
+            </a:p>
+            <a:p>
+              <a:r>
+                <a:rPr lang="en-US" sz="2400" dirty="0"/>
+                <a:t>if (y == 0)</a:t>
+              </a:r>
+            </a:p>
+            <a:p>
+              <a:r>
+                <a:rPr lang="en-US" sz="2400" dirty="0"/>
+                <a:t>   print A </a:t>
+              </a:r>
+            </a:p>
+          </p:txBody>
+        </p:sp>
+        <p:sp>
+          <p:nvSpPr>
+            <p:cNvPr id="10" name="TextBox 9"/>
+            <p:cNvSpPr txBox="1"/>
+            <p:nvPr/>
+          </p:nvSpPr>
+          <p:spPr>
+            <a:xfrm>
+              <a:off x="7340600" y="1965960"/>
+              <a:ext cx="1967526" cy="461665"/>
+            </a:xfrm>
+            <a:prstGeom prst="rect">
+              <a:avLst/>
+            </a:prstGeom>
+            <a:noFill/>
+          </p:spPr>
+          <p:txBody>
+            <a:bodyPr wrap="none" rtlCol="0">
+              <a:spAutoFit/>
+            </a:bodyPr>
+            <a:lstStyle/>
+            <a:p>
+              <a:r>
+                <a:rPr lang="en-US" sz="2400" dirty="0" err="1"/>
+                <a:t>int</a:t>
+              </a:r>
+              <a:r>
+                <a:rPr lang="en-US" sz="2400" dirty="0"/>
+                <a:t> x = 0, y = 0 </a:t>
+              </a:r>
+            </a:p>
+          </p:txBody>
+        </p:sp>
+        <p:sp>
+          <p:nvSpPr>
+            <p:cNvPr id="11" name="TextBox 10"/>
+            <p:cNvSpPr txBox="1"/>
+            <p:nvPr/>
+          </p:nvSpPr>
+          <p:spPr>
+            <a:xfrm>
+              <a:off x="8961120" y="2661920"/>
+              <a:ext cx="1366400" cy="1938992"/>
+            </a:xfrm>
+            <a:prstGeom prst="rect">
+              <a:avLst/>
+            </a:prstGeom>
+            <a:noFill/>
+          </p:spPr>
+          <p:txBody>
+            <a:bodyPr wrap="none" rtlCol="0">
+              <a:spAutoFit/>
+            </a:bodyPr>
+            <a:lstStyle/>
+            <a:p>
+              <a:r>
+                <a:rPr lang="en-US" sz="2400" dirty="0"/>
+                <a:t>Task B</a:t>
+              </a:r>
+            </a:p>
+            <a:p>
+              <a:endParaRPr lang="en-US" sz="2400" dirty="0"/>
+            </a:p>
+            <a:p>
+              <a:r>
+                <a:rPr lang="en-US" sz="2400" dirty="0"/>
+                <a:t>y = 1</a:t>
+              </a:r>
+            </a:p>
+            <a:p>
+              <a:r>
+                <a:rPr lang="en-US" sz="2400" dirty="0"/>
+                <a:t>if (x == 0)</a:t>
+              </a:r>
+            </a:p>
+            <a:p>
+              <a:r>
+                <a:rPr lang="en-US" sz="2400" dirty="0"/>
+                <a:t>    print B </a:t>
+              </a:r>
+            </a:p>
+          </p:txBody>
+        </p:sp>
+        <p:sp>
+          <p:nvSpPr>
+            <p:cNvPr id="12" name="TextBox 11"/>
+            <p:cNvSpPr txBox="1"/>
+            <p:nvPr/>
+          </p:nvSpPr>
+          <p:spPr>
+            <a:xfrm>
+              <a:off x="6746655" y="4975860"/>
+              <a:ext cx="3155416" cy="461665"/>
+            </a:xfrm>
+            <a:prstGeom prst="rect">
+              <a:avLst/>
+            </a:prstGeom>
+            <a:noFill/>
+          </p:spPr>
+          <p:txBody>
+            <a:bodyPr wrap="none" rtlCol="0">
+              <a:spAutoFit/>
+            </a:bodyPr>
+            <a:lstStyle/>
+            <a:p>
+              <a:r>
+                <a:rPr lang="en-US" sz="2400" dirty="0"/>
+                <a:t>Console = ., A, B, AB, BA</a:t>
+              </a:r>
+            </a:p>
+          </p:txBody>
+        </p:sp>
+      </p:grpSp>
+      <p:sp>
+        <p:nvSpPr>
+          <p:cNvPr id="13" name="TextBox 12"/>
+          <p:cNvSpPr txBox="1"/>
+          <p:nvPr/>
+        </p:nvSpPr>
+        <p:spPr>
+          <a:xfrm>
+            <a:off x="1107440" y="5753100"/>
+            <a:ext cx="3287951" cy="461665"/>
+          </a:xfrm>
+          <a:prstGeom prst="rect">
+            <a:avLst/>
+          </a:prstGeom>
+          <a:noFill/>
+        </p:spPr>
+        <p:txBody>
+          <a:bodyPr wrap="none" rtlCol="0">
+            <a:spAutoFit/>
+          </a:bodyPr>
+          <a:lstStyle/>
+          <a:p>
+            <a:r>
+              <a:rPr lang="en-US" sz="2400" dirty="0"/>
+              <a:t>Violate desired atomicity</a:t>
+            </a:r>
+          </a:p>
+        </p:txBody>
+      </p:sp>
+    </p:spTree>
+    <p:extLst>
+      <p:ext uri="{BB962C8B-B14F-4D97-AF65-F5344CB8AC3E}">
+        <p14:creationId xmlns:p14="http://schemas.microsoft.com/office/powerpoint/2010/main" val="107462318"/>
+      </p:ext>
+    </p:extLst>
+  </p:cSld>
+  <p:clrMapOvr>
+    <a:masterClrMapping/>
+  </p:clrMapOvr>
+  <p:timing>
+    <p:tnLst>
+      <p:par>
+        <p:cTn id="1" dur="indefinite" restart="never" nodeType="tmRoot">
+          <p:childTnLst>
+            <p:seq concurrent="1" nextAc="seek">
+              <p:cTn id="2" dur="indefinite" nodeType="mainSeq">
+                <p:childTnLst>
+                  <p:par>
+                    <p:cTn id="3" fill="hold">
+                      <p:stCondLst>
+                        <p:cond delay="indefinite"/>
+                      </p:stCondLst>
+                      <p:childTnLst>
+                        <p:par>
+                          <p:cTn id="4" fill="hold">
+                            <p:stCondLst>
+                              <p:cond delay="0"/>
+                            </p:stCondLst>
+                            <p:childTnLst>
+                              <p:par>
+                                <p:cTn id="5" presetID="1" presetClass="entr" presetSubtype="0" fill="hold" nodeType="clickEffect">
+                                  <p:stCondLst>
+                                    <p:cond delay="0"/>
+                                  </p:stCondLst>
+                                  <p:childTnLst>
+                                    <p:set>
+                                      <p:cBhvr>
+                                        <p:cTn id="6" dur="1" fill="hold">
+                                          <p:stCondLst>
+                                            <p:cond delay="0"/>
+                                          </p:stCondLst>
+                                        </p:cTn>
+                                        <p:tgtEl>
+                                          <p:spTgt spid="3"/>
+                                        </p:tgtEl>
+                                        <p:attrNameLst>
+                                          <p:attrName>style.visibility</p:attrName>
+                                        </p:attrNameLst>
+                                      </p:cBhvr>
+                                      <p:to>
+                                        <p:strVal val="visible"/>
+                                      </p:to>
+                                    </p:set>
+                                  </p:childTnLst>
+                                </p:cTn>
+                              </p:par>
+                            </p:childTnLst>
+                          </p:cTn>
+                        </p:par>
+                      </p:childTnLst>
+                    </p:cTn>
+                  </p:par>
+                </p:childTnLst>
+              </p:cTn>
+              <p:prevCondLst>
+                <p:cond evt="onPrev" delay="0">
+                  <p:tgtEl>
+                    <p:sldTgt/>
+                  </p:tgtEl>
+                </p:cond>
+              </p:prevCondLst>
+              <p:nextCondLst>
+                <p:cond evt="onNext" delay="0">
+                  <p:tgtEl>
+                    <p:sldTgt/>
+                  </p:tgtEl>
+                </p:cond>
+              </p:nextCondLst>
+            </p:seq>
+          </p:childTnLst>
+        </p:cTn>
+      </p:par>
+    </p:tnLst>
+  </p:timing>
+</p:sld>
+</file>
+
 <file path=ppt/slides/slide4.xml><?xml version="1.0" encoding="utf-8"?>
 <p:sld xmlns:a="http://schemas.openxmlformats.org/drawingml/2006/main" xmlns:r="http://schemas.openxmlformats.org/officeDocument/2006/relationships" xmlns:p="http://schemas.openxmlformats.org/presentationml/2006/main">
   <p:cSld>
